--- a/Hardware_Verification/IC3(PDR)相关paper/IC3.pptx
+++ b/Hardware_Verification/IC3(PDR)相关paper/IC3.pptx
@@ -123,6 +123,22 @@
       </a:defRPr>
     </a:lvl9pPr>
   </p:defaultTextStyle>
+  <p:extLst>
+    <p:ext uri="{EFAFB233-063F-42B5-8137-9DF3F51BA10A}">
+      <p15:sldGuideLst xmlns:p15="http://schemas.microsoft.com/office/powerpoint/2012/main">
+        <p15:guide id="1" orient="horz" pos="2160">
+          <p15:clr>
+            <a:srgbClr val="A4A3A4"/>
+          </p15:clr>
+        </p15:guide>
+        <p15:guide id="2" pos="2880">
+          <p15:clr>
+            <a:srgbClr val="A4A3A4"/>
+          </p15:clr>
+        </p15:guide>
+      </p15:sldGuideLst>
+    </p:ext>
+  </p:extLst>
 </p:presentation>
 </file>
 
@@ -208,7 +224,7 @@
           <a:p>
             <a:fld id="{EC0160E0-72B8-4324-B990-45751E7D47C9}" type="datetimeFigureOut">
               <a:rPr lang="zh-CN" altLang="en-US" smtClean="0"/>
-              <a:t>2019-3-9</a:t>
+              <a:t>2020/12/9 Wednesday</a:t>
             </a:fld>
             <a:endParaRPr lang="zh-CN" altLang="en-US"/>
           </a:p>
@@ -274,38 +290,37 @@
           <a:p>
             <a:pPr lvl="0"/>
             <a:r>
-              <a:rPr lang="zh-CN" altLang="en-US" smtClean="0"/>
+              <a:rPr lang="zh-CN" altLang="en-US"/>
               <a:t>单击此处编辑母版文本样式</a:t>
             </a:r>
           </a:p>
           <a:p>
             <a:pPr lvl="1"/>
             <a:r>
-              <a:rPr lang="zh-CN" altLang="en-US" smtClean="0"/>
+              <a:rPr lang="zh-CN" altLang="en-US"/>
               <a:t>第二级</a:t>
             </a:r>
           </a:p>
           <a:p>
             <a:pPr lvl="2"/>
             <a:r>
-              <a:rPr lang="zh-CN" altLang="en-US" smtClean="0"/>
+              <a:rPr lang="zh-CN" altLang="en-US"/>
               <a:t>第三级</a:t>
             </a:r>
           </a:p>
           <a:p>
             <a:pPr lvl="3"/>
             <a:r>
-              <a:rPr lang="zh-CN" altLang="en-US" smtClean="0"/>
+              <a:rPr lang="zh-CN" altLang="en-US"/>
               <a:t>第四级</a:t>
             </a:r>
           </a:p>
           <a:p>
             <a:pPr lvl="4"/>
             <a:r>
-              <a:rPr lang="zh-CN" altLang="en-US" smtClean="0"/>
+              <a:rPr lang="zh-CN" altLang="en-US"/>
               <a:t>第五级</a:t>
             </a:r>
-            <a:endParaRPr lang="zh-CN" altLang="en-US"/>
           </a:p>
         </p:txBody>
       </p:sp>
@@ -597,10 +612,9 @@
           <a:lstStyle/>
           <a:p>
             <a:r>
-              <a:rPr lang="en-US" smtClean="0"/>
+              <a:rPr lang="en-US"/>
               <a:t>Click to edit Master title style</a:t>
             </a:r>
-            <a:endParaRPr lang="en-US"/>
           </a:p>
         </p:txBody>
       </p:sp>
@@ -716,10 +730,9 @@
           </a:lstStyle>
           <a:p>
             <a:r>
-              <a:rPr lang="en-US" smtClean="0"/>
+              <a:rPr lang="en-US"/>
               <a:t>Click to edit Master subtitle style</a:t>
             </a:r>
-            <a:endParaRPr lang="en-US"/>
           </a:p>
         </p:txBody>
       </p:sp>
@@ -741,7 +754,7 @@
             <a:fld id="{1D8BD707-D9CF-40AE-B4C6-C98DA3205C09}" type="datetimeFigureOut">
               <a:rPr lang="en-US" smtClean="0"/>
               <a:pPr/>
-              <a:t>3/9/2019</a:t>
+              <a:t>12/9/2020</a:t>
             </a:fld>
             <a:endParaRPr lang="en-US"/>
           </a:p>
@@ -831,10 +844,9 @@
           <a:lstStyle/>
           <a:p>
             <a:r>
-              <a:rPr lang="en-US" smtClean="0"/>
+              <a:rPr lang="en-US"/>
               <a:t>Click to edit Master title style</a:t>
             </a:r>
-            <a:endParaRPr lang="en-US"/>
           </a:p>
         </p:txBody>
       </p:sp>
@@ -855,38 +867,37 @@
           <a:p>
             <a:pPr lvl="0"/>
             <a:r>
-              <a:rPr lang="en-US" smtClean="0"/>
+              <a:rPr lang="en-US"/>
               <a:t>Click to edit Master text styles</a:t>
             </a:r>
           </a:p>
           <a:p>
             <a:pPr lvl="1"/>
             <a:r>
-              <a:rPr lang="en-US" smtClean="0"/>
+              <a:rPr lang="en-US"/>
               <a:t>Second level</a:t>
             </a:r>
           </a:p>
           <a:p>
             <a:pPr lvl="2"/>
             <a:r>
-              <a:rPr lang="en-US" smtClean="0"/>
+              <a:rPr lang="en-US"/>
               <a:t>Third level</a:t>
             </a:r>
           </a:p>
           <a:p>
             <a:pPr lvl="3"/>
             <a:r>
-              <a:rPr lang="en-US" smtClean="0"/>
+              <a:rPr lang="en-US"/>
               <a:t>Fourth level</a:t>
             </a:r>
           </a:p>
           <a:p>
             <a:pPr lvl="4"/>
             <a:r>
-              <a:rPr lang="en-US" smtClean="0"/>
+              <a:rPr lang="en-US"/>
               <a:t>Fifth level</a:t>
             </a:r>
-            <a:endParaRPr lang="en-US"/>
           </a:p>
         </p:txBody>
       </p:sp>
@@ -908,7 +919,7 @@
             <a:fld id="{1D8BD707-D9CF-40AE-B4C6-C98DA3205C09}" type="datetimeFigureOut">
               <a:rPr lang="en-US" smtClean="0"/>
               <a:pPr/>
-              <a:t>3/9/2019</a:t>
+              <a:t>12/9/2020</a:t>
             </a:fld>
             <a:endParaRPr lang="en-US"/>
           </a:p>
@@ -1003,10 +1014,9 @@
           <a:lstStyle/>
           <a:p>
             <a:r>
-              <a:rPr lang="en-US" smtClean="0"/>
+              <a:rPr lang="en-US"/>
               <a:t>Click to edit Master title style</a:t>
             </a:r>
-            <a:endParaRPr lang="en-US"/>
           </a:p>
         </p:txBody>
       </p:sp>
@@ -1032,38 +1042,37 @@
           <a:p>
             <a:pPr lvl="0"/>
             <a:r>
-              <a:rPr lang="en-US" smtClean="0"/>
+              <a:rPr lang="en-US"/>
               <a:t>Click to edit Master text styles</a:t>
             </a:r>
           </a:p>
           <a:p>
             <a:pPr lvl="1"/>
             <a:r>
-              <a:rPr lang="en-US" smtClean="0"/>
+              <a:rPr lang="en-US"/>
               <a:t>Second level</a:t>
             </a:r>
           </a:p>
           <a:p>
             <a:pPr lvl="2"/>
             <a:r>
-              <a:rPr lang="en-US" smtClean="0"/>
+              <a:rPr lang="en-US"/>
               <a:t>Third level</a:t>
             </a:r>
           </a:p>
           <a:p>
             <a:pPr lvl="3"/>
             <a:r>
-              <a:rPr lang="en-US" smtClean="0"/>
+              <a:rPr lang="en-US"/>
               <a:t>Fourth level</a:t>
             </a:r>
           </a:p>
           <a:p>
             <a:pPr lvl="4"/>
             <a:r>
-              <a:rPr lang="en-US" smtClean="0"/>
+              <a:rPr lang="en-US"/>
               <a:t>Fifth level</a:t>
             </a:r>
-            <a:endParaRPr lang="en-US"/>
           </a:p>
         </p:txBody>
       </p:sp>
@@ -1085,7 +1094,7 @@
             <a:fld id="{1D8BD707-D9CF-40AE-B4C6-C98DA3205C09}" type="datetimeFigureOut">
               <a:rPr lang="en-US" smtClean="0"/>
               <a:pPr/>
-              <a:t>3/9/2019</a:t>
+              <a:t>12/9/2020</a:t>
             </a:fld>
             <a:endParaRPr lang="en-US"/>
           </a:p>
@@ -1175,10 +1184,9 @@
           <a:lstStyle/>
           <a:p>
             <a:r>
-              <a:rPr lang="en-US" smtClean="0"/>
+              <a:rPr lang="en-US"/>
               <a:t>Click to edit Master title style</a:t>
             </a:r>
-            <a:endParaRPr lang="en-US"/>
           </a:p>
         </p:txBody>
       </p:sp>
@@ -1199,38 +1207,37 @@
           <a:p>
             <a:pPr lvl="0"/>
             <a:r>
-              <a:rPr lang="en-US" smtClean="0"/>
+              <a:rPr lang="en-US"/>
               <a:t>Click to edit Master text styles</a:t>
             </a:r>
           </a:p>
           <a:p>
             <a:pPr lvl="1"/>
             <a:r>
-              <a:rPr lang="en-US" smtClean="0"/>
+              <a:rPr lang="en-US"/>
               <a:t>Second level</a:t>
             </a:r>
           </a:p>
           <a:p>
             <a:pPr lvl="2"/>
             <a:r>
-              <a:rPr lang="en-US" smtClean="0"/>
+              <a:rPr lang="en-US"/>
               <a:t>Third level</a:t>
             </a:r>
           </a:p>
           <a:p>
             <a:pPr lvl="3"/>
             <a:r>
-              <a:rPr lang="en-US" smtClean="0"/>
+              <a:rPr lang="en-US"/>
               <a:t>Fourth level</a:t>
             </a:r>
           </a:p>
           <a:p>
             <a:pPr lvl="4"/>
             <a:r>
-              <a:rPr lang="en-US" smtClean="0"/>
+              <a:rPr lang="en-US"/>
               <a:t>Fifth level</a:t>
             </a:r>
-            <a:endParaRPr lang="en-US"/>
           </a:p>
         </p:txBody>
       </p:sp>
@@ -1252,7 +1259,7 @@
             <a:fld id="{1D8BD707-D9CF-40AE-B4C6-C98DA3205C09}" type="datetimeFigureOut">
               <a:rPr lang="en-US" smtClean="0"/>
               <a:pPr/>
-              <a:t>3/9/2019</a:t>
+              <a:t>12/9/2020</a:t>
             </a:fld>
             <a:endParaRPr lang="en-US"/>
           </a:p>
@@ -1351,10 +1358,9 @@
           </a:lstStyle>
           <a:p>
             <a:r>
-              <a:rPr lang="en-US" smtClean="0"/>
+              <a:rPr lang="en-US"/>
               <a:t>Click to edit Master title style</a:t>
             </a:r>
-            <a:endParaRPr lang="en-US"/>
           </a:p>
         </p:txBody>
       </p:sp>
@@ -1471,7 +1477,7 @@
           <a:p>
             <a:pPr lvl="0"/>
             <a:r>
-              <a:rPr lang="en-US" smtClean="0"/>
+              <a:rPr lang="en-US"/>
               <a:t>Click to edit Master text styles</a:t>
             </a:r>
           </a:p>
@@ -1495,7 +1501,7 @@
             <a:fld id="{1D8BD707-D9CF-40AE-B4C6-C98DA3205C09}" type="datetimeFigureOut">
               <a:rPr lang="en-US" smtClean="0"/>
               <a:pPr/>
-              <a:t>3/9/2019</a:t>
+              <a:t>12/9/2020</a:t>
             </a:fld>
             <a:endParaRPr lang="en-US"/>
           </a:p>
@@ -1585,10 +1591,9 @@
           <a:lstStyle/>
           <a:p>
             <a:r>
-              <a:rPr lang="en-US" smtClean="0"/>
+              <a:rPr lang="en-US"/>
               <a:t>Click to edit Master title style</a:t>
             </a:r>
-            <a:endParaRPr lang="en-US"/>
           </a:p>
         </p:txBody>
       </p:sp>
@@ -1642,38 +1647,37 @@
           <a:p>
             <a:pPr lvl="0"/>
             <a:r>
-              <a:rPr lang="en-US" smtClean="0"/>
+              <a:rPr lang="en-US"/>
               <a:t>Click to edit Master text styles</a:t>
             </a:r>
           </a:p>
           <a:p>
             <a:pPr lvl="1"/>
             <a:r>
-              <a:rPr lang="en-US" smtClean="0"/>
+              <a:rPr lang="en-US"/>
               <a:t>Second level</a:t>
             </a:r>
           </a:p>
           <a:p>
             <a:pPr lvl="2"/>
             <a:r>
-              <a:rPr lang="en-US" smtClean="0"/>
+              <a:rPr lang="en-US"/>
               <a:t>Third level</a:t>
             </a:r>
           </a:p>
           <a:p>
             <a:pPr lvl="3"/>
             <a:r>
-              <a:rPr lang="en-US" smtClean="0"/>
+              <a:rPr lang="en-US"/>
               <a:t>Fourth level</a:t>
             </a:r>
           </a:p>
           <a:p>
             <a:pPr lvl="4"/>
             <a:r>
-              <a:rPr lang="en-US" smtClean="0"/>
+              <a:rPr lang="en-US"/>
               <a:t>Fifth level</a:t>
             </a:r>
-            <a:endParaRPr lang="en-US"/>
           </a:p>
         </p:txBody>
       </p:sp>
@@ -1727,38 +1731,37 @@
           <a:p>
             <a:pPr lvl="0"/>
             <a:r>
-              <a:rPr lang="en-US" smtClean="0"/>
+              <a:rPr lang="en-US"/>
               <a:t>Click to edit Master text styles</a:t>
             </a:r>
           </a:p>
           <a:p>
             <a:pPr lvl="1"/>
             <a:r>
-              <a:rPr lang="en-US" smtClean="0"/>
+              <a:rPr lang="en-US"/>
               <a:t>Second level</a:t>
             </a:r>
           </a:p>
           <a:p>
             <a:pPr lvl="2"/>
             <a:r>
-              <a:rPr lang="en-US" smtClean="0"/>
+              <a:rPr lang="en-US"/>
               <a:t>Third level</a:t>
             </a:r>
           </a:p>
           <a:p>
             <a:pPr lvl="3"/>
             <a:r>
-              <a:rPr lang="en-US" smtClean="0"/>
+              <a:rPr lang="en-US"/>
               <a:t>Fourth level</a:t>
             </a:r>
           </a:p>
           <a:p>
             <a:pPr lvl="4"/>
             <a:r>
-              <a:rPr lang="en-US" smtClean="0"/>
+              <a:rPr lang="en-US"/>
               <a:t>Fifth level</a:t>
             </a:r>
-            <a:endParaRPr lang="en-US"/>
           </a:p>
         </p:txBody>
       </p:sp>
@@ -1780,7 +1783,7 @@
             <a:fld id="{1D8BD707-D9CF-40AE-B4C6-C98DA3205C09}" type="datetimeFigureOut">
               <a:rPr lang="en-US" smtClean="0"/>
               <a:pPr/>
-              <a:t>3/9/2019</a:t>
+              <a:t>12/9/2020</a:t>
             </a:fld>
             <a:endParaRPr lang="en-US"/>
           </a:p>
@@ -1874,10 +1877,9 @@
           </a:lstStyle>
           <a:p>
             <a:r>
-              <a:rPr lang="en-US" smtClean="0"/>
+              <a:rPr lang="en-US"/>
               <a:t>Click to edit Master title style</a:t>
             </a:r>
-            <a:endParaRPr lang="en-US"/>
           </a:p>
         </p:txBody>
       </p:sp>
@@ -1940,7 +1942,7 @@
           <a:p>
             <a:pPr lvl="0"/>
             <a:r>
-              <a:rPr lang="en-US" smtClean="0"/>
+              <a:rPr lang="en-US"/>
               <a:t>Click to edit Master text styles</a:t>
             </a:r>
           </a:p>
@@ -1996,38 +1998,37 @@
           <a:p>
             <a:pPr lvl="0"/>
             <a:r>
-              <a:rPr lang="en-US" smtClean="0"/>
+              <a:rPr lang="en-US"/>
               <a:t>Click to edit Master text styles</a:t>
             </a:r>
           </a:p>
           <a:p>
             <a:pPr lvl="1"/>
             <a:r>
-              <a:rPr lang="en-US" smtClean="0"/>
+              <a:rPr lang="en-US"/>
               <a:t>Second level</a:t>
             </a:r>
           </a:p>
           <a:p>
             <a:pPr lvl="2"/>
             <a:r>
-              <a:rPr lang="en-US" smtClean="0"/>
+              <a:rPr lang="en-US"/>
               <a:t>Third level</a:t>
             </a:r>
           </a:p>
           <a:p>
             <a:pPr lvl="3"/>
             <a:r>
-              <a:rPr lang="en-US" smtClean="0"/>
+              <a:rPr lang="en-US"/>
               <a:t>Fourth level</a:t>
             </a:r>
           </a:p>
           <a:p>
             <a:pPr lvl="4"/>
             <a:r>
-              <a:rPr lang="en-US" smtClean="0"/>
+              <a:rPr lang="en-US"/>
               <a:t>Fifth level</a:t>
             </a:r>
-            <a:endParaRPr lang="en-US"/>
           </a:p>
         </p:txBody>
       </p:sp>
@@ -2090,7 +2091,7 @@
           <a:p>
             <a:pPr lvl="0"/>
             <a:r>
-              <a:rPr lang="en-US" smtClean="0"/>
+              <a:rPr lang="en-US"/>
               <a:t>Click to edit Master text styles</a:t>
             </a:r>
           </a:p>
@@ -2146,38 +2147,37 @@
           <a:p>
             <a:pPr lvl="0"/>
             <a:r>
-              <a:rPr lang="en-US" smtClean="0"/>
+              <a:rPr lang="en-US"/>
               <a:t>Click to edit Master text styles</a:t>
             </a:r>
           </a:p>
           <a:p>
             <a:pPr lvl="1"/>
             <a:r>
-              <a:rPr lang="en-US" smtClean="0"/>
+              <a:rPr lang="en-US"/>
               <a:t>Second level</a:t>
             </a:r>
           </a:p>
           <a:p>
             <a:pPr lvl="2"/>
             <a:r>
-              <a:rPr lang="en-US" smtClean="0"/>
+              <a:rPr lang="en-US"/>
               <a:t>Third level</a:t>
             </a:r>
           </a:p>
           <a:p>
             <a:pPr lvl="3"/>
             <a:r>
-              <a:rPr lang="en-US" smtClean="0"/>
+              <a:rPr lang="en-US"/>
               <a:t>Fourth level</a:t>
             </a:r>
           </a:p>
           <a:p>
             <a:pPr lvl="4"/>
             <a:r>
-              <a:rPr lang="en-US" smtClean="0"/>
+              <a:rPr lang="en-US"/>
               <a:t>Fifth level</a:t>
             </a:r>
-            <a:endParaRPr lang="en-US"/>
           </a:p>
         </p:txBody>
       </p:sp>
@@ -2199,7 +2199,7 @@
             <a:fld id="{1D8BD707-D9CF-40AE-B4C6-C98DA3205C09}" type="datetimeFigureOut">
               <a:rPr lang="en-US" smtClean="0"/>
               <a:pPr/>
-              <a:t>3/9/2019</a:t>
+              <a:t>12/9/2020</a:t>
             </a:fld>
             <a:endParaRPr lang="en-US"/>
           </a:p>
@@ -2289,10 +2289,9 @@
           <a:lstStyle/>
           <a:p>
             <a:r>
-              <a:rPr lang="en-US" smtClean="0"/>
+              <a:rPr lang="en-US"/>
               <a:t>Click to edit Master title style</a:t>
             </a:r>
-            <a:endParaRPr lang="en-US"/>
           </a:p>
         </p:txBody>
       </p:sp>
@@ -2314,7 +2313,7 @@
             <a:fld id="{1D8BD707-D9CF-40AE-B4C6-C98DA3205C09}" type="datetimeFigureOut">
               <a:rPr lang="en-US" smtClean="0"/>
               <a:pPr/>
-              <a:t>3/9/2019</a:t>
+              <a:t>12/9/2020</a:t>
             </a:fld>
             <a:endParaRPr lang="en-US"/>
           </a:p>
@@ -2406,7 +2405,7 @@
             <a:fld id="{1D8BD707-D9CF-40AE-B4C6-C98DA3205C09}" type="datetimeFigureOut">
               <a:rPr lang="en-US" smtClean="0"/>
               <a:pPr/>
-              <a:t>3/9/2019</a:t>
+              <a:t>12/9/2020</a:t>
             </a:fld>
             <a:endParaRPr lang="en-US"/>
           </a:p>
@@ -2505,10 +2504,9 @@
           </a:lstStyle>
           <a:p>
             <a:r>
-              <a:rPr lang="en-US" smtClean="0"/>
+              <a:rPr lang="en-US"/>
               <a:t>Click to edit Master title style</a:t>
             </a:r>
-            <a:endParaRPr lang="en-US"/>
           </a:p>
         </p:txBody>
       </p:sp>
@@ -2562,38 +2560,37 @@
           <a:p>
             <a:pPr lvl="0"/>
             <a:r>
-              <a:rPr lang="en-US" smtClean="0"/>
+              <a:rPr lang="en-US"/>
               <a:t>Click to edit Master text styles</a:t>
             </a:r>
           </a:p>
           <a:p>
             <a:pPr lvl="1"/>
             <a:r>
-              <a:rPr lang="en-US" smtClean="0"/>
+              <a:rPr lang="en-US"/>
               <a:t>Second level</a:t>
             </a:r>
           </a:p>
           <a:p>
             <a:pPr lvl="2"/>
             <a:r>
-              <a:rPr lang="en-US" smtClean="0"/>
+              <a:rPr lang="en-US"/>
               <a:t>Third level</a:t>
             </a:r>
           </a:p>
           <a:p>
             <a:pPr lvl="3"/>
             <a:r>
-              <a:rPr lang="en-US" smtClean="0"/>
+              <a:rPr lang="en-US"/>
               <a:t>Fourth level</a:t>
             </a:r>
           </a:p>
           <a:p>
             <a:pPr lvl="4"/>
             <a:r>
-              <a:rPr lang="en-US" smtClean="0"/>
+              <a:rPr lang="en-US"/>
               <a:t>Fifth level</a:t>
             </a:r>
-            <a:endParaRPr lang="en-US"/>
           </a:p>
         </p:txBody>
       </p:sp>
@@ -2656,7 +2653,7 @@
           <a:p>
             <a:pPr lvl="0"/>
             <a:r>
-              <a:rPr lang="en-US" smtClean="0"/>
+              <a:rPr lang="en-US"/>
               <a:t>Click to edit Master text styles</a:t>
             </a:r>
           </a:p>
@@ -2680,7 +2677,7 @@
             <a:fld id="{1D8BD707-D9CF-40AE-B4C6-C98DA3205C09}" type="datetimeFigureOut">
               <a:rPr lang="en-US" smtClean="0"/>
               <a:pPr/>
-              <a:t>3/9/2019</a:t>
+              <a:t>12/9/2020</a:t>
             </a:fld>
             <a:endParaRPr lang="en-US"/>
           </a:p>
@@ -2779,10 +2776,9 @@
           </a:lstStyle>
           <a:p>
             <a:r>
-              <a:rPr lang="en-US" smtClean="0"/>
+              <a:rPr lang="en-US"/>
               <a:t>Click to edit Master title style</a:t>
             </a:r>
-            <a:endParaRPr lang="en-US"/>
           </a:p>
         </p:txBody>
       </p:sp>
@@ -2906,7 +2902,7 @@
           <a:p>
             <a:pPr lvl="0"/>
             <a:r>
-              <a:rPr lang="en-US" smtClean="0"/>
+              <a:rPr lang="en-US"/>
               <a:t>Click to edit Master text styles</a:t>
             </a:r>
           </a:p>
@@ -2930,7 +2926,7 @@
             <a:fld id="{1D8BD707-D9CF-40AE-B4C6-C98DA3205C09}" type="datetimeFigureOut">
               <a:rPr lang="en-US" smtClean="0"/>
               <a:pPr/>
-              <a:t>3/9/2019</a:t>
+              <a:t>12/9/2020</a:t>
             </a:fld>
             <a:endParaRPr lang="en-US"/>
           </a:p>
@@ -3035,10 +3031,9 @@
           <a:lstStyle/>
           <a:p>
             <a:r>
-              <a:rPr lang="en-US" smtClean="0"/>
+              <a:rPr lang="en-US"/>
               <a:t>Click to edit Master title style</a:t>
             </a:r>
-            <a:endParaRPr lang="en-US"/>
           </a:p>
         </p:txBody>
       </p:sp>
@@ -3069,38 +3064,37 @@
           <a:p>
             <a:pPr lvl="0"/>
             <a:r>
-              <a:rPr lang="en-US" smtClean="0"/>
+              <a:rPr lang="en-US"/>
               <a:t>Click to edit Master text styles</a:t>
             </a:r>
           </a:p>
           <a:p>
             <a:pPr lvl="1"/>
             <a:r>
-              <a:rPr lang="en-US" smtClean="0"/>
+              <a:rPr lang="en-US"/>
               <a:t>Second level</a:t>
             </a:r>
           </a:p>
           <a:p>
             <a:pPr lvl="2"/>
             <a:r>
-              <a:rPr lang="en-US" smtClean="0"/>
+              <a:rPr lang="en-US"/>
               <a:t>Third level</a:t>
             </a:r>
           </a:p>
           <a:p>
             <a:pPr lvl="3"/>
             <a:r>
-              <a:rPr lang="en-US" smtClean="0"/>
+              <a:rPr lang="en-US"/>
               <a:t>Fourth level</a:t>
             </a:r>
           </a:p>
           <a:p>
             <a:pPr lvl="4"/>
             <a:r>
-              <a:rPr lang="en-US" smtClean="0"/>
+              <a:rPr lang="en-US"/>
               <a:t>Fifth level</a:t>
             </a:r>
-            <a:endParaRPr lang="en-US"/>
           </a:p>
         </p:txBody>
       </p:sp>
@@ -3140,7 +3134,7 @@
             <a:fld id="{1D8BD707-D9CF-40AE-B4C6-C98DA3205C09}" type="datetimeFigureOut">
               <a:rPr lang="en-US" smtClean="0"/>
               <a:pPr/>
-              <a:t>3/9/2019</a:t>
+              <a:t>12/9/2020</a:t>
             </a:fld>
             <a:endParaRPr lang="en-US"/>
           </a:p>
@@ -4045,7 +4039,7 @@
               <a:tabLst/>
             </a:pPr>
             <a:r>
-              <a:rPr lang="en-US" altLang="zh-CN" sz="4400" b="1" dirty="0" smtClean="0">
+              <a:rPr lang="en-US" altLang="zh-CN" sz="4400" b="1" dirty="0">
                 <a:solidFill>
                   <a:srgbClr val="000000"/>
                 </a:solidFill>
@@ -4054,7 +4048,7 @@
               </a:rPr>
               <a:t>Introduction to IC3</a:t>
             </a:r>
-            <a:endParaRPr lang="en-US" altLang="zh-CN" sz="4400" b="1" dirty="0" smtClean="0">
+            <a:endParaRPr lang="en-US" altLang="zh-CN" sz="4400" b="1" dirty="0">
               <a:solidFill>
                 <a:srgbClr val="000000"/>
               </a:solidFill>
@@ -4087,7 +4081,7 @@
           <a:lstStyle/>
           <a:p>
             <a:r>
-              <a:rPr lang="en-US" altLang="zh-CN" dirty="0" smtClean="0"/>
+              <a:rPr lang="en-US" altLang="zh-CN" dirty="0"/>
               <a:t>Understanding Aaron R. Bradley’s algorithm</a:t>
             </a:r>
             <a:endParaRPr lang="zh-CN" altLang="en-US" dirty="0"/>
@@ -4099,13 +4093,6 @@
   <p:clrMapOvr>
     <a:masterClrMapping/>
   </p:clrMapOvr>
-  <p:timing>
-    <p:tnLst>
-      <p:par>
-        <p:cTn id="1" dur="indefinite" restart="never" nodeType="tmRoot"/>
-      </p:par>
-    </p:tnLst>
-  </p:timing>
 </p:sld>
 </file>
 
@@ -4432,7 +4419,7 @@
               </a:lnSpc>
             </a:pPr>
             <a:r>
-              <a:rPr lang="en-US" altLang="zh-CN" sz="2802" dirty="0" smtClean="0">
+              <a:rPr lang="en-US" altLang="zh-CN" sz="2802" dirty="0">
                 <a:solidFill>
                   <a:srgbClr val="FFFFFF"/>
                 </a:solidFill>
@@ -4475,7 +4462,7 @@
               </a:tabLst>
             </a:pPr>
             <a:r>
-              <a:rPr lang="en-US" altLang="zh-CN" sz="2597" dirty="0" smtClean="0">
+              <a:rPr lang="en-US" altLang="zh-CN" sz="2597" dirty="0">
                 <a:solidFill>
                   <a:srgbClr val="FF9A00"/>
                 </a:solidFill>
@@ -4485,28 +4472,28 @@
               <a:t></a:t>
             </a:r>
             <a:r>
-              <a:rPr lang="en-US" altLang="zh-CN" sz="2597" dirty="0" smtClean="0">
+              <a:rPr lang="en-US" altLang="zh-CN" sz="2597" dirty="0">
                 <a:latin typeface="Times New Roman" pitchFamily="18" charset="0"/>
                 <a:cs typeface="Times New Roman" pitchFamily="18" charset="0"/>
               </a:rPr>
               <a:t>  </a:t>
             </a:r>
             <a:r>
-              <a:rPr lang="zh-CN" altLang="en-US" sz="2597" dirty="0" smtClean="0">
+              <a:rPr lang="zh-CN" altLang="en-US" sz="2597" dirty="0">
                 <a:latin typeface="Times New Roman" pitchFamily="18" charset="0"/>
                 <a:cs typeface="Times New Roman" pitchFamily="18" charset="0"/>
               </a:rPr>
               <a:t>如果</a:t>
             </a:r>
             <a:r>
-              <a:rPr lang="en-US" altLang="zh-CN" sz="2597" dirty="0" smtClean="0">
+              <a:rPr lang="en-US" altLang="zh-CN" sz="2597" dirty="0">
                 <a:latin typeface="Times New Roman" pitchFamily="18" charset="0"/>
                 <a:cs typeface="Times New Roman" pitchFamily="18" charset="0"/>
               </a:rPr>
               <a:t> </a:t>
             </a:r>
             <a:r>
-              <a:rPr lang="en-US" altLang="zh-CN" sz="2597" dirty="0" err="1" smtClean="0">
+              <a:rPr lang="en-US" altLang="zh-CN" sz="2597" dirty="0" err="1">
                 <a:solidFill>
                   <a:srgbClr val="000000"/>
                 </a:solidFill>
@@ -4516,7 +4503,7 @@
               <a:t>i</a:t>
             </a:r>
             <a:r>
-              <a:rPr lang="en-US" altLang="zh-CN" sz="2597" dirty="0" smtClean="0">
+              <a:rPr lang="en-US" altLang="zh-CN" sz="2597" dirty="0">
                 <a:solidFill>
                   <a:srgbClr val="000000"/>
                 </a:solidFill>
@@ -4526,7 +4513,7 @@
               <a:t>=k-1 or </a:t>
             </a:r>
             <a:r>
-              <a:rPr lang="en-US" altLang="zh-CN" sz="2597" dirty="0" err="1" smtClean="0">
+              <a:rPr lang="en-US" altLang="zh-CN" sz="2597" dirty="0" err="1">
                 <a:solidFill>
                   <a:srgbClr val="000000"/>
                 </a:solidFill>
@@ -4536,7 +4523,7 @@
               <a:t>i</a:t>
             </a:r>
             <a:r>
-              <a:rPr lang="en-US" altLang="zh-CN" sz="2597" dirty="0" smtClean="0">
+              <a:rPr lang="en-US" altLang="zh-CN" sz="2597" dirty="0">
                 <a:solidFill>
                   <a:srgbClr val="000000"/>
                 </a:solidFill>
@@ -4546,7 +4533,7 @@
               <a:t>=k </a:t>
             </a:r>
             <a:r>
-              <a:rPr lang="zh-CN" altLang="en-US" sz="2597" dirty="0" smtClean="0">
+              <a:rPr lang="zh-CN" altLang="en-US" sz="2597" dirty="0">
                 <a:solidFill>
                   <a:srgbClr val="000000"/>
                 </a:solidFill>
@@ -4556,7 +4543,7 @@
               <a:t>，则</a:t>
             </a:r>
             <a:r>
-              <a:rPr lang="en-US" altLang="zh-CN" sz="2597" dirty="0" smtClean="0">
+              <a:rPr lang="en-US" altLang="zh-CN" sz="2597" dirty="0">
                 <a:solidFill>
                   <a:srgbClr val="000000"/>
                 </a:solidFill>
@@ -4566,7 +4553,7 @@
               <a:t>s</a:t>
             </a:r>
             <a:r>
-              <a:rPr lang="zh-CN" altLang="en-US" sz="2597" dirty="0" smtClean="0">
+              <a:rPr lang="zh-CN" altLang="en-US" sz="2597" dirty="0">
                 <a:solidFill>
                   <a:srgbClr val="000000"/>
                 </a:solidFill>
@@ -4576,7 +4563,7 @@
               <a:t>被从</a:t>
             </a:r>
             <a:r>
-              <a:rPr lang="en-US" altLang="zh-CN" sz="2597" dirty="0" err="1" smtClean="0">
+              <a:rPr lang="en-US" altLang="zh-CN" sz="2597" dirty="0" err="1">
                 <a:solidFill>
                   <a:srgbClr val="000000"/>
                 </a:solidFill>
@@ -4586,7 +4573,7 @@
               <a:t>F</a:t>
             </a:r>
             <a:r>
-              <a:rPr lang="en-US" altLang="zh-CN" dirty="0" err="1" smtClean="0">
+              <a:rPr lang="en-US" altLang="zh-CN" dirty="0" err="1">
                 <a:solidFill>
                   <a:srgbClr val="000000"/>
                 </a:solidFill>
@@ -4596,7 +4583,7 @@
               <a:t>k</a:t>
             </a:r>
             <a:r>
-              <a:rPr lang="zh-CN" altLang="en-US" sz="2597" dirty="0" smtClean="0">
+              <a:rPr lang="zh-CN" altLang="en-US" sz="2597" dirty="0">
                 <a:solidFill>
                   <a:srgbClr val="000000"/>
                 </a:solidFill>
@@ -4605,7 +4592,7 @@
               </a:rPr>
               <a:t>中去除了，重新发掘新反例</a:t>
             </a:r>
-            <a:endParaRPr lang="en-US" altLang="zh-CN" sz="2597" dirty="0" smtClean="0">
+            <a:endParaRPr lang="en-US" altLang="zh-CN" sz="2597" dirty="0">
               <a:solidFill>
                 <a:srgbClr val="000000"/>
               </a:solidFill>
@@ -4622,7 +4609,7 @@
                 <a:tab pos="469900" algn="l"/>
               </a:tabLst>
             </a:pPr>
-            <a:endParaRPr lang="en-US" altLang="zh-CN" sz="2400" dirty="0" smtClean="0">
+            <a:endParaRPr lang="en-US" altLang="zh-CN" sz="2400" dirty="0">
               <a:solidFill>
                 <a:srgbClr val="000000"/>
               </a:solidFill>
@@ -4636,7 +4623,7 @@
                 <a:spcPts val="1000"/>
               </a:lnSpc>
             </a:pPr>
-            <a:endParaRPr lang="en-US" altLang="zh-CN" dirty="0" smtClean="0"/>
+            <a:endParaRPr lang="en-US" altLang="zh-CN" dirty="0"/>
           </a:p>
           <a:p>
             <a:pPr>
@@ -4645,7 +4632,7 @@
               </a:lnSpc>
             </a:pPr>
             <a:r>
-              <a:rPr lang="en-US" altLang="zh-CN" dirty="0" smtClean="0"/>
+              <a:rPr lang="en-US" altLang="zh-CN" dirty="0"/>
               <a:t>	</a:t>
             </a:r>
           </a:p>
@@ -4655,7 +4642,7 @@
                 <a:spcPts val="1000"/>
               </a:lnSpc>
             </a:pPr>
-            <a:endParaRPr lang="en-US" altLang="zh-CN" dirty="0" smtClean="0"/>
+            <a:endParaRPr lang="en-US" altLang="zh-CN" dirty="0"/>
           </a:p>
           <a:p>
             <a:pPr>
@@ -4663,7 +4650,7 @@
                 <a:spcPts val="1000"/>
               </a:lnSpc>
             </a:pPr>
-            <a:endParaRPr lang="en-US" altLang="zh-CN" dirty="0" smtClean="0"/>
+            <a:endParaRPr lang="en-US" altLang="zh-CN" dirty="0"/>
           </a:p>
           <a:p>
             <a:pPr>
@@ -4675,7 +4662,7 @@
               </a:tabLst>
             </a:pPr>
             <a:r>
-              <a:rPr lang="en-US" altLang="zh-CN" sz="2400" dirty="0" smtClean="0">
+              <a:rPr lang="en-US" altLang="zh-CN" sz="2400" dirty="0">
                 <a:solidFill>
                   <a:srgbClr val="FF9A00"/>
                 </a:solidFill>
@@ -4685,21 +4672,21 @@
               <a:t></a:t>
             </a:r>
             <a:r>
-              <a:rPr lang="en-US" altLang="zh-CN" sz="2400" dirty="0" smtClean="0">
+              <a:rPr lang="en-US" altLang="zh-CN" sz="2400" dirty="0">
                 <a:latin typeface="Times New Roman" pitchFamily="18" charset="0"/>
                 <a:cs typeface="Times New Roman" pitchFamily="18" charset="0"/>
               </a:rPr>
               <a:t>   </a:t>
             </a:r>
             <a:r>
-              <a:rPr lang="zh-CN" altLang="en-US" sz="2400" dirty="0" smtClean="0">
+              <a:rPr lang="zh-CN" altLang="en-US" sz="2400" dirty="0">
                 <a:latin typeface="Times New Roman" pitchFamily="18" charset="0"/>
                 <a:cs typeface="Times New Roman" pitchFamily="18" charset="0"/>
               </a:rPr>
               <a:t>如果</a:t>
             </a:r>
             <a:r>
-              <a:rPr lang="en-US" altLang="zh-CN" sz="2400" dirty="0" err="1" smtClean="0">
+              <a:rPr lang="en-US" altLang="zh-CN" sz="2400" dirty="0" err="1">
                 <a:solidFill>
                   <a:srgbClr val="000000"/>
                 </a:solidFill>
@@ -4709,7 +4696,7 @@
               <a:t>i</a:t>
             </a:r>
             <a:r>
-              <a:rPr lang="en-US" altLang="zh-CN" sz="2400" dirty="0" smtClean="0">
+              <a:rPr lang="en-US" altLang="zh-CN" sz="2400" dirty="0">
                 <a:solidFill>
                   <a:srgbClr val="000000"/>
                 </a:solidFill>
@@ -4719,7 +4706,7 @@
               <a:t>&lt;k-1</a:t>
             </a:r>
             <a:r>
-              <a:rPr lang="zh-CN" altLang="en-US" sz="2400" dirty="0" smtClean="0">
+              <a:rPr lang="zh-CN" altLang="en-US" sz="2400" dirty="0">
                 <a:solidFill>
                   <a:srgbClr val="000000"/>
                 </a:solidFill>
@@ -4729,7 +4716,7 @@
               <a:t>，则</a:t>
             </a:r>
             <a:r>
-              <a:rPr lang="en-US" altLang="zh-CN" sz="2400" dirty="0" smtClean="0">
+              <a:rPr lang="en-US" altLang="zh-CN" sz="2400" dirty="0">
                 <a:solidFill>
                   <a:srgbClr val="000000"/>
                 </a:solidFill>
@@ -4739,7 +4726,7 @@
               <a:t>s</a:t>
             </a:r>
             <a:r>
-              <a:rPr lang="zh-CN" altLang="en-US" sz="2400" dirty="0" smtClean="0">
+              <a:rPr lang="zh-CN" altLang="en-US" sz="2400" dirty="0">
                 <a:solidFill>
                   <a:srgbClr val="000000"/>
                 </a:solidFill>
@@ -4749,7 +4736,7 @@
               <a:t>有可能依旧在</a:t>
             </a:r>
             <a:r>
-              <a:rPr lang="en-US" altLang="zh-CN" sz="2400" dirty="0" err="1" smtClean="0">
+              <a:rPr lang="en-US" altLang="zh-CN" sz="2400" dirty="0" err="1">
                 <a:solidFill>
                   <a:srgbClr val="000000"/>
                 </a:solidFill>
@@ -4759,7 +4746,7 @@
               <a:t>F</a:t>
             </a:r>
             <a:r>
-              <a:rPr lang="en-US" altLang="zh-CN" dirty="0" err="1" smtClean="0">
+              <a:rPr lang="en-US" altLang="zh-CN" dirty="0" err="1">
                 <a:solidFill>
                   <a:srgbClr val="000000"/>
                 </a:solidFill>
@@ -4769,7 +4756,7 @@
               <a:t>k</a:t>
             </a:r>
             <a:r>
-              <a:rPr lang="zh-CN" altLang="en-US" sz="2400" dirty="0" smtClean="0">
+              <a:rPr lang="zh-CN" altLang="en-US" sz="2400" dirty="0">
                 <a:solidFill>
                   <a:srgbClr val="000000"/>
                 </a:solidFill>
@@ -4779,7 +4766,7 @@
               <a:t>中，寻找</a:t>
             </a:r>
             <a:r>
-              <a:rPr lang="en-US" altLang="zh-CN" sz="2400" dirty="0" smtClean="0">
+              <a:rPr lang="en-US" altLang="zh-CN" sz="2400" dirty="0">
                 <a:solidFill>
                   <a:srgbClr val="000000"/>
                 </a:solidFill>
@@ -4799,7 +4786,7 @@
               </a:tabLst>
             </a:pPr>
             <a:r>
-              <a:rPr lang="en-US" altLang="zh-CN" sz="2400" dirty="0" smtClean="0">
+              <a:rPr lang="en-US" altLang="zh-CN" sz="2400" dirty="0">
                 <a:solidFill>
                   <a:srgbClr val="000000"/>
                 </a:solidFill>
@@ -4809,7 +4796,7 @@
               <a:t>	</a:t>
             </a:r>
             <a:r>
-              <a:rPr lang="zh-CN" altLang="en-US" sz="2400" dirty="0" smtClean="0">
+              <a:rPr lang="zh-CN" altLang="en-US" sz="2400" dirty="0">
                 <a:solidFill>
                   <a:srgbClr val="000000"/>
                 </a:solidFill>
@@ -4819,7 +4806,7 @@
               <a:t>的前一个状态</a:t>
             </a:r>
             <a:r>
-              <a:rPr lang="en-US" altLang="zh-CN" sz="2400" dirty="0" smtClean="0">
+              <a:rPr lang="en-US" altLang="zh-CN" sz="2400" dirty="0">
                 <a:solidFill>
                   <a:srgbClr val="000000"/>
                 </a:solidFill>
@@ -4829,7 +4816,7 @@
               <a:t>t</a:t>
             </a:r>
             <a:r>
-              <a:rPr lang="zh-CN" altLang="en-US" sz="2400" dirty="0" smtClean="0">
+              <a:rPr lang="zh-CN" altLang="en-US" sz="2400" dirty="0">
                 <a:solidFill>
                   <a:srgbClr val="000000"/>
                 </a:solidFill>
@@ -4839,7 +4826,7 @@
               <a:t>，现在需要从</a:t>
             </a:r>
             <a:r>
-              <a:rPr lang="en-US" altLang="zh-CN" sz="2400" dirty="0" smtClean="0">
+              <a:rPr lang="en-US" altLang="zh-CN" sz="2400" dirty="0">
                 <a:solidFill>
                   <a:srgbClr val="000000"/>
                 </a:solidFill>
@@ -4849,7 +4836,7 @@
               <a:t>F</a:t>
             </a:r>
             <a:r>
-              <a:rPr lang="en-US" altLang="zh-CN" dirty="0" smtClean="0">
+              <a:rPr lang="en-US" altLang="zh-CN" dirty="0">
                 <a:solidFill>
                   <a:srgbClr val="000000"/>
                 </a:solidFill>
@@ -4859,7 +4846,7 @@
               <a:t>i+1</a:t>
             </a:r>
             <a:r>
-              <a:rPr lang="zh-CN" altLang="en-US" sz="2400" dirty="0" smtClean="0">
+              <a:rPr lang="zh-CN" altLang="en-US" sz="2400" dirty="0">
                 <a:solidFill>
                   <a:srgbClr val="000000"/>
                 </a:solidFill>
@@ -4869,7 +4856,7 @@
               <a:t>中去除</a:t>
             </a:r>
             <a:r>
-              <a:rPr lang="en-US" altLang="zh-CN" sz="2400" dirty="0" smtClean="0">
+              <a:rPr lang="en-US" altLang="zh-CN" sz="2400" dirty="0">
                 <a:solidFill>
                   <a:srgbClr val="000000"/>
                 </a:solidFill>
@@ -4879,7 +4866,7 @@
               <a:t>t</a:t>
             </a:r>
             <a:r>
-              <a:rPr lang="zh-CN" altLang="en-US" sz="2400" dirty="0" smtClean="0">
+              <a:rPr lang="zh-CN" altLang="en-US" sz="2400" dirty="0">
                 <a:solidFill>
                   <a:srgbClr val="000000"/>
                 </a:solidFill>
@@ -4888,7 +4875,7 @@
               </a:rPr>
               <a:t>。</a:t>
             </a:r>
-            <a:endParaRPr lang="en-US" altLang="zh-CN" sz="2400" dirty="0" smtClean="0">
+            <a:endParaRPr lang="en-US" altLang="zh-CN" sz="2400" dirty="0">
               <a:solidFill>
                 <a:srgbClr val="000000"/>
               </a:solidFill>
@@ -4905,7 +4892,7 @@
                 <a:tab pos="469900" algn="l"/>
               </a:tabLst>
             </a:pPr>
-            <a:endParaRPr lang="en-US" altLang="zh-CN" dirty="0" smtClean="0"/>
+            <a:endParaRPr lang="en-US" altLang="zh-CN" dirty="0"/>
           </a:p>
           <a:p>
             <a:pPr>
@@ -4913,7 +4900,7 @@
                 <a:spcPts val="1000"/>
               </a:lnSpc>
             </a:pPr>
-            <a:endParaRPr lang="en-US" altLang="zh-CN" dirty="0" smtClean="0"/>
+            <a:endParaRPr lang="en-US" altLang="zh-CN" dirty="0"/>
           </a:p>
           <a:p>
             <a:pPr>
@@ -4921,7 +4908,7 @@
                 <a:spcPts val="1000"/>
               </a:lnSpc>
             </a:pPr>
-            <a:endParaRPr lang="en-US" altLang="zh-CN" dirty="0" smtClean="0"/>
+            <a:endParaRPr lang="en-US" altLang="zh-CN" dirty="0"/>
           </a:p>
           <a:p>
             <a:pPr>
@@ -4935,7 +4922,7 @@
               </a:tabLst>
             </a:pPr>
             <a:r>
-              <a:rPr lang="zh-CN" altLang="en-US" sz="2400" dirty="0" smtClean="0">
+              <a:rPr lang="zh-CN" altLang="en-US" sz="2400" dirty="0">
                 <a:solidFill>
                   <a:schemeClr val="accent6"/>
                 </a:solidFill>
@@ -4945,28 +4932,28 @@
               <a:t>   </a:t>
             </a:r>
             <a:r>
-              <a:rPr lang="zh-CN" altLang="en-US" sz="2400" dirty="0" smtClean="0">
+              <a:rPr lang="zh-CN" altLang="en-US" sz="2400" dirty="0">
                 <a:latin typeface="Times New Roman" pitchFamily="18" charset="0"/>
                 <a:cs typeface="Times New Roman" pitchFamily="18" charset="0"/>
               </a:rPr>
               <a:t>递归地去除能够到达</a:t>
             </a:r>
             <a:r>
-              <a:rPr lang="en-US" altLang="zh-CN" sz="2400" dirty="0" smtClean="0">
+              <a:rPr lang="en-US" altLang="zh-CN" sz="2400" dirty="0">
                 <a:latin typeface="Times New Roman" pitchFamily="18" charset="0"/>
                 <a:cs typeface="Times New Roman" pitchFamily="18" charset="0"/>
               </a:rPr>
               <a:t>s</a:t>
             </a:r>
             <a:r>
-              <a:rPr lang="zh-CN" altLang="en-US" sz="2400" dirty="0" smtClean="0">
+              <a:rPr lang="zh-CN" altLang="en-US" sz="2400" dirty="0">
                 <a:latin typeface="Times New Roman" pitchFamily="18" charset="0"/>
                 <a:cs typeface="Times New Roman" pitchFamily="18" charset="0"/>
               </a:rPr>
               <a:t>的状态，直到将</a:t>
             </a:r>
             <a:r>
-              <a:rPr lang="en-US" altLang="zh-CN" sz="2400" dirty="0" smtClean="0">
+              <a:rPr lang="en-US" altLang="zh-CN" sz="2400" dirty="0">
                 <a:latin typeface="Times New Roman" pitchFamily="18" charset="0"/>
                 <a:cs typeface="Times New Roman" pitchFamily="18" charset="0"/>
               </a:rPr>
@@ -4983,7 +4970,7 @@
               </a:tabLst>
             </a:pPr>
             <a:r>
-              <a:rPr lang="en-US" altLang="zh-CN" sz="2400" dirty="0" smtClean="0">
+              <a:rPr lang="en-US" altLang="zh-CN" sz="2400" dirty="0">
                 <a:solidFill>
                   <a:srgbClr val="000000"/>
                 </a:solidFill>
@@ -4993,7 +4980,7 @@
               <a:t>	</a:t>
             </a:r>
             <a:r>
-              <a:rPr lang="zh-CN" altLang="en-US" sz="2400" dirty="0" smtClean="0">
+              <a:rPr lang="zh-CN" altLang="en-US" sz="2400" dirty="0">
                 <a:solidFill>
                   <a:srgbClr val="000000"/>
                 </a:solidFill>
@@ -5003,7 +4990,7 @@
               <a:t>从</a:t>
             </a:r>
             <a:r>
-              <a:rPr lang="en-US" altLang="zh-CN" sz="2400" dirty="0" err="1" smtClean="0">
+              <a:rPr lang="en-US" altLang="zh-CN" sz="2400" dirty="0" err="1">
                 <a:solidFill>
                   <a:srgbClr val="000000"/>
                 </a:solidFill>
@@ -5013,7 +5000,7 @@
               <a:t>F</a:t>
             </a:r>
             <a:r>
-              <a:rPr lang="en-US" altLang="zh-CN" sz="1600" dirty="0" err="1" smtClean="0">
+              <a:rPr lang="en-US" altLang="zh-CN" sz="1600" dirty="0" err="1">
                 <a:solidFill>
                   <a:srgbClr val="000000"/>
                 </a:solidFill>
@@ -5023,7 +5010,7 @@
               <a:t>k</a:t>
             </a:r>
             <a:r>
-              <a:rPr lang="zh-CN" altLang="en-US" sz="2400" dirty="0" smtClean="0">
+              <a:rPr lang="zh-CN" altLang="en-US" sz="2400" dirty="0">
                 <a:solidFill>
                   <a:srgbClr val="000000"/>
                 </a:solidFill>
@@ -5032,7 +5019,7 @@
               </a:rPr>
               <a:t>中去除。</a:t>
             </a:r>
-            <a:endParaRPr lang="en-US" altLang="zh-CN" sz="2400" dirty="0" smtClean="0">
+            <a:endParaRPr lang="en-US" altLang="zh-CN" sz="2400" dirty="0">
               <a:solidFill>
                 <a:srgbClr val="000000"/>
               </a:solidFill>
@@ -5071,7 +5058,7 @@
               <a:tabLst/>
             </a:pPr>
             <a:r>
-              <a:rPr lang="en-US" altLang="zh-CN" sz="1200" dirty="0" smtClean="0">
+              <a:rPr lang="en-US" altLang="zh-CN" sz="1200" dirty="0">
                 <a:solidFill>
                   <a:srgbClr val="000000"/>
                 </a:solidFill>
@@ -5112,7 +5099,7 @@
               <a:tabLst/>
             </a:pPr>
             <a:r>
-              <a:rPr lang="en-US" altLang="zh-CN" sz="1200" dirty="0" smtClean="0">
+              <a:rPr lang="en-US" altLang="zh-CN" sz="1200" dirty="0">
                 <a:solidFill>
                   <a:srgbClr val="000000"/>
                 </a:solidFill>
@@ -5140,7 +5127,7 @@
           <a:graphicData uri="http://schemas.openxmlformats.org/presentationml/2006/ole">
             <mc:AlternateContent xmlns:mc="http://schemas.openxmlformats.org/markup-compatibility/2006">
               <mc:Choice xmlns:v="urn:schemas-microsoft-com:vml" Requires="v">
-                <p:oleObj spid="_x0000_s6150" name="Equation" r:id="rId3" imgW="787320" imgH="228600" progId="Equation.DSMT4">
+                <p:oleObj spid="_x0000_s6158" name="Equation" r:id="rId3" imgW="787320" imgH="228600" progId="Equation.DSMT4">
                   <p:embed/>
                 </p:oleObj>
               </mc:Choice>
@@ -5233,7 +5220,7 @@
           <a:graphicData uri="http://schemas.openxmlformats.org/presentationml/2006/ole">
             <mc:AlternateContent xmlns:mc="http://schemas.openxmlformats.org/markup-compatibility/2006">
               <mc:Choice xmlns:v="urn:schemas-microsoft-com:vml" Requires="v">
-                <p:oleObj spid="_x0000_s6151" name="Equation" r:id="rId5" imgW="1143000" imgH="241200" progId="Equation.DSMT4">
+                <p:oleObj spid="_x0000_s6159" name="Equation" r:id="rId5" imgW="1143000" imgH="241200" progId="Equation.DSMT4">
                   <p:embed/>
                 </p:oleObj>
               </mc:Choice>
@@ -5448,7 +5435,7 @@
           <a:lstStyle/>
           <a:p>
             <a:r>
-              <a:rPr lang="en-US" altLang="zh-CN" dirty="0" smtClean="0"/>
+              <a:rPr lang="en-US" altLang="zh-CN" dirty="0"/>
               <a:t>t</a:t>
             </a:r>
             <a:endParaRPr lang="zh-CN" altLang="en-US" dirty="0"/>
@@ -5478,7 +5465,7 @@
           <a:lstStyle/>
           <a:p>
             <a:r>
-              <a:rPr lang="en-US" altLang="zh-CN" dirty="0" smtClean="0"/>
+              <a:rPr lang="en-US" altLang="zh-CN" dirty="0"/>
               <a:t>s</a:t>
             </a:r>
             <a:endParaRPr lang="zh-CN" altLang="en-US" dirty="0"/>
@@ -5508,11 +5495,11 @@
           <a:lstStyle/>
           <a:p>
             <a:r>
-              <a:rPr lang="en-US" altLang="zh-CN" dirty="0" smtClean="0"/>
+              <a:rPr lang="en-US" altLang="zh-CN" dirty="0"/>
               <a:t>F</a:t>
             </a:r>
             <a:r>
-              <a:rPr lang="en-US" altLang="zh-CN" sz="1400" dirty="0" smtClean="0"/>
+              <a:rPr lang="en-US" altLang="zh-CN" sz="1400" dirty="0"/>
               <a:t>i+1</a:t>
             </a:r>
             <a:endParaRPr lang="zh-CN" altLang="en-US" dirty="0"/>
@@ -5542,11 +5529,11 @@
           <a:lstStyle/>
           <a:p>
             <a:r>
-              <a:rPr lang="en-US" altLang="zh-CN" dirty="0" smtClean="0"/>
+              <a:rPr lang="en-US" altLang="zh-CN" dirty="0"/>
               <a:t>F</a:t>
             </a:r>
             <a:r>
-              <a:rPr lang="en-US" altLang="zh-CN" sz="1400" dirty="0" smtClean="0"/>
+              <a:rPr lang="en-US" altLang="zh-CN" sz="1400" dirty="0"/>
               <a:t>i+2</a:t>
             </a:r>
             <a:endParaRPr lang="zh-CN" altLang="en-US" dirty="0"/>
@@ -5617,11 +5604,11 @@
           <a:lstStyle/>
           <a:p>
             <a:r>
-              <a:rPr lang="en-US" altLang="zh-CN" dirty="0" err="1" smtClean="0"/>
+              <a:rPr lang="en-US" altLang="zh-CN" dirty="0" err="1"/>
               <a:t>F</a:t>
             </a:r>
             <a:r>
-              <a:rPr lang="en-US" altLang="zh-CN" sz="1400" dirty="0" err="1" smtClean="0"/>
+              <a:rPr lang="en-US" altLang="zh-CN" sz="1400" dirty="0" err="1"/>
               <a:t>i</a:t>
             </a:r>
             <a:endParaRPr lang="zh-CN" altLang="en-US" dirty="0"/>
@@ -5668,13 +5655,6 @@
   <p:clrMapOvr>
     <a:masterClrMapping/>
   </p:clrMapOvr>
-  <p:timing>
-    <p:tnLst>
-      <p:par>
-        <p:cTn id="1" dur="indefinite" restart="never" nodeType="tmRoot"/>
-      </p:par>
-    </p:tnLst>
-  </p:timing>
 </p:sld>
 </file>
 
@@ -6002,7 +5982,7 @@
               <a:tabLst/>
             </a:pPr>
             <a:r>
-              <a:rPr lang="en-US" altLang="zh-CN" sz="2802" dirty="0" smtClean="0">
+              <a:rPr lang="en-US" altLang="zh-CN" sz="2802" dirty="0">
                 <a:solidFill>
                   <a:srgbClr val="FFFFFF"/>
                 </a:solidFill>
@@ -6045,42 +6025,42 @@
               </a:tabLst>
             </a:pPr>
             <a:r>
-              <a:rPr lang="en-US" altLang="zh-CN" sz="2400" dirty="0" smtClean="0">
+              <a:rPr lang="en-US" altLang="zh-CN" sz="2400" dirty="0">
                 <a:cs typeface="Wingdings" pitchFamily="18" charset="0"/>
               </a:rPr>
               <a:t>prove-obligation</a:t>
             </a:r>
             <a:r>
-              <a:rPr lang="zh-CN" altLang="en-US" sz="2400" dirty="0" smtClean="0">
+              <a:rPr lang="zh-CN" altLang="en-US" sz="2400" dirty="0">
                 <a:cs typeface="Wingdings" pitchFamily="18" charset="0"/>
               </a:rPr>
               <a:t>（</a:t>
             </a:r>
             <a:r>
-              <a:rPr lang="en-US" altLang="zh-CN" sz="2400" dirty="0" smtClean="0">
+              <a:rPr lang="en-US" altLang="zh-CN" sz="2400" dirty="0">
                 <a:cs typeface="Wingdings" pitchFamily="18" charset="0"/>
               </a:rPr>
               <a:t>s</a:t>
             </a:r>
             <a:r>
-              <a:rPr lang="zh-CN" altLang="en-US" sz="2400" dirty="0" smtClean="0">
+              <a:rPr lang="zh-CN" altLang="en-US" sz="2400" dirty="0">
                 <a:cs typeface="Wingdings" pitchFamily="18" charset="0"/>
               </a:rPr>
               <a:t>，</a:t>
             </a:r>
             <a:r>
-              <a:rPr lang="en-US" altLang="zh-CN" sz="2400" dirty="0" smtClean="0">
+              <a:rPr lang="en-US" altLang="zh-CN" sz="2400" dirty="0">
                 <a:cs typeface="Wingdings" pitchFamily="18" charset="0"/>
               </a:rPr>
               <a:t>k</a:t>
             </a:r>
             <a:r>
-              <a:rPr lang="zh-CN" altLang="en-US" sz="2400" dirty="0" smtClean="0">
+              <a:rPr lang="zh-CN" altLang="en-US" sz="2400" dirty="0">
                 <a:cs typeface="Wingdings" pitchFamily="18" charset="0"/>
               </a:rPr>
               <a:t>）</a:t>
             </a:r>
-            <a:endParaRPr lang="en-US" altLang="zh-CN" sz="2400" dirty="0" smtClean="0">
+            <a:endParaRPr lang="en-US" altLang="zh-CN" sz="2400" dirty="0">
               <a:cs typeface="Wingdings" pitchFamily="18" charset="0"/>
             </a:endParaRPr>
           </a:p>
@@ -6094,7 +6074,7 @@
               </a:tabLst>
             </a:pPr>
             <a:r>
-              <a:rPr lang="en-US" altLang="zh-CN" sz="2400" dirty="0" smtClean="0">
+              <a:rPr lang="en-US" altLang="zh-CN" sz="2400" dirty="0">
                 <a:solidFill>
                   <a:srgbClr val="FF9A00"/>
                 </a:solidFill>
@@ -6104,21 +6084,21 @@
               <a:t></a:t>
             </a:r>
             <a:r>
-              <a:rPr lang="en-US" altLang="zh-CN" sz="2400" dirty="0" smtClean="0">
+              <a:rPr lang="en-US" altLang="zh-CN" sz="2400" dirty="0">
                 <a:latin typeface="Times New Roman" pitchFamily="18" charset="0"/>
                 <a:cs typeface="Times New Roman" pitchFamily="18" charset="0"/>
               </a:rPr>
               <a:t>   cube s</a:t>
             </a:r>
             <a:r>
-              <a:rPr lang="zh-CN" altLang="en-US" sz="2400" dirty="0" smtClean="0">
+              <a:rPr lang="zh-CN" altLang="en-US" sz="2400" dirty="0">
                 <a:latin typeface="Times New Roman" pitchFamily="18" charset="0"/>
                 <a:cs typeface="Times New Roman" pitchFamily="18" charset="0"/>
               </a:rPr>
               <a:t>：</a:t>
             </a:r>
             <a:r>
-              <a:rPr lang="en-US" altLang="zh-CN" sz="2400" dirty="0" smtClean="0">
+              <a:rPr lang="en-US" altLang="zh-CN" sz="2400" dirty="0">
                 <a:latin typeface="Times New Roman" pitchFamily="18" charset="0"/>
                 <a:cs typeface="Times New Roman" pitchFamily="18" charset="0"/>
               </a:rPr>
@@ -6135,14 +6115,14 @@
               </a:tabLst>
             </a:pPr>
             <a:r>
-              <a:rPr lang="en-US" altLang="zh-CN" sz="2400" dirty="0" smtClean="0">
+              <a:rPr lang="en-US" altLang="zh-CN" sz="2400" dirty="0">
                 <a:latin typeface="Times New Roman" pitchFamily="18" charset="0"/>
                 <a:cs typeface="Times New Roman" pitchFamily="18" charset="0"/>
               </a:rPr>
               <a:t>	bad state in one or more transitions</a:t>
             </a:r>
             <a:r>
-              <a:rPr lang="en-US" altLang="zh-CN" sz="2400" dirty="0" smtClean="0">
+              <a:rPr lang="en-US" altLang="zh-CN" sz="2400" dirty="0">
                 <a:solidFill>
                   <a:srgbClr val="000000"/>
                 </a:solidFill>
@@ -6154,7 +6134,7 @@
           </a:p>
           <a:p>
             <a:r>
-              <a:rPr lang="en-US" altLang="zh-CN" sz="2400" dirty="0" smtClean="0">
+              <a:rPr lang="en-US" altLang="zh-CN" sz="2400" dirty="0">
                 <a:solidFill>
                   <a:srgbClr val="FF9A00"/>
                 </a:solidFill>
@@ -6164,21 +6144,21 @@
               <a:t> </a:t>
             </a:r>
             <a:r>
-              <a:rPr lang="en-US" altLang="zh-CN" sz="2400" dirty="0" smtClean="0">
+              <a:rPr lang="en-US" altLang="zh-CN" sz="2400" dirty="0">
                 <a:latin typeface="Times New Roman" pitchFamily="18" charset="0"/>
                 <a:cs typeface="Times New Roman" pitchFamily="18" charset="0"/>
               </a:rPr>
               <a:t>frame number k</a:t>
             </a:r>
             <a:r>
-              <a:rPr lang="zh-CN" altLang="en-US" sz="2400" dirty="0" smtClean="0">
+              <a:rPr lang="zh-CN" altLang="en-US" sz="2400" dirty="0">
                 <a:latin typeface="Times New Roman" pitchFamily="18" charset="0"/>
                 <a:cs typeface="Times New Roman" pitchFamily="18" charset="0"/>
               </a:rPr>
               <a:t>：</a:t>
             </a:r>
             <a:r>
-              <a:rPr lang="en-US" altLang="zh-CN" sz="2400" dirty="0" smtClean="0">
+              <a:rPr lang="en-US" altLang="zh-CN" sz="2400" dirty="0">
                 <a:latin typeface="Times New Roman" pitchFamily="18" charset="0"/>
                 <a:cs typeface="Times New Roman" pitchFamily="18" charset="0"/>
               </a:rPr>
@@ -6187,7 +6167,7 @@
           </a:p>
           <a:p>
             <a:r>
-              <a:rPr lang="en-US" altLang="zh-CN" sz="2400" dirty="0" smtClean="0">
+              <a:rPr lang="en-US" altLang="zh-CN" sz="2400" dirty="0">
                 <a:latin typeface="Times New Roman" pitchFamily="18" charset="0"/>
                 <a:cs typeface="Times New Roman" pitchFamily="18" charset="0"/>
               </a:rPr>
@@ -6195,62 +6175,62 @@
             </a:r>
           </a:p>
           <a:p>
-            <a:endParaRPr lang="en-US" altLang="zh-CN" sz="2400" dirty="0" smtClean="0">
+            <a:endParaRPr lang="en-US" altLang="zh-CN" sz="2400" dirty="0">
               <a:latin typeface="Times New Roman" pitchFamily="18" charset="0"/>
               <a:cs typeface="Times New Roman" pitchFamily="18" charset="0"/>
             </a:endParaRPr>
           </a:p>
           <a:p>
             <a:r>
-              <a:rPr lang="zh-CN" altLang="en-US" sz="2400" dirty="0" smtClean="0">
+              <a:rPr lang="zh-CN" altLang="en-US" sz="2400" dirty="0">
                 <a:latin typeface="Times New Roman" pitchFamily="18" charset="0"/>
                 <a:cs typeface="Times New Roman" pitchFamily="18" charset="0"/>
               </a:rPr>
               <a:t>由于</a:t>
             </a:r>
             <a:r>
-              <a:rPr lang="en-US" altLang="zh-CN" sz="2400" dirty="0" smtClean="0">
+              <a:rPr lang="en-US" altLang="zh-CN" sz="2400" dirty="0">
                 <a:latin typeface="Times New Roman" pitchFamily="18" charset="0"/>
                 <a:cs typeface="Times New Roman" pitchFamily="18" charset="0"/>
               </a:rPr>
               <a:t>FSM</a:t>
             </a:r>
             <a:r>
-              <a:rPr lang="zh-CN" altLang="en-US" sz="2400" dirty="0" smtClean="0">
+              <a:rPr lang="zh-CN" altLang="en-US" sz="2400" dirty="0">
                 <a:latin typeface="Times New Roman" pitchFamily="18" charset="0"/>
                 <a:cs typeface="Times New Roman" pitchFamily="18" charset="0"/>
               </a:rPr>
               <a:t>中可能存在环，每次都优先处理</a:t>
             </a:r>
             <a:r>
-              <a:rPr lang="en-US" altLang="zh-CN" sz="2400" dirty="0" smtClean="0">
+              <a:rPr lang="en-US" altLang="zh-CN" sz="2400" dirty="0">
                 <a:latin typeface="Times New Roman" pitchFamily="18" charset="0"/>
                 <a:cs typeface="Times New Roman" pitchFamily="18" charset="0"/>
               </a:rPr>
               <a:t>k</a:t>
             </a:r>
             <a:r>
-              <a:rPr lang="zh-CN" altLang="en-US" sz="2400" dirty="0" smtClean="0">
+              <a:rPr lang="zh-CN" altLang="en-US" sz="2400" dirty="0">
                 <a:latin typeface="Times New Roman" pitchFamily="18" charset="0"/>
                 <a:cs typeface="Times New Roman" pitchFamily="18" charset="0"/>
               </a:rPr>
               <a:t>最小的</a:t>
             </a:r>
             <a:r>
-              <a:rPr lang="en-US" altLang="zh-CN" sz="2400" dirty="0" smtClean="0">
+              <a:rPr lang="en-US" altLang="zh-CN" sz="2400" dirty="0">
                 <a:latin typeface="Times New Roman" pitchFamily="18" charset="0"/>
                 <a:cs typeface="Times New Roman" pitchFamily="18" charset="0"/>
               </a:rPr>
               <a:t>s</a:t>
             </a:r>
             <a:r>
-              <a:rPr lang="zh-CN" altLang="en-US" sz="2400" dirty="0" smtClean="0">
+              <a:rPr lang="zh-CN" altLang="en-US" sz="2400" dirty="0">
                 <a:latin typeface="Times New Roman" pitchFamily="18" charset="0"/>
                 <a:cs typeface="Times New Roman" pitchFamily="18" charset="0"/>
               </a:rPr>
               <a:t>。</a:t>
             </a:r>
-            <a:endParaRPr lang="en-US" altLang="zh-CN" sz="2400" dirty="0" smtClean="0">
+            <a:endParaRPr lang="en-US" altLang="zh-CN" sz="2400" dirty="0">
               <a:latin typeface="Times New Roman" pitchFamily="18" charset="0"/>
               <a:cs typeface="Times New Roman" pitchFamily="18" charset="0"/>
             </a:endParaRPr>
@@ -6261,7 +6241,7 @@
                 <a:spcPts val="1000"/>
               </a:lnSpc>
             </a:pPr>
-            <a:endParaRPr lang="en-US" altLang="zh-CN" dirty="0" smtClean="0"/>
+            <a:endParaRPr lang="en-US" altLang="zh-CN" dirty="0"/>
           </a:p>
           <a:p>
             <a:pPr>
@@ -6272,7 +6252,7 @@
                 <a:tab pos="469900" algn="l"/>
               </a:tabLst>
             </a:pPr>
-            <a:endParaRPr lang="en-US" altLang="zh-CN" sz="2400" dirty="0" smtClean="0">
+            <a:endParaRPr lang="en-US" altLang="zh-CN" sz="2400" dirty="0">
               <a:solidFill>
                 <a:srgbClr val="FF9A00"/>
               </a:solidFill>
@@ -6311,7 +6291,7 @@
               <a:tabLst/>
             </a:pPr>
             <a:r>
-              <a:rPr lang="en-US" altLang="zh-CN" sz="1200" dirty="0" smtClean="0">
+              <a:rPr lang="en-US" altLang="zh-CN" sz="1200" dirty="0">
                 <a:solidFill>
                   <a:srgbClr val="000000"/>
                 </a:solidFill>
@@ -6352,7 +6332,7 @@
               <a:tabLst/>
             </a:pPr>
             <a:r>
-              <a:rPr lang="en-US" altLang="zh-CN" sz="1200" dirty="0" smtClean="0">
+              <a:rPr lang="en-US" altLang="zh-CN" sz="1200" dirty="0">
                 <a:solidFill>
                   <a:srgbClr val="000000"/>
                 </a:solidFill>
@@ -6369,13 +6349,6 @@
   <p:clrMapOvr>
     <a:masterClrMapping/>
   </p:clrMapOvr>
-  <p:timing>
-    <p:tnLst>
-      <p:par>
-        <p:cTn id="1" dur="indefinite" restart="never" nodeType="tmRoot"/>
-      </p:par>
-    </p:tnLst>
-  </p:timing>
 </p:sld>
 </file>
 
@@ -6703,7 +6676,7 @@
               <a:tabLst/>
             </a:pPr>
             <a:r>
-              <a:rPr lang="zh-CN" altLang="en-US" sz="2802" dirty="0" smtClean="0">
+              <a:rPr lang="zh-CN" altLang="en-US" sz="2802" dirty="0">
                 <a:solidFill>
                   <a:srgbClr val="FFFFFF"/>
                 </a:solidFill>
@@ -6712,7 +6685,7 @@
               </a:rPr>
               <a:t>算法终止条件</a:t>
             </a:r>
-            <a:endParaRPr lang="en-US" altLang="zh-CN" sz="2802" dirty="0" smtClean="0">
+            <a:endParaRPr lang="en-US" altLang="zh-CN" sz="2802" dirty="0">
               <a:solidFill>
                 <a:srgbClr val="FFFFFF"/>
               </a:solidFill>
@@ -6753,7 +6726,7 @@
               </a:tabLst>
             </a:pPr>
             <a:r>
-              <a:rPr lang="en-US" altLang="zh-CN" sz="2400" dirty="0" smtClean="0">
+              <a:rPr lang="en-US" altLang="zh-CN" sz="2400" dirty="0">
                 <a:solidFill>
                   <a:srgbClr val="FF9A00"/>
                 </a:solidFill>
@@ -6763,21 +6736,21 @@
               <a:t></a:t>
             </a:r>
             <a:r>
-              <a:rPr lang="en-US" altLang="zh-CN" sz="2400" dirty="0" smtClean="0">
+              <a:rPr lang="en-US" altLang="zh-CN" sz="2400" dirty="0">
                 <a:latin typeface="Times New Roman" pitchFamily="18" charset="0"/>
                 <a:cs typeface="Times New Roman" pitchFamily="18" charset="0"/>
               </a:rPr>
               <a:t>   </a:t>
             </a:r>
             <a:r>
-              <a:rPr lang="zh-CN" altLang="en-US" sz="2400" dirty="0" smtClean="0">
+              <a:rPr lang="zh-CN" altLang="en-US" sz="2400" dirty="0">
                 <a:latin typeface="Times New Roman" pitchFamily="18" charset="0"/>
                 <a:cs typeface="Times New Roman" pitchFamily="18" charset="0"/>
               </a:rPr>
               <a:t>安全</a:t>
             </a:r>
             <a:r>
-              <a:rPr lang="zh-CN" altLang="en-US" sz="2400" dirty="0" smtClean="0">
+              <a:rPr lang="zh-CN" altLang="en-US" sz="2400" dirty="0">
                 <a:solidFill>
                   <a:srgbClr val="000000"/>
                 </a:solidFill>
@@ -6786,7 +6759,7 @@
               </a:rPr>
               <a:t>属性成立</a:t>
             </a:r>
-            <a:endParaRPr lang="en-US" altLang="zh-CN" sz="2400" dirty="0" smtClean="0">
+            <a:endParaRPr lang="en-US" altLang="zh-CN" sz="2400" dirty="0">
               <a:solidFill>
                 <a:srgbClr val="000000"/>
               </a:solidFill>
@@ -6804,7 +6777,7 @@
               </a:tabLst>
             </a:pPr>
             <a:r>
-              <a:rPr lang="en-US" altLang="zh-CN" sz="2400" dirty="0" smtClean="0">
+              <a:rPr lang="en-US" altLang="zh-CN" sz="2400" dirty="0">
                 <a:solidFill>
                   <a:srgbClr val="000000"/>
                 </a:solidFill>
@@ -6824,7 +6797,7 @@
               </a:tabLst>
             </a:pPr>
             <a:r>
-              <a:rPr lang="en-US" altLang="zh-CN" sz="2400" dirty="0" smtClean="0">
+              <a:rPr lang="en-US" altLang="zh-CN" sz="2400" dirty="0">
                 <a:solidFill>
                   <a:srgbClr val="000000"/>
                 </a:solidFill>
@@ -6834,7 +6807,7 @@
               <a:t>	</a:t>
             </a:r>
             <a:r>
-              <a:rPr lang="en-US" altLang="zh-CN" sz="2400" dirty="0" err="1" smtClean="0">
+              <a:rPr lang="en-US" altLang="zh-CN" sz="2400" dirty="0" err="1">
                 <a:solidFill>
                   <a:srgbClr val="000000"/>
                 </a:solidFill>
@@ -6844,7 +6817,7 @@
               <a:t>F</a:t>
             </a:r>
             <a:r>
-              <a:rPr lang="en-US" altLang="zh-CN" dirty="0" err="1" smtClean="0">
+              <a:rPr lang="en-US" altLang="zh-CN" dirty="0" err="1">
                 <a:solidFill>
                   <a:srgbClr val="000000"/>
                 </a:solidFill>
@@ -6854,7 +6827,7 @@
               <a:t>i</a:t>
             </a:r>
             <a:r>
-              <a:rPr lang="zh-CN" altLang="en-US" sz="2400" dirty="0" smtClean="0">
+              <a:rPr lang="zh-CN" altLang="en-US" sz="2400" dirty="0">
                 <a:solidFill>
                   <a:srgbClr val="000000"/>
                 </a:solidFill>
@@ -6864,7 +6837,7 @@
               <a:t>即一个满足条件的</a:t>
             </a:r>
             <a:r>
-              <a:rPr lang="en-US" altLang="zh-CN" sz="2400" dirty="0" smtClean="0">
+              <a:rPr lang="en-US" altLang="zh-CN" sz="2400" dirty="0">
                 <a:solidFill>
                   <a:srgbClr val="000000"/>
                 </a:solidFill>
@@ -6884,7 +6857,7 @@
               </a:tabLst>
             </a:pPr>
             <a:r>
-              <a:rPr lang="en-US" altLang="zh-CN" sz="2400" dirty="0" smtClean="0">
+              <a:rPr lang="en-US" altLang="zh-CN" sz="2400" dirty="0">
                 <a:solidFill>
                   <a:srgbClr val="FF9A00"/>
                 </a:solidFill>
@@ -6894,13 +6867,13 @@
               <a:t>	</a:t>
             </a:r>
             <a:r>
-              <a:rPr lang="zh-CN" altLang="en-US" sz="2400" dirty="0" smtClean="0">
+              <a:rPr lang="zh-CN" altLang="en-US" sz="2400" dirty="0">
                 <a:latin typeface="Wingdings" pitchFamily="18" charset="0"/>
                 <a:cs typeface="Wingdings" pitchFamily="18" charset="0"/>
               </a:rPr>
               <a:t>安全属性不成立</a:t>
             </a:r>
-            <a:endParaRPr lang="en-US" altLang="zh-CN" sz="2400" dirty="0" smtClean="0">
+            <a:endParaRPr lang="en-US" altLang="zh-CN" sz="2400" dirty="0">
               <a:latin typeface="Times New Roman" pitchFamily="18" charset="0"/>
               <a:cs typeface="Times New Roman" pitchFamily="18" charset="0"/>
             </a:endParaRPr>
@@ -6915,7 +6888,7 @@
               </a:tabLst>
             </a:pPr>
             <a:r>
-              <a:rPr lang="zh-CN" altLang="en-US" sz="2000" dirty="0" smtClean="0">
+              <a:rPr lang="zh-CN" altLang="en-US" sz="2000" dirty="0">
                 <a:solidFill>
                   <a:srgbClr val="000000"/>
                 </a:solidFill>
@@ -6925,7 +6898,7 @@
               <a:t>在迭代过程中，发现某个反例</a:t>
             </a:r>
             <a:r>
-              <a:rPr lang="en-US" altLang="zh-CN" sz="2000" dirty="0" smtClean="0">
+              <a:rPr lang="en-US" altLang="zh-CN" sz="2000" dirty="0">
                 <a:solidFill>
                   <a:srgbClr val="000000"/>
                 </a:solidFill>
@@ -6935,7 +6908,7 @@
               <a:t>s</a:t>
             </a:r>
             <a:r>
-              <a:rPr lang="zh-CN" altLang="en-US" sz="2000" dirty="0" smtClean="0">
+              <a:rPr lang="zh-CN" altLang="en-US" sz="2000" dirty="0">
                 <a:solidFill>
                   <a:srgbClr val="000000"/>
                 </a:solidFill>
@@ -6945,7 +6918,7 @@
               <a:t>是</a:t>
             </a:r>
             <a:r>
-              <a:rPr lang="en-US" altLang="zh-CN" sz="2000" dirty="0" smtClean="0">
+              <a:rPr lang="en-US" altLang="zh-CN" sz="2000" dirty="0">
                 <a:solidFill>
                   <a:srgbClr val="000000"/>
                 </a:solidFill>
@@ -6955,7 +6928,7 @@
               <a:t>F</a:t>
             </a:r>
             <a:r>
-              <a:rPr lang="en-US" altLang="zh-CN" sz="1600" dirty="0" smtClean="0">
+              <a:rPr lang="en-US" altLang="zh-CN" sz="1600" dirty="0">
                 <a:solidFill>
                   <a:srgbClr val="000000"/>
                 </a:solidFill>
@@ -6965,7 +6938,7 @@
               <a:t>0</a:t>
             </a:r>
             <a:r>
-              <a:rPr lang="zh-CN" altLang="en-US" sz="2000" dirty="0" smtClean="0">
+              <a:rPr lang="zh-CN" altLang="en-US" sz="2000" dirty="0">
                 <a:solidFill>
                   <a:srgbClr val="000000"/>
                 </a:solidFill>
@@ -6974,7 +6947,7 @@
               </a:rPr>
               <a:t>（初始状态集）的后继状态，即：</a:t>
             </a:r>
-            <a:endParaRPr lang="en-US" altLang="zh-CN" sz="2000" dirty="0" smtClean="0">
+            <a:endParaRPr lang="en-US" altLang="zh-CN" sz="2000" dirty="0">
               <a:solidFill>
                 <a:srgbClr val="000000"/>
               </a:solidFill>
@@ -6988,7 +6961,7 @@
                 <a:spcPts val="1000"/>
               </a:lnSpc>
             </a:pPr>
-            <a:endParaRPr lang="en-US" altLang="zh-CN" dirty="0" smtClean="0"/>
+            <a:endParaRPr lang="en-US" altLang="zh-CN" dirty="0"/>
           </a:p>
           <a:p>
             <a:pPr>
@@ -6996,7 +6969,7 @@
                 <a:spcPts val="1000"/>
               </a:lnSpc>
             </a:pPr>
-            <a:endParaRPr lang="en-US" altLang="zh-CN" dirty="0" smtClean="0"/>
+            <a:endParaRPr lang="en-US" altLang="zh-CN" dirty="0"/>
           </a:p>
           <a:p>
             <a:pPr>
@@ -7007,7 +6980,7 @@
                 <a:tab pos="469900" algn="l"/>
               </a:tabLst>
             </a:pPr>
-            <a:endParaRPr lang="en-US" altLang="zh-CN" sz="2400" dirty="0" smtClean="0">
+            <a:endParaRPr lang="en-US" altLang="zh-CN" sz="2400" dirty="0">
               <a:solidFill>
                 <a:srgbClr val="FF9A00"/>
               </a:solidFill>
@@ -7046,7 +7019,7 @@
               <a:tabLst/>
             </a:pPr>
             <a:r>
-              <a:rPr lang="en-US" altLang="zh-CN" sz="1200" dirty="0" smtClean="0">
+              <a:rPr lang="en-US" altLang="zh-CN" sz="1200" dirty="0">
                 <a:solidFill>
                   <a:srgbClr val="000000"/>
                 </a:solidFill>
@@ -7087,7 +7060,7 @@
               <a:tabLst/>
             </a:pPr>
             <a:r>
-              <a:rPr lang="en-US" altLang="zh-CN" sz="1200" dirty="0" smtClean="0">
+              <a:rPr lang="en-US" altLang="zh-CN" sz="1200" dirty="0">
                 <a:solidFill>
                   <a:srgbClr val="000000"/>
                 </a:solidFill>
@@ -7115,7 +7088,7 @@
           <a:graphicData uri="http://schemas.openxmlformats.org/presentationml/2006/ole">
             <mc:AlternateContent xmlns:mc="http://schemas.openxmlformats.org/markup-compatibility/2006">
               <mc:Choice xmlns:v="urn:schemas-microsoft-com:vml" Requires="v">
-                <p:oleObj spid="_x0000_s28678" name="Equation" r:id="rId3" imgW="520560" imgH="228600" progId="Equation.DSMT4">
+                <p:oleObj spid="_x0000_s28686" name="Equation" r:id="rId3" imgW="520560" imgH="228600" progId="Equation.DSMT4">
                   <p:embed/>
                 </p:oleObj>
               </mc:Choice>
@@ -7208,7 +7181,7 @@
           <a:graphicData uri="http://schemas.openxmlformats.org/presentationml/2006/ole">
             <mc:AlternateContent xmlns:mc="http://schemas.openxmlformats.org/markup-compatibility/2006">
               <mc:Choice xmlns:v="urn:schemas-microsoft-com:vml" Requires="v">
-                <p:oleObj spid="_x0000_s28679" name="Equation" r:id="rId5" imgW="1739880" imgH="228600" progId="Equation.DSMT4">
+                <p:oleObj spid="_x0000_s28687" name="Equation" r:id="rId5" imgW="1739880" imgH="228600" progId="Equation.DSMT4">
                   <p:embed/>
                 </p:oleObj>
               </mc:Choice>
@@ -7290,13 +7263,6 @@
   <p:clrMapOvr>
     <a:masterClrMapping/>
   </p:clrMapOvr>
-  <p:timing>
-    <p:tnLst>
-      <p:par>
-        <p:cTn id="1" dur="indefinite" restart="never" nodeType="tmRoot"/>
-      </p:par>
-    </p:tnLst>
-  </p:timing>
 </p:sld>
 </file>
 
@@ -7624,7 +7590,7 @@
               <a:tabLst/>
             </a:pPr>
             <a:r>
-              <a:rPr lang="en-US" altLang="zh-CN" sz="2802" dirty="0" smtClean="0">
+              <a:rPr lang="en-US" altLang="zh-CN" sz="2802" dirty="0">
                 <a:solidFill>
                   <a:srgbClr val="FFFFFF"/>
                 </a:solidFill>
@@ -7663,7 +7629,7 @@
                 <a:spcPts val="1000"/>
               </a:lnSpc>
             </a:pPr>
-            <a:endParaRPr lang="en-US" altLang="zh-CN" dirty="0" smtClean="0"/>
+            <a:endParaRPr lang="en-US" altLang="zh-CN" dirty="0"/>
           </a:p>
           <a:p>
             <a:pPr>
@@ -7671,7 +7637,7 @@
                 <a:spcPts val="1000"/>
               </a:lnSpc>
             </a:pPr>
-            <a:endParaRPr lang="en-US" altLang="zh-CN" dirty="0" smtClean="0"/>
+            <a:endParaRPr lang="en-US" altLang="zh-CN" dirty="0"/>
           </a:p>
           <a:p>
             <a:pPr>
@@ -7682,7 +7648,7 @@
                 <a:tab pos="469900" algn="l"/>
               </a:tabLst>
             </a:pPr>
-            <a:endParaRPr lang="en-US" altLang="zh-CN" sz="2400" dirty="0" smtClean="0">
+            <a:endParaRPr lang="en-US" altLang="zh-CN" sz="2400" dirty="0">
               <a:solidFill>
                 <a:srgbClr val="FF9A00"/>
               </a:solidFill>
@@ -7721,7 +7687,7 @@
               <a:tabLst/>
             </a:pPr>
             <a:r>
-              <a:rPr lang="en-US" altLang="zh-CN" sz="1200" dirty="0" smtClean="0">
+              <a:rPr lang="en-US" altLang="zh-CN" sz="1200" dirty="0">
                 <a:solidFill>
                   <a:srgbClr val="000000"/>
                 </a:solidFill>
@@ -7762,7 +7728,7 @@
               <a:tabLst/>
             </a:pPr>
             <a:r>
-              <a:rPr lang="en-US" altLang="zh-CN" sz="1200" dirty="0" smtClean="0">
+              <a:rPr lang="en-US" altLang="zh-CN" sz="1200" dirty="0">
                 <a:solidFill>
                   <a:srgbClr val="000000"/>
                 </a:solidFill>
@@ -7824,7 +7790,7 @@
           <a:graphicData uri="http://schemas.openxmlformats.org/presentationml/2006/ole">
             <mc:AlternateContent xmlns:mc="http://schemas.openxmlformats.org/markup-compatibility/2006">
               <mc:Choice xmlns:v="urn:schemas-microsoft-com:vml" Requires="v">
-                <p:oleObj spid="_x0000_s25611" name="Equation" r:id="rId4" imgW="850680" imgH="228600" progId="Equation.DSMT4">
+                <p:oleObj spid="_x0000_s25623" name="Equation" r:id="rId4" imgW="850680" imgH="228600" progId="Equation.DSMT4">
                   <p:embed/>
                 </p:oleObj>
               </mc:Choice>
@@ -7917,7 +7883,7 @@
           <a:graphicData uri="http://schemas.openxmlformats.org/presentationml/2006/ole">
             <mc:AlternateContent xmlns:mc="http://schemas.openxmlformats.org/markup-compatibility/2006">
               <mc:Choice xmlns:v="urn:schemas-microsoft-com:vml" Requires="v">
-                <p:oleObj spid="_x0000_s25612" name="Equation" r:id="rId6" imgW="4660560" imgH="279360" progId="Equation.DSMT4">
+                <p:oleObj spid="_x0000_s25624" name="Equation" r:id="rId6" imgW="4660560" imgH="279360" progId="Equation.DSMT4">
                   <p:embed/>
                 </p:oleObj>
               </mc:Choice>
@@ -8010,7 +7976,7 @@
           <a:graphicData uri="http://schemas.openxmlformats.org/presentationml/2006/ole">
             <mc:AlternateContent xmlns:mc="http://schemas.openxmlformats.org/markup-compatibility/2006">
               <mc:Choice xmlns:v="urn:schemas-microsoft-com:vml" Requires="v">
-                <p:oleObj spid="_x0000_s25613" name="Equation" r:id="rId8" imgW="787320" imgH="228600" progId="Equation.DSMT4">
+                <p:oleObj spid="_x0000_s25625" name="Equation" r:id="rId8" imgW="787320" imgH="228600" progId="Equation.DSMT4">
                   <p:embed/>
                 </p:oleObj>
               </mc:Choice>
@@ -8092,13 +8058,6 @@
   <p:clrMapOvr>
     <a:masterClrMapping/>
   </p:clrMapOvr>
-  <p:timing>
-    <p:tnLst>
-      <p:par>
-        <p:cTn id="1" dur="indefinite" restart="never" nodeType="tmRoot"/>
-      </p:par>
-    </p:tnLst>
-  </p:timing>
 </p:sld>
 </file>
 
@@ -8426,7 +8385,7 @@
               <a:tabLst/>
             </a:pPr>
             <a:r>
-              <a:rPr lang="en-US" altLang="zh-CN" sz="2802" dirty="0" smtClean="0">
+              <a:rPr lang="en-US" altLang="zh-CN" sz="2802" dirty="0">
                 <a:solidFill>
                   <a:srgbClr val="FFFFFF"/>
                 </a:solidFill>
@@ -8465,7 +8424,7 @@
                 <a:spcPts val="1000"/>
               </a:lnSpc>
             </a:pPr>
-            <a:endParaRPr lang="en-US" altLang="zh-CN" dirty="0" smtClean="0"/>
+            <a:endParaRPr lang="en-US" altLang="zh-CN" dirty="0"/>
           </a:p>
           <a:p>
             <a:pPr>
@@ -8473,7 +8432,7 @@
                 <a:spcPts val="1000"/>
               </a:lnSpc>
             </a:pPr>
-            <a:endParaRPr lang="en-US" altLang="zh-CN" dirty="0" smtClean="0"/>
+            <a:endParaRPr lang="en-US" altLang="zh-CN" dirty="0"/>
           </a:p>
           <a:p>
             <a:pPr>
@@ -8484,7 +8443,7 @@
                 <a:tab pos="469900" algn="l"/>
               </a:tabLst>
             </a:pPr>
-            <a:endParaRPr lang="en-US" altLang="zh-CN" sz="2400" dirty="0" smtClean="0">
+            <a:endParaRPr lang="en-US" altLang="zh-CN" sz="2400" dirty="0">
               <a:solidFill>
                 <a:srgbClr val="FF9A00"/>
               </a:solidFill>
@@ -8523,7 +8482,7 @@
               <a:tabLst/>
             </a:pPr>
             <a:r>
-              <a:rPr lang="en-US" altLang="zh-CN" sz="1200" dirty="0" smtClean="0">
+              <a:rPr lang="en-US" altLang="zh-CN" sz="1200" dirty="0">
                 <a:solidFill>
                   <a:srgbClr val="000000"/>
                 </a:solidFill>
@@ -8564,7 +8523,7 @@
               <a:tabLst/>
             </a:pPr>
             <a:r>
-              <a:rPr lang="en-US" altLang="zh-CN" sz="1200" dirty="0" smtClean="0">
+              <a:rPr lang="en-US" altLang="zh-CN" sz="1200" dirty="0">
                 <a:solidFill>
                   <a:srgbClr val="000000"/>
                 </a:solidFill>
@@ -8633,74 +8592,74 @@
           <a:lstStyle/>
           <a:p>
             <a:r>
-              <a:rPr lang="zh-CN" altLang="en-US" dirty="0" smtClean="0"/>
+              <a:rPr lang="zh-CN" altLang="en-US" dirty="0"/>
               <a:t>初始化：</a:t>
             </a:r>
-            <a:endParaRPr lang="en-US" altLang="zh-CN" dirty="0" smtClean="0"/>
-          </a:p>
-          <a:p>
-            <a:endParaRPr lang="en-US" altLang="zh-CN" dirty="0" smtClean="0"/>
-          </a:p>
-          <a:p>
-            <a:endParaRPr lang="en-US" altLang="zh-CN" dirty="0" smtClean="0"/>
-          </a:p>
-          <a:p>
-            <a:endParaRPr lang="en-US" altLang="zh-CN" dirty="0" smtClean="0"/>
-          </a:p>
-          <a:p>
-            <a:r>
-              <a:rPr lang="zh-CN" altLang="en-US" dirty="0" smtClean="0"/>
+            <a:endParaRPr lang="en-US" altLang="zh-CN" dirty="0"/>
+          </a:p>
+          <a:p>
+            <a:endParaRPr lang="en-US" altLang="zh-CN" dirty="0"/>
+          </a:p>
+          <a:p>
+            <a:endParaRPr lang="en-US" altLang="zh-CN" dirty="0"/>
+          </a:p>
+          <a:p>
+            <a:endParaRPr lang="en-US" altLang="zh-CN" dirty="0"/>
+          </a:p>
+          <a:p>
+            <a:r>
+              <a:rPr lang="zh-CN" altLang="en-US" dirty="0"/>
               <a:t>判断等式                      是否成立，得到反例</a:t>
             </a:r>
-            <a:endParaRPr lang="en-US" altLang="zh-CN" dirty="0" smtClean="0"/>
-          </a:p>
-          <a:p>
-            <a:endParaRPr lang="en-US" altLang="zh-CN" dirty="0" smtClean="0"/>
-          </a:p>
-          <a:p>
-            <a:r>
-              <a:rPr lang="zh-CN" altLang="en-US" dirty="0" smtClean="0"/>
+            <a:endParaRPr lang="en-US" altLang="zh-CN" dirty="0"/>
+          </a:p>
+          <a:p>
+            <a:endParaRPr lang="en-US" altLang="zh-CN" dirty="0"/>
+          </a:p>
+          <a:p>
+            <a:r>
+              <a:rPr lang="zh-CN" altLang="en-US" dirty="0"/>
               <a:t>寻找满足等式                          </a:t>
             </a:r>
             <a:r>
-              <a:rPr lang="en-US" altLang="zh-CN" dirty="0" smtClean="0"/>
+              <a:rPr lang="en-US" altLang="zh-CN" dirty="0"/>
               <a:t>		 </a:t>
             </a:r>
             <a:r>
-              <a:rPr lang="zh-CN" altLang="en-US" dirty="0" smtClean="0"/>
+              <a:rPr lang="zh-CN" altLang="en-US" dirty="0"/>
               <a:t>的</a:t>
             </a:r>
             <a:r>
-              <a:rPr lang="en-US" altLang="zh-CN" dirty="0" err="1" smtClean="0"/>
+              <a:rPr lang="en-US" altLang="zh-CN" dirty="0" err="1"/>
               <a:t>Fi</a:t>
             </a:r>
             <a:r>
-              <a:rPr lang="zh-CN" altLang="en-US" dirty="0" smtClean="0"/>
+              <a:rPr lang="zh-CN" altLang="en-US" dirty="0"/>
               <a:t>，得到</a:t>
             </a:r>
             <a:r>
-              <a:rPr lang="en-US" altLang="zh-CN" dirty="0" err="1" smtClean="0"/>
+              <a:rPr lang="en-US" altLang="zh-CN" dirty="0" err="1"/>
               <a:t>i</a:t>
             </a:r>
             <a:r>
-              <a:rPr lang="en-US" altLang="zh-CN" dirty="0" smtClean="0"/>
+              <a:rPr lang="en-US" altLang="zh-CN" dirty="0"/>
               <a:t>=0</a:t>
             </a:r>
           </a:p>
           <a:p>
-            <a:endParaRPr lang="en-US" altLang="zh-CN" dirty="0" smtClean="0"/>
-          </a:p>
-          <a:p>
-            <a:endParaRPr lang="en-US" altLang="zh-CN" dirty="0" smtClean="0"/>
-          </a:p>
-          <a:p>
-            <a:endParaRPr lang="en-US" altLang="zh-CN" dirty="0" smtClean="0"/>
-          </a:p>
-          <a:p>
-            <a:endParaRPr lang="en-US" altLang="zh-CN" dirty="0" smtClean="0"/>
-          </a:p>
-          <a:p>
-            <a:endParaRPr lang="en-US" altLang="zh-CN" dirty="0" smtClean="0"/>
+            <a:endParaRPr lang="en-US" altLang="zh-CN" dirty="0"/>
+          </a:p>
+          <a:p>
+            <a:endParaRPr lang="en-US" altLang="zh-CN" dirty="0"/>
+          </a:p>
+          <a:p>
+            <a:endParaRPr lang="en-US" altLang="zh-CN" dirty="0"/>
+          </a:p>
+          <a:p>
+            <a:endParaRPr lang="en-US" altLang="zh-CN" dirty="0"/>
+          </a:p>
+          <a:p>
+            <a:endParaRPr lang="en-US" altLang="zh-CN" dirty="0"/>
           </a:p>
           <a:p>
             <a:endParaRPr lang="zh-CN" altLang="en-US" dirty="0"/>
@@ -8723,7 +8682,7 @@
           <a:graphicData uri="http://schemas.openxmlformats.org/presentationml/2006/ole">
             <mc:AlternateContent xmlns:mc="http://schemas.openxmlformats.org/markup-compatibility/2006">
               <mc:Choice xmlns:v="urn:schemas-microsoft-com:vml" Requires="v">
-                <p:oleObj spid="_x0000_s26641" name="Equation" r:id="rId4" imgW="1155600" imgH="228600" progId="Equation.DSMT4">
+                <p:oleObj spid="_x0000_s26665" name="Equation" r:id="rId4" imgW="1155600" imgH="228600" progId="Equation.DSMT4">
                   <p:embed/>
                 </p:oleObj>
               </mc:Choice>
@@ -8816,7 +8775,7 @@
           <a:graphicData uri="http://schemas.openxmlformats.org/presentationml/2006/ole">
             <mc:AlternateContent xmlns:mc="http://schemas.openxmlformats.org/markup-compatibility/2006">
               <mc:Choice xmlns:v="urn:schemas-microsoft-com:vml" Requires="v">
-                <p:oleObj spid="_x0000_s26642" name="Equation" r:id="rId6" imgW="1066680" imgH="228600" progId="Equation.DSMT4">
+                <p:oleObj spid="_x0000_s26666" name="Equation" r:id="rId6" imgW="1066680" imgH="228600" progId="Equation.DSMT4">
                   <p:embed/>
                 </p:oleObj>
               </mc:Choice>
@@ -8909,7 +8868,7 @@
           <a:graphicData uri="http://schemas.openxmlformats.org/presentationml/2006/ole">
             <mc:AlternateContent xmlns:mc="http://schemas.openxmlformats.org/markup-compatibility/2006">
               <mc:Choice xmlns:v="urn:schemas-microsoft-com:vml" Requires="v">
-                <p:oleObj spid="_x0000_s26643" name="Equation" r:id="rId8" imgW="647640" imgH="228600" progId="Equation.DSMT4">
+                <p:oleObj spid="_x0000_s26667" name="Equation" r:id="rId8" imgW="647640" imgH="228600" progId="Equation.DSMT4">
                   <p:embed/>
                 </p:oleObj>
               </mc:Choice>
@@ -9002,7 +8961,7 @@
           <a:graphicData uri="http://schemas.openxmlformats.org/presentationml/2006/ole">
             <mc:AlternateContent xmlns:mc="http://schemas.openxmlformats.org/markup-compatibility/2006">
               <mc:Choice xmlns:v="urn:schemas-microsoft-com:vml" Requires="v">
-                <p:oleObj spid="_x0000_s26644" name="Equation" r:id="rId10" imgW="761760" imgH="228600" progId="Equation.DSMT4">
+                <p:oleObj spid="_x0000_s26668" name="Equation" r:id="rId10" imgW="761760" imgH="228600" progId="Equation.DSMT4">
                   <p:embed/>
                 </p:oleObj>
               </mc:Choice>
@@ -9095,7 +9054,7 @@
           <a:graphicData uri="http://schemas.openxmlformats.org/presentationml/2006/ole">
             <mc:AlternateContent xmlns:mc="http://schemas.openxmlformats.org/markup-compatibility/2006">
               <mc:Choice xmlns:v="urn:schemas-microsoft-com:vml" Requires="v">
-                <p:oleObj spid="_x0000_s26645" name="Equation" r:id="rId12" imgW="1143000" imgH="228600" progId="Equation.DSMT4">
+                <p:oleObj spid="_x0000_s26669" name="Equation" r:id="rId12" imgW="1143000" imgH="228600" progId="Equation.DSMT4">
                   <p:embed/>
                 </p:oleObj>
               </mc:Choice>
@@ -9188,7 +9147,7 @@
           <a:graphicData uri="http://schemas.openxmlformats.org/presentationml/2006/ole">
             <mc:AlternateContent xmlns:mc="http://schemas.openxmlformats.org/markup-compatibility/2006">
               <mc:Choice xmlns:v="urn:schemas-microsoft-com:vml" Requires="v">
-                <p:oleObj spid="_x0000_s26646" name="Equation" r:id="rId14" imgW="1295280" imgH="228600" progId="Equation.DSMT4">
+                <p:oleObj spid="_x0000_s26670" name="Equation" r:id="rId14" imgW="1295280" imgH="228600" progId="Equation.DSMT4">
                   <p:embed/>
                 </p:oleObj>
               </mc:Choice>
@@ -9270,13 +9229,6 @@
   <p:clrMapOvr>
     <a:masterClrMapping/>
   </p:clrMapOvr>
-  <p:timing>
-    <p:tnLst>
-      <p:par>
-        <p:cTn id="1" dur="indefinite" restart="never" nodeType="tmRoot"/>
-      </p:par>
-    </p:tnLst>
-  </p:timing>
 </p:sld>
 </file>
 
@@ -9604,7 +9556,7 @@
               <a:tabLst/>
             </a:pPr>
             <a:r>
-              <a:rPr lang="en-US" altLang="zh-CN" sz="2802" dirty="0" smtClean="0">
+              <a:rPr lang="en-US" altLang="zh-CN" sz="2802" dirty="0">
                 <a:solidFill>
                   <a:srgbClr val="FFFFFF"/>
                 </a:solidFill>
@@ -9643,7 +9595,7 @@
                 <a:spcPts val="1000"/>
               </a:lnSpc>
             </a:pPr>
-            <a:endParaRPr lang="en-US" altLang="zh-CN" dirty="0" smtClean="0"/>
+            <a:endParaRPr lang="en-US" altLang="zh-CN" dirty="0"/>
           </a:p>
           <a:p>
             <a:pPr>
@@ -9651,7 +9603,7 @@
                 <a:spcPts val="1000"/>
               </a:lnSpc>
             </a:pPr>
-            <a:endParaRPr lang="en-US" altLang="zh-CN" dirty="0" smtClean="0"/>
+            <a:endParaRPr lang="en-US" altLang="zh-CN" dirty="0"/>
           </a:p>
           <a:p>
             <a:pPr>
@@ -9662,7 +9614,7 @@
                 <a:tab pos="469900" algn="l"/>
               </a:tabLst>
             </a:pPr>
-            <a:endParaRPr lang="en-US" altLang="zh-CN" sz="2400" dirty="0" smtClean="0">
+            <a:endParaRPr lang="en-US" altLang="zh-CN" sz="2400" dirty="0">
               <a:solidFill>
                 <a:srgbClr val="FF9A00"/>
               </a:solidFill>
@@ -9701,7 +9653,7 @@
               <a:tabLst/>
             </a:pPr>
             <a:r>
-              <a:rPr lang="en-US" altLang="zh-CN" sz="1200" dirty="0" smtClean="0">
+              <a:rPr lang="en-US" altLang="zh-CN" sz="1200" dirty="0">
                 <a:solidFill>
                   <a:srgbClr val="000000"/>
                 </a:solidFill>
@@ -9742,7 +9694,7 @@
               <a:tabLst/>
             </a:pPr>
             <a:r>
-              <a:rPr lang="en-US" altLang="zh-CN" sz="1200" dirty="0" smtClean="0">
+              <a:rPr lang="en-US" altLang="zh-CN" sz="1200" dirty="0">
                 <a:solidFill>
                   <a:srgbClr val="000000"/>
                 </a:solidFill>
@@ -9810,72 +9762,72 @@
           </a:bodyPr>
           <a:lstStyle/>
           <a:p>
-            <a:endParaRPr lang="en-US" altLang="zh-CN" dirty="0" smtClean="0"/>
-          </a:p>
-          <a:p>
-            <a:endParaRPr lang="en-US" altLang="zh-CN" dirty="0" smtClean="0"/>
-          </a:p>
-          <a:p>
-            <a:r>
-              <a:rPr lang="zh-CN" altLang="en-US" dirty="0" smtClean="0"/>
+            <a:endParaRPr lang="en-US" altLang="zh-CN" dirty="0"/>
+          </a:p>
+          <a:p>
+            <a:endParaRPr lang="en-US" altLang="zh-CN" dirty="0"/>
+          </a:p>
+          <a:p>
+            <a:r>
+              <a:rPr lang="zh-CN" altLang="en-US" dirty="0"/>
               <a:t>由于满足等式</a:t>
             </a:r>
             <a:r>
-              <a:rPr lang="en-US" altLang="zh-CN" dirty="0" smtClean="0"/>
+              <a:rPr lang="en-US" altLang="zh-CN" dirty="0"/>
               <a:t>		     </a:t>
             </a:r>
             <a:r>
-              <a:rPr lang="zh-CN" altLang="en-US" dirty="0" smtClean="0"/>
+              <a:rPr lang="zh-CN" altLang="en-US" dirty="0"/>
               <a:t>，我们应该将子句          添加到</a:t>
             </a:r>
             <a:r>
-              <a:rPr lang="en-US" altLang="zh-CN" dirty="0" smtClean="0"/>
+              <a:rPr lang="en-US" altLang="zh-CN" dirty="0"/>
               <a:t>F</a:t>
             </a:r>
             <a:r>
-              <a:rPr lang="en-US" altLang="zh-CN" sz="1400" dirty="0" smtClean="0"/>
+              <a:rPr lang="en-US" altLang="zh-CN" sz="1400" dirty="0"/>
               <a:t>2</a:t>
             </a:r>
             <a:r>
-              <a:rPr lang="zh-CN" altLang="en-US" dirty="0" smtClean="0"/>
+              <a:rPr lang="zh-CN" altLang="en-US" dirty="0"/>
               <a:t>中，因此</a:t>
             </a:r>
-            <a:endParaRPr lang="en-US" altLang="zh-CN" dirty="0" smtClean="0"/>
-          </a:p>
-          <a:p>
-            <a:endParaRPr lang="en-US" altLang="zh-CN" dirty="0" smtClean="0"/>
-          </a:p>
-          <a:p>
-            <a:endParaRPr lang="en-US" altLang="zh-CN" dirty="0" smtClean="0"/>
-          </a:p>
-          <a:p>
-            <a:endParaRPr lang="en-US" altLang="zh-CN" dirty="0" smtClean="0"/>
-          </a:p>
-          <a:p>
-            <a:r>
-              <a:rPr lang="zh-CN" altLang="en-US" dirty="0" smtClean="0"/>
+            <a:endParaRPr lang="en-US" altLang="zh-CN" dirty="0"/>
+          </a:p>
+          <a:p>
+            <a:endParaRPr lang="en-US" altLang="zh-CN" dirty="0"/>
+          </a:p>
+          <a:p>
+            <a:endParaRPr lang="en-US" altLang="zh-CN" dirty="0"/>
+          </a:p>
+          <a:p>
+            <a:endParaRPr lang="en-US" altLang="zh-CN" dirty="0"/>
+          </a:p>
+          <a:p>
+            <a:r>
+              <a:rPr lang="zh-CN" altLang="en-US" dirty="0"/>
               <a:t>此时</a:t>
             </a:r>
             <a:r>
-              <a:rPr lang="en-US" altLang="zh-CN" dirty="0" smtClean="0"/>
+              <a:rPr lang="en-US" altLang="zh-CN" dirty="0"/>
               <a:t>F1=F2</a:t>
             </a:r>
             <a:r>
-              <a:rPr lang="zh-CN" altLang="en-US" dirty="0" smtClean="0"/>
+              <a:rPr lang="zh-CN" altLang="en-US" dirty="0"/>
               <a:t>，算法终止，属性</a:t>
             </a:r>
             <a:r>
-              <a:rPr lang="en-US" altLang="zh-CN" dirty="0" smtClean="0"/>
+              <a:rPr lang="en-US" altLang="zh-CN" dirty="0"/>
               <a:t>P</a:t>
             </a:r>
             <a:r>
-              <a:rPr lang="zh-CN" altLang="en-US" dirty="0" smtClean="0"/>
+              <a:rPr lang="zh-CN" altLang="en-US" dirty="0"/>
               <a:t>成立</a:t>
             </a:r>
-            <a:endParaRPr lang="en-US" altLang="zh-CN" dirty="0" smtClean="0"/>
-          </a:p>
-          <a:p>
-            <a:endParaRPr lang="en-US" altLang="zh-CN" dirty="0" smtClean="0"/>
+            <a:endParaRPr lang="en-US" altLang="zh-CN" dirty="0"/>
+          </a:p>
+          <a:p>
+            <a:endParaRPr lang="en-US" altLang="zh-CN" dirty="0"/>
           </a:p>
           <a:p>
             <a:endParaRPr lang="zh-CN" altLang="en-US" dirty="0"/>
@@ -9898,7 +9850,7 @@
           <a:graphicData uri="http://schemas.openxmlformats.org/presentationml/2006/ole">
             <mc:AlternateContent xmlns:mc="http://schemas.openxmlformats.org/markup-compatibility/2006">
               <mc:Choice xmlns:v="urn:schemas-microsoft-com:vml" Requires="v">
-                <p:oleObj spid="_x0000_s27664" name="Equation" r:id="rId5" imgW="825480" imgH="228600" progId="Equation.DSMT4">
+                <p:oleObj spid="_x0000_s27680" name="Equation" r:id="rId5" imgW="825480" imgH="228600" progId="Equation.DSMT4">
                   <p:embed/>
                 </p:oleObj>
               </mc:Choice>
@@ -9991,7 +9943,7 @@
           <a:graphicData uri="http://schemas.openxmlformats.org/presentationml/2006/ole">
             <mc:AlternateContent xmlns:mc="http://schemas.openxmlformats.org/markup-compatibility/2006">
               <mc:Choice xmlns:v="urn:schemas-microsoft-com:vml" Requires="v">
-                <p:oleObj spid="_x0000_s27665" name="Equation" r:id="rId7" imgW="876240" imgH="279360" progId="Equation.DSMT4">
+                <p:oleObj spid="_x0000_s27681" name="Equation" r:id="rId7" imgW="876240" imgH="279360" progId="Equation.DSMT4">
                   <p:embed/>
                 </p:oleObj>
               </mc:Choice>
@@ -10084,7 +10036,7 @@
           <a:graphicData uri="http://schemas.openxmlformats.org/presentationml/2006/ole">
             <mc:AlternateContent xmlns:mc="http://schemas.openxmlformats.org/markup-compatibility/2006">
               <mc:Choice xmlns:v="urn:schemas-microsoft-com:vml" Requires="v">
-                <p:oleObj spid="_x0000_s27666" name="Equation" r:id="rId9" imgW="266400" imgH="228600" progId="Equation.DSMT4">
+                <p:oleObj spid="_x0000_s27682" name="Equation" r:id="rId9" imgW="266400" imgH="228600" progId="Equation.DSMT4">
                   <p:embed/>
                 </p:oleObj>
               </mc:Choice>
@@ -10177,7 +10129,7 @@
           <a:graphicData uri="http://schemas.openxmlformats.org/presentationml/2006/ole">
             <mc:AlternateContent xmlns:mc="http://schemas.openxmlformats.org/markup-compatibility/2006">
               <mc:Choice xmlns:v="urn:schemas-microsoft-com:vml" Requires="v">
-                <p:oleObj spid="_x0000_s27667" name="Equation" r:id="rId11" imgW="1346040" imgH="279360" progId="Equation.DSMT4">
+                <p:oleObj spid="_x0000_s27683" name="Equation" r:id="rId11" imgW="1346040" imgH="279360" progId="Equation.DSMT4">
                   <p:embed/>
                 </p:oleObj>
               </mc:Choice>
@@ -10259,13 +10211,6 @@
   <p:clrMapOvr>
     <a:masterClrMapping/>
   </p:clrMapOvr>
-  <p:timing>
-    <p:tnLst>
-      <p:par>
-        <p:cTn id="1" dur="indefinite" restart="never" nodeType="tmRoot"/>
-      </p:par>
-    </p:tnLst>
-  </p:timing>
 </p:sld>
 </file>
 
@@ -10592,7 +10537,7 @@
               </a:lnSpc>
             </a:pPr>
             <a:r>
-              <a:rPr lang="en-US" altLang="zh-CN" sz="2802" dirty="0" smtClean="0">
+              <a:rPr lang="en-US" altLang="zh-CN" sz="2802" dirty="0">
                 <a:solidFill>
                   <a:srgbClr val="FFFFFF"/>
                 </a:solidFill>
@@ -10635,7 +10580,7 @@
               </a:tabLst>
             </a:pPr>
             <a:r>
-              <a:rPr lang="en-US" altLang="zh-CN" sz="2597" dirty="0" smtClean="0">
+              <a:rPr lang="en-US" altLang="zh-CN" sz="2597" dirty="0">
                 <a:solidFill>
                   <a:srgbClr val="FF9A00"/>
                 </a:solidFill>
@@ -10645,14 +10590,14 @@
               <a:t>	</a:t>
             </a:r>
             <a:r>
-              <a:rPr lang="zh-CN" altLang="en-US" sz="2597" dirty="0" smtClean="0">
+              <a:rPr lang="zh-CN" altLang="en-US" sz="2597" dirty="0">
                 <a:latin typeface="Wingdings" pitchFamily="18" charset="0"/>
                 <a:cs typeface="Wingdings" pitchFamily="18" charset="0"/>
               </a:rPr>
               <a:t>目标：寻找  的一个子</a:t>
             </a:r>
             <a:r>
-              <a:rPr lang="zh-CN" altLang="en-US" sz="2400" dirty="0" smtClean="0">
+              <a:rPr lang="zh-CN" altLang="en-US" sz="2400" dirty="0">
                 <a:solidFill>
                   <a:srgbClr val="000000"/>
                 </a:solidFill>
@@ -10662,7 +10607,7 @@
               <a:t>句</a:t>
             </a:r>
             <a:r>
-              <a:rPr lang="en-US" altLang="zh-CN" sz="2400" dirty="0" smtClean="0">
+              <a:rPr lang="en-US" altLang="zh-CN" sz="2400" dirty="0">
                 <a:solidFill>
                   <a:srgbClr val="000000"/>
                 </a:solidFill>
@@ -10672,7 +10617,7 @@
               <a:t>c</a:t>
             </a:r>
             <a:r>
-              <a:rPr lang="zh-CN" altLang="en-US" sz="2400" dirty="0" smtClean="0">
+              <a:rPr lang="zh-CN" altLang="en-US" sz="2400" dirty="0">
                 <a:solidFill>
                   <a:srgbClr val="000000"/>
                 </a:solidFill>
@@ -10682,13 +10627,13 @@
               <a:t>，</a:t>
             </a:r>
             <a:r>
-              <a:rPr lang="zh-CN" altLang="en-US" sz="2597" dirty="0" smtClean="0">
+              <a:rPr lang="zh-CN" altLang="en-US" sz="2597" dirty="0">
                 <a:latin typeface="Wingdings" pitchFamily="18" charset="0"/>
                 <a:cs typeface="Wingdings" pitchFamily="18" charset="0"/>
               </a:rPr>
               <a:t>满足如下条件：</a:t>
             </a:r>
-            <a:endParaRPr lang="en-US" altLang="zh-CN" sz="2400" dirty="0" smtClean="0">
+            <a:endParaRPr lang="en-US" altLang="zh-CN" sz="2400" dirty="0">
               <a:latin typeface="Times New Roman" pitchFamily="18" charset="0"/>
               <a:cs typeface="Times New Roman" pitchFamily="18" charset="0"/>
             </a:endParaRPr>
@@ -10699,7 +10644,7 @@
                 <a:spcPts val="1000"/>
               </a:lnSpc>
             </a:pPr>
-            <a:endParaRPr lang="en-US" altLang="zh-CN" dirty="0" smtClean="0"/>
+            <a:endParaRPr lang="en-US" altLang="zh-CN" dirty="0"/>
           </a:p>
           <a:p>
             <a:pPr>
@@ -10707,7 +10652,7 @@
                 <a:spcPts val="1000"/>
               </a:lnSpc>
             </a:pPr>
-            <a:endParaRPr lang="en-US" altLang="zh-CN" dirty="0" smtClean="0"/>
+            <a:endParaRPr lang="en-US" altLang="zh-CN" dirty="0"/>
           </a:p>
           <a:p>
             <a:pPr>
@@ -10715,7 +10660,7 @@
                 <a:spcPts val="1000"/>
               </a:lnSpc>
             </a:pPr>
-            <a:endParaRPr lang="en-US" altLang="zh-CN" dirty="0" smtClean="0"/>
+            <a:endParaRPr lang="en-US" altLang="zh-CN" dirty="0"/>
           </a:p>
           <a:p>
             <a:pPr>
@@ -10723,7 +10668,7 @@
                 <a:spcPts val="1000"/>
               </a:lnSpc>
             </a:pPr>
-            <a:endParaRPr lang="en-US" altLang="zh-CN" dirty="0" smtClean="0"/>
+            <a:endParaRPr lang="en-US" altLang="zh-CN" dirty="0"/>
           </a:p>
           <a:p>
             <a:pPr>
@@ -10735,7 +10680,7 @@
               </a:tabLst>
             </a:pPr>
             <a:r>
-              <a:rPr lang="en-US" altLang="zh-CN" sz="2400" dirty="0" smtClean="0">
+              <a:rPr lang="en-US" altLang="zh-CN" sz="2400" dirty="0">
                 <a:solidFill>
                   <a:srgbClr val="FF9A00"/>
                 </a:solidFill>
@@ -10745,7 +10690,7 @@
               <a:t></a:t>
             </a:r>
             <a:r>
-              <a:rPr lang="en-US" altLang="zh-CN" sz="2400" dirty="0" smtClean="0">
+              <a:rPr lang="en-US" altLang="zh-CN" sz="2400" dirty="0">
                 <a:solidFill>
                   <a:srgbClr val="000000"/>
                 </a:solidFill>
@@ -10755,7 +10700,7 @@
               <a:t>	 </a:t>
             </a:r>
             <a:r>
-              <a:rPr lang="zh-CN" altLang="en-US" sz="2400" dirty="0" smtClean="0">
+              <a:rPr lang="zh-CN" altLang="en-US" sz="2400" dirty="0">
                 <a:solidFill>
                   <a:srgbClr val="000000"/>
                 </a:solidFill>
@@ -10765,7 +10710,7 @@
               <a:t>函数</a:t>
             </a:r>
             <a:r>
-              <a:rPr lang="en-US" altLang="zh-CN" sz="2400" dirty="0" smtClean="0">
+              <a:rPr lang="en-US" altLang="zh-CN" sz="2400" dirty="0">
                 <a:solidFill>
                   <a:srgbClr val="000000"/>
                 </a:solidFill>
@@ -10775,7 +10720,7 @@
               <a:t>MIC(</a:t>
             </a:r>
             <a:r>
-              <a:rPr lang="en-US" altLang="zh-CN" sz="2400" dirty="0" err="1" smtClean="0">
+              <a:rPr lang="en-US" altLang="zh-CN" sz="2400" dirty="0" err="1">
                 <a:solidFill>
                   <a:srgbClr val="000000"/>
                 </a:solidFill>
@@ -10785,7 +10730,7 @@
               <a:t>S,G,c</a:t>
             </a:r>
             <a:r>
-              <a:rPr lang="en-US" altLang="zh-CN" sz="2400" dirty="0" smtClean="0">
+              <a:rPr lang="en-US" altLang="zh-CN" sz="2400" dirty="0">
                 <a:solidFill>
                   <a:srgbClr val="000000"/>
                 </a:solidFill>
@@ -10794,11 +10739,11 @@
               </a:rPr>
               <a:t>)</a:t>
             </a:r>
-            <a:endParaRPr lang="en-US" altLang="zh-CN" sz="2400" dirty="0" smtClean="0"/>
-          </a:p>
-          <a:p>
-            <a:r>
-              <a:rPr lang="en-US" altLang="zh-CN" sz="2400" dirty="0" smtClean="0">
+            <a:endParaRPr lang="en-US" altLang="zh-CN" sz="2400" dirty="0"/>
+          </a:p>
+          <a:p>
+            <a:r>
+              <a:rPr lang="en-US" altLang="zh-CN" sz="2400" dirty="0">
                 <a:solidFill>
                   <a:srgbClr val="FF9A00"/>
                 </a:solidFill>
@@ -10808,27 +10753,27 @@
               <a:t> </a:t>
             </a:r>
             <a:r>
-              <a:rPr lang="zh-CN" altLang="en-US" sz="2400" dirty="0" smtClean="0">
+              <a:rPr lang="zh-CN" altLang="en-US" sz="2400" dirty="0">
                 <a:latin typeface="Wingdings" pitchFamily="18" charset="0"/>
                 <a:cs typeface="Wingdings" pitchFamily="18" charset="0"/>
               </a:rPr>
               <a:t>参考论文：“</a:t>
             </a:r>
             <a:r>
-              <a:rPr lang="en-US" altLang="zh-CN" sz="2400" dirty="0" smtClean="0"/>
+              <a:rPr lang="en-US" altLang="zh-CN" sz="2400" dirty="0"/>
               <a:t>Checking Safety by Inductive Generalization of 			         Counterexamples to Induction</a:t>
             </a:r>
             <a:r>
-              <a:rPr lang="zh-CN" altLang="en-US" sz="2400" dirty="0" smtClean="0"/>
+              <a:rPr lang="zh-CN" altLang="en-US" sz="2400" dirty="0"/>
               <a:t>”</a:t>
             </a:r>
-            <a:endParaRPr lang="en-US" altLang="zh-CN" sz="2400" dirty="0" smtClean="0"/>
-          </a:p>
-          <a:p>
-            <a:endParaRPr lang="en-US" altLang="zh-CN" sz="2400" dirty="0" smtClean="0"/>
-          </a:p>
-          <a:p>
-            <a:endParaRPr lang="en-US" altLang="zh-CN" sz="2400" dirty="0" smtClean="0">
+            <a:endParaRPr lang="en-US" altLang="zh-CN" sz="2400" dirty="0"/>
+          </a:p>
+          <a:p>
+            <a:endParaRPr lang="en-US" altLang="zh-CN" sz="2400" dirty="0"/>
+          </a:p>
+          <a:p>
+            <a:endParaRPr lang="en-US" altLang="zh-CN" sz="2400" dirty="0">
               <a:solidFill>
                 <a:srgbClr val="000000"/>
               </a:solidFill>
@@ -10837,7 +10782,7 @@
             </a:endParaRPr>
           </a:p>
           <a:p>
-            <a:endParaRPr lang="en-US" altLang="zh-CN" sz="2400" dirty="0" smtClean="0">
+            <a:endParaRPr lang="en-US" altLang="zh-CN" sz="2400" dirty="0">
               <a:solidFill>
                 <a:srgbClr val="000000"/>
               </a:solidFill>
@@ -10846,7 +10791,7 @@
             </a:endParaRPr>
           </a:p>
           <a:p>
-            <a:endParaRPr lang="en-US" altLang="zh-CN" sz="2400" dirty="0" smtClean="0">
+            <a:endParaRPr lang="en-US" altLang="zh-CN" sz="2400" dirty="0">
               <a:solidFill>
                 <a:srgbClr val="000000"/>
               </a:solidFill>
@@ -10864,7 +10809,7 @@
               </a:tabLst>
             </a:pPr>
             <a:r>
-              <a:rPr lang="zh-CN" altLang="en-US" sz="2400" dirty="0" smtClean="0">
+              <a:rPr lang="zh-CN" altLang="en-US" sz="2400" dirty="0">
                 <a:solidFill>
                   <a:srgbClr val="000000"/>
                 </a:solidFill>
@@ -10873,7 +10818,7 @@
               </a:rPr>
               <a:t>  </a:t>
             </a:r>
-            <a:endParaRPr lang="en-US" altLang="zh-CN" sz="2400" dirty="0" smtClean="0">
+            <a:endParaRPr lang="en-US" altLang="zh-CN" sz="2400" dirty="0">
               <a:solidFill>
                 <a:srgbClr val="000000"/>
               </a:solidFill>
@@ -10891,7 +10836,7 @@
               </a:tabLst>
             </a:pPr>
             <a:r>
-              <a:rPr lang="en-US" altLang="zh-CN" sz="2400" dirty="0" smtClean="0">
+              <a:rPr lang="en-US" altLang="zh-CN" sz="2400" dirty="0">
                 <a:solidFill>
                   <a:srgbClr val="000000"/>
                 </a:solidFill>
@@ -10932,7 +10877,7 @@
               <a:tabLst/>
             </a:pPr>
             <a:r>
-              <a:rPr lang="en-US" altLang="zh-CN" sz="1200" dirty="0" smtClean="0">
+              <a:rPr lang="en-US" altLang="zh-CN" sz="1200" dirty="0">
                 <a:solidFill>
                   <a:srgbClr val="000000"/>
                 </a:solidFill>
@@ -10973,7 +10918,7 @@
               <a:tabLst/>
             </a:pPr>
             <a:r>
-              <a:rPr lang="en-US" altLang="zh-CN" sz="1200" dirty="0" smtClean="0">
+              <a:rPr lang="en-US" altLang="zh-CN" sz="1200" dirty="0">
                 <a:solidFill>
                   <a:srgbClr val="000000"/>
                 </a:solidFill>
@@ -11001,7 +10946,7 @@
           <a:graphicData uri="http://schemas.openxmlformats.org/presentationml/2006/ole">
             <mc:AlternateContent xmlns:mc="http://schemas.openxmlformats.org/markup-compatibility/2006">
               <mc:Choice xmlns:v="urn:schemas-microsoft-com:vml" Requires="v">
-                <p:oleObj spid="_x0000_s24586" name="Equation" r:id="rId3" imgW="215640" imgH="139680" progId="Equation.DSMT4">
+                <p:oleObj spid="_x0000_s24602" name="Equation" r:id="rId3" imgW="215640" imgH="139680" progId="Equation.DSMT4">
                   <p:embed/>
                 </p:oleObj>
               </mc:Choice>
@@ -11094,7 +11039,7 @@
           <a:graphicData uri="http://schemas.openxmlformats.org/presentationml/2006/ole">
             <mc:AlternateContent xmlns:mc="http://schemas.openxmlformats.org/markup-compatibility/2006">
               <mc:Choice xmlns:v="urn:schemas-microsoft-com:vml" Requires="v">
-                <p:oleObj spid="_x0000_s24587" name="Equation" r:id="rId5" imgW="406080" imgH="177480" progId="Equation.DSMT4">
+                <p:oleObj spid="_x0000_s24603" name="Equation" r:id="rId5" imgW="406080" imgH="177480" progId="Equation.DSMT4">
                   <p:embed/>
                 </p:oleObj>
               </mc:Choice>
@@ -11187,7 +11132,7 @@
           <a:graphicData uri="http://schemas.openxmlformats.org/presentationml/2006/ole">
             <mc:AlternateContent xmlns:mc="http://schemas.openxmlformats.org/markup-compatibility/2006">
               <mc:Choice xmlns:v="urn:schemas-microsoft-com:vml" Requires="v">
-                <p:oleObj spid="_x0000_s24588" name="Equation" r:id="rId7" imgW="939600" imgH="228600" progId="Equation.DSMT4">
+                <p:oleObj spid="_x0000_s24604" name="Equation" r:id="rId7" imgW="939600" imgH="228600" progId="Equation.DSMT4">
                   <p:embed/>
                 </p:oleObj>
               </mc:Choice>
@@ -11280,7 +11225,7 @@
           <a:graphicData uri="http://schemas.openxmlformats.org/presentationml/2006/ole">
             <mc:AlternateContent xmlns:mc="http://schemas.openxmlformats.org/markup-compatibility/2006">
               <mc:Choice xmlns:v="urn:schemas-microsoft-com:vml" Requires="v">
-                <p:oleObj spid="_x0000_s24589" name="Equation" r:id="rId9" imgW="469800" imgH="152280" progId="Equation.DSMT4">
+                <p:oleObj spid="_x0000_s24605" name="Equation" r:id="rId9" imgW="469800" imgH="152280" progId="Equation.DSMT4">
                   <p:embed/>
                 </p:oleObj>
               </mc:Choice>
@@ -11362,13 +11307,6 @@
   <p:clrMapOvr>
     <a:masterClrMapping/>
   </p:clrMapOvr>
-  <p:timing>
-    <p:tnLst>
-      <p:par>
-        <p:cTn id="1" dur="indefinite" restart="never" nodeType="tmRoot"/>
-      </p:par>
-    </p:tnLst>
-  </p:timing>
 </p:sld>
 </file>
 
@@ -11695,7 +11633,7 @@
               </a:lnSpc>
             </a:pPr>
             <a:r>
-              <a:rPr lang="en-US" altLang="zh-CN" sz="2802" dirty="0" smtClean="0">
+              <a:rPr lang="en-US" altLang="zh-CN" sz="2802" dirty="0">
                 <a:solidFill>
                   <a:srgbClr val="FFFFFF"/>
                 </a:solidFill>
@@ -11734,7 +11672,7 @@
                 <a:spcPts val="1000"/>
               </a:lnSpc>
             </a:pPr>
-            <a:endParaRPr lang="en-US" altLang="zh-CN" dirty="0" smtClean="0"/>
+            <a:endParaRPr lang="en-US" altLang="zh-CN" dirty="0"/>
           </a:p>
           <a:p>
             <a:pPr>
@@ -11746,7 +11684,7 @@
               </a:tabLst>
             </a:pPr>
             <a:r>
-              <a:rPr lang="en-US" altLang="zh-CN" sz="2400" dirty="0" smtClean="0">
+              <a:rPr lang="en-US" altLang="zh-CN" sz="2400" dirty="0">
                 <a:solidFill>
                   <a:srgbClr val="FF9A00"/>
                 </a:solidFill>
@@ -11756,7 +11694,7 @@
               <a:t></a:t>
             </a:r>
             <a:r>
-              <a:rPr lang="en-US" altLang="zh-CN" sz="2400" dirty="0" smtClean="0">
+              <a:rPr lang="en-US" altLang="zh-CN" sz="2400" dirty="0">
                 <a:solidFill>
                   <a:srgbClr val="000000"/>
                 </a:solidFill>
@@ -11766,7 +11704,7 @@
               <a:t>	 </a:t>
             </a:r>
             <a:r>
-              <a:rPr lang="zh-CN" altLang="en-US" sz="2400" dirty="0" smtClean="0">
+              <a:rPr lang="zh-CN" altLang="en-US" sz="2400" dirty="0">
                 <a:solidFill>
                   <a:srgbClr val="000000"/>
                 </a:solidFill>
@@ -11776,7 +11714,7 @@
               <a:t>函数</a:t>
             </a:r>
             <a:r>
-              <a:rPr lang="en-US" altLang="zh-CN" sz="2400" dirty="0" smtClean="0">
+              <a:rPr lang="en-US" altLang="zh-CN" sz="2400" dirty="0">
                 <a:solidFill>
                   <a:srgbClr val="000000"/>
                 </a:solidFill>
@@ -11786,7 +11724,7 @@
               <a:t>down(</a:t>
             </a:r>
             <a:r>
-              <a:rPr lang="en-US" altLang="zh-CN" sz="2400" dirty="0" err="1" smtClean="0">
+              <a:rPr lang="en-US" altLang="zh-CN" sz="2400" dirty="0" err="1">
                 <a:solidFill>
                   <a:srgbClr val="000000"/>
                 </a:solidFill>
@@ -11796,7 +11734,7 @@
               <a:t>L</a:t>
             </a:r>
             <a:r>
-              <a:rPr lang="en-US" altLang="zh-CN" dirty="0" err="1" smtClean="0">
+              <a:rPr lang="en-US" altLang="zh-CN" dirty="0" err="1">
                 <a:solidFill>
                   <a:srgbClr val="000000"/>
                 </a:solidFill>
@@ -11806,7 +11744,7 @@
               <a:t>c</a:t>
             </a:r>
             <a:r>
-              <a:rPr lang="en-US" altLang="zh-CN" sz="2400" dirty="0" err="1" smtClean="0">
+              <a:rPr lang="en-US" altLang="zh-CN" sz="2400" dirty="0" err="1">
                 <a:solidFill>
                   <a:srgbClr val="000000"/>
                 </a:solidFill>
@@ -11816,7 +11754,7 @@
               <a:t>,d</a:t>
             </a:r>
             <a:r>
-              <a:rPr lang="en-US" altLang="zh-CN" sz="2400" dirty="0" smtClean="0">
+              <a:rPr lang="en-US" altLang="zh-CN" sz="2400" dirty="0">
                 <a:solidFill>
                   <a:srgbClr val="000000"/>
                 </a:solidFill>
@@ -11826,7 +11764,7 @@
               <a:t>)</a:t>
             </a:r>
             <a:r>
-              <a:rPr lang="zh-CN" altLang="en-US" sz="2400" dirty="0" smtClean="0">
+              <a:rPr lang="zh-CN" altLang="en-US" sz="2400" dirty="0">
                 <a:solidFill>
                   <a:srgbClr val="000000"/>
                 </a:solidFill>
@@ -11836,7 +11774,7 @@
               <a:t>，输入</a:t>
             </a:r>
             <a:r>
-              <a:rPr lang="en-US" altLang="zh-CN" sz="2400" dirty="0" smtClean="0">
+              <a:rPr lang="en-US" altLang="zh-CN" sz="2400" dirty="0">
                 <a:solidFill>
                   <a:srgbClr val="000000"/>
                 </a:solidFill>
@@ -11846,7 +11784,7 @@
               <a:t>d</a:t>
             </a:r>
             <a:r>
-              <a:rPr lang="zh-CN" altLang="en-US" sz="2400" dirty="0" smtClean="0">
+              <a:rPr lang="zh-CN" altLang="en-US" sz="2400" dirty="0">
                 <a:solidFill>
                   <a:srgbClr val="000000"/>
                 </a:solidFill>
@@ -11856,7 +11794,7 @@
               <a:t>为一个</a:t>
             </a:r>
             <a:r>
-              <a:rPr lang="en-US" altLang="zh-CN" sz="2400" dirty="0" smtClean="0">
+              <a:rPr lang="en-US" altLang="zh-CN" sz="2400" dirty="0">
                 <a:solidFill>
                   <a:srgbClr val="000000"/>
                 </a:solidFill>
@@ -11866,7 +11804,7 @@
               <a:t>clause</a:t>
             </a:r>
             <a:r>
-              <a:rPr lang="zh-CN" altLang="en-US" sz="2400" dirty="0" smtClean="0">
+              <a:rPr lang="zh-CN" altLang="en-US" sz="2400" dirty="0">
                 <a:solidFill>
                   <a:srgbClr val="000000"/>
                 </a:solidFill>
@@ -11875,7 +11813,7 @@
               </a:rPr>
               <a:t>子句</a:t>
             </a:r>
-            <a:endParaRPr lang="en-US" altLang="zh-CN" sz="2400" dirty="0" smtClean="0">
+            <a:endParaRPr lang="en-US" altLang="zh-CN" sz="2400" dirty="0">
               <a:solidFill>
                 <a:srgbClr val="000000"/>
               </a:solidFill>
@@ -11885,7 +11823,7 @@
           </a:p>
           <a:p>
             <a:r>
-              <a:rPr lang="en-US" altLang="zh-CN" sz="2400" dirty="0" smtClean="0">
+              <a:rPr lang="en-US" altLang="zh-CN" sz="2400" dirty="0">
                 <a:solidFill>
                   <a:srgbClr val="000000"/>
                 </a:solidFill>
@@ -11895,7 +11833,7 @@
               <a:t>       </a:t>
             </a:r>
             <a:r>
-              <a:rPr lang="zh-CN" altLang="en-US" sz="2400" dirty="0" smtClean="0">
+              <a:rPr lang="zh-CN" altLang="en-US" sz="2400" dirty="0">
                 <a:solidFill>
                   <a:srgbClr val="000000"/>
                 </a:solidFill>
@@ -11905,7 +11843,7 @@
               <a:t>返回</a:t>
             </a:r>
             <a:r>
-              <a:rPr lang="en-US" altLang="zh-CN" sz="2400" dirty="0" smtClean="0">
+              <a:rPr lang="en-US" altLang="zh-CN" sz="2400" dirty="0">
                 <a:solidFill>
                   <a:srgbClr val="000000"/>
                 </a:solidFill>
@@ -11915,7 +11853,7 @@
               <a:t>d</a:t>
             </a:r>
             <a:r>
-              <a:rPr lang="zh-CN" altLang="en-US" sz="2400" dirty="0" smtClean="0">
+              <a:rPr lang="zh-CN" altLang="en-US" sz="2400" dirty="0">
                 <a:solidFill>
                   <a:srgbClr val="000000"/>
                 </a:solidFill>
@@ -11925,7 +11863,7 @@
               <a:t>最大的，并且满足如下表达式的子集</a:t>
             </a:r>
             <a:r>
-              <a:rPr lang="en-US" altLang="zh-CN" sz="2400" i="1" dirty="0" smtClean="0">
+              <a:rPr lang="en-US" altLang="zh-CN" sz="2400" i="1" dirty="0">
                 <a:solidFill>
                   <a:srgbClr val="000000"/>
                 </a:solidFill>
@@ -11936,7 +11874,7 @@
             </a:r>
           </a:p>
           <a:p>
-            <a:endParaRPr lang="en-US" altLang="zh-CN" sz="2400" i="1" dirty="0" smtClean="0">
+            <a:endParaRPr lang="en-US" altLang="zh-CN" sz="2400" i="1" dirty="0">
               <a:solidFill>
                 <a:srgbClr val="000000"/>
               </a:solidFill>
@@ -11946,7 +11884,7 @@
           </a:p>
           <a:p>
             <a:r>
-              <a:rPr lang="en-US" altLang="zh-CN" sz="2400" i="1" dirty="0" smtClean="0">
+              <a:rPr lang="en-US" altLang="zh-CN" sz="2400" i="1" dirty="0">
                 <a:solidFill>
                   <a:srgbClr val="000000"/>
                 </a:solidFill>
@@ -11958,7 +11896,7 @@
           </a:p>
           <a:p>
             <a:r>
-              <a:rPr lang="en-US" altLang="zh-CN" sz="2400" i="1" dirty="0" smtClean="0">
+              <a:rPr lang="en-US" altLang="zh-CN" sz="2400" i="1" dirty="0">
                 <a:solidFill>
                   <a:srgbClr val="000000"/>
                 </a:solidFill>
@@ -11968,7 +11906,7 @@
               <a:t>       </a:t>
             </a:r>
             <a:r>
-              <a:rPr lang="zh-CN" altLang="en-US" sz="2400" dirty="0" smtClean="0">
+              <a:rPr lang="zh-CN" altLang="en-US" sz="2400" dirty="0">
                 <a:solidFill>
                   <a:srgbClr val="000000"/>
                 </a:solidFill>
@@ -11978,7 +11916,7 @@
               <a:t>由于该函数是单调递减的，因此可以得到一个最大不动点</a:t>
             </a:r>
             <a:r>
-              <a:rPr lang="en-US" altLang="zh-CN" sz="2400" dirty="0" smtClean="0">
+              <a:rPr lang="en-US" altLang="zh-CN" sz="2400" dirty="0">
                 <a:solidFill>
                   <a:srgbClr val="000000"/>
                 </a:solidFill>
@@ -11990,7 +11928,7 @@
           </a:p>
           <a:p>
             <a:r>
-              <a:rPr lang="en-US" altLang="zh-CN" sz="2400" dirty="0" smtClean="0">
+              <a:rPr lang="en-US" altLang="zh-CN" sz="2400" dirty="0">
                 <a:solidFill>
                   <a:srgbClr val="FF9A00"/>
                 </a:solidFill>
@@ -12000,7 +11938,7 @@
               <a:t> </a:t>
             </a:r>
             <a:r>
-              <a:rPr lang="zh-CN" altLang="en-US" sz="2400" dirty="0" smtClean="0">
+              <a:rPr lang="zh-CN" altLang="en-US" sz="2400" dirty="0">
                 <a:solidFill>
                   <a:srgbClr val="000000"/>
                 </a:solidFill>
@@ -12010,21 +11948,21 @@
               <a:t>函数</a:t>
             </a:r>
             <a:r>
-              <a:rPr lang="en-US" altLang="zh-CN" sz="2400" dirty="0" smtClean="0"/>
+              <a:rPr lang="en-US" altLang="zh-CN" sz="2400" dirty="0"/>
               <a:t>implicate(</a:t>
             </a:r>
             <a:r>
-              <a:rPr lang="en-US" altLang="zh-CN" sz="2400" dirty="0" err="1" smtClean="0"/>
+              <a:rPr lang="en-US" altLang="zh-CN" sz="2400" dirty="0" err="1"/>
               <a:t>c,I</a:t>
             </a:r>
             <a:r>
-              <a:rPr lang="en-US" altLang="zh-CN" sz="2400" dirty="0" smtClean="0"/>
+              <a:rPr lang="en-US" altLang="zh-CN" sz="2400" dirty="0"/>
               <a:t>)</a:t>
             </a:r>
           </a:p>
           <a:p>
             <a:r>
-              <a:rPr lang="en-US" altLang="zh-CN" sz="2400" dirty="0" smtClean="0">
+              <a:rPr lang="en-US" altLang="zh-CN" sz="2400" dirty="0">
                 <a:solidFill>
                   <a:srgbClr val="FF9A00"/>
                 </a:solidFill>
@@ -12034,7 +11972,7 @@
               <a:t> </a:t>
             </a:r>
             <a:r>
-              <a:rPr lang="zh-CN" altLang="en-US" sz="2400" dirty="0" smtClean="0">
+              <a:rPr lang="zh-CN" altLang="en-US" sz="2400" dirty="0">
                 <a:solidFill>
                   <a:srgbClr val="000000"/>
                 </a:solidFill>
@@ -12044,29 +11982,29 @@
               <a:t>函数</a:t>
             </a:r>
             <a:r>
-              <a:rPr lang="en-US" altLang="zh-CN" sz="2400" dirty="0" smtClean="0"/>
+              <a:rPr lang="en-US" altLang="zh-CN" sz="2400" dirty="0"/>
               <a:t>up(</a:t>
             </a:r>
             <a:r>
-              <a:rPr lang="en-US" altLang="zh-CN" sz="2400" dirty="0" err="1" smtClean="0"/>
+              <a:rPr lang="en-US" altLang="zh-CN" sz="2400" dirty="0" err="1"/>
               <a:t>L</a:t>
             </a:r>
             <a:r>
-              <a:rPr lang="en-US" altLang="zh-CN" dirty="0" err="1" smtClean="0"/>
+              <a:rPr lang="en-US" altLang="zh-CN" dirty="0" err="1"/>
               <a:t>b,c</a:t>
             </a:r>
             <a:r>
-              <a:rPr lang="en-US" altLang="zh-CN" sz="2400" dirty="0" err="1" smtClean="0"/>
+              <a:rPr lang="en-US" altLang="zh-CN" sz="2400" dirty="0" err="1"/>
               <a:t>,d</a:t>
             </a:r>
             <a:r>
-              <a:rPr lang="en-US" altLang="zh-CN" sz="2400" dirty="0" smtClean="0"/>
+              <a:rPr lang="en-US" altLang="zh-CN" sz="2400" dirty="0"/>
               <a:t>)</a:t>
             </a:r>
           </a:p>
           <a:p>
             <a:r>
-              <a:rPr lang="en-US" altLang="zh-CN" sz="2400" dirty="0" smtClean="0">
+              <a:rPr lang="en-US" altLang="zh-CN" sz="2400" dirty="0">
                 <a:solidFill>
                   <a:srgbClr val="000000"/>
                 </a:solidFill>
@@ -12076,7 +12014,7 @@
               <a:t>        </a:t>
             </a:r>
             <a:r>
-              <a:rPr lang="zh-CN" altLang="en-US" sz="2400" dirty="0" smtClean="0">
+              <a:rPr lang="zh-CN" altLang="en-US" sz="2400" dirty="0">
                 <a:solidFill>
                   <a:srgbClr val="000000"/>
                 </a:solidFill>
@@ -12086,7 +12024,7 @@
               <a:t>返回</a:t>
             </a:r>
             <a:r>
-              <a:rPr lang="en-US" altLang="zh-CN" sz="2400" dirty="0" smtClean="0">
+              <a:rPr lang="en-US" altLang="zh-CN" sz="2400" dirty="0">
                 <a:solidFill>
                   <a:srgbClr val="000000"/>
                 </a:solidFill>
@@ -12096,7 +12034,7 @@
               <a:t>d</a:t>
             </a:r>
             <a:r>
-              <a:rPr lang="zh-CN" altLang="en-US" sz="2400" dirty="0" smtClean="0">
+              <a:rPr lang="zh-CN" altLang="en-US" sz="2400" dirty="0">
                 <a:solidFill>
                   <a:srgbClr val="000000"/>
                 </a:solidFill>
@@ -12106,7 +12044,7 @@
               <a:t>最小的，并且满足如下表达式的子集</a:t>
             </a:r>
             <a:r>
-              <a:rPr lang="en-US" altLang="zh-CN" sz="2400" i="1" dirty="0" smtClean="0">
+              <a:rPr lang="en-US" altLang="zh-CN" sz="2400" i="1" dirty="0">
                 <a:solidFill>
                   <a:srgbClr val="000000"/>
                 </a:solidFill>
@@ -12117,13 +12055,13 @@
             </a:r>
           </a:p>
           <a:p>
-            <a:endParaRPr lang="en-US" altLang="zh-CN" sz="2400" dirty="0" smtClean="0"/>
-          </a:p>
-          <a:p>
-            <a:endParaRPr lang="en-US" altLang="zh-CN" sz="2400" dirty="0" smtClean="0"/>
-          </a:p>
-          <a:p>
-            <a:endParaRPr lang="en-US" altLang="zh-CN" sz="2400" dirty="0" smtClean="0">
+            <a:endParaRPr lang="en-US" altLang="zh-CN" sz="2400" dirty="0"/>
+          </a:p>
+          <a:p>
+            <a:endParaRPr lang="en-US" altLang="zh-CN" sz="2400" dirty="0"/>
+          </a:p>
+          <a:p>
+            <a:endParaRPr lang="en-US" altLang="zh-CN" sz="2400" dirty="0">
               <a:solidFill>
                 <a:srgbClr val="000000"/>
               </a:solidFill>
@@ -12132,7 +12070,7 @@
             </a:endParaRPr>
           </a:p>
           <a:p>
-            <a:endParaRPr lang="en-US" altLang="zh-CN" sz="2400" dirty="0" smtClean="0">
+            <a:endParaRPr lang="en-US" altLang="zh-CN" sz="2400" dirty="0">
               <a:solidFill>
                 <a:srgbClr val="000000"/>
               </a:solidFill>
@@ -12141,7 +12079,7 @@
             </a:endParaRPr>
           </a:p>
           <a:p>
-            <a:endParaRPr lang="en-US" altLang="zh-CN" sz="2400" dirty="0" smtClean="0">
+            <a:endParaRPr lang="en-US" altLang="zh-CN" sz="2400" dirty="0">
               <a:solidFill>
                 <a:srgbClr val="000000"/>
               </a:solidFill>
@@ -12159,7 +12097,7 @@
               </a:tabLst>
             </a:pPr>
             <a:r>
-              <a:rPr lang="zh-CN" altLang="en-US" sz="2400" dirty="0" smtClean="0">
+              <a:rPr lang="zh-CN" altLang="en-US" sz="2400" dirty="0">
                 <a:solidFill>
                   <a:srgbClr val="000000"/>
                 </a:solidFill>
@@ -12168,7 +12106,7 @@
               </a:rPr>
               <a:t>  </a:t>
             </a:r>
-            <a:endParaRPr lang="en-US" altLang="zh-CN" sz="2400" dirty="0" smtClean="0">
+            <a:endParaRPr lang="en-US" altLang="zh-CN" sz="2400" dirty="0">
               <a:solidFill>
                 <a:srgbClr val="000000"/>
               </a:solidFill>
@@ -12186,7 +12124,7 @@
               </a:tabLst>
             </a:pPr>
             <a:r>
-              <a:rPr lang="en-US" altLang="zh-CN" sz="2400" dirty="0" smtClean="0">
+              <a:rPr lang="en-US" altLang="zh-CN" sz="2400" dirty="0">
                 <a:solidFill>
                   <a:srgbClr val="000000"/>
                 </a:solidFill>
@@ -12227,7 +12165,7 @@
               <a:tabLst/>
             </a:pPr>
             <a:r>
-              <a:rPr lang="en-US" altLang="zh-CN" sz="1200" dirty="0" smtClean="0">
+              <a:rPr lang="en-US" altLang="zh-CN" sz="1200" dirty="0">
                 <a:solidFill>
                   <a:srgbClr val="000000"/>
                 </a:solidFill>
@@ -12268,7 +12206,7 @@
               <a:tabLst/>
             </a:pPr>
             <a:r>
-              <a:rPr lang="en-US" altLang="zh-CN" sz="1200" dirty="0" smtClean="0">
+              <a:rPr lang="en-US" altLang="zh-CN" sz="1200" dirty="0">
                 <a:solidFill>
                   <a:srgbClr val="000000"/>
                 </a:solidFill>
@@ -12296,7 +12234,7 @@
           <a:graphicData uri="http://schemas.openxmlformats.org/presentationml/2006/ole">
             <mc:AlternateContent xmlns:mc="http://schemas.openxmlformats.org/markup-compatibility/2006">
               <mc:Choice xmlns:v="urn:schemas-microsoft-com:vml" Requires="v">
-                <p:oleObj spid="_x0000_s29706" name="Equation" r:id="rId3" imgW="952200" imgH="177480" progId="Equation.DSMT4">
+                <p:oleObj spid="_x0000_s29714" name="Equation" r:id="rId3" imgW="952200" imgH="177480" progId="Equation.DSMT4">
                   <p:embed/>
                 </p:oleObj>
               </mc:Choice>
@@ -12389,7 +12327,7 @@
           <a:graphicData uri="http://schemas.openxmlformats.org/presentationml/2006/ole">
             <mc:AlternateContent xmlns:mc="http://schemas.openxmlformats.org/markup-compatibility/2006">
               <mc:Choice xmlns:v="urn:schemas-microsoft-com:vml" Requires="v">
-                <p:oleObj spid="_x0000_s29707" name="Equation" r:id="rId5" imgW="952200" imgH="177480" progId="Equation.DSMT4">
+                <p:oleObj spid="_x0000_s29715" name="Equation" r:id="rId5" imgW="952200" imgH="177480" progId="Equation.DSMT4">
                   <p:embed/>
                 </p:oleObj>
               </mc:Choice>
@@ -12471,13 +12409,6 @@
   <p:clrMapOvr>
     <a:masterClrMapping/>
   </p:clrMapOvr>
-  <p:timing>
-    <p:tnLst>
-      <p:par>
-        <p:cTn id="1" dur="indefinite" restart="never" nodeType="tmRoot"/>
-      </p:par>
-    </p:tnLst>
-  </p:timing>
 </p:sld>
 </file>
 
@@ -12805,7 +12736,7 @@
               <a:tabLst/>
             </a:pPr>
             <a:r>
-              <a:rPr lang="zh-CN" altLang="en-US" sz="2802" dirty="0" smtClean="0">
+              <a:rPr lang="zh-CN" altLang="en-US" sz="2802" dirty="0">
                 <a:solidFill>
                   <a:srgbClr val="FFFFFF"/>
                 </a:solidFill>
@@ -12814,7 +12745,7 @@
               </a:rPr>
               <a:t>安全属性验证</a:t>
             </a:r>
-            <a:endParaRPr lang="en-US" altLang="zh-CN" sz="2802" dirty="0" smtClean="0">
+            <a:endParaRPr lang="en-US" altLang="zh-CN" sz="2802" dirty="0">
               <a:solidFill>
                 <a:srgbClr val="FFFFFF"/>
               </a:solidFill>
@@ -12851,7 +12782,7 @@
                 <a:spcPts val="1000"/>
               </a:lnSpc>
             </a:pPr>
-            <a:endParaRPr lang="en-US" altLang="zh-CN" dirty="0" smtClean="0"/>
+            <a:endParaRPr lang="en-US" altLang="zh-CN" dirty="0"/>
           </a:p>
           <a:p>
             <a:pPr>
@@ -12863,7 +12794,7 @@
               </a:tabLst>
             </a:pPr>
             <a:r>
-              <a:rPr lang="en-US" altLang="zh-CN" sz="2400" dirty="0" smtClean="0">
+              <a:rPr lang="en-US" altLang="zh-CN" sz="2400" dirty="0">
                 <a:solidFill>
                   <a:srgbClr val="FF9A00"/>
                 </a:solidFill>
@@ -12873,7 +12804,7 @@
               <a:t></a:t>
             </a:r>
             <a:r>
-              <a:rPr lang="zh-CN" altLang="en-US" sz="2400" dirty="0" smtClean="0">
+              <a:rPr lang="zh-CN" altLang="en-US" sz="2400" dirty="0">
                 <a:solidFill>
                   <a:srgbClr val="FF9A00"/>
                 </a:solidFill>
@@ -12883,69 +12814,69 @@
               <a:t> </a:t>
             </a:r>
             <a:r>
-              <a:rPr lang="zh-CN" altLang="en-US" sz="2400" dirty="0" smtClean="0">
+              <a:rPr lang="zh-CN" altLang="en-US" sz="2400" dirty="0">
                 <a:latin typeface="Wingdings" pitchFamily="18" charset="0"/>
                 <a:cs typeface="Wingdings" pitchFamily="18" charset="0"/>
               </a:rPr>
               <a:t>系统模型</a:t>
             </a:r>
             <a:r>
-              <a:rPr lang="en-US" altLang="zh-CN" sz="2400" dirty="0" smtClean="0">
+              <a:rPr lang="en-US" altLang="zh-CN" sz="2400" dirty="0">
                 <a:latin typeface="Times New Roman" pitchFamily="18" charset="0"/>
                 <a:cs typeface="Times New Roman" pitchFamily="18" charset="0"/>
               </a:rPr>
               <a:t> </a:t>
             </a:r>
             <a:r>
-              <a:rPr lang="zh-CN" altLang="en-US" sz="2400" dirty="0" smtClean="0">
+              <a:rPr lang="zh-CN" altLang="en-US" sz="2400" dirty="0">
                 <a:latin typeface="Times New Roman" pitchFamily="18" charset="0"/>
                 <a:cs typeface="Times New Roman" pitchFamily="18" charset="0"/>
               </a:rPr>
               <a:t>：</a:t>
             </a:r>
             <a:r>
-              <a:rPr lang="en-US" altLang="zh-CN" sz="2400" dirty="0" smtClean="0">
+              <a:rPr lang="en-US" altLang="zh-CN" sz="2400" dirty="0">
                 <a:latin typeface="Times New Roman" pitchFamily="18" charset="0"/>
                 <a:cs typeface="Times New Roman" pitchFamily="18" charset="0"/>
               </a:rPr>
               <a:t>S</a:t>
             </a:r>
             <a:r>
-              <a:rPr lang="zh-CN" altLang="en-US" sz="2400" dirty="0" smtClean="0">
+              <a:rPr lang="zh-CN" altLang="en-US" sz="2400" dirty="0">
                 <a:latin typeface="Times New Roman" pitchFamily="18" charset="0"/>
                 <a:cs typeface="Times New Roman" pitchFamily="18" charset="0"/>
               </a:rPr>
               <a:t>（</a:t>
             </a:r>
             <a:r>
-              <a:rPr lang="en-US" altLang="zh-CN" sz="2400" dirty="0" smtClean="0">
+              <a:rPr lang="en-US" altLang="zh-CN" sz="2400" dirty="0">
                 <a:latin typeface="Times New Roman" pitchFamily="18" charset="0"/>
                 <a:cs typeface="Times New Roman" pitchFamily="18" charset="0"/>
               </a:rPr>
               <a:t>I</a:t>
             </a:r>
             <a:r>
-              <a:rPr lang="zh-CN" altLang="en-US" sz="2400" dirty="0" smtClean="0">
+              <a:rPr lang="zh-CN" altLang="en-US" sz="2400" dirty="0">
                 <a:latin typeface="Times New Roman" pitchFamily="18" charset="0"/>
                 <a:cs typeface="Times New Roman" pitchFamily="18" charset="0"/>
               </a:rPr>
               <a:t>，</a:t>
             </a:r>
             <a:r>
-              <a:rPr lang="en-US" altLang="zh-CN" sz="2400" dirty="0" smtClean="0">
+              <a:rPr lang="en-US" altLang="zh-CN" sz="2400" dirty="0">
                 <a:latin typeface="Times New Roman" pitchFamily="18" charset="0"/>
                 <a:cs typeface="Times New Roman" pitchFamily="18" charset="0"/>
               </a:rPr>
               <a:t>T</a:t>
             </a:r>
             <a:r>
-              <a:rPr lang="zh-CN" altLang="en-US" sz="2400" dirty="0" smtClean="0">
+              <a:rPr lang="zh-CN" altLang="en-US" sz="2400" dirty="0">
                 <a:latin typeface="Times New Roman" pitchFamily="18" charset="0"/>
                 <a:cs typeface="Times New Roman" pitchFamily="18" charset="0"/>
               </a:rPr>
               <a:t>）</a:t>
             </a:r>
-            <a:endParaRPr lang="en-US" altLang="zh-CN" sz="2400" dirty="0" smtClean="0">
+            <a:endParaRPr lang="en-US" altLang="zh-CN" sz="2400" dirty="0">
               <a:solidFill>
                 <a:srgbClr val="FF9A00"/>
               </a:solidFill>
@@ -12965,7 +12896,7 @@
               </a:tabLst>
             </a:pPr>
             <a:r>
-              <a:rPr lang="zh-CN" altLang="en-US" sz="2400" dirty="0" smtClean="0">
+              <a:rPr lang="zh-CN" altLang="en-US" sz="2400" dirty="0">
                 <a:solidFill>
                   <a:schemeClr val="accent6"/>
                 </a:solidFill>
@@ -12975,14 +12906,14 @@
               <a:t> </a:t>
             </a:r>
             <a:r>
-              <a:rPr lang="zh-CN" altLang="en-US" sz="2400" dirty="0" smtClean="0">
+              <a:rPr lang="zh-CN" altLang="en-US" sz="2400" dirty="0">
                 <a:latin typeface="Wingdings" pitchFamily="18" charset="0"/>
                 <a:cs typeface="Wingdings" pitchFamily="18" charset="0"/>
               </a:rPr>
               <a:t>安全属性：</a:t>
             </a:r>
             <a:r>
-              <a:rPr lang="en-US" altLang="zh-CN" sz="2400" dirty="0" smtClean="0">
+              <a:rPr lang="en-US" altLang="zh-CN" sz="2400" dirty="0">
                 <a:latin typeface="Times New Roman" pitchFamily="18" charset="0"/>
                 <a:cs typeface="Times New Roman" pitchFamily="18" charset="0"/>
               </a:rPr>
@@ -12999,7 +12930,7 @@
               </a:tabLst>
             </a:pPr>
             <a:r>
-              <a:rPr lang="en-US" altLang="zh-CN" sz="2400" dirty="0" smtClean="0">
+              <a:rPr lang="en-US" altLang="zh-CN" sz="2400" dirty="0">
                 <a:solidFill>
                   <a:srgbClr val="FF9A00"/>
                 </a:solidFill>
@@ -13009,21 +12940,21 @@
               <a:t> </a:t>
             </a:r>
             <a:r>
-              <a:rPr lang="zh-CN" altLang="en-US" sz="2400" dirty="0" smtClean="0">
+              <a:rPr lang="zh-CN" altLang="en-US" sz="2400" dirty="0">
                 <a:latin typeface="Wingdings" pitchFamily="18" charset="0"/>
                 <a:cs typeface="Wingdings" pitchFamily="18" charset="0"/>
               </a:rPr>
               <a:t>可达状态</a:t>
             </a:r>
             <a:r>
-              <a:rPr lang="zh-CN" altLang="en-US" sz="2400" dirty="0" smtClean="0">
+              <a:rPr lang="zh-CN" altLang="en-US" sz="2400" dirty="0">
                 <a:latin typeface="Times New Roman" pitchFamily="18" charset="0"/>
                 <a:cs typeface="Times New Roman" pitchFamily="18" charset="0"/>
               </a:rPr>
               <a:t>集：</a:t>
             </a:r>
             <a:r>
-              <a:rPr lang="en-US" altLang="zh-CN" sz="2400" dirty="0" smtClean="0">
+              <a:rPr lang="en-US" altLang="zh-CN" sz="2400" dirty="0">
                 <a:latin typeface="Times New Roman" pitchFamily="18" charset="0"/>
                 <a:cs typeface="Times New Roman" pitchFamily="18" charset="0"/>
               </a:rPr>
@@ -13036,7 +12967,7 @@
                 <a:spcPts val="1000"/>
               </a:lnSpc>
             </a:pPr>
-            <a:endParaRPr lang="en-US" altLang="zh-CN" dirty="0" smtClean="0"/>
+            <a:endParaRPr lang="en-US" altLang="zh-CN" dirty="0"/>
           </a:p>
           <a:p>
             <a:pPr>
@@ -13044,7 +12975,7 @@
                 <a:spcPts val="1000"/>
               </a:lnSpc>
             </a:pPr>
-            <a:endParaRPr lang="en-US" altLang="zh-CN" dirty="0" smtClean="0"/>
+            <a:endParaRPr lang="en-US" altLang="zh-CN" dirty="0"/>
           </a:p>
           <a:p>
             <a:pPr>
@@ -13056,19 +12987,19 @@
               </a:tabLst>
             </a:pPr>
             <a:r>
-              <a:rPr lang="en-US" altLang="zh-CN" sz="2400" dirty="0" smtClean="0">
+              <a:rPr lang="en-US" altLang="zh-CN" sz="2400" dirty="0">
                 <a:latin typeface="Times New Roman" pitchFamily="18" charset="0"/>
                 <a:cs typeface="Times New Roman" pitchFamily="18" charset="0"/>
               </a:rPr>
               <a:t>                    </a:t>
             </a:r>
             <a:r>
-              <a:rPr lang="en-US" altLang="zh-CN" sz="2400" dirty="0" smtClean="0">
+              <a:rPr lang="en-US" altLang="zh-CN" sz="2400" dirty="0">
                 <a:cs typeface="Wingdings" pitchFamily="18" charset="0"/>
               </a:rPr>
               <a:t> </a:t>
             </a:r>
-            <a:endParaRPr lang="en-US" altLang="zh-CN" sz="2400" dirty="0" smtClean="0">
+            <a:endParaRPr lang="en-US" altLang="zh-CN" sz="2400" dirty="0">
               <a:solidFill>
                 <a:srgbClr val="000000"/>
               </a:solidFill>
@@ -13107,7 +13038,7 @@
               <a:tabLst/>
             </a:pPr>
             <a:r>
-              <a:rPr lang="en-US" altLang="zh-CN" sz="1200" dirty="0" smtClean="0">
+              <a:rPr lang="en-US" altLang="zh-CN" sz="1200" dirty="0">
                 <a:solidFill>
                   <a:srgbClr val="000000"/>
                 </a:solidFill>
@@ -13148,7 +13079,7 @@
               <a:tabLst/>
             </a:pPr>
             <a:r>
-              <a:rPr lang="en-US" altLang="zh-CN" sz="1200" dirty="0" smtClean="0">
+              <a:rPr lang="en-US" altLang="zh-CN" sz="1200" dirty="0">
                 <a:solidFill>
                   <a:srgbClr val="000000"/>
                 </a:solidFill>
@@ -13249,7 +13180,7 @@
           <a:p>
             <a:pPr algn="ctr"/>
             <a:r>
-              <a:rPr lang="en-US" altLang="zh-CN" b="1" dirty="0" smtClean="0">
+              <a:rPr lang="en-US" altLang="zh-CN" b="1" dirty="0">
                 <a:solidFill>
                   <a:schemeClr val="tx1"/>
                 </a:solidFill>
@@ -13287,7 +13218,7 @@
           <a:lstStyle/>
           <a:p>
             <a:r>
-              <a:rPr lang="en-US" altLang="zh-CN" b="1" dirty="0" smtClean="0"/>
+              <a:rPr lang="en-US" altLang="zh-CN" b="1" dirty="0"/>
               <a:t>P</a:t>
             </a:r>
             <a:endParaRPr lang="zh-CN" altLang="en-US" b="1" dirty="0"/>
@@ -13317,7 +13248,7 @@
           <a:lstStyle/>
           <a:p>
             <a:r>
-              <a:rPr lang="en-US" altLang="zh-CN" b="1" dirty="0" smtClean="0"/>
+              <a:rPr lang="en-US" altLang="zh-CN" b="1" dirty="0"/>
               <a:t>R</a:t>
             </a:r>
             <a:endParaRPr lang="zh-CN" altLang="en-US" b="1" dirty="0"/>
@@ -13427,7 +13358,7 @@
             <a:p>
               <a:pPr algn="ctr"/>
               <a:r>
-                <a:rPr lang="en-US" altLang="zh-CN" b="1" dirty="0" smtClean="0">
+                <a:rPr lang="en-US" altLang="zh-CN" b="1" dirty="0">
                   <a:solidFill>
                     <a:schemeClr val="tx1"/>
                   </a:solidFill>
@@ -13465,7 +13396,7 @@
             <a:lstStyle/>
             <a:p>
               <a:r>
-                <a:rPr lang="en-US" altLang="zh-CN" b="1" dirty="0" smtClean="0"/>
+                <a:rPr lang="en-US" altLang="zh-CN" b="1" dirty="0"/>
                 <a:t>P</a:t>
               </a:r>
               <a:endParaRPr lang="zh-CN" altLang="en-US" b="1" dirty="0"/>
@@ -13495,7 +13426,7 @@
             <a:lstStyle/>
             <a:p>
               <a:r>
-                <a:rPr lang="en-US" altLang="zh-CN" b="1" dirty="0" smtClean="0"/>
+                <a:rPr lang="en-US" altLang="zh-CN" b="1" dirty="0"/>
                 <a:t>R</a:t>
               </a:r>
               <a:endParaRPr lang="zh-CN" altLang="en-US" b="1" dirty="0"/>
@@ -13608,10 +13539,9 @@
           <a:lstStyle/>
           <a:p>
             <a:r>
-              <a:rPr lang="zh-CN" altLang="en-US" dirty="0" smtClean="0"/>
+              <a:rPr lang="zh-CN" altLang="en-US" dirty="0"/>
               <a:t>属性成立</a:t>
             </a:r>
-            <a:endParaRPr lang="zh-CN" altLang="en-US" dirty="0"/>
           </a:p>
         </p:txBody>
       </p:sp>
@@ -13638,10 +13568,9 @@
           <a:lstStyle/>
           <a:p>
             <a:r>
-              <a:rPr lang="zh-CN" altLang="en-US" dirty="0" smtClean="0"/>
+              <a:rPr lang="zh-CN" altLang="en-US" dirty="0"/>
               <a:t>属性不成立</a:t>
             </a:r>
-            <a:endParaRPr lang="zh-CN" altLang="en-US" dirty="0"/>
           </a:p>
         </p:txBody>
       </p:sp>
@@ -13673,7 +13602,7 @@
           <a:lstStyle/>
           <a:p>
             <a:r>
-              <a:rPr lang="en-US" altLang="zh-CN" dirty="0" smtClean="0"/>
+              <a:rPr lang="en-US" altLang="zh-CN" dirty="0"/>
               <a:t>Error</a:t>
             </a:r>
             <a:endParaRPr lang="zh-CN" altLang="en-US" dirty="0"/>
@@ -13721,13 +13650,6 @@
   <p:clrMapOvr>
     <a:masterClrMapping/>
   </p:clrMapOvr>
-  <p:timing>
-    <p:tnLst>
-      <p:par>
-        <p:cTn id="1" dur="indefinite" restart="never" nodeType="tmRoot"/>
-      </p:par>
-    </p:tnLst>
-  </p:timing>
 </p:sld>
 </file>
 
@@ -14055,7 +13977,7 @@
               <a:tabLst/>
             </a:pPr>
             <a:r>
-              <a:rPr lang="en-US" altLang="zh-CN" sz="2802" dirty="0" smtClean="0">
+              <a:rPr lang="en-US" altLang="zh-CN" sz="2802" dirty="0">
                 <a:solidFill>
                   <a:srgbClr val="FFFFFF"/>
                 </a:solidFill>
@@ -14098,7 +14020,7 @@
               </a:tabLst>
             </a:pPr>
             <a:r>
-              <a:rPr lang="en-US" altLang="zh-CN" sz="2597" dirty="0" smtClean="0">
+              <a:rPr lang="en-US" altLang="zh-CN" sz="2597" dirty="0">
                 <a:cs typeface="Wingdings" pitchFamily="18" charset="0"/>
               </a:rPr>
               <a:t>F is an inductive invariant:</a:t>
@@ -14114,7 +14036,7 @@
               </a:tabLst>
             </a:pPr>
             <a:r>
-              <a:rPr lang="en-US" altLang="zh-CN" sz="2597" dirty="0" smtClean="0">
+              <a:rPr lang="en-US" altLang="zh-CN" sz="2597" dirty="0">
                 <a:solidFill>
                   <a:srgbClr val="FF9A00"/>
                 </a:solidFill>
@@ -14124,10 +14046,10 @@
               <a:t> </a:t>
             </a:r>
             <a:r>
-              <a:rPr lang="en-US" altLang="zh-CN" sz="2800" i="1" dirty="0" smtClean="0"/>
+              <a:rPr lang="en-US" altLang="zh-CN" sz="2800" i="1" dirty="0"/>
               <a:t>initiation</a:t>
             </a:r>
-            <a:endParaRPr lang="en-US" altLang="zh-CN" sz="2597" dirty="0" smtClean="0">
+            <a:endParaRPr lang="en-US" altLang="zh-CN" sz="2597" dirty="0">
               <a:solidFill>
                 <a:srgbClr val="FF9A00"/>
               </a:solidFill>
@@ -14145,7 +14067,7 @@
               </a:tabLst>
             </a:pPr>
             <a:r>
-              <a:rPr lang="en-US" altLang="zh-CN" sz="2597" dirty="0" smtClean="0">
+              <a:rPr lang="en-US" altLang="zh-CN" sz="2597" dirty="0">
                 <a:solidFill>
                   <a:srgbClr val="FF9A00"/>
                 </a:solidFill>
@@ -14154,7 +14076,7 @@
               </a:rPr>
               <a:t> </a:t>
             </a:r>
-            <a:endParaRPr lang="en-US" altLang="zh-CN" sz="2400" dirty="0" smtClean="0">
+            <a:endParaRPr lang="en-US" altLang="zh-CN" sz="2400" dirty="0">
               <a:solidFill>
                 <a:srgbClr val="000000"/>
               </a:solidFill>
@@ -14168,7 +14090,7 @@
                 <a:spcPts val="1000"/>
               </a:lnSpc>
             </a:pPr>
-            <a:endParaRPr lang="en-US" altLang="zh-CN" dirty="0" smtClean="0"/>
+            <a:endParaRPr lang="en-US" altLang="zh-CN" dirty="0"/>
           </a:p>
           <a:p>
             <a:pPr>
@@ -14176,7 +14098,7 @@
                 <a:spcPts val="1000"/>
               </a:lnSpc>
             </a:pPr>
-            <a:endParaRPr lang="en-US" altLang="zh-CN" dirty="0" smtClean="0"/>
+            <a:endParaRPr lang="en-US" altLang="zh-CN" dirty="0"/>
           </a:p>
           <a:p>
             <a:pPr>
@@ -14184,7 +14106,7 @@
                 <a:spcPts val="1000"/>
               </a:lnSpc>
             </a:pPr>
-            <a:endParaRPr lang="en-US" altLang="zh-CN" dirty="0" smtClean="0"/>
+            <a:endParaRPr lang="en-US" altLang="zh-CN" dirty="0"/>
           </a:p>
           <a:p>
             <a:pPr>
@@ -14192,7 +14114,7 @@
                 <a:spcPts val="1000"/>
               </a:lnSpc>
             </a:pPr>
-            <a:endParaRPr lang="en-US" altLang="zh-CN" dirty="0" smtClean="0"/>
+            <a:endParaRPr lang="en-US" altLang="zh-CN" dirty="0"/>
           </a:p>
           <a:p>
             <a:pPr>
@@ -14206,7 +14128,7 @@
               </a:tabLst>
             </a:pPr>
             <a:r>
-              <a:rPr lang="en-US" altLang="zh-CN" sz="2400" i="1" dirty="0" smtClean="0">
+              <a:rPr lang="en-US" altLang="zh-CN" sz="2400" i="1" dirty="0">
                 <a:solidFill>
                   <a:schemeClr val="accent6"/>
                 </a:solidFill>
@@ -14214,7 +14136,7 @@
               <a:t>    </a:t>
             </a:r>
             <a:r>
-              <a:rPr lang="en-US" altLang="zh-CN" sz="2400" i="1" dirty="0" smtClean="0"/>
+              <a:rPr lang="en-US" altLang="zh-CN" sz="2400" i="1" dirty="0"/>
               <a:t>consecution</a:t>
             </a:r>
           </a:p>
@@ -14229,7 +14151,7 @@
                 <a:tab pos="469900" algn="l"/>
               </a:tabLst>
             </a:pPr>
-            <a:endParaRPr lang="en-US" altLang="zh-CN" sz="2400" i="1" dirty="0" smtClean="0">
+            <a:endParaRPr lang="en-US" altLang="zh-CN" sz="2400" i="1" dirty="0">
               <a:solidFill>
                 <a:srgbClr val="FF9A00"/>
               </a:solidFill>
@@ -14248,7 +14170,7 @@
                 <a:tab pos="469900" algn="l"/>
               </a:tabLst>
             </a:pPr>
-            <a:endParaRPr lang="en-US" altLang="zh-CN" sz="2400" i="1" dirty="0" smtClean="0">
+            <a:endParaRPr lang="en-US" altLang="zh-CN" sz="2400" i="1" dirty="0">
               <a:solidFill>
                 <a:srgbClr val="FF9A00"/>
               </a:solidFill>
@@ -14268,7 +14190,7 @@
               </a:tabLst>
             </a:pPr>
             <a:r>
-              <a:rPr lang="en-US" altLang="zh-CN" sz="2400" i="1" dirty="0" smtClean="0">
+              <a:rPr lang="en-US" altLang="zh-CN" sz="2400" i="1" dirty="0">
                 <a:solidFill>
                   <a:srgbClr val="FF9A00"/>
                 </a:solidFill>
@@ -14278,30 +14200,30 @@
               <a:t> </a:t>
             </a:r>
             <a:r>
-              <a:rPr lang="en-US" altLang="zh-CN" sz="2400" dirty="0" smtClean="0">
+              <a:rPr lang="en-US" altLang="zh-CN" sz="2400" dirty="0">
                 <a:cs typeface="Wingdings" pitchFamily="18" charset="0"/>
               </a:rPr>
               <a:t>F</a:t>
             </a:r>
             <a:r>
-              <a:rPr lang="zh-CN" altLang="en-US" sz="2400" dirty="0" smtClean="0">
+              <a:rPr lang="zh-CN" altLang="en-US" sz="2400" dirty="0">
                 <a:cs typeface="Wingdings" pitchFamily="18" charset="0"/>
               </a:rPr>
               <a:t>是对可达状态集的抽象。</a:t>
             </a:r>
             <a:r>
-              <a:rPr lang="en-US" altLang="zh-CN" sz="2400" dirty="0" smtClean="0">
+              <a:rPr lang="en-US" altLang="zh-CN" sz="2400" dirty="0">
                 <a:cs typeface="Wingdings" pitchFamily="18" charset="0"/>
               </a:rPr>
               <a:t>Why</a:t>
             </a:r>
             <a:r>
-              <a:rPr lang="zh-CN" altLang="en-US" sz="2400" dirty="0" smtClean="0">
+              <a:rPr lang="zh-CN" altLang="en-US" sz="2400" dirty="0">
                 <a:cs typeface="Wingdings" pitchFamily="18" charset="0"/>
               </a:rPr>
               <a:t>？</a:t>
             </a:r>
-            <a:endParaRPr lang="en-US" altLang="zh-CN" sz="2400" dirty="0" smtClean="0">
+            <a:endParaRPr lang="en-US" altLang="zh-CN" sz="2400" dirty="0">
               <a:cs typeface="Wingdings" pitchFamily="18" charset="0"/>
             </a:endParaRPr>
           </a:p>
@@ -14317,7 +14239,7 @@
               </a:tabLst>
             </a:pPr>
             <a:r>
-              <a:rPr lang="en-US" altLang="zh-CN" sz="2400" dirty="0" smtClean="0">
+              <a:rPr lang="en-US" altLang="zh-CN" sz="2400" dirty="0">
                 <a:solidFill>
                   <a:schemeClr val="accent6"/>
                 </a:solidFill>
@@ -14326,24 +14248,24 @@
               <a:t>    </a:t>
             </a:r>
             <a:r>
-              <a:rPr lang="zh-CN" altLang="en-US" sz="2400" dirty="0" smtClean="0">
+              <a:rPr lang="zh-CN" altLang="en-US" sz="2400" dirty="0">
                 <a:cs typeface="Wingdings" pitchFamily="18" charset="0"/>
               </a:rPr>
               <a:t>寻找</a:t>
             </a:r>
             <a:r>
-              <a:rPr lang="en-US" altLang="zh-CN" sz="2400" dirty="0" smtClean="0">
+              <a:rPr lang="en-US" altLang="zh-CN" sz="2400" dirty="0">
                 <a:cs typeface="Wingdings" pitchFamily="18" charset="0"/>
               </a:rPr>
               <a:t>F</a:t>
             </a:r>
             <a:r>
-              <a:rPr lang="zh-CN" altLang="en-US" sz="2400" dirty="0" smtClean="0">
+              <a:rPr lang="zh-CN" altLang="en-US" sz="2400" dirty="0">
                 <a:cs typeface="Wingdings" pitchFamily="18" charset="0"/>
               </a:rPr>
               <a:t>，满足条件</a:t>
             </a:r>
-            <a:endParaRPr lang="en-US" altLang="zh-CN" sz="2400" dirty="0" smtClean="0">
+            <a:endParaRPr lang="en-US" altLang="zh-CN" sz="2400" dirty="0">
               <a:cs typeface="Wingdings" pitchFamily="18" charset="0"/>
             </a:endParaRPr>
           </a:p>
@@ -14358,7 +14280,7 @@
                 <a:tab pos="469900" algn="l"/>
               </a:tabLst>
             </a:pPr>
-            <a:endParaRPr lang="en-US" altLang="zh-CN" sz="2400" i="1" dirty="0" smtClean="0">
+            <a:endParaRPr lang="en-US" altLang="zh-CN" sz="2400" i="1" dirty="0">
               <a:solidFill>
                 <a:srgbClr val="FF9A00"/>
               </a:solidFill>
@@ -14377,7 +14299,7 @@
                 <a:tab pos="469900" algn="l"/>
               </a:tabLst>
             </a:pPr>
-            <a:endParaRPr lang="en-US" altLang="zh-CN" sz="2400" i="1" dirty="0" smtClean="0">
+            <a:endParaRPr lang="en-US" altLang="zh-CN" sz="2400" i="1" dirty="0">
               <a:solidFill>
                 <a:srgbClr val="FF9A00"/>
               </a:solidFill>
@@ -14396,7 +14318,7 @@
                 <a:tab pos="469900" algn="l"/>
               </a:tabLst>
             </a:pPr>
-            <a:endParaRPr lang="en-US" altLang="zh-CN" sz="2400" dirty="0" smtClean="0">
+            <a:endParaRPr lang="en-US" altLang="zh-CN" sz="2400" dirty="0">
               <a:solidFill>
                 <a:srgbClr val="FF9A00"/>
               </a:solidFill>
@@ -14413,7 +14335,7 @@
                 <a:tab pos="469900" algn="l"/>
               </a:tabLst>
             </a:pPr>
-            <a:endParaRPr lang="en-US" altLang="zh-CN" sz="2400" dirty="0" smtClean="0">
+            <a:endParaRPr lang="en-US" altLang="zh-CN" sz="2400" dirty="0">
               <a:solidFill>
                 <a:srgbClr val="000000"/>
               </a:solidFill>
@@ -14430,7 +14352,7 @@
                 <a:tab pos="469900" algn="l"/>
               </a:tabLst>
             </a:pPr>
-            <a:endParaRPr lang="en-US" altLang="zh-CN" sz="2400" dirty="0" smtClean="0">
+            <a:endParaRPr lang="en-US" altLang="zh-CN" sz="2400" dirty="0">
               <a:latin typeface="Times New Roman" pitchFamily="18" charset="0"/>
               <a:cs typeface="Times New Roman" pitchFamily="18" charset="0"/>
             </a:endParaRPr>
@@ -14441,7 +14363,7 @@
                 <a:spcPts val="1000"/>
               </a:lnSpc>
             </a:pPr>
-            <a:endParaRPr lang="en-US" altLang="zh-CN" dirty="0" smtClean="0"/>
+            <a:endParaRPr lang="en-US" altLang="zh-CN" dirty="0"/>
           </a:p>
           <a:p>
             <a:pPr>
@@ -14449,7 +14371,7 @@
                 <a:spcPts val="1000"/>
               </a:lnSpc>
             </a:pPr>
-            <a:endParaRPr lang="en-US" altLang="zh-CN" dirty="0" smtClean="0"/>
+            <a:endParaRPr lang="en-US" altLang="zh-CN" dirty="0"/>
           </a:p>
           <a:p>
             <a:pPr>
@@ -14457,7 +14379,7 @@
                 <a:spcPts val="1000"/>
               </a:lnSpc>
             </a:pPr>
-            <a:endParaRPr lang="en-US" altLang="zh-CN" dirty="0" smtClean="0"/>
+            <a:endParaRPr lang="en-US" altLang="zh-CN" dirty="0"/>
           </a:p>
         </p:txBody>
       </p:sp>
@@ -14490,7 +14412,7 @@
               <a:tabLst/>
             </a:pPr>
             <a:r>
-              <a:rPr lang="en-US" altLang="zh-CN" sz="1200" dirty="0" smtClean="0">
+              <a:rPr lang="en-US" altLang="zh-CN" sz="1200" dirty="0">
                 <a:solidFill>
                   <a:srgbClr val="000000"/>
                 </a:solidFill>
@@ -14531,7 +14453,7 @@
               <a:tabLst/>
             </a:pPr>
             <a:r>
-              <a:rPr lang="en-US" altLang="zh-CN" sz="1200" dirty="0" smtClean="0">
+              <a:rPr lang="en-US" altLang="zh-CN" sz="1200" dirty="0">
                 <a:solidFill>
                   <a:srgbClr val="000000"/>
                 </a:solidFill>
@@ -14559,7 +14481,7 @@
           <a:graphicData uri="http://schemas.openxmlformats.org/presentationml/2006/ole">
             <mc:AlternateContent xmlns:mc="http://schemas.openxmlformats.org/markup-compatibility/2006">
               <mc:Choice xmlns:v="urn:schemas-microsoft-com:vml" Requires="v">
-                <p:oleObj spid="_x0000_s22537" name="Equation" r:id="rId3" imgW="444240" imgH="177480" progId="Equation.DSMT4">
+                <p:oleObj spid="_x0000_s22549" name="Equation" r:id="rId3" imgW="444240" imgH="177480" progId="Equation.DSMT4">
                   <p:embed/>
                 </p:oleObj>
               </mc:Choice>
@@ -14652,7 +14574,7 @@
           <a:graphicData uri="http://schemas.openxmlformats.org/presentationml/2006/ole">
             <mc:AlternateContent xmlns:mc="http://schemas.openxmlformats.org/markup-compatibility/2006">
               <mc:Choice xmlns:v="urn:schemas-microsoft-com:vml" Requires="v">
-                <p:oleObj spid="_x0000_s22538" name="Equation" r:id="rId5" imgW="761760" imgH="177480" progId="Equation.DSMT4">
+                <p:oleObj spid="_x0000_s22550" name="Equation" r:id="rId5" imgW="761760" imgH="177480" progId="Equation.DSMT4">
                   <p:embed/>
                 </p:oleObj>
               </mc:Choice>
@@ -14818,7 +14740,7 @@
           <a:p>
             <a:pPr algn="ctr"/>
             <a:r>
-              <a:rPr lang="en-US" altLang="zh-CN" b="1" dirty="0" smtClean="0">
+              <a:rPr lang="en-US" altLang="zh-CN" b="1" dirty="0">
                 <a:solidFill>
                   <a:schemeClr val="tx1"/>
                 </a:solidFill>
@@ -14856,7 +14778,7 @@
           <a:lstStyle/>
           <a:p>
             <a:r>
-              <a:rPr lang="en-US" altLang="zh-CN" b="1" dirty="0" smtClean="0"/>
+              <a:rPr lang="en-US" altLang="zh-CN" b="1" dirty="0"/>
               <a:t>F</a:t>
             </a:r>
             <a:endParaRPr lang="zh-CN" altLang="en-US" b="1" dirty="0"/>
@@ -14886,7 +14808,7 @@
           <a:lstStyle/>
           <a:p>
             <a:r>
-              <a:rPr lang="en-US" altLang="zh-CN" b="1" dirty="0" smtClean="0"/>
+              <a:rPr lang="en-US" altLang="zh-CN" b="1" dirty="0"/>
               <a:t>R</a:t>
             </a:r>
             <a:endParaRPr lang="zh-CN" altLang="en-US" b="1" dirty="0"/>
@@ -14953,7 +14875,7 @@
           <a:graphicData uri="http://schemas.openxmlformats.org/presentationml/2006/ole">
             <mc:AlternateContent xmlns:mc="http://schemas.openxmlformats.org/markup-compatibility/2006">
               <mc:Choice xmlns:v="urn:schemas-microsoft-com:vml" Requires="v">
-                <p:oleObj spid="_x0000_s22539" name="Equation" r:id="rId7" imgW="482400" imgH="177480" progId="Equation.DSMT4">
+                <p:oleObj spid="_x0000_s22551" name="Equation" r:id="rId7" imgW="482400" imgH="177480" progId="Equation.DSMT4">
                   <p:embed/>
                 </p:oleObj>
               </mc:Choice>
@@ -15035,13 +14957,6 @@
   <p:clrMapOvr>
     <a:masterClrMapping/>
   </p:clrMapOvr>
-  <p:timing>
-    <p:tnLst>
-      <p:par>
-        <p:cTn id="1" dur="indefinite" restart="never" nodeType="tmRoot"/>
-      </p:par>
-    </p:tnLst>
-  </p:timing>
 </p:sld>
 </file>
 
@@ -15369,7 +15284,7 @@
               <a:tabLst/>
             </a:pPr>
             <a:r>
-              <a:rPr lang="en-US" altLang="zh-CN" sz="2802" dirty="0" smtClean="0">
+              <a:rPr lang="en-US" altLang="zh-CN" sz="2802" dirty="0">
                 <a:solidFill>
                   <a:srgbClr val="FFFFFF"/>
                 </a:solidFill>
@@ -15379,7 +15294,7 @@
               <a:t>IC3 </a:t>
             </a:r>
             <a:r>
-              <a:rPr lang="zh-CN" altLang="en-US" sz="2802" dirty="0" smtClean="0">
+              <a:rPr lang="zh-CN" altLang="en-US" sz="2802" dirty="0">
                 <a:solidFill>
                   <a:srgbClr val="FFFFFF"/>
                 </a:solidFill>
@@ -15388,7 +15303,7 @@
               </a:rPr>
               <a:t>验证算法</a:t>
             </a:r>
-            <a:endParaRPr lang="en-US" altLang="zh-CN" sz="2802" dirty="0" smtClean="0">
+            <a:endParaRPr lang="en-US" altLang="zh-CN" sz="2802" dirty="0">
               <a:solidFill>
                 <a:srgbClr val="FFFFFF"/>
               </a:solidFill>
@@ -15429,51 +15344,51 @@
               </a:tabLst>
             </a:pPr>
             <a:r>
-              <a:rPr lang="en-US" altLang="zh-CN" sz="2800" dirty="0" smtClean="0"/>
+              <a:rPr lang="en-US" altLang="zh-CN" sz="2800" dirty="0"/>
               <a:t>A sequence of formulas </a:t>
             </a:r>
             <a:r>
-              <a:rPr lang="en-US" altLang="zh-CN" sz="2800" i="1" dirty="0" smtClean="0"/>
+              <a:rPr lang="en-US" altLang="zh-CN" sz="2800" i="1" dirty="0"/>
               <a:t>F</a:t>
             </a:r>
             <a:r>
-              <a:rPr lang="en-US" altLang="zh-CN" i="1" dirty="0" smtClean="0"/>
+              <a:rPr lang="en-US" altLang="zh-CN" i="1" dirty="0"/>
               <a:t>0</a:t>
             </a:r>
             <a:r>
-              <a:rPr lang="en-US" altLang="zh-CN" sz="2800" i="1" dirty="0" smtClean="0"/>
+              <a:rPr lang="en-US" altLang="zh-CN" sz="2800" i="1" dirty="0"/>
               <a:t> = I,F</a:t>
             </a:r>
             <a:r>
-              <a:rPr lang="en-US" altLang="zh-CN" i="1" dirty="0" smtClean="0"/>
+              <a:rPr lang="en-US" altLang="zh-CN" i="1" dirty="0"/>
               <a:t>1</a:t>
             </a:r>
             <a:r>
-              <a:rPr lang="en-US" altLang="zh-CN" sz="2800" i="1" dirty="0" smtClean="0"/>
+              <a:rPr lang="en-US" altLang="zh-CN" sz="2800" i="1" dirty="0"/>
               <a:t>, F</a:t>
             </a:r>
             <a:r>
-              <a:rPr lang="en-US" altLang="zh-CN" i="1" dirty="0" smtClean="0"/>
+              <a:rPr lang="en-US" altLang="zh-CN" i="1" dirty="0"/>
               <a:t>2</a:t>
             </a:r>
             <a:r>
-              <a:rPr lang="en-US" altLang="zh-CN" sz="2800" i="1" dirty="0" smtClean="0"/>
+              <a:rPr lang="en-US" altLang="zh-CN" sz="2800" i="1" dirty="0"/>
               <a:t>, . . . , </a:t>
             </a:r>
             <a:r>
-              <a:rPr lang="en-US" altLang="zh-CN" sz="2800" i="1" dirty="0" err="1" smtClean="0"/>
+              <a:rPr lang="en-US" altLang="zh-CN" sz="2800" i="1" dirty="0" err="1"/>
               <a:t>F</a:t>
             </a:r>
             <a:r>
-              <a:rPr lang="en-US" altLang="zh-CN" i="1" dirty="0" err="1" smtClean="0"/>
+              <a:rPr lang="en-US" altLang="zh-CN" i="1" dirty="0" err="1"/>
               <a:t>k</a:t>
             </a:r>
             <a:r>
-              <a:rPr lang="en-US" altLang="zh-CN" sz="2800" i="1" dirty="0" smtClean="0"/>
+              <a:rPr lang="en-US" altLang="zh-CN" sz="2800" i="1" dirty="0"/>
               <a:t> </a:t>
             </a:r>
             <a:r>
-              <a:rPr lang="en-US" altLang="zh-CN" sz="2800" dirty="0" smtClean="0"/>
+              <a:rPr lang="en-US" altLang="zh-CN" sz="2800" dirty="0"/>
               <a:t>(CNF)</a:t>
             </a:r>
           </a:p>
@@ -15486,7 +15401,7 @@
                 <a:tab pos="469900" algn="l"/>
               </a:tabLst>
             </a:pPr>
-            <a:endParaRPr lang="en-US" altLang="zh-CN" sz="2800" dirty="0" smtClean="0"/>
+            <a:endParaRPr lang="en-US" altLang="zh-CN" sz="2800" dirty="0"/>
           </a:p>
           <a:p>
             <a:pPr>
@@ -15498,7 +15413,7 @@
               </a:tabLst>
             </a:pPr>
             <a:r>
-              <a:rPr lang="en-US" altLang="zh-CN" sz="2800" dirty="0" smtClean="0"/>
+              <a:rPr lang="en-US" altLang="zh-CN" sz="2800" dirty="0"/>
               <a:t>Four invariants:</a:t>
             </a:r>
           </a:p>
@@ -15508,7 +15423,7 @@
                 <a:spcPts val="1000"/>
               </a:lnSpc>
             </a:pPr>
-            <a:endParaRPr lang="en-US" altLang="zh-CN" dirty="0" smtClean="0"/>
+            <a:endParaRPr lang="en-US" altLang="zh-CN" dirty="0"/>
           </a:p>
           <a:p>
             <a:pPr>
@@ -15520,7 +15435,7 @@
               </a:tabLst>
             </a:pPr>
             <a:r>
-              <a:rPr lang="en-US" altLang="zh-CN" sz="2400" dirty="0" smtClean="0">
+              <a:rPr lang="en-US" altLang="zh-CN" sz="2400" dirty="0">
                 <a:solidFill>
                   <a:srgbClr val="FF9A00"/>
                 </a:solidFill>
@@ -15530,13 +15445,13 @@
               <a:t></a:t>
             </a:r>
             <a:r>
-              <a:rPr lang="en-US" altLang="zh-CN" sz="2400" dirty="0" smtClean="0">
+              <a:rPr lang="en-US" altLang="zh-CN" sz="2400" dirty="0">
                 <a:latin typeface="Times New Roman" pitchFamily="18" charset="0"/>
                 <a:cs typeface="Times New Roman" pitchFamily="18" charset="0"/>
               </a:rPr>
               <a:t>   </a:t>
             </a:r>
-            <a:endParaRPr lang="en-US" altLang="zh-CN" sz="2400" dirty="0" smtClean="0">
+            <a:endParaRPr lang="en-US" altLang="zh-CN" sz="2400" dirty="0">
               <a:solidFill>
                 <a:srgbClr val="000000"/>
               </a:solidFill>
@@ -15554,7 +15469,7 @@
               </a:tabLst>
             </a:pPr>
             <a:r>
-              <a:rPr lang="en-US" altLang="zh-CN" sz="2400" dirty="0" smtClean="0">
+              <a:rPr lang="en-US" altLang="zh-CN" sz="2400" dirty="0">
                 <a:solidFill>
                   <a:srgbClr val="FF9A00"/>
                 </a:solidFill>
@@ -15564,12 +15479,12 @@
               <a:t>     </a:t>
             </a:r>
             <a:r>
-              <a:rPr lang="en-US" altLang="zh-CN" sz="2400" dirty="0" smtClean="0">
+              <a:rPr lang="en-US" altLang="zh-CN" sz="2400" dirty="0">
                 <a:cs typeface="Wingdings" pitchFamily="18" charset="0"/>
               </a:rPr>
               <a:t>,          </a:t>
             </a:r>
-            <a:endParaRPr lang="en-US" altLang="zh-CN" sz="2400" dirty="0" smtClean="0">
+            <a:endParaRPr lang="en-US" altLang="zh-CN" sz="2400" dirty="0">
               <a:latin typeface="Times New Roman" pitchFamily="18" charset="0"/>
               <a:cs typeface="Times New Roman" pitchFamily="18" charset="0"/>
             </a:endParaRPr>
@@ -15583,7 +15498,7 @@
                 <a:tab pos="469900" algn="l"/>
               </a:tabLst>
             </a:pPr>
-            <a:endParaRPr lang="en-US" altLang="zh-CN" sz="2400" dirty="0" smtClean="0">
+            <a:endParaRPr lang="en-US" altLang="zh-CN" sz="2400" dirty="0">
               <a:solidFill>
                 <a:srgbClr val="FF9A00"/>
               </a:solidFill>
@@ -15601,7 +15516,7 @@
               </a:tabLst>
             </a:pPr>
             <a:r>
-              <a:rPr lang="en-US" altLang="zh-CN" sz="2400" dirty="0" smtClean="0">
+              <a:rPr lang="en-US" altLang="zh-CN" sz="2400" dirty="0">
                 <a:solidFill>
                   <a:srgbClr val="FF9A00"/>
                 </a:solidFill>
@@ -15611,13 +15526,13 @@
               <a:t>       </a:t>
             </a:r>
             <a:r>
-              <a:rPr lang="en-US" altLang="zh-CN" sz="2400" dirty="0" smtClean="0">
+              <a:rPr lang="en-US" altLang="zh-CN" sz="2400" dirty="0">
                 <a:latin typeface="+mj-lt"/>
                 <a:cs typeface="Wingdings" pitchFamily="18" charset="0"/>
               </a:rPr>
               <a:t>, </a:t>
             </a:r>
-            <a:endParaRPr lang="en-US" altLang="zh-CN" dirty="0" smtClean="0"/>
+            <a:endParaRPr lang="en-US" altLang="zh-CN" dirty="0"/>
           </a:p>
           <a:p>
             <a:pPr>
@@ -15625,7 +15540,7 @@
                 <a:spcPts val="1000"/>
               </a:lnSpc>
             </a:pPr>
-            <a:endParaRPr lang="en-US" altLang="zh-CN" dirty="0" smtClean="0"/>
+            <a:endParaRPr lang="en-US" altLang="zh-CN" dirty="0"/>
           </a:p>
           <a:p>
             <a:pPr>
@@ -15633,7 +15548,7 @@
                 <a:spcPts val="1000"/>
               </a:lnSpc>
             </a:pPr>
-            <a:endParaRPr lang="en-US" altLang="zh-CN" dirty="0" smtClean="0"/>
+            <a:endParaRPr lang="en-US" altLang="zh-CN" dirty="0"/>
           </a:p>
           <a:p>
             <a:pPr>
@@ -15645,7 +15560,7 @@
               </a:tabLst>
             </a:pPr>
             <a:r>
-              <a:rPr lang="en-US" altLang="zh-CN" sz="2400" dirty="0" smtClean="0">
+              <a:rPr lang="en-US" altLang="zh-CN" sz="2400" dirty="0">
                 <a:solidFill>
                   <a:srgbClr val="FF9A00"/>
                 </a:solidFill>
@@ -15655,19 +15570,19 @@
               <a:t></a:t>
             </a:r>
             <a:r>
-              <a:rPr lang="en-US" altLang="zh-CN" sz="2400" dirty="0" smtClean="0">
+              <a:rPr lang="en-US" altLang="zh-CN" sz="2400" dirty="0">
                 <a:latin typeface="Times New Roman" pitchFamily="18" charset="0"/>
                 <a:cs typeface="Times New Roman" pitchFamily="18" charset="0"/>
               </a:rPr>
               <a:t>                      </a:t>
             </a:r>
             <a:r>
-              <a:rPr lang="en-US" altLang="zh-CN" sz="2400" dirty="0" smtClean="0">
+              <a:rPr lang="en-US" altLang="zh-CN" sz="2400" dirty="0">
                 <a:cs typeface="Wingdings" pitchFamily="18" charset="0"/>
               </a:rPr>
               <a:t>, </a:t>
             </a:r>
-            <a:endParaRPr lang="en-US" altLang="zh-CN" sz="2400" dirty="0" smtClean="0">
+            <a:endParaRPr lang="en-US" altLang="zh-CN" sz="2400" dirty="0">
               <a:solidFill>
                 <a:srgbClr val="000000"/>
               </a:solidFill>
@@ -15706,7 +15621,7 @@
               <a:tabLst/>
             </a:pPr>
             <a:r>
-              <a:rPr lang="en-US" altLang="zh-CN" sz="1200" dirty="0" smtClean="0">
+              <a:rPr lang="en-US" altLang="zh-CN" sz="1200" dirty="0">
                 <a:solidFill>
                   <a:srgbClr val="000000"/>
                 </a:solidFill>
@@ -15747,7 +15662,7 @@
               <a:tabLst/>
             </a:pPr>
             <a:r>
-              <a:rPr lang="en-US" altLang="zh-CN" sz="1200" dirty="0" smtClean="0">
+              <a:rPr lang="en-US" altLang="zh-CN" sz="1200" dirty="0">
                 <a:solidFill>
                   <a:srgbClr val="000000"/>
                 </a:solidFill>
@@ -15775,7 +15690,7 @@
           <a:graphicData uri="http://schemas.openxmlformats.org/presentationml/2006/ole">
             <mc:AlternateContent xmlns:mc="http://schemas.openxmlformats.org/markup-compatibility/2006">
               <mc:Choice xmlns:v="urn:schemas-microsoft-com:vml" Requires="v">
-                <p:oleObj spid="_x0000_s21522" name="Equation" r:id="rId3" imgW="444240" imgH="228600" progId="Equation.DSMT4">
+                <p:oleObj spid="_x0000_s21554" name="Equation" r:id="rId3" imgW="444240" imgH="228600" progId="Equation.DSMT4">
                   <p:embed/>
                 </p:oleObj>
               </mc:Choice>
@@ -15868,7 +15783,7 @@
           <a:graphicData uri="http://schemas.openxmlformats.org/presentationml/2006/ole">
             <mc:AlternateContent xmlns:mc="http://schemas.openxmlformats.org/markup-compatibility/2006">
               <mc:Choice xmlns:v="urn:schemas-microsoft-com:vml" Requires="v">
-                <p:oleObj spid="_x0000_s21523" name="Equation" r:id="rId5" imgW="838080" imgH="228600" progId="Equation.DSMT4">
+                <p:oleObj spid="_x0000_s21555" name="Equation" r:id="rId5" imgW="838080" imgH="228600" progId="Equation.DSMT4">
                   <p:embed/>
                 </p:oleObj>
               </mc:Choice>
@@ -15961,7 +15876,7 @@
           <a:graphicData uri="http://schemas.openxmlformats.org/presentationml/2006/ole">
             <mc:AlternateContent xmlns:mc="http://schemas.openxmlformats.org/markup-compatibility/2006">
               <mc:Choice xmlns:v="urn:schemas-microsoft-com:vml" Requires="v">
-                <p:oleObj spid="_x0000_s21524" name="Equation" r:id="rId7" imgW="583920" imgH="228600" progId="Equation.DSMT4">
+                <p:oleObj spid="_x0000_s21556" name="Equation" r:id="rId7" imgW="583920" imgH="228600" progId="Equation.DSMT4">
                   <p:embed/>
                 </p:oleObj>
               </mc:Choice>
@@ -16054,7 +15969,7 @@
           <a:graphicData uri="http://schemas.openxmlformats.org/presentationml/2006/ole">
             <mc:AlternateContent xmlns:mc="http://schemas.openxmlformats.org/markup-compatibility/2006">
               <mc:Choice xmlns:v="urn:schemas-microsoft-com:vml" Requires="v">
-                <p:oleObj spid="_x0000_s21525" name="Equation" r:id="rId9" imgW="545760" imgH="177480" progId="Equation.DSMT4">
+                <p:oleObj spid="_x0000_s21557" name="Equation" r:id="rId9" imgW="545760" imgH="177480" progId="Equation.DSMT4">
                   <p:embed/>
                 </p:oleObj>
               </mc:Choice>
@@ -16147,7 +16062,7 @@
           <a:graphicData uri="http://schemas.openxmlformats.org/presentationml/2006/ole">
             <mc:AlternateContent xmlns:mc="http://schemas.openxmlformats.org/markup-compatibility/2006">
               <mc:Choice xmlns:v="urn:schemas-microsoft-com:vml" Requires="v">
-                <p:oleObj spid="_x0000_s21526" name="Equation" r:id="rId11" imgW="1676160" imgH="228600" progId="Equation.DSMT4">
+                <p:oleObj spid="_x0000_s21558" name="Equation" r:id="rId11" imgW="1676160" imgH="228600" progId="Equation.DSMT4">
                   <p:embed/>
                 </p:oleObj>
               </mc:Choice>
@@ -16235,7 +16150,7 @@
           <a:graphicData uri="http://schemas.openxmlformats.org/presentationml/2006/ole">
             <mc:AlternateContent xmlns:mc="http://schemas.openxmlformats.org/markup-compatibility/2006">
               <mc:Choice xmlns:v="urn:schemas-microsoft-com:vml" Requires="v">
-                <p:oleObj spid="_x0000_s21527" name="Equation" r:id="rId13" imgW="545760" imgH="177480" progId="Equation.DSMT4">
+                <p:oleObj spid="_x0000_s21559" name="Equation" r:id="rId13" imgW="545760" imgH="177480" progId="Equation.DSMT4">
                   <p:embed/>
                 </p:oleObj>
               </mc:Choice>
@@ -16328,7 +16243,7 @@
           <a:graphicData uri="http://schemas.openxmlformats.org/presentationml/2006/ole">
             <mc:AlternateContent xmlns:mc="http://schemas.openxmlformats.org/markup-compatibility/2006">
               <mc:Choice xmlns:v="urn:schemas-microsoft-com:vml" Requires="v">
-                <p:oleObj spid="_x0000_s21528" name="Equation" r:id="rId15" imgW="545760" imgH="177480" progId="Equation.DSMT4">
+                <p:oleObj spid="_x0000_s21560" name="Equation" r:id="rId15" imgW="545760" imgH="177480" progId="Equation.DSMT4">
                   <p:embed/>
                 </p:oleObj>
               </mc:Choice>
@@ -16421,7 +16336,7 @@
           <a:graphicData uri="http://schemas.openxmlformats.org/presentationml/2006/ole">
             <mc:AlternateContent xmlns:mc="http://schemas.openxmlformats.org/markup-compatibility/2006">
               <mc:Choice xmlns:v="urn:schemas-microsoft-com:vml" Requires="v">
-                <p:oleObj spid="_x0000_s21529" name="Equation" r:id="rId16" imgW="495000" imgH="228600" progId="Equation.DSMT4">
+                <p:oleObj spid="_x0000_s21561" name="Equation" r:id="rId16" imgW="495000" imgH="228600" progId="Equation.DSMT4">
                   <p:embed/>
                 </p:oleObj>
               </mc:Choice>
@@ -16503,13 +16418,6 @@
   <p:clrMapOvr>
     <a:masterClrMapping/>
   </p:clrMapOvr>
-  <p:timing>
-    <p:tnLst>
-      <p:par>
-        <p:cTn id="1" dur="indefinite" restart="never" nodeType="tmRoot"/>
-      </p:par>
-    </p:tnLst>
-  </p:timing>
 </p:sld>
 </file>
 
@@ -16734,7 +16642,7 @@
               <a:tabLst/>
             </a:pPr>
             <a:r>
-              <a:rPr lang="en-US" altLang="zh-CN" sz="2802" dirty="0" smtClean="0">
+              <a:rPr lang="en-US" altLang="zh-CN" sz="2802" dirty="0">
                 <a:solidFill>
                   <a:srgbClr val="FFFFFF"/>
                 </a:solidFill>
@@ -16744,7 +16652,7 @@
               <a:t>IC3 </a:t>
             </a:r>
             <a:r>
-              <a:rPr lang="zh-CN" altLang="en-US" sz="2802" dirty="0" smtClean="0">
+              <a:rPr lang="zh-CN" altLang="en-US" sz="2802" dirty="0">
                 <a:solidFill>
                   <a:srgbClr val="FFFFFF"/>
                 </a:solidFill>
@@ -16753,7 +16661,7 @@
               </a:rPr>
               <a:t>验证算法</a:t>
             </a:r>
-            <a:endParaRPr lang="en-US" altLang="zh-CN" sz="2802" dirty="0" smtClean="0">
+            <a:endParaRPr lang="en-US" altLang="zh-CN" sz="2802" dirty="0">
               <a:solidFill>
                 <a:srgbClr val="FFFFFF"/>
               </a:solidFill>
@@ -16792,7 +16700,7 @@
               <a:tabLst/>
             </a:pPr>
             <a:r>
-              <a:rPr lang="en-US" altLang="zh-CN" sz="1200" dirty="0" smtClean="0">
+              <a:rPr lang="en-US" altLang="zh-CN" sz="1200" dirty="0">
                 <a:solidFill>
                   <a:srgbClr val="000000"/>
                 </a:solidFill>
@@ -16833,7 +16741,7 @@
               <a:tabLst/>
             </a:pPr>
             <a:r>
-              <a:rPr lang="en-US" altLang="zh-CN" sz="1200" dirty="0" smtClean="0">
+              <a:rPr lang="en-US" altLang="zh-CN" sz="1200" dirty="0">
                 <a:solidFill>
                   <a:srgbClr val="000000"/>
                 </a:solidFill>
@@ -16845,8 +16753,8 @@
           </a:p>
         </p:txBody>
       </p:sp>
-      <mc:AlternateContent xmlns:mc="http://schemas.openxmlformats.org/markup-compatibility/2006">
-        <mc:Choice xmlns:a14="http://schemas.microsoft.com/office/drawing/2010/main" Requires="a14">
+      <mc:AlternateContent xmlns:mc="http://schemas.openxmlformats.org/markup-compatibility/2006" xmlns:a14="http://schemas.microsoft.com/office/drawing/2010/main">
+        <mc:Choice Requires="a14">
           <p:sp>
             <p:nvSpPr>
               <p:cNvPr id="10" name="流程图: 联系 9"/>
@@ -16898,7 +16806,7 @@
                             <a:solidFill>
                               <a:schemeClr val="tx1"/>
                             </a:solidFill>
-                            <a:latin typeface="Cambria Math"/>
+                            <a:latin typeface="Cambria Math" panose="02040503050406030204" pitchFamily="18" charset="0"/>
                           </a:rPr>
                         </m:ctrlPr>
                       </m:sSubPr>
@@ -16928,7 +16836,7 @@
                   </m:oMath>
                 </a14:m>
                 <a:r>
-                  <a:rPr lang="en-US" altLang="zh-CN" sz="2000" b="1" dirty="0" smtClean="0">
+                  <a:rPr lang="en-US" altLang="zh-CN" sz="2000" b="1" dirty="0">
                     <a:solidFill>
                       <a:schemeClr val="tx1"/>
                     </a:solidFill>
@@ -16944,7 +16852,7 @@
             </p:txBody>
           </p:sp>
         </mc:Choice>
-        <mc:Fallback>
+        <mc:Fallback xmlns="">
           <p:sp>
             <p:nvSpPr>
               <p:cNvPr id="10" name="流程图: 联系 9"/>
@@ -17147,8 +17055,8 @@
           </a:p>
         </p:txBody>
       </p:sp>
-      <mc:AlternateContent xmlns:mc="http://schemas.openxmlformats.org/markup-compatibility/2006">
-        <mc:Choice xmlns:a14="http://schemas.microsoft.com/office/drawing/2010/main" Requires="a14">
+      <mc:AlternateContent xmlns:mc="http://schemas.openxmlformats.org/markup-compatibility/2006" xmlns:a14="http://schemas.microsoft.com/office/drawing/2010/main">
+        <mc:Choice Requires="a14">
           <p:sp>
             <p:nvSpPr>
               <p:cNvPr id="15" name="TextBox 14"/>
@@ -17171,6 +17079,7 @@
               </a:bodyPr>
               <a:lstStyle/>
               <a:p>
+                <a:pPr/>
                 <a14:m>
                   <m:oMathPara xmlns:m="http://schemas.openxmlformats.org/officeDocument/2006/math">
                     <m:oMathParaPr>
@@ -17191,7 +17100,7 @@
             </p:txBody>
           </p:sp>
         </mc:Choice>
-        <mc:Fallback>
+        <mc:Fallback xmlns="">
           <p:sp>
             <p:nvSpPr>
               <p:cNvPr id="15" name="TextBox 14"/>
@@ -17230,8 +17139,8 @@
           </p:sp>
         </mc:Fallback>
       </mc:AlternateContent>
-      <mc:AlternateContent xmlns:mc="http://schemas.openxmlformats.org/markup-compatibility/2006">
-        <mc:Choice xmlns:a14="http://schemas.microsoft.com/office/drawing/2010/main" Requires="a14">
+      <mc:AlternateContent xmlns:mc="http://schemas.openxmlformats.org/markup-compatibility/2006" xmlns:a14="http://schemas.microsoft.com/office/drawing/2010/main">
+        <mc:Choice Requires="a14">
           <p:sp>
             <p:nvSpPr>
               <p:cNvPr id="16" name="TextBox 15"/>
@@ -17254,6 +17163,7 @@
               </a:bodyPr>
               <a:lstStyle/>
               <a:p>
+                <a:pPr/>
                 <a14:m>
                   <m:oMathPara xmlns:m="http://schemas.openxmlformats.org/officeDocument/2006/math">
                     <m:oMathParaPr>
@@ -17264,7 +17174,7 @@
                         <m:sSubPr>
                           <m:ctrlPr>
                             <a:rPr lang="en-US" altLang="zh-CN" sz="2000" b="1" i="1" dirty="0" smtClean="0">
-                              <a:latin typeface="Cambria Math"/>
+                              <a:latin typeface="Cambria Math" panose="02040503050406030204" pitchFamily="18" charset="0"/>
                             </a:rPr>
                           </m:ctrlPr>
                         </m:sSubPr>
@@ -17293,7 +17203,7 @@
             </p:txBody>
           </p:sp>
         </mc:Choice>
-        <mc:Fallback>
+        <mc:Fallback xmlns="">
           <p:sp>
             <p:nvSpPr>
               <p:cNvPr id="16" name="TextBox 15"/>
@@ -17332,8 +17242,8 @@
           </p:sp>
         </mc:Fallback>
       </mc:AlternateContent>
-      <mc:AlternateContent xmlns:mc="http://schemas.openxmlformats.org/markup-compatibility/2006">
-        <mc:Choice xmlns:a14="http://schemas.microsoft.com/office/drawing/2010/main" Requires="a14">
+      <mc:AlternateContent xmlns:mc="http://schemas.openxmlformats.org/markup-compatibility/2006" xmlns:a14="http://schemas.microsoft.com/office/drawing/2010/main">
+        <mc:Choice Requires="a14">
           <p:sp>
             <p:nvSpPr>
               <p:cNvPr id="22" name="TextBox 21"/>
@@ -17356,6 +17266,7 @@
               </a:bodyPr>
               <a:lstStyle/>
               <a:p>
+                <a:pPr/>
                 <a14:m>
                   <m:oMathPara xmlns:m="http://schemas.openxmlformats.org/officeDocument/2006/math">
                     <m:oMathParaPr>
@@ -17366,7 +17277,7 @@
                         <m:sSubPr>
                           <m:ctrlPr>
                             <a:rPr lang="en-US" altLang="zh-CN" sz="2000" b="1" i="1" dirty="0" smtClean="0">
-                              <a:latin typeface="Cambria Math"/>
+                              <a:latin typeface="Cambria Math" panose="02040503050406030204" pitchFamily="18" charset="0"/>
                             </a:rPr>
                           </m:ctrlPr>
                         </m:sSubPr>
@@ -17395,7 +17306,7 @@
             </p:txBody>
           </p:sp>
         </mc:Choice>
-        <mc:Fallback>
+        <mc:Fallback xmlns="">
           <p:sp>
             <p:nvSpPr>
               <p:cNvPr id="22" name="TextBox 21"/>
@@ -17434,8 +17345,8 @@
           </p:sp>
         </mc:Fallback>
       </mc:AlternateContent>
-      <mc:AlternateContent xmlns:mc="http://schemas.openxmlformats.org/markup-compatibility/2006">
-        <mc:Choice xmlns:a14="http://schemas.microsoft.com/office/drawing/2010/main" Requires="a14">
+      <mc:AlternateContent xmlns:mc="http://schemas.openxmlformats.org/markup-compatibility/2006" xmlns:a14="http://schemas.microsoft.com/office/drawing/2010/main">
+        <mc:Choice Requires="a14">
           <p:sp>
             <p:nvSpPr>
               <p:cNvPr id="23" name="TextBox 22"/>
@@ -17458,6 +17369,7 @@
               </a:bodyPr>
               <a:lstStyle/>
               <a:p>
+                <a:pPr/>
                 <a14:m>
                   <m:oMathPara xmlns:m="http://schemas.openxmlformats.org/officeDocument/2006/math">
                     <m:oMathParaPr>
@@ -17468,7 +17380,7 @@
                         <m:sSubPr>
                           <m:ctrlPr>
                             <a:rPr lang="en-US" altLang="zh-CN" sz="2000" b="1" i="1" dirty="0" smtClean="0">
-                              <a:latin typeface="Cambria Math"/>
+                              <a:latin typeface="Cambria Math" panose="02040503050406030204" pitchFamily="18" charset="0"/>
                             </a:rPr>
                           </m:ctrlPr>
                         </m:sSubPr>
@@ -17497,7 +17409,7 @@
             </p:txBody>
           </p:sp>
         </mc:Choice>
-        <mc:Fallback>
+        <mc:Fallback xmlns="">
           <p:sp>
             <p:nvSpPr>
               <p:cNvPr id="23" name="TextBox 22"/>
@@ -17603,7 +17515,7 @@
           <a:lstStyle/>
           <a:p>
             <a:r>
-              <a:rPr lang="en-US" altLang="zh-CN" sz="2400" b="1" dirty="0" smtClean="0"/>
+              <a:rPr lang="en-US" altLang="zh-CN" sz="2400" b="1" dirty="0"/>
               <a:t>…</a:t>
             </a:r>
             <a:endParaRPr lang="zh-CN" altLang="en-US" sz="2400" b="1" dirty="0"/>
@@ -17802,18 +17714,17 @@
           <a:lstStyle/>
           <a:p>
             <a:r>
-              <a:rPr lang="zh-CN" altLang="en-US" sz="2000" dirty="0" smtClean="0"/>
+              <a:rPr lang="zh-CN" altLang="en-US" sz="2000" dirty="0"/>
               <a:t>属性</a:t>
             </a:r>
             <a:r>
-              <a:rPr lang="en-US" altLang="zh-CN" sz="2000" dirty="0" smtClean="0"/>
+              <a:rPr lang="en-US" altLang="zh-CN" sz="2000" dirty="0"/>
               <a:t>P</a:t>
             </a:r>
             <a:r>
-              <a:rPr lang="zh-CN" altLang="en-US" sz="2000" dirty="0" smtClean="0"/>
+              <a:rPr lang="zh-CN" altLang="en-US" sz="2000" dirty="0"/>
               <a:t>成立</a:t>
             </a:r>
-            <a:endParaRPr lang="zh-CN" altLang="en-US" sz="2000" dirty="0"/>
           </a:p>
         </p:txBody>
       </p:sp>
@@ -17863,8 +17774,8 @@
           </a:p>
         </p:txBody>
       </p:sp>
-      <mc:AlternateContent xmlns:mc="http://schemas.openxmlformats.org/markup-compatibility/2006">
-        <mc:Choice xmlns:a14="http://schemas.microsoft.com/office/drawing/2010/main" Requires="a14">
+      <mc:AlternateContent xmlns:mc="http://schemas.openxmlformats.org/markup-compatibility/2006" xmlns:a14="http://schemas.microsoft.com/office/drawing/2010/main">
+        <mc:Choice Requires="a14">
           <p:sp>
             <p:nvSpPr>
               <p:cNvPr id="25" name="TextBox 24"/>
@@ -17893,7 +17804,7 @@
                       <m:sSubPr>
                         <m:ctrlPr>
                           <a:rPr lang="en-US" altLang="zh-CN" sz="2000" i="1" dirty="0" smtClean="0">
-                            <a:latin typeface="Cambria Math"/>
+                            <a:latin typeface="Cambria Math" panose="02040503050406030204" pitchFamily="18" charset="0"/>
                           </a:rPr>
                         </m:ctrlPr>
                       </m:sSubPr>
@@ -17917,11 +17828,11 @@
                   </m:oMath>
                 </a14:m>
                 <a:r>
-                  <a:rPr lang="en-US" altLang="zh-CN" sz="2000" dirty="0" smtClean="0"/>
+                  <a:rPr lang="en-US" altLang="zh-CN" sz="2000" dirty="0"/>
                   <a:t>: </a:t>
                 </a:r>
                 <a:r>
-                  <a:rPr lang="zh-CN" altLang="en-US" sz="2000" dirty="0" smtClean="0"/>
+                  <a:rPr lang="zh-CN" altLang="en-US" sz="2000" dirty="0"/>
                   <a:t>经</a:t>
                 </a:r>
                 <a14:m>
@@ -17935,15 +17846,14 @@
                   </m:oMath>
                 </a14:m>
                 <a:r>
-                  <a:rPr lang="zh-CN" altLang="en-US" sz="2000" dirty="0" smtClean="0"/>
+                  <a:rPr lang="zh-CN" altLang="en-US" sz="2000" dirty="0"/>
                   <a:t>步可达的状态集合的上近似</a:t>
                 </a:r>
-                <a:endParaRPr lang="zh-CN" altLang="en-US" sz="2000" dirty="0"/>
               </a:p>
             </p:txBody>
           </p:sp>
         </mc:Choice>
-        <mc:Fallback>
+        <mc:Fallback xmlns="">
           <p:sp>
             <p:nvSpPr>
               <p:cNvPr id="25" name="TextBox 24"/>
@@ -18026,8 +17936,8 @@
           </a:p>
         </p:txBody>
       </p:sp>
-      <mc:AlternateContent xmlns:mc="http://schemas.openxmlformats.org/markup-compatibility/2006">
-        <mc:Choice xmlns:a14="http://schemas.microsoft.com/office/drawing/2010/main" Requires="a14">
+      <mc:AlternateContent xmlns:mc="http://schemas.openxmlformats.org/markup-compatibility/2006" xmlns:a14="http://schemas.microsoft.com/office/drawing/2010/main">
+        <mc:Choice Requires="a14">
           <p:sp>
             <p:nvSpPr>
               <p:cNvPr id="2" name="TextBox 1"/>
@@ -18050,6 +17960,7 @@
               </a:bodyPr>
               <a:lstStyle/>
               <a:p>
+                <a:pPr/>
                 <a14:m>
                   <m:oMathPara xmlns:m="http://schemas.openxmlformats.org/officeDocument/2006/math">
                     <m:oMathParaPr>
@@ -18060,7 +17971,7 @@
                         <m:sSubPr>
                           <m:ctrlPr>
                             <a:rPr lang="en-US" altLang="zh-CN" sz="2000" b="0" i="1" smtClean="0">
-                              <a:latin typeface="Cambria Math"/>
+                              <a:latin typeface="Cambria Math" panose="02040503050406030204" pitchFamily="18" charset="0"/>
                             </a:rPr>
                           </m:ctrlPr>
                         </m:sSubPr>
@@ -18091,7 +18002,7 @@
                         <m:sSubPr>
                           <m:ctrlPr>
                             <a:rPr lang="en-US" altLang="zh-CN" sz="2000" b="0" i="1" smtClean="0">
-                              <a:latin typeface="Cambria Math"/>
+                              <a:latin typeface="Cambria Math" panose="02040503050406030204" pitchFamily="18" charset="0"/>
                             </a:rPr>
                           </m:ctrlPr>
                         </m:sSubPr>
@@ -18126,7 +18037,7 @@
             </p:txBody>
           </p:sp>
         </mc:Choice>
-        <mc:Fallback>
+        <mc:Fallback xmlns="">
           <p:sp>
             <p:nvSpPr>
               <p:cNvPr id="2" name="TextBox 1"/>
@@ -18170,13 +18081,6 @@
   <p:clrMapOvr>
     <a:masterClrMapping/>
   </p:clrMapOvr>
-  <p:timing>
-    <p:tnLst>
-      <p:par>
-        <p:cTn id="1" dur="indefinite" restart="never" nodeType="tmRoot"/>
-      </p:par>
-    </p:tnLst>
-  </p:timing>
 </p:sld>
 </file>
 
@@ -18504,7 +18408,7 @@
               <a:tabLst/>
             </a:pPr>
             <a:r>
-              <a:rPr lang="zh-CN" altLang="en-US" sz="2802" dirty="0" smtClean="0">
+              <a:rPr lang="zh-CN" altLang="en-US" sz="2802" dirty="0">
                 <a:solidFill>
                   <a:srgbClr val="FFFFFF"/>
                 </a:solidFill>
@@ -18514,7 +18418,7 @@
               <a:t>初始状态（</a:t>
             </a:r>
             <a:r>
-              <a:rPr lang="en-US" altLang="zh-CN" sz="2802" dirty="0" smtClean="0">
+              <a:rPr lang="en-US" altLang="zh-CN" sz="2802" dirty="0">
                 <a:solidFill>
                   <a:srgbClr val="FFFFFF"/>
                 </a:solidFill>
@@ -18524,7 +18428,7 @@
               <a:t>k=0</a:t>
             </a:r>
             <a:r>
-              <a:rPr lang="zh-CN" altLang="en-US" sz="2802" dirty="0" smtClean="0">
+              <a:rPr lang="zh-CN" altLang="en-US" sz="2802" dirty="0">
                 <a:solidFill>
                   <a:srgbClr val="FFFFFF"/>
                 </a:solidFill>
@@ -18533,7 +18437,7 @@
               </a:rPr>
               <a:t>）</a:t>
             </a:r>
-            <a:endParaRPr lang="en-US" altLang="zh-CN" sz="2802" dirty="0" smtClean="0">
+            <a:endParaRPr lang="en-US" altLang="zh-CN" sz="2802" dirty="0">
               <a:solidFill>
                 <a:srgbClr val="FFFFFF"/>
               </a:solidFill>
@@ -18574,37 +18478,37 @@
               </a:tabLst>
             </a:pPr>
             <a:r>
-              <a:rPr lang="zh-CN" altLang="en-US" sz="2597" dirty="0" smtClean="0">
+              <a:rPr lang="zh-CN" altLang="en-US" sz="2597" dirty="0">
                 <a:latin typeface="Wingdings" pitchFamily="18" charset="0"/>
                 <a:cs typeface="Wingdings" pitchFamily="18" charset="0"/>
               </a:rPr>
               <a:t>首先识别</a:t>
             </a:r>
             <a:r>
-              <a:rPr lang="en-US" altLang="zh-CN" sz="2597" dirty="0" smtClean="0">
+              <a:rPr lang="en-US" altLang="zh-CN" sz="2597" dirty="0">
                 <a:cs typeface="Wingdings" pitchFamily="18" charset="0"/>
               </a:rPr>
               <a:t>0</a:t>
             </a:r>
             <a:r>
-              <a:rPr lang="zh-CN" altLang="en-US" sz="2597" dirty="0" smtClean="0">
+              <a:rPr lang="zh-CN" altLang="en-US" sz="2597" dirty="0">
                 <a:cs typeface="Wingdings" pitchFamily="18" charset="0"/>
               </a:rPr>
               <a:t>步和</a:t>
             </a:r>
             <a:r>
-              <a:rPr lang="en-US" altLang="zh-CN" sz="2597" dirty="0" smtClean="0">
+              <a:rPr lang="en-US" altLang="zh-CN" sz="2597" dirty="0">
                 <a:cs typeface="Wingdings" pitchFamily="18" charset="0"/>
               </a:rPr>
               <a:t>1</a:t>
             </a:r>
             <a:r>
-              <a:rPr lang="zh-CN" altLang="en-US" sz="2597" dirty="0" smtClean="0">
+              <a:rPr lang="zh-CN" altLang="en-US" sz="2597" dirty="0">
                 <a:cs typeface="Wingdings" pitchFamily="18" charset="0"/>
               </a:rPr>
               <a:t>步能够到达的反例：</a:t>
             </a:r>
-            <a:endParaRPr lang="en-US" altLang="zh-CN" sz="2597" dirty="0" smtClean="0">
+            <a:endParaRPr lang="en-US" altLang="zh-CN" sz="2597" dirty="0">
               <a:latin typeface="Wingdings" pitchFamily="18" charset="0"/>
               <a:cs typeface="Wingdings" pitchFamily="18" charset="0"/>
             </a:endParaRPr>
@@ -18618,7 +18522,7 @@
                 <a:tab pos="469900" algn="l"/>
               </a:tabLst>
             </a:pPr>
-            <a:endParaRPr lang="en-US" altLang="zh-CN" sz="2597" dirty="0" smtClean="0">
+            <a:endParaRPr lang="en-US" altLang="zh-CN" sz="2597" dirty="0">
               <a:solidFill>
                 <a:srgbClr val="FF9A00"/>
               </a:solidFill>
@@ -18636,7 +18540,7 @@
               </a:tabLst>
             </a:pPr>
             <a:r>
-              <a:rPr lang="en-US" altLang="zh-CN" sz="2597" dirty="0" smtClean="0">
+              <a:rPr lang="en-US" altLang="zh-CN" sz="2597" dirty="0">
                 <a:solidFill>
                   <a:srgbClr val="FF9A00"/>
                 </a:solidFill>
@@ -18645,7 +18549,7 @@
               </a:rPr>
               <a:t> </a:t>
             </a:r>
-            <a:endParaRPr lang="en-US" altLang="zh-CN" sz="2400" dirty="0" smtClean="0">
+            <a:endParaRPr lang="en-US" altLang="zh-CN" sz="2400" dirty="0">
               <a:solidFill>
                 <a:srgbClr val="000000"/>
               </a:solidFill>
@@ -18659,7 +18563,7 @@
                 <a:spcPts val="1000"/>
               </a:lnSpc>
             </a:pPr>
-            <a:endParaRPr lang="en-US" altLang="zh-CN" dirty="0" smtClean="0"/>
+            <a:endParaRPr lang="en-US" altLang="zh-CN" dirty="0"/>
           </a:p>
           <a:p>
             <a:pPr>
@@ -18667,7 +18571,7 @@
                 <a:spcPts val="1000"/>
               </a:lnSpc>
             </a:pPr>
-            <a:endParaRPr lang="en-US" altLang="zh-CN" dirty="0" smtClean="0"/>
+            <a:endParaRPr lang="en-US" altLang="zh-CN" dirty="0"/>
           </a:p>
           <a:p>
             <a:pPr>
@@ -18675,7 +18579,7 @@
                 <a:spcPts val="1000"/>
               </a:lnSpc>
             </a:pPr>
-            <a:endParaRPr lang="en-US" altLang="zh-CN" dirty="0" smtClean="0"/>
+            <a:endParaRPr lang="en-US" altLang="zh-CN" dirty="0"/>
           </a:p>
           <a:p>
             <a:pPr>
@@ -18683,7 +18587,7 @@
                 <a:spcPts val="1000"/>
               </a:lnSpc>
             </a:pPr>
-            <a:endParaRPr lang="en-US" altLang="zh-CN" dirty="0" smtClean="0"/>
+            <a:endParaRPr lang="en-US" altLang="zh-CN" dirty="0"/>
           </a:p>
           <a:p>
             <a:pPr>
@@ -18695,7 +18599,7 @@
               </a:tabLst>
             </a:pPr>
             <a:r>
-              <a:rPr lang="en-US" altLang="zh-CN" sz="2400" dirty="0" smtClean="0">
+              <a:rPr lang="en-US" altLang="zh-CN" sz="2400" dirty="0">
                 <a:solidFill>
                   <a:srgbClr val="FF9A00"/>
                 </a:solidFill>
@@ -18714,7 +18618,7 @@
                 <a:tab pos="469900" algn="l"/>
               </a:tabLst>
             </a:pPr>
-            <a:endParaRPr lang="en-US" altLang="zh-CN" sz="2400" dirty="0" smtClean="0">
+            <a:endParaRPr lang="en-US" altLang="zh-CN" sz="2400" dirty="0">
               <a:solidFill>
                 <a:srgbClr val="000000"/>
               </a:solidFill>
@@ -18732,7 +18636,7 @@
               </a:tabLst>
             </a:pPr>
             <a:r>
-              <a:rPr lang="en-US" altLang="zh-CN" sz="2400" dirty="0" smtClean="0">
+              <a:rPr lang="en-US" altLang="zh-CN" sz="2400" dirty="0">
                 <a:solidFill>
                   <a:srgbClr val="FF9A00"/>
                 </a:solidFill>
@@ -18742,13 +18646,13 @@
               <a:t> </a:t>
             </a:r>
             <a:r>
-              <a:rPr lang="zh-CN" altLang="en-US" sz="2400" dirty="0" smtClean="0">
+              <a:rPr lang="zh-CN" altLang="en-US" sz="2400" dirty="0">
                 <a:latin typeface="Wingdings" pitchFamily="18" charset="0"/>
                 <a:cs typeface="Wingdings" pitchFamily="18" charset="0"/>
               </a:rPr>
               <a:t>如果反例不存在，则</a:t>
             </a:r>
-            <a:endParaRPr lang="en-US" altLang="zh-CN" sz="2400" dirty="0" smtClean="0">
+            <a:endParaRPr lang="en-US" altLang="zh-CN" sz="2400" dirty="0">
               <a:latin typeface="Times New Roman" pitchFamily="18" charset="0"/>
               <a:cs typeface="Times New Roman" pitchFamily="18" charset="0"/>
             </a:endParaRPr>
@@ -18759,7 +18663,7 @@
                 <a:spcPts val="1000"/>
               </a:lnSpc>
             </a:pPr>
-            <a:endParaRPr lang="en-US" altLang="zh-CN" dirty="0" smtClean="0"/>
+            <a:endParaRPr lang="en-US" altLang="zh-CN" dirty="0"/>
           </a:p>
           <a:p>
             <a:pPr>
@@ -18767,7 +18671,7 @@
                 <a:spcPts val="1000"/>
               </a:lnSpc>
             </a:pPr>
-            <a:endParaRPr lang="en-US" altLang="zh-CN" dirty="0" smtClean="0"/>
+            <a:endParaRPr lang="en-US" altLang="zh-CN" dirty="0"/>
           </a:p>
           <a:p>
             <a:pPr>
@@ -18775,7 +18679,7 @@
                 <a:spcPts val="1000"/>
               </a:lnSpc>
             </a:pPr>
-            <a:endParaRPr lang="en-US" altLang="zh-CN" dirty="0" smtClean="0"/>
+            <a:endParaRPr lang="en-US" altLang="zh-CN" dirty="0"/>
           </a:p>
         </p:txBody>
       </p:sp>
@@ -18808,7 +18712,7 @@
               <a:tabLst/>
             </a:pPr>
             <a:r>
-              <a:rPr lang="en-US" altLang="zh-CN" sz="1200" dirty="0" smtClean="0">
+              <a:rPr lang="en-US" altLang="zh-CN" sz="1200" dirty="0">
                 <a:solidFill>
                   <a:srgbClr val="000000"/>
                 </a:solidFill>
@@ -18849,7 +18753,7 @@
               <a:tabLst/>
             </a:pPr>
             <a:r>
-              <a:rPr lang="en-US" altLang="zh-CN" sz="1200" dirty="0" smtClean="0">
+              <a:rPr lang="en-US" altLang="zh-CN" sz="1200" dirty="0">
                 <a:solidFill>
                   <a:srgbClr val="000000"/>
                 </a:solidFill>
@@ -18877,7 +18781,7 @@
           <a:graphicData uri="http://schemas.openxmlformats.org/presentationml/2006/ole">
             <mc:AlternateContent xmlns:mc="http://schemas.openxmlformats.org/markup-compatibility/2006">
               <mc:Choice xmlns:v="urn:schemas-microsoft-com:vml" Requires="v">
-                <p:oleObj spid="_x0000_s3080" name="Equation" r:id="rId3" imgW="469800" imgH="164880" progId="Equation.DSMT4">
+                <p:oleObj spid="_x0000_s3092" name="Equation" r:id="rId3" imgW="469800" imgH="164880" progId="Equation.DSMT4">
                   <p:embed/>
                 </p:oleObj>
               </mc:Choice>
@@ -18970,7 +18874,7 @@
           <a:graphicData uri="http://schemas.openxmlformats.org/presentationml/2006/ole">
             <mc:AlternateContent xmlns:mc="http://schemas.openxmlformats.org/markup-compatibility/2006">
               <mc:Choice xmlns:v="urn:schemas-microsoft-com:vml" Requires="v">
-                <p:oleObj spid="_x0000_s3081" name="Equation" r:id="rId5" imgW="736560" imgH="164880" progId="Equation.DSMT4">
+                <p:oleObj spid="_x0000_s3093" name="Equation" r:id="rId5" imgW="736560" imgH="164880" progId="Equation.DSMT4">
                   <p:embed/>
                 </p:oleObj>
               </mc:Choice>
@@ -19063,7 +18967,7 @@
           <a:graphicData uri="http://schemas.openxmlformats.org/presentationml/2006/ole">
             <mc:AlternateContent xmlns:mc="http://schemas.openxmlformats.org/markup-compatibility/2006">
               <mc:Choice xmlns:v="urn:schemas-microsoft-com:vml" Requires="v">
-                <p:oleObj spid="_x0000_s3082" name="Equation" r:id="rId7" imgW="431640" imgH="228600" progId="Equation.DSMT4">
+                <p:oleObj spid="_x0000_s3094" name="Equation" r:id="rId7" imgW="431640" imgH="228600" progId="Equation.DSMT4">
                   <p:embed/>
                 </p:oleObj>
               </mc:Choice>
@@ -19211,10 +19115,9 @@
           <a:lstStyle/>
           <a:p>
             <a:r>
-              <a:rPr lang="zh-CN" altLang="en-US" dirty="0" smtClean="0"/>
+              <a:rPr lang="zh-CN" altLang="en-US" dirty="0"/>
               <a:t>如果存在满足等式的状态，算法终止，直接返回反例</a:t>
             </a:r>
-            <a:endParaRPr lang="zh-CN" altLang="en-US" dirty="0"/>
           </a:p>
         </p:txBody>
       </p:sp>
@@ -19223,13 +19126,6 @@
   <p:clrMapOvr>
     <a:masterClrMapping/>
   </p:clrMapOvr>
-  <p:timing>
-    <p:tnLst>
-      <p:par>
-        <p:cTn id="1" dur="indefinite" restart="never" nodeType="tmRoot"/>
-      </p:par>
-    </p:tnLst>
-  </p:timing>
 </p:sld>
 </file>
 
@@ -19537,7 +19433,7 @@
         <p:spPr>
           <a:xfrm>
             <a:off x="914400" y="596900"/>
-            <a:ext cx="3728585" cy="482183"/>
+            <a:ext cx="3541034" cy="445443"/>
           </a:xfrm>
           <a:prstGeom prst="rect">
             <a:avLst/>
@@ -19557,56 +19453,46 @@
               <a:tabLst/>
             </a:pPr>
             <a:r>
-              <a:rPr lang="en-US" altLang="zh-CN" sz="2802" dirty="0" smtClean="0">
+              <a:rPr lang="en-US" altLang="zh-CN" sz="2802" dirty="0">
                 <a:solidFill>
                   <a:srgbClr val="FFFFFF"/>
                 </a:solidFill>
                 <a:latin typeface="Impact" pitchFamily="18" charset="0"/>
                 <a:cs typeface="Impact" pitchFamily="18" charset="0"/>
               </a:rPr>
-              <a:t>Major  </a:t>
-            </a:r>
-            <a:r>
-              <a:rPr lang="en-US" altLang="zh-CN" sz="2802" dirty="0" err="1" smtClean="0">
+              <a:t>Major  Iteration</a:t>
+            </a:r>
+            <a:r>
+              <a:rPr lang="zh-CN" altLang="en-US" sz="2802" dirty="0">
                 <a:solidFill>
                   <a:srgbClr val="FFFFFF"/>
                 </a:solidFill>
                 <a:latin typeface="Impact" pitchFamily="18" charset="0"/>
                 <a:cs typeface="Impact" pitchFamily="18" charset="0"/>
               </a:rPr>
-              <a:t>Interation</a:t>
-            </a:r>
-            <a:r>
-              <a:rPr lang="zh-CN" altLang="en-US" sz="2802" dirty="0" smtClean="0">
+              <a:t>（</a:t>
+            </a:r>
+            <a:r>
+              <a:rPr lang="en-US" altLang="zh-CN" sz="2802" dirty="0">
                 <a:solidFill>
                   <a:srgbClr val="FFFFFF"/>
                 </a:solidFill>
                 <a:latin typeface="Impact" pitchFamily="18" charset="0"/>
                 <a:cs typeface="Impact" pitchFamily="18" charset="0"/>
               </a:rPr>
-              <a:t>（</a:t>
-            </a:r>
-            <a:r>
-              <a:rPr lang="en-US" altLang="zh-CN" sz="2802" dirty="0" smtClean="0">
+              <a:t>k&gt;0</a:t>
+            </a:r>
+            <a:r>
+              <a:rPr lang="zh-CN" altLang="en-US" sz="2802" dirty="0">
                 <a:solidFill>
                   <a:srgbClr val="FFFFFF"/>
                 </a:solidFill>
                 <a:latin typeface="Impact" pitchFamily="18" charset="0"/>
                 <a:cs typeface="Impact" pitchFamily="18" charset="0"/>
               </a:rPr>
-              <a:t>k&gt;0</a:t>
-            </a:r>
-            <a:r>
-              <a:rPr lang="zh-CN" altLang="en-US" sz="2802" dirty="0" smtClean="0">
-                <a:solidFill>
-                  <a:srgbClr val="FFFFFF"/>
-                </a:solidFill>
-                <a:latin typeface="Impact" pitchFamily="18" charset="0"/>
-                <a:cs typeface="Impact" pitchFamily="18" charset="0"/>
-              </a:rPr>
               <a:t>）</a:t>
             </a:r>
-            <a:endParaRPr lang="en-US" altLang="zh-CN" sz="2802" dirty="0" smtClean="0">
+            <a:endParaRPr lang="en-US" altLang="zh-CN" sz="2802" dirty="0">
               <a:solidFill>
                 <a:srgbClr val="FFFFFF"/>
               </a:solidFill>
@@ -19643,7 +19529,7 @@
                 <a:spcPts val="1000"/>
               </a:lnSpc>
             </a:pPr>
-            <a:endParaRPr lang="en-US" altLang="zh-CN" sz="2597" dirty="0" smtClean="0">
+            <a:endParaRPr lang="en-US" altLang="zh-CN" sz="2597" dirty="0">
               <a:cs typeface="Wingdings" pitchFamily="18" charset="0"/>
             </a:endParaRPr>
           </a:p>
@@ -19654,7 +19540,7 @@
               </a:lnSpc>
             </a:pPr>
             <a:r>
-              <a:rPr lang="en-US" altLang="zh-CN" sz="2597" dirty="0" smtClean="0">
+              <a:rPr lang="en-US" altLang="zh-CN" sz="2597" dirty="0">
                 <a:cs typeface="Wingdings" pitchFamily="18" charset="0"/>
               </a:rPr>
               <a:t>                                </a:t>
@@ -19667,12 +19553,12 @@
               </a:lnSpc>
             </a:pPr>
             <a:r>
-              <a:rPr lang="zh-CN" altLang="en-US" sz="2597" dirty="0" smtClean="0">
+              <a:rPr lang="zh-CN" altLang="en-US" sz="2597" dirty="0">
                 <a:cs typeface="Wingdings" pitchFamily="18" charset="0"/>
               </a:rPr>
               <a:t>判断                         是否成立</a:t>
             </a:r>
-            <a:endParaRPr lang="en-US" altLang="zh-CN" dirty="0" smtClean="0"/>
+            <a:endParaRPr lang="en-US" altLang="zh-CN" dirty="0"/>
           </a:p>
           <a:p>
             <a:pPr>
@@ -19680,7 +19566,7 @@
                 <a:spcPts val="1000"/>
               </a:lnSpc>
             </a:pPr>
-            <a:endParaRPr lang="en-US" altLang="zh-CN" dirty="0" smtClean="0"/>
+            <a:endParaRPr lang="en-US" altLang="zh-CN" dirty="0"/>
           </a:p>
           <a:p>
             <a:pPr>
@@ -19688,7 +19574,7 @@
                 <a:spcPts val="1000"/>
               </a:lnSpc>
             </a:pPr>
-            <a:endParaRPr lang="en-US" altLang="zh-CN" dirty="0" smtClean="0"/>
+            <a:endParaRPr lang="en-US" altLang="zh-CN" dirty="0"/>
           </a:p>
           <a:p>
             <a:pPr>
@@ -19700,7 +19586,7 @@
               </a:tabLst>
             </a:pPr>
             <a:r>
-              <a:rPr lang="en-US" altLang="zh-CN" sz="2400" dirty="0" smtClean="0">
+              <a:rPr lang="en-US" altLang="zh-CN" sz="2400" dirty="0">
                 <a:solidFill>
                   <a:srgbClr val="FF9A00"/>
                 </a:solidFill>
@@ -19710,20 +19596,20 @@
               <a:t></a:t>
             </a:r>
             <a:r>
-              <a:rPr lang="en-US" altLang="zh-CN" sz="2400" dirty="0" smtClean="0">
+              <a:rPr lang="en-US" altLang="zh-CN" sz="2400" dirty="0">
                 <a:latin typeface="Times New Roman" pitchFamily="18" charset="0"/>
                 <a:cs typeface="Times New Roman" pitchFamily="18" charset="0"/>
               </a:rPr>
               <a:t>   </a:t>
             </a:r>
             <a:r>
-              <a:rPr lang="zh-CN" altLang="en-US" sz="2400" dirty="0" smtClean="0">
+              <a:rPr lang="zh-CN" altLang="en-US" sz="2400" dirty="0">
                 <a:latin typeface="Times New Roman" pitchFamily="18" charset="0"/>
                 <a:cs typeface="Times New Roman" pitchFamily="18" charset="0"/>
               </a:rPr>
               <a:t>情况一：成立</a:t>
             </a:r>
-            <a:endParaRPr lang="en-US" altLang="zh-CN" sz="2400" dirty="0" smtClean="0">
+            <a:endParaRPr lang="en-US" altLang="zh-CN" sz="2400" dirty="0">
               <a:solidFill>
                 <a:srgbClr val="000000"/>
               </a:solidFill>
@@ -19741,7 +19627,7 @@
               </a:tabLst>
             </a:pPr>
             <a:r>
-              <a:rPr lang="en-US" altLang="zh-CN" sz="2400" dirty="0" smtClean="0">
+              <a:rPr lang="en-US" altLang="zh-CN" sz="2400" dirty="0">
                 <a:solidFill>
                   <a:srgbClr val="FF9A00"/>
                 </a:solidFill>
@@ -19751,20 +19637,20 @@
               <a:t></a:t>
             </a:r>
             <a:r>
-              <a:rPr lang="en-US" altLang="zh-CN" sz="2400" dirty="0" smtClean="0">
+              <a:rPr lang="en-US" altLang="zh-CN" sz="2400" dirty="0">
                 <a:latin typeface="Times New Roman" pitchFamily="18" charset="0"/>
                 <a:cs typeface="Times New Roman" pitchFamily="18" charset="0"/>
               </a:rPr>
               <a:t>   </a:t>
             </a:r>
             <a:r>
-              <a:rPr lang="zh-CN" altLang="en-US" sz="2400" dirty="0" smtClean="0">
+              <a:rPr lang="zh-CN" altLang="en-US" sz="2400" dirty="0">
                 <a:latin typeface="Times New Roman" pitchFamily="18" charset="0"/>
                 <a:cs typeface="Times New Roman" pitchFamily="18" charset="0"/>
               </a:rPr>
               <a:t>设置</a:t>
             </a:r>
-            <a:endParaRPr lang="en-US" altLang="zh-CN" sz="2400" dirty="0" smtClean="0">
+            <a:endParaRPr lang="en-US" altLang="zh-CN" sz="2400" dirty="0">
               <a:solidFill>
                 <a:srgbClr val="000000"/>
               </a:solidFill>
@@ -19784,7 +19670,7 @@
               </a:tabLst>
             </a:pPr>
             <a:r>
-              <a:rPr lang="en-US" altLang="zh-CN" sz="2400" dirty="0" smtClean="0">
+              <a:rPr lang="en-US" altLang="zh-CN" sz="2400" dirty="0">
                 <a:solidFill>
                   <a:schemeClr val="accent6"/>
                 </a:solidFill>
@@ -19792,14 +19678,14 @@
               <a:t>   </a:t>
             </a:r>
             <a:r>
-              <a:rPr lang="en-US" altLang="zh-CN" sz="2400" dirty="0" smtClean="0"/>
+              <a:rPr lang="en-US" altLang="zh-CN" sz="2400" dirty="0"/>
               <a:t>Propagating clauses forward</a:t>
             </a:r>
             <a:r>
-              <a:rPr lang="zh-CN" altLang="en-US" sz="2400" dirty="0" smtClean="0"/>
+              <a:rPr lang="zh-CN" altLang="en-US" sz="2400" dirty="0"/>
               <a:t>：</a:t>
             </a:r>
-            <a:endParaRPr lang="en-US" altLang="zh-CN" sz="2400" dirty="0" smtClean="0"/>
+            <a:endParaRPr lang="en-US" altLang="zh-CN" sz="2400" dirty="0"/>
           </a:p>
           <a:p>
             <a:pPr lvl="1">
@@ -19811,23 +19697,23 @@
               </a:tabLst>
             </a:pPr>
             <a:r>
-              <a:rPr lang="en-US" altLang="zh-CN" sz="2400" dirty="0" smtClean="0"/>
+              <a:rPr lang="en-US" altLang="zh-CN" sz="2400" dirty="0"/>
               <a:t>For </a:t>
             </a:r>
             <a:r>
-              <a:rPr lang="en-US" altLang="zh-CN" sz="2400" dirty="0" err="1" smtClean="0"/>
+              <a:rPr lang="en-US" altLang="zh-CN" sz="2400" dirty="0" err="1"/>
               <a:t>i</a:t>
             </a:r>
             <a:r>
-              <a:rPr lang="en-US" altLang="zh-CN" sz="2400" dirty="0" smtClean="0"/>
+              <a:rPr lang="en-US" altLang="zh-CN" sz="2400" dirty="0"/>
               <a:t> from 1 to k</a:t>
             </a:r>
             <a:r>
-              <a:rPr lang="zh-CN" altLang="en-US" sz="2400" dirty="0" smtClean="0"/>
+              <a:rPr lang="zh-CN" altLang="en-US" sz="2400" dirty="0"/>
               <a:t>：</a:t>
             </a:r>
             <a:r>
-              <a:rPr lang="en-US" altLang="zh-CN" sz="2400" dirty="0" smtClean="0"/>
+              <a:rPr lang="en-US" altLang="zh-CN" sz="2400" dirty="0"/>
               <a:t>find the largest clause</a:t>
             </a:r>
           </a:p>
@@ -19840,7 +19726,7 @@
                 <a:tab pos="469900" algn="l"/>
               </a:tabLst>
             </a:pPr>
-            <a:endParaRPr lang="en-US" altLang="zh-CN" sz="2400" dirty="0" smtClean="0"/>
+            <a:endParaRPr lang="en-US" altLang="zh-CN" sz="2400" dirty="0"/>
           </a:p>
           <a:p>
             <a:pPr lvl="1">
@@ -19851,7 +19737,7 @@
                 <a:tab pos="469900" algn="l"/>
               </a:tabLst>
             </a:pPr>
-            <a:endParaRPr lang="en-US" altLang="zh-CN" sz="2400" dirty="0" smtClean="0"/>
+            <a:endParaRPr lang="en-US" altLang="zh-CN" sz="2400" dirty="0"/>
           </a:p>
           <a:p>
             <a:pPr lvl="1">
@@ -19862,7 +19748,7 @@
                 <a:tab pos="469900" algn="l"/>
               </a:tabLst>
             </a:pPr>
-            <a:endParaRPr lang="en-US" altLang="zh-CN" sz="2400" dirty="0" smtClean="0"/>
+            <a:endParaRPr lang="en-US" altLang="zh-CN" sz="2400" dirty="0"/>
           </a:p>
           <a:p>
             <a:pPr lvl="1">
@@ -19874,18 +19760,18 @@
               </a:tabLst>
             </a:pPr>
             <a:r>
-              <a:rPr lang="zh-CN" altLang="en-US" sz="2400" dirty="0" smtClean="0"/>
+              <a:rPr lang="zh-CN" altLang="en-US" sz="2400" dirty="0"/>
               <a:t>其中如果发现                    ，算法终止，属性</a:t>
             </a:r>
             <a:r>
-              <a:rPr lang="en-US" altLang="zh-CN" sz="2400" dirty="0" smtClean="0"/>
+              <a:rPr lang="en-US" altLang="zh-CN" sz="2400" dirty="0"/>
               <a:t>P</a:t>
             </a:r>
             <a:r>
-              <a:rPr lang="zh-CN" altLang="en-US" sz="2400" dirty="0" smtClean="0"/>
+              <a:rPr lang="zh-CN" altLang="en-US" sz="2400" dirty="0"/>
               <a:t>成立</a:t>
             </a:r>
-            <a:endParaRPr lang="en-US" altLang="zh-CN" sz="2400" dirty="0" smtClean="0"/>
+            <a:endParaRPr lang="en-US" altLang="zh-CN" sz="2400" dirty="0"/>
           </a:p>
           <a:p>
             <a:pPr lvl="1">
@@ -19897,10 +19783,10 @@
               </a:tabLst>
             </a:pPr>
             <a:r>
-              <a:rPr lang="en-US" altLang="zh-CN" sz="2400" dirty="0" smtClean="0"/>
+              <a:rPr lang="en-US" altLang="zh-CN" sz="2400" dirty="0"/>
               <a:t> </a:t>
             </a:r>
-            <a:endParaRPr lang="en-US" altLang="zh-CN" dirty="0" smtClean="0"/>
+            <a:endParaRPr lang="en-US" altLang="zh-CN" dirty="0"/>
           </a:p>
           <a:p>
             <a:pPr>
@@ -19908,7 +19794,7 @@
                 <a:spcPts val="1000"/>
               </a:lnSpc>
             </a:pPr>
-            <a:endParaRPr lang="en-US" altLang="zh-CN" dirty="0" smtClean="0"/>
+            <a:endParaRPr lang="en-US" altLang="zh-CN" dirty="0"/>
           </a:p>
         </p:txBody>
       </p:sp>
@@ -19941,7 +19827,7 @@
               <a:tabLst/>
             </a:pPr>
             <a:r>
-              <a:rPr lang="en-US" altLang="zh-CN" sz="1200" dirty="0" smtClean="0">
+              <a:rPr lang="en-US" altLang="zh-CN" sz="1200" dirty="0">
                 <a:solidFill>
                   <a:srgbClr val="000000"/>
                 </a:solidFill>
@@ -19982,7 +19868,7 @@
               <a:tabLst/>
             </a:pPr>
             <a:r>
-              <a:rPr lang="en-US" altLang="zh-CN" sz="1200" dirty="0" smtClean="0">
+              <a:rPr lang="en-US" altLang="zh-CN" sz="1200" dirty="0">
                 <a:solidFill>
                   <a:srgbClr val="000000"/>
                 </a:solidFill>
@@ -20010,7 +19896,7 @@
           <a:graphicData uri="http://schemas.openxmlformats.org/presentationml/2006/ole">
             <mc:AlternateContent xmlns:mc="http://schemas.openxmlformats.org/markup-compatibility/2006">
               <mc:Choice xmlns:v="urn:schemas-microsoft-com:vml" Requires="v">
-                <p:oleObj spid="_x0000_s4113" name="Equation" r:id="rId3" imgW="787320" imgH="228600" progId="Equation.DSMT4">
+                <p:oleObj spid="_x0000_s4141" name="Equation" r:id="rId3" imgW="787320" imgH="228600" progId="Equation.DSMT4">
                   <p:embed/>
                 </p:oleObj>
               </mc:Choice>
@@ -20277,11 +20163,11 @@
           <a:lstStyle/>
           <a:p>
             <a:r>
-              <a:rPr lang="en-US" altLang="zh-CN" dirty="0" err="1" smtClean="0"/>
+              <a:rPr lang="en-US" altLang="zh-CN" dirty="0" err="1"/>
               <a:t>F</a:t>
             </a:r>
             <a:r>
-              <a:rPr lang="en-US" altLang="zh-CN" sz="1400" dirty="0" err="1" smtClean="0"/>
+              <a:rPr lang="en-US" altLang="zh-CN" sz="1400" dirty="0" err="1"/>
               <a:t>k</a:t>
             </a:r>
             <a:endParaRPr lang="zh-CN" altLang="en-US" dirty="0"/>
@@ -20311,7 +20197,7 @@
           <a:lstStyle/>
           <a:p>
             <a:r>
-              <a:rPr lang="en-US" altLang="zh-CN" dirty="0" smtClean="0"/>
+              <a:rPr lang="en-US" altLang="zh-CN" dirty="0"/>
               <a:t>P</a:t>
             </a:r>
             <a:endParaRPr lang="zh-CN" altLang="en-US" dirty="0"/>
@@ -20341,7 +20227,7 @@
           <a:lstStyle/>
           <a:p>
             <a:r>
-              <a:rPr lang="en-US" altLang="zh-CN" dirty="0" smtClean="0"/>
+              <a:rPr lang="en-US" altLang="zh-CN" dirty="0"/>
               <a:t>I</a:t>
             </a:r>
             <a:endParaRPr lang="zh-CN" altLang="en-US" dirty="0"/>
@@ -20364,7 +20250,7 @@
           <a:graphicData uri="http://schemas.openxmlformats.org/presentationml/2006/ole">
             <mc:AlternateContent xmlns:mc="http://schemas.openxmlformats.org/markup-compatibility/2006">
               <mc:Choice xmlns:v="urn:schemas-microsoft-com:vml" Requires="v">
-                <p:oleObj spid="_x0000_s4114" name="Equation" r:id="rId5" imgW="533160" imgH="228600" progId="Equation.DSMT4">
+                <p:oleObj spid="_x0000_s4142" name="Equation" r:id="rId5" imgW="533160" imgH="228600" progId="Equation.DSMT4">
                   <p:embed/>
                 </p:oleObj>
               </mc:Choice>
@@ -20457,7 +20343,7 @@
           <a:graphicData uri="http://schemas.openxmlformats.org/presentationml/2006/ole">
             <mc:AlternateContent xmlns:mc="http://schemas.openxmlformats.org/markup-compatibility/2006">
               <mc:Choice xmlns:v="urn:schemas-microsoft-com:vml" Requires="v">
-                <p:oleObj spid="_x0000_s4115" name="Equation" r:id="rId7" imgW="444240" imgH="228600" progId="Equation.DSMT4">
+                <p:oleObj spid="_x0000_s4143" name="Equation" r:id="rId7" imgW="444240" imgH="228600" progId="Equation.DSMT4">
                   <p:embed/>
                 </p:oleObj>
               </mc:Choice>
@@ -20550,7 +20436,7 @@
           <a:graphicData uri="http://schemas.openxmlformats.org/presentationml/2006/ole">
             <mc:AlternateContent xmlns:mc="http://schemas.openxmlformats.org/markup-compatibility/2006">
               <mc:Choice xmlns:v="urn:schemas-microsoft-com:vml" Requires="v">
-                <p:oleObj spid="_x0000_s4116" name="Equation" r:id="rId9" imgW="761760" imgH="228600" progId="Equation.DSMT4">
+                <p:oleObj spid="_x0000_s4144" name="Equation" r:id="rId9" imgW="761760" imgH="228600" progId="Equation.DSMT4">
                   <p:embed/>
                 </p:oleObj>
               </mc:Choice>
@@ -20643,7 +20529,7 @@
           <a:graphicData uri="http://schemas.openxmlformats.org/presentationml/2006/ole">
             <mc:AlternateContent xmlns:mc="http://schemas.openxmlformats.org/markup-compatibility/2006">
               <mc:Choice xmlns:v="urn:schemas-microsoft-com:vml" Requires="v">
-                <p:oleObj spid="_x0000_s4117" name="Equation" r:id="rId11" imgW="1066680" imgH="228600" progId="Equation.DSMT4">
+                <p:oleObj spid="_x0000_s4145" name="Equation" r:id="rId11" imgW="1066680" imgH="228600" progId="Equation.DSMT4">
                   <p:embed/>
                 </p:oleObj>
               </mc:Choice>
@@ -20736,7 +20622,7 @@
           <a:graphicData uri="http://schemas.openxmlformats.org/presentationml/2006/ole">
             <mc:AlternateContent xmlns:mc="http://schemas.openxmlformats.org/markup-compatibility/2006">
               <mc:Choice xmlns:v="urn:schemas-microsoft-com:vml" Requires="v">
-                <p:oleObj spid="_x0000_s4118" name="Equation" r:id="rId13" imgW="901440" imgH="228600" progId="Equation.DSMT4">
+                <p:oleObj spid="_x0000_s4146" name="Equation" r:id="rId13" imgW="901440" imgH="228600" progId="Equation.DSMT4">
                   <p:embed/>
                 </p:oleObj>
               </mc:Choice>
@@ -20829,7 +20715,7 @@
           <a:graphicData uri="http://schemas.openxmlformats.org/presentationml/2006/ole">
             <mc:AlternateContent xmlns:mc="http://schemas.openxmlformats.org/markup-compatibility/2006">
               <mc:Choice xmlns:v="urn:schemas-microsoft-com:vml" Requires="v">
-                <p:oleObj spid="_x0000_s4119" name="Equation" r:id="rId15" imgW="520560" imgH="228600" progId="Equation.DSMT4">
+                <p:oleObj spid="_x0000_s4147" name="Equation" r:id="rId15" imgW="520560" imgH="228600" progId="Equation.DSMT4">
                   <p:embed/>
                 </p:oleObj>
               </mc:Choice>
@@ -20911,13 +20797,6 @@
   <p:clrMapOvr>
     <a:masterClrMapping/>
   </p:clrMapOvr>
-  <p:timing>
-    <p:tnLst>
-      <p:par>
-        <p:cTn id="1" dur="indefinite" restart="never" nodeType="tmRoot"/>
-      </p:par>
-    </p:tnLst>
-  </p:timing>
 </p:sld>
 </file>
 
@@ -21225,7 +21104,7 @@
         <p:spPr>
           <a:xfrm>
             <a:off x="914400" y="596900"/>
-            <a:ext cx="3728585" cy="445443"/>
+            <a:ext cx="3541034" cy="445443"/>
           </a:xfrm>
           <a:prstGeom prst="rect">
             <a:avLst/>
@@ -21245,56 +21124,46 @@
               <a:tabLst/>
             </a:pPr>
             <a:r>
-              <a:rPr lang="en-US" altLang="zh-CN" sz="2802" dirty="0" smtClean="0">
+              <a:rPr lang="en-US" altLang="zh-CN" sz="2802">
                 <a:solidFill>
                   <a:srgbClr val="FFFFFF"/>
                 </a:solidFill>
                 <a:latin typeface="Impact" pitchFamily="18" charset="0"/>
                 <a:cs typeface="Impact" pitchFamily="18" charset="0"/>
               </a:rPr>
-              <a:t>Major  </a:t>
-            </a:r>
-            <a:r>
-              <a:rPr lang="en-US" altLang="zh-CN" sz="2802" dirty="0" err="1" smtClean="0">
+              <a:t>Major  Iteration</a:t>
+            </a:r>
+            <a:r>
+              <a:rPr lang="zh-CN" altLang="en-US" sz="2802" dirty="0">
                 <a:solidFill>
                   <a:srgbClr val="FFFFFF"/>
                 </a:solidFill>
                 <a:latin typeface="Impact" pitchFamily="18" charset="0"/>
                 <a:cs typeface="Impact" pitchFamily="18" charset="0"/>
               </a:rPr>
-              <a:t>Interation</a:t>
-            </a:r>
-            <a:r>
-              <a:rPr lang="zh-CN" altLang="en-US" sz="2802" dirty="0" smtClean="0">
+              <a:t>（</a:t>
+            </a:r>
+            <a:r>
+              <a:rPr lang="en-US" altLang="zh-CN" sz="2802" dirty="0">
                 <a:solidFill>
                   <a:srgbClr val="FFFFFF"/>
                 </a:solidFill>
                 <a:latin typeface="Impact" pitchFamily="18" charset="0"/>
                 <a:cs typeface="Impact" pitchFamily="18" charset="0"/>
               </a:rPr>
-              <a:t>（</a:t>
-            </a:r>
-            <a:r>
-              <a:rPr lang="en-US" altLang="zh-CN" sz="2802" dirty="0" smtClean="0">
+              <a:t>k&gt;0</a:t>
+            </a:r>
+            <a:r>
+              <a:rPr lang="zh-CN" altLang="en-US" sz="2802" dirty="0">
                 <a:solidFill>
                   <a:srgbClr val="FFFFFF"/>
                 </a:solidFill>
                 <a:latin typeface="Impact" pitchFamily="18" charset="0"/>
                 <a:cs typeface="Impact" pitchFamily="18" charset="0"/>
               </a:rPr>
-              <a:t>k&gt;0</a:t>
-            </a:r>
-            <a:r>
-              <a:rPr lang="zh-CN" altLang="en-US" sz="2802" dirty="0" smtClean="0">
-                <a:solidFill>
-                  <a:srgbClr val="FFFFFF"/>
-                </a:solidFill>
-                <a:latin typeface="Impact" pitchFamily="18" charset="0"/>
-                <a:cs typeface="Impact" pitchFamily="18" charset="0"/>
-              </a:rPr>
               <a:t>）</a:t>
             </a:r>
-            <a:endParaRPr lang="en-US" altLang="zh-CN" sz="2802" dirty="0" smtClean="0">
+            <a:endParaRPr lang="en-US" altLang="zh-CN" sz="2802" dirty="0">
               <a:solidFill>
                 <a:srgbClr val="FFFFFF"/>
               </a:solidFill>
@@ -21335,7 +21204,7 @@
               </a:tabLst>
             </a:pPr>
             <a:r>
-              <a:rPr lang="en-US" altLang="zh-CN" sz="2597" dirty="0" smtClean="0">
+              <a:rPr lang="en-US" altLang="zh-CN" sz="2597" dirty="0">
                 <a:solidFill>
                   <a:srgbClr val="FF9A00"/>
                 </a:solidFill>
@@ -21345,20 +21214,20 @@
               <a:t></a:t>
             </a:r>
             <a:r>
-              <a:rPr lang="en-US" altLang="zh-CN" sz="2597" dirty="0" smtClean="0">
+              <a:rPr lang="en-US" altLang="zh-CN" sz="2597" dirty="0">
                 <a:latin typeface="Times New Roman" pitchFamily="18" charset="0"/>
                 <a:cs typeface="Times New Roman" pitchFamily="18" charset="0"/>
               </a:rPr>
               <a:t>  </a:t>
             </a:r>
             <a:r>
-              <a:rPr lang="zh-CN" altLang="en-US" sz="2400" dirty="0" smtClean="0">
+              <a:rPr lang="zh-CN" altLang="en-US" sz="2400" dirty="0">
                 <a:latin typeface="Times New Roman" pitchFamily="18" charset="0"/>
                 <a:cs typeface="Times New Roman" pitchFamily="18" charset="0"/>
               </a:rPr>
               <a:t>情况二：不成立</a:t>
             </a:r>
-            <a:endParaRPr lang="en-US" altLang="zh-CN" sz="2597" dirty="0" smtClean="0">
+            <a:endParaRPr lang="en-US" altLang="zh-CN" sz="2597" dirty="0">
               <a:latin typeface="Times New Roman" pitchFamily="18" charset="0"/>
               <a:cs typeface="Times New Roman" pitchFamily="18" charset="0"/>
             </a:endParaRPr>
@@ -21373,7 +21242,7 @@
               </a:tabLst>
             </a:pPr>
             <a:r>
-              <a:rPr lang="en-US" altLang="zh-CN" sz="2400" dirty="0" smtClean="0">
+              <a:rPr lang="en-US" altLang="zh-CN" sz="2400" dirty="0">
                 <a:solidFill>
                   <a:srgbClr val="FF9A00"/>
                 </a:solidFill>
@@ -21383,62 +21252,62 @@
               <a:t>	</a:t>
             </a:r>
             <a:r>
-              <a:rPr lang="zh-CN" altLang="en-US" sz="2000" dirty="0" smtClean="0">
+              <a:rPr lang="zh-CN" altLang="en-US" sz="2000" dirty="0">
                 <a:latin typeface="Wingdings" pitchFamily="18" charset="0"/>
                 <a:cs typeface="Wingdings" pitchFamily="18" charset="0"/>
               </a:rPr>
               <a:t>说明</a:t>
             </a:r>
             <a:r>
-              <a:rPr lang="en-US" altLang="zh-CN" sz="2000" dirty="0" err="1" smtClean="0">
+              <a:rPr lang="en-US" altLang="zh-CN" sz="2000" dirty="0" err="1">
                 <a:cs typeface="Wingdings" pitchFamily="18" charset="0"/>
               </a:rPr>
               <a:t>F</a:t>
             </a:r>
             <a:r>
-              <a:rPr lang="en-US" altLang="zh-CN" sz="1600" dirty="0" err="1" smtClean="0">
+              <a:rPr lang="en-US" altLang="zh-CN" sz="1600" dirty="0" err="1">
                 <a:cs typeface="Wingdings" pitchFamily="18" charset="0"/>
               </a:rPr>
               <a:t>k</a:t>
             </a:r>
             <a:r>
-              <a:rPr lang="zh-CN" altLang="en-US" sz="2000" dirty="0" smtClean="0">
+              <a:rPr lang="zh-CN" altLang="en-US" sz="2000" dirty="0">
                 <a:cs typeface="Wingdings" pitchFamily="18" charset="0"/>
               </a:rPr>
               <a:t>中</a:t>
             </a:r>
             <a:r>
-              <a:rPr lang="zh-CN" altLang="en-US" sz="2000" dirty="0" smtClean="0">
+              <a:rPr lang="zh-CN" altLang="en-US" sz="2000" dirty="0">
                 <a:latin typeface="Wingdings" pitchFamily="18" charset="0"/>
                 <a:cs typeface="Wingdings" pitchFamily="18" charset="0"/>
               </a:rPr>
               <a:t>存在某个状态</a:t>
             </a:r>
             <a:r>
-              <a:rPr lang="en-US" altLang="zh-CN" sz="2000" dirty="0" smtClean="0">
+              <a:rPr lang="en-US" altLang="zh-CN" sz="2000" dirty="0">
                 <a:cs typeface="Wingdings" pitchFamily="18" charset="0"/>
               </a:rPr>
               <a:t>s</a:t>
             </a:r>
             <a:r>
-              <a:rPr lang="zh-CN" altLang="en-US" sz="2000" dirty="0" smtClean="0">
+              <a:rPr lang="zh-CN" altLang="en-US" sz="2000" dirty="0">
                 <a:cs typeface="Wingdings" pitchFamily="18" charset="0"/>
               </a:rPr>
               <a:t>，能够通过</a:t>
             </a:r>
             <a:r>
-              <a:rPr lang="en-US" altLang="zh-CN" sz="2000" dirty="0" smtClean="0">
+              <a:rPr lang="en-US" altLang="zh-CN" sz="2000" dirty="0">
                 <a:cs typeface="Wingdings" pitchFamily="18" charset="0"/>
               </a:rPr>
               <a:t>1</a:t>
             </a:r>
             <a:r>
-              <a:rPr lang="zh-CN" altLang="en-US" sz="2000" dirty="0" smtClean="0">
+              <a:rPr lang="zh-CN" altLang="en-US" sz="2000" dirty="0">
                 <a:cs typeface="Wingdings" pitchFamily="18" charset="0"/>
               </a:rPr>
               <a:t>步迁移到</a:t>
             </a:r>
-            <a:endParaRPr lang="en-US" altLang="zh-CN" sz="2000" dirty="0" smtClean="0">
+            <a:endParaRPr lang="en-US" altLang="zh-CN" sz="2000" dirty="0">
               <a:cs typeface="Wingdings" pitchFamily="18" charset="0"/>
             </a:endParaRPr>
           </a:p>
@@ -21452,30 +21321,30 @@
               </a:tabLst>
             </a:pPr>
             <a:r>
-              <a:rPr lang="en-US" altLang="zh-CN" sz="2000" dirty="0" smtClean="0">
+              <a:rPr lang="en-US" altLang="zh-CN" sz="2000" dirty="0">
                 <a:cs typeface="Wingdings" pitchFamily="18" charset="0"/>
               </a:rPr>
               <a:t> 	</a:t>
             </a:r>
             <a:r>
-              <a:rPr lang="zh-CN" altLang="en-US" sz="2000" dirty="0" smtClean="0">
+              <a:rPr lang="zh-CN" altLang="en-US" sz="2000" dirty="0">
                 <a:cs typeface="Wingdings" pitchFamily="18" charset="0"/>
               </a:rPr>
               <a:t>达</a:t>
             </a:r>
             <a:r>
-              <a:rPr lang="en-US" altLang="zh-CN" sz="2000" dirty="0" smtClean="0">
+              <a:rPr lang="en-US" altLang="zh-CN" sz="2000" dirty="0">
                 <a:cs typeface="Wingdings" pitchFamily="18" charset="0"/>
               </a:rPr>
               <a:t>P</a:t>
             </a:r>
             <a:r>
-              <a:rPr lang="zh-CN" altLang="en-US" sz="2000" dirty="0" smtClean="0">
+              <a:rPr lang="zh-CN" altLang="en-US" sz="2000" dirty="0">
                 <a:cs typeface="Wingdings" pitchFamily="18" charset="0"/>
               </a:rPr>
               <a:t>以外的状态，即某个错误状态。</a:t>
             </a:r>
-            <a:endParaRPr lang="en-US" altLang="zh-CN" sz="2400" dirty="0" smtClean="0">
+            <a:endParaRPr lang="en-US" altLang="zh-CN" sz="2400" dirty="0">
               <a:cs typeface="Wingdings" pitchFamily="18" charset="0"/>
             </a:endParaRPr>
           </a:p>
@@ -21489,7 +21358,7 @@
               </a:tabLst>
             </a:pPr>
             <a:r>
-              <a:rPr lang="en-US" altLang="zh-CN" sz="2400" dirty="0" smtClean="0">
+              <a:rPr lang="en-US" altLang="zh-CN" sz="2400" dirty="0">
                 <a:solidFill>
                   <a:srgbClr val="FF9A00"/>
                 </a:solidFill>
@@ -21499,14 +21368,14 @@
               <a:t></a:t>
             </a:r>
             <a:r>
-              <a:rPr lang="en-US" altLang="zh-CN" sz="2400" dirty="0" smtClean="0">
+              <a:rPr lang="en-US" altLang="zh-CN" sz="2400" dirty="0">
                 <a:latin typeface="Times New Roman" pitchFamily="18" charset="0"/>
                 <a:cs typeface="Times New Roman" pitchFamily="18" charset="0"/>
               </a:rPr>
               <a:t>   </a:t>
             </a:r>
             <a:r>
-              <a:rPr lang="zh-CN" altLang="en-US" sz="2400" dirty="0" smtClean="0">
+              <a:rPr lang="zh-CN" altLang="en-US" sz="2400" dirty="0">
                 <a:solidFill>
                   <a:srgbClr val="000000"/>
                 </a:solidFill>
@@ -21516,7 +21385,7 @@
               <a:t>如果</a:t>
             </a:r>
             <a:r>
-              <a:rPr lang="en-US" altLang="zh-CN" sz="2400" dirty="0" smtClean="0">
+              <a:rPr lang="en-US" altLang="zh-CN" sz="2400" dirty="0">
                 <a:solidFill>
                   <a:srgbClr val="000000"/>
                 </a:solidFill>
@@ -21526,7 +21395,7 @@
               <a:t>s</a:t>
             </a:r>
             <a:r>
-              <a:rPr lang="zh-CN" altLang="en-US" sz="2400" dirty="0" smtClean="0">
+              <a:rPr lang="zh-CN" altLang="en-US" sz="2400" dirty="0">
                 <a:solidFill>
                   <a:srgbClr val="000000"/>
                 </a:solidFill>
@@ -21536,7 +21405,7 @@
               <a:t>为真反例，我们就应该找出一条由</a:t>
             </a:r>
             <a:r>
-              <a:rPr lang="en-US" altLang="zh-CN" sz="2400" dirty="0" smtClean="0">
+              <a:rPr lang="en-US" altLang="zh-CN" sz="2400" dirty="0">
                 <a:solidFill>
                   <a:srgbClr val="000000"/>
                 </a:solidFill>
@@ -21546,7 +21415,7 @@
               <a:t>	</a:t>
             </a:r>
             <a:r>
-              <a:rPr lang="zh-CN" altLang="en-US" sz="2400" dirty="0" smtClean="0">
+              <a:rPr lang="zh-CN" altLang="en-US" sz="2400" dirty="0">
                 <a:solidFill>
                   <a:srgbClr val="000000"/>
                 </a:solidFill>
@@ -21556,7 +21425,7 @@
               <a:t>初始状态到达</a:t>
             </a:r>
             <a:r>
-              <a:rPr lang="en-US" altLang="zh-CN" sz="2400" dirty="0" smtClean="0">
+              <a:rPr lang="en-US" altLang="zh-CN" sz="2400" dirty="0">
                 <a:solidFill>
                   <a:srgbClr val="000000"/>
                 </a:solidFill>
@@ -21566,7 +21435,7 @@
               <a:t>s</a:t>
             </a:r>
             <a:r>
-              <a:rPr lang="zh-CN" altLang="en-US" sz="2400" dirty="0" smtClean="0">
+              <a:rPr lang="zh-CN" altLang="en-US" sz="2400" dirty="0">
                 <a:solidFill>
                   <a:srgbClr val="000000"/>
                 </a:solidFill>
@@ -21575,7 +21444,7 @@
               </a:rPr>
               <a:t>的路径。</a:t>
             </a:r>
-            <a:endParaRPr lang="en-US" altLang="zh-CN" sz="2400" dirty="0" smtClean="0">
+            <a:endParaRPr lang="en-US" altLang="zh-CN" sz="2400" dirty="0">
               <a:solidFill>
                 <a:srgbClr val="000000"/>
               </a:solidFill>
@@ -21593,7 +21462,7 @@
               </a:tabLst>
             </a:pPr>
             <a:r>
-              <a:rPr lang="en-US" altLang="zh-CN" sz="2400" dirty="0" smtClean="0">
+              <a:rPr lang="en-US" altLang="zh-CN" sz="2400" dirty="0">
                 <a:solidFill>
                   <a:srgbClr val="FF9A00"/>
                 </a:solidFill>
@@ -21603,14 +21472,14 @@
               <a:t></a:t>
             </a:r>
             <a:r>
-              <a:rPr lang="en-US" altLang="zh-CN" sz="2400" dirty="0" smtClean="0">
+              <a:rPr lang="en-US" altLang="zh-CN" sz="2400" dirty="0">
                 <a:latin typeface="Times New Roman" pitchFamily="18" charset="0"/>
                 <a:cs typeface="Times New Roman" pitchFamily="18" charset="0"/>
               </a:rPr>
               <a:t>   </a:t>
             </a:r>
             <a:r>
-              <a:rPr lang="zh-CN" altLang="en-US" sz="2400" dirty="0" smtClean="0">
+              <a:rPr lang="zh-CN" altLang="en-US" sz="2400" dirty="0">
                 <a:solidFill>
                   <a:srgbClr val="000000"/>
                 </a:solidFill>
@@ -21620,7 +21489,7 @@
               <a:t>否则</a:t>
             </a:r>
             <a:r>
-              <a:rPr lang="en-US" altLang="zh-CN" sz="2400" dirty="0" smtClean="0">
+              <a:rPr lang="en-US" altLang="zh-CN" sz="2400" dirty="0">
                 <a:solidFill>
                   <a:srgbClr val="000000"/>
                 </a:solidFill>
@@ -21630,7 +21499,7 @@
               <a:t>s</a:t>
             </a:r>
             <a:r>
-              <a:rPr lang="zh-CN" altLang="en-US" sz="2400" dirty="0" smtClean="0">
+              <a:rPr lang="zh-CN" altLang="en-US" sz="2400" dirty="0">
                 <a:solidFill>
                   <a:srgbClr val="000000"/>
                 </a:solidFill>
@@ -21640,7 +21509,7 @@
               <a:t>就应该是不可达的，应该设法将</a:t>
             </a:r>
             <a:r>
-              <a:rPr lang="en-US" altLang="zh-CN" sz="2400" dirty="0" smtClean="0">
+              <a:rPr lang="en-US" altLang="zh-CN" sz="2400" dirty="0">
                 <a:solidFill>
                   <a:srgbClr val="000000"/>
                 </a:solidFill>
@@ -21650,7 +21519,7 @@
               <a:t>s</a:t>
             </a:r>
             <a:r>
-              <a:rPr lang="zh-CN" altLang="en-US" sz="2400" dirty="0" smtClean="0">
+              <a:rPr lang="zh-CN" altLang="en-US" sz="2400" dirty="0">
                 <a:solidFill>
                   <a:srgbClr val="000000"/>
                 </a:solidFill>
@@ -21660,7 +21529,7 @@
               <a:t>从</a:t>
             </a:r>
             <a:r>
-              <a:rPr lang="en-US" altLang="zh-CN" sz="2400" dirty="0" err="1" smtClean="0">
+              <a:rPr lang="en-US" altLang="zh-CN" sz="2400" dirty="0" err="1">
                 <a:solidFill>
                   <a:srgbClr val="000000"/>
                 </a:solidFill>
@@ -21670,7 +21539,7 @@
               <a:t>F</a:t>
             </a:r>
             <a:r>
-              <a:rPr lang="en-US" altLang="zh-CN" dirty="0" err="1" smtClean="0">
+              <a:rPr lang="en-US" altLang="zh-CN" dirty="0" err="1">
                 <a:solidFill>
                   <a:srgbClr val="000000"/>
                 </a:solidFill>
@@ -21680,7 +21549,7 @@
               <a:t>k</a:t>
             </a:r>
             <a:r>
-              <a:rPr lang="en-US" altLang="zh-CN" dirty="0" smtClean="0">
+              <a:rPr lang="en-US" altLang="zh-CN" dirty="0">
                 <a:solidFill>
                   <a:srgbClr val="000000"/>
                 </a:solidFill>
@@ -21690,7 +21559,7 @@
               <a:t>	</a:t>
             </a:r>
             <a:r>
-              <a:rPr lang="zh-CN" altLang="en-US" sz="2400" dirty="0" smtClean="0">
+              <a:rPr lang="zh-CN" altLang="en-US" sz="2400" dirty="0">
                 <a:solidFill>
                   <a:srgbClr val="000000"/>
                 </a:solidFill>
@@ -21699,7 +21568,7 @@
               </a:rPr>
               <a:t>中移除出去。</a:t>
             </a:r>
-            <a:endParaRPr lang="en-US" altLang="zh-CN" sz="2400" dirty="0" smtClean="0">
+            <a:endParaRPr lang="en-US" altLang="zh-CN" sz="2400" dirty="0">
               <a:solidFill>
                 <a:srgbClr val="000000"/>
               </a:solidFill>
@@ -21713,7 +21582,7 @@
                 <a:spcPts val="1000"/>
               </a:lnSpc>
             </a:pPr>
-            <a:endParaRPr lang="en-US" altLang="zh-CN" dirty="0" smtClean="0"/>
+            <a:endParaRPr lang="en-US" altLang="zh-CN" dirty="0"/>
           </a:p>
           <a:p>
             <a:pPr>
@@ -21721,7 +21590,7 @@
                 <a:spcPts val="1000"/>
               </a:lnSpc>
             </a:pPr>
-            <a:endParaRPr lang="en-US" altLang="zh-CN" dirty="0" smtClean="0"/>
+            <a:endParaRPr lang="en-US" altLang="zh-CN" dirty="0"/>
           </a:p>
           <a:p>
             <a:pPr>
@@ -21729,7 +21598,7 @@
                 <a:spcPts val="1000"/>
               </a:lnSpc>
             </a:pPr>
-            <a:endParaRPr lang="en-US" altLang="zh-CN" dirty="0" smtClean="0"/>
+            <a:endParaRPr lang="en-US" altLang="zh-CN" dirty="0"/>
           </a:p>
         </p:txBody>
       </p:sp>
@@ -21762,7 +21631,7 @@
               <a:tabLst/>
             </a:pPr>
             <a:r>
-              <a:rPr lang="en-US" altLang="zh-CN" sz="1200" dirty="0" smtClean="0">
+              <a:rPr lang="en-US" altLang="zh-CN" sz="1200" dirty="0">
                 <a:solidFill>
                   <a:srgbClr val="000000"/>
                 </a:solidFill>
@@ -21803,7 +21672,7 @@
               <a:tabLst/>
             </a:pPr>
             <a:r>
-              <a:rPr lang="en-US" altLang="zh-CN" sz="1200" dirty="0" smtClean="0">
+              <a:rPr lang="en-US" altLang="zh-CN" sz="1200" dirty="0">
                 <a:solidFill>
                   <a:srgbClr val="000000"/>
                 </a:solidFill>
@@ -21853,7 +21722,7 @@
           <a:p>
             <a:pPr algn="ctr"/>
             <a:r>
-              <a:rPr lang="en-US" altLang="zh-CN" dirty="0" smtClean="0">
+              <a:rPr lang="en-US" altLang="zh-CN" dirty="0">
                 <a:solidFill>
                   <a:schemeClr val="tx1"/>
                 </a:solidFill>
@@ -22017,11 +21886,11 @@
           <a:lstStyle/>
           <a:p>
             <a:r>
-              <a:rPr lang="en-US" altLang="zh-CN" dirty="0" err="1" smtClean="0"/>
+              <a:rPr lang="en-US" altLang="zh-CN" dirty="0" err="1"/>
               <a:t>F</a:t>
             </a:r>
             <a:r>
-              <a:rPr lang="en-US" altLang="zh-CN" sz="1400" dirty="0" err="1" smtClean="0"/>
+              <a:rPr lang="en-US" altLang="zh-CN" sz="1400" dirty="0" err="1"/>
               <a:t>k</a:t>
             </a:r>
             <a:endParaRPr lang="zh-CN" altLang="en-US" dirty="0"/>
@@ -22051,7 +21920,7 @@
           <a:lstStyle/>
           <a:p>
             <a:r>
-              <a:rPr lang="en-US" altLang="zh-CN" dirty="0" smtClean="0"/>
+              <a:rPr lang="en-US" altLang="zh-CN" dirty="0"/>
               <a:t>P</a:t>
             </a:r>
             <a:endParaRPr lang="zh-CN" altLang="en-US" dirty="0"/>
@@ -22408,7 +22277,7 @@
           <a:lstStyle/>
           <a:p>
             <a:r>
-              <a:rPr lang="en-US" altLang="zh-CN" b="1" dirty="0" smtClean="0"/>
+              <a:rPr lang="en-US" altLang="zh-CN" b="1" dirty="0"/>
               <a:t>T</a:t>
             </a:r>
             <a:endParaRPr lang="zh-CN" altLang="en-US" b="1" dirty="0"/>
@@ -22438,7 +22307,7 @@
           <a:lstStyle/>
           <a:p>
             <a:r>
-              <a:rPr lang="en-US" altLang="zh-CN" dirty="0" smtClean="0"/>
+              <a:rPr lang="en-US" altLang="zh-CN" dirty="0"/>
               <a:t>t</a:t>
             </a:r>
             <a:endParaRPr lang="zh-CN" altLang="en-US" dirty="0"/>
@@ -22468,7 +22337,7 @@
           <a:lstStyle/>
           <a:p>
             <a:r>
-              <a:rPr lang="en-US" altLang="zh-CN" dirty="0" smtClean="0"/>
+              <a:rPr lang="en-US" altLang="zh-CN" dirty="0"/>
               <a:t>s</a:t>
             </a:r>
             <a:endParaRPr lang="zh-CN" altLang="en-US" dirty="0"/>
@@ -22498,11 +22367,11 @@
           <a:lstStyle/>
           <a:p>
             <a:r>
-              <a:rPr lang="en-US" altLang="zh-CN" dirty="0" smtClean="0"/>
+              <a:rPr lang="en-US" altLang="zh-CN" dirty="0"/>
               <a:t>F</a:t>
             </a:r>
             <a:r>
-              <a:rPr lang="en-US" altLang="zh-CN" sz="1400" dirty="0" smtClean="0"/>
+              <a:rPr lang="en-US" altLang="zh-CN" sz="1400" dirty="0"/>
               <a:t>k-1</a:t>
             </a:r>
             <a:endParaRPr lang="zh-CN" altLang="en-US" dirty="0"/>
@@ -22532,11 +22401,11 @@
           <a:lstStyle/>
           <a:p>
             <a:r>
-              <a:rPr lang="en-US" altLang="zh-CN" dirty="0" err="1" smtClean="0"/>
+              <a:rPr lang="en-US" altLang="zh-CN" dirty="0" err="1"/>
               <a:t>F</a:t>
             </a:r>
             <a:r>
-              <a:rPr lang="en-US" altLang="zh-CN" sz="1400" dirty="0" err="1" smtClean="0"/>
+              <a:rPr lang="en-US" altLang="zh-CN" sz="1400" dirty="0" err="1"/>
               <a:t>k</a:t>
             </a:r>
             <a:endParaRPr lang="zh-CN" altLang="en-US" dirty="0"/>
@@ -22566,7 +22435,7 @@
           <a:lstStyle/>
           <a:p>
             <a:r>
-              <a:rPr lang="en-US" altLang="zh-CN" dirty="0" smtClean="0"/>
+              <a:rPr lang="en-US" altLang="zh-CN" dirty="0"/>
               <a:t>s</a:t>
             </a:r>
             <a:endParaRPr lang="zh-CN" altLang="en-US" dirty="0"/>
@@ -22596,26 +22465,25 @@
           <a:lstStyle/>
           <a:p>
             <a:r>
-              <a:rPr lang="zh-CN" altLang="en-US" dirty="0" smtClean="0"/>
+              <a:rPr lang="zh-CN" altLang="en-US" dirty="0"/>
               <a:t>如果直接删除</a:t>
             </a:r>
             <a:r>
-              <a:rPr lang="en-US" altLang="zh-CN" dirty="0" smtClean="0"/>
+              <a:rPr lang="en-US" altLang="zh-CN" dirty="0"/>
               <a:t>s</a:t>
             </a:r>
             <a:r>
-              <a:rPr lang="zh-CN" altLang="en-US" dirty="0" smtClean="0"/>
+              <a:rPr lang="zh-CN" altLang="en-US" dirty="0"/>
               <a:t>，会破坏第</a:t>
             </a:r>
             <a:r>
-              <a:rPr lang="en-US" altLang="zh-CN" dirty="0" smtClean="0"/>
+              <a:rPr lang="en-US" altLang="zh-CN" dirty="0"/>
               <a:t>3</a:t>
             </a:r>
             <a:r>
-              <a:rPr lang="zh-CN" altLang="en-US" dirty="0" smtClean="0"/>
+              <a:rPr lang="zh-CN" altLang="en-US" dirty="0"/>
               <a:t>条性质：</a:t>
             </a:r>
-            <a:endParaRPr lang="zh-CN" altLang="en-US" dirty="0"/>
           </a:p>
         </p:txBody>
       </p:sp>
@@ -22635,7 +22503,7 @@
           <a:graphicData uri="http://schemas.openxmlformats.org/presentationml/2006/ole">
             <mc:AlternateContent xmlns:mc="http://schemas.openxmlformats.org/markup-compatibility/2006">
               <mc:Choice xmlns:v="urn:schemas-microsoft-com:vml" Requires="v">
-                <p:oleObj spid="_x0000_s18435" name="Equation" r:id="rId3" imgW="838080" imgH="228600" progId="Equation.DSMT4">
+                <p:oleObj spid="_x0000_s18439" name="Equation" r:id="rId3" imgW="838080" imgH="228600" progId="Equation.DSMT4">
                   <p:embed/>
                 </p:oleObj>
               </mc:Choice>
@@ -22717,13 +22585,6 @@
   <p:clrMapOvr>
     <a:masterClrMapping/>
   </p:clrMapOvr>
-  <p:timing>
-    <p:tnLst>
-      <p:par>
-        <p:cTn id="1" dur="indefinite" restart="never" nodeType="tmRoot"/>
-      </p:par>
-    </p:tnLst>
-  </p:timing>
 </p:sld>
 </file>
 
@@ -23051,7 +22912,7 @@
               <a:tabLst/>
             </a:pPr>
             <a:r>
-              <a:rPr lang="en-US" altLang="zh-CN" sz="2802" dirty="0" smtClean="0">
+              <a:rPr lang="en-US" altLang="zh-CN" sz="2802" dirty="0">
                 <a:solidFill>
                   <a:srgbClr val="FFFFFF"/>
                 </a:solidFill>
@@ -23094,7 +22955,7 @@
               </a:tabLst>
             </a:pPr>
             <a:r>
-              <a:rPr lang="en-US" altLang="zh-CN" sz="2597" dirty="0" smtClean="0">
+              <a:rPr lang="en-US" altLang="zh-CN" sz="2597" dirty="0">
                 <a:solidFill>
                   <a:srgbClr val="FF9A00"/>
                 </a:solidFill>
@@ -23104,14 +22965,14 @@
               <a:t></a:t>
             </a:r>
             <a:r>
-              <a:rPr lang="en-US" altLang="zh-CN" sz="2597" dirty="0" smtClean="0">
+              <a:rPr lang="en-US" altLang="zh-CN" sz="2597" dirty="0">
                 <a:latin typeface="Times New Roman" pitchFamily="18" charset="0"/>
                 <a:cs typeface="Times New Roman" pitchFamily="18" charset="0"/>
               </a:rPr>
               <a:t>  </a:t>
             </a:r>
             <a:r>
-              <a:rPr lang="en-US" altLang="zh-CN" sz="2597" dirty="0" smtClean="0">
+              <a:rPr lang="en-US" altLang="zh-CN" sz="2597" dirty="0">
                 <a:solidFill>
                   <a:srgbClr val="000000"/>
                 </a:solidFill>
@@ -23121,7 +22982,7 @@
               <a:t>Input</a:t>
             </a:r>
             <a:r>
-              <a:rPr lang="zh-CN" altLang="en-US" sz="2597" dirty="0" smtClean="0">
+              <a:rPr lang="zh-CN" altLang="en-US" sz="2597" dirty="0">
                 <a:solidFill>
                   <a:srgbClr val="000000"/>
                 </a:solidFill>
@@ -23131,7 +22992,7 @@
               <a:t>：</a:t>
             </a:r>
             <a:r>
-              <a:rPr lang="en-US" altLang="zh-CN" sz="2597" dirty="0" smtClean="0">
+              <a:rPr lang="en-US" altLang="zh-CN" sz="2597" dirty="0">
                 <a:solidFill>
                   <a:srgbClr val="000000"/>
                 </a:solidFill>
@@ -23140,7 +23001,7 @@
               </a:rPr>
               <a:t>cube s</a:t>
             </a:r>
-            <a:endParaRPr lang="en-US" altLang="zh-CN" dirty="0" smtClean="0"/>
+            <a:endParaRPr lang="en-US" altLang="zh-CN" dirty="0"/>
           </a:p>
           <a:p>
             <a:pPr>
@@ -23148,7 +23009,7 @@
                 <a:spcPts val="1000"/>
               </a:lnSpc>
             </a:pPr>
-            <a:endParaRPr lang="en-US" altLang="zh-CN" dirty="0" smtClean="0"/>
+            <a:endParaRPr lang="en-US" altLang="zh-CN" dirty="0"/>
           </a:p>
           <a:p>
             <a:pPr>
@@ -23156,7 +23017,7 @@
                 <a:spcPts val="1000"/>
               </a:lnSpc>
             </a:pPr>
-            <a:endParaRPr lang="en-US" altLang="zh-CN" dirty="0" smtClean="0"/>
+            <a:endParaRPr lang="en-US" altLang="zh-CN" dirty="0"/>
           </a:p>
           <a:p>
             <a:pPr>
@@ -23170,7 +23031,7 @@
               </a:tabLst>
             </a:pPr>
             <a:r>
-              <a:rPr lang="en-US" altLang="zh-CN" sz="2400" dirty="0" smtClean="0">
+              <a:rPr lang="en-US" altLang="zh-CN" sz="2400" dirty="0">
                 <a:solidFill>
                   <a:schemeClr val="accent6"/>
                 </a:solidFill>
@@ -23180,34 +23041,34 @@
               <a:t>  </a:t>
             </a:r>
             <a:r>
-              <a:rPr lang="en-US" altLang="zh-CN" sz="2400" dirty="0" smtClean="0">
+              <a:rPr lang="en-US" altLang="zh-CN" sz="2400" dirty="0">
                 <a:latin typeface="Times New Roman" pitchFamily="18" charset="0"/>
                 <a:cs typeface="Times New Roman" pitchFamily="18" charset="0"/>
               </a:rPr>
               <a:t>Find highest </a:t>
             </a:r>
             <a:r>
-              <a:rPr lang="en-US" altLang="zh-CN" sz="2400" dirty="0" err="1" smtClean="0">
+              <a:rPr lang="en-US" altLang="zh-CN" sz="2400" dirty="0" err="1">
                 <a:latin typeface="Times New Roman" pitchFamily="18" charset="0"/>
                 <a:cs typeface="Times New Roman" pitchFamily="18" charset="0"/>
               </a:rPr>
               <a:t>i</a:t>
             </a:r>
             <a:r>
-              <a:rPr lang="en-US" altLang="zh-CN" sz="2400" dirty="0" smtClean="0">
+              <a:rPr lang="en-US" altLang="zh-CN" sz="2400" dirty="0">
                 <a:latin typeface="Times New Roman" pitchFamily="18" charset="0"/>
                 <a:cs typeface="Times New Roman" pitchFamily="18" charset="0"/>
               </a:rPr>
               <a:t> such that</a:t>
             </a:r>
             <a:r>
-              <a:rPr lang="zh-CN" altLang="en-US" sz="2400" dirty="0" smtClean="0">
+              <a:rPr lang="zh-CN" altLang="en-US" sz="2400" dirty="0">
                 <a:latin typeface="Times New Roman" pitchFamily="18" charset="0"/>
                 <a:cs typeface="Times New Roman" pitchFamily="18" charset="0"/>
               </a:rPr>
               <a:t>：</a:t>
             </a:r>
-            <a:endParaRPr lang="en-US" altLang="zh-CN" sz="2400" dirty="0" smtClean="0">
+            <a:endParaRPr lang="en-US" altLang="zh-CN" sz="2400" dirty="0">
               <a:latin typeface="Times New Roman" pitchFamily="18" charset="0"/>
               <a:cs typeface="Times New Roman" pitchFamily="18" charset="0"/>
             </a:endParaRPr>
@@ -23222,7 +23083,7 @@
               </a:tabLst>
             </a:pPr>
             <a:r>
-              <a:rPr lang="en-US" altLang="zh-CN" sz="2400" dirty="0" smtClean="0">
+              <a:rPr lang="en-US" altLang="zh-CN" sz="2400" dirty="0">
                 <a:solidFill>
                   <a:srgbClr val="000000"/>
                 </a:solidFill>
@@ -23242,7 +23103,7 @@
               </a:tabLst>
             </a:pPr>
             <a:r>
-              <a:rPr lang="en-US" altLang="zh-CN" sz="2400" dirty="0" smtClean="0">
+              <a:rPr lang="en-US" altLang="zh-CN" sz="2400" dirty="0">
                 <a:solidFill>
                   <a:srgbClr val="FF9A00"/>
                 </a:solidFill>
@@ -23252,33 +23113,33 @@
               <a:t></a:t>
             </a:r>
             <a:r>
-              <a:rPr lang="en-US" altLang="zh-CN" sz="2400" dirty="0" smtClean="0">
+              <a:rPr lang="en-US" altLang="zh-CN" sz="2400" dirty="0">
                 <a:latin typeface="Times New Roman" pitchFamily="18" charset="0"/>
                 <a:cs typeface="Times New Roman" pitchFamily="18" charset="0"/>
               </a:rPr>
               <a:t>  </a:t>
             </a:r>
             <a:r>
-              <a:rPr lang="en-US" altLang="zh-CN" sz="2400" dirty="0" smtClean="0"/>
+              <a:rPr lang="en-US" altLang="zh-CN" sz="2400" dirty="0"/>
               <a:t>Apply inductive generalization</a:t>
             </a:r>
             <a:r>
-              <a:rPr lang="zh-CN" altLang="en-US" sz="2400" dirty="0" smtClean="0"/>
+              <a:rPr lang="zh-CN" altLang="en-US" sz="2400" dirty="0"/>
               <a:t>：</a:t>
             </a:r>
             <a:r>
-              <a:rPr lang="en-US" altLang="zh-CN" sz="2400" dirty="0" smtClean="0"/>
+              <a:rPr lang="en-US" altLang="zh-CN" sz="2400" dirty="0"/>
               <a:t>find minimal </a:t>
             </a:r>
             <a:r>
-              <a:rPr lang="en-US" altLang="zh-CN" sz="2400" dirty="0" err="1" smtClean="0"/>
+              <a:rPr lang="en-US" altLang="zh-CN" sz="2400" dirty="0" err="1"/>
               <a:t>subclause</a:t>
             </a:r>
             <a:r>
-              <a:rPr lang="en-US" altLang="zh-CN" sz="2400" dirty="0" smtClean="0"/>
+              <a:rPr lang="en-US" altLang="zh-CN" sz="2400" dirty="0"/>
               <a:t> </a:t>
             </a:r>
-            <a:endParaRPr lang="en-US" altLang="zh-CN" sz="2400" dirty="0" smtClean="0">
+            <a:endParaRPr lang="en-US" altLang="zh-CN" sz="2400" dirty="0">
               <a:solidFill>
                 <a:srgbClr val="000000"/>
               </a:solidFill>
@@ -23292,7 +23153,7 @@
                 <a:spcPts val="1000"/>
               </a:lnSpc>
             </a:pPr>
-            <a:endParaRPr lang="en-US" altLang="zh-CN" dirty="0" smtClean="0"/>
+            <a:endParaRPr lang="en-US" altLang="zh-CN" dirty="0"/>
           </a:p>
           <a:p>
             <a:pPr>
@@ -23300,7 +23161,7 @@
                 <a:spcPts val="1000"/>
               </a:lnSpc>
             </a:pPr>
-            <a:endParaRPr lang="en-US" altLang="zh-CN" dirty="0" smtClean="0"/>
+            <a:endParaRPr lang="en-US" altLang="zh-CN" dirty="0"/>
           </a:p>
           <a:p>
             <a:pPr>
@@ -23308,7 +23169,7 @@
                 <a:spcPts val="1000"/>
               </a:lnSpc>
             </a:pPr>
-            <a:endParaRPr lang="en-US" altLang="zh-CN" dirty="0" smtClean="0"/>
+            <a:endParaRPr lang="en-US" altLang="zh-CN" dirty="0"/>
           </a:p>
           <a:p>
             <a:pPr>
@@ -23319,7 +23180,7 @@
                 <a:tab pos="469900" algn="l"/>
               </a:tabLst>
             </a:pPr>
-            <a:endParaRPr lang="en-US" altLang="zh-CN" sz="2400" dirty="0" smtClean="0">
+            <a:endParaRPr lang="en-US" altLang="zh-CN" sz="2400" dirty="0">
               <a:solidFill>
                 <a:srgbClr val="000000"/>
               </a:solidFill>
@@ -23337,7 +23198,7 @@
               </a:tabLst>
             </a:pPr>
             <a:r>
-              <a:rPr lang="en-US" altLang="zh-CN" sz="2400" dirty="0" smtClean="0">
+              <a:rPr lang="en-US" altLang="zh-CN" sz="2400" dirty="0">
                 <a:solidFill>
                   <a:srgbClr val="FF9A00"/>
                 </a:solidFill>
@@ -23347,14 +23208,14 @@
               <a:t>      </a:t>
             </a:r>
             <a:r>
-              <a:rPr lang="zh-CN" altLang="en-US" sz="2400" dirty="0" smtClean="0">
+              <a:rPr lang="zh-CN" altLang="en-US" sz="2400" dirty="0">
                 <a:latin typeface="Wingdings" pitchFamily="18" charset="0"/>
                 <a:cs typeface="Wingdings" pitchFamily="18" charset="0"/>
               </a:rPr>
               <a:t>，</a:t>
             </a:r>
             <a:r>
-              <a:rPr lang="en-US" altLang="zh-CN" sz="2400" dirty="0" smtClean="0">
+              <a:rPr lang="en-US" altLang="zh-CN" sz="2400" dirty="0">
                 <a:solidFill>
                   <a:srgbClr val="FF9A00"/>
                 </a:solidFill>
@@ -23363,7 +23224,7 @@
               </a:rPr>
               <a:t>         </a:t>
             </a:r>
-            <a:endParaRPr lang="en-US" altLang="zh-CN" sz="2400" dirty="0" smtClean="0">
+            <a:endParaRPr lang="en-US" altLang="zh-CN" sz="2400" dirty="0">
               <a:solidFill>
                 <a:srgbClr val="000000"/>
               </a:solidFill>
@@ -23402,7 +23263,7 @@
               <a:tabLst/>
             </a:pPr>
             <a:r>
-              <a:rPr lang="en-US" altLang="zh-CN" sz="1200" dirty="0" smtClean="0">
+              <a:rPr lang="en-US" altLang="zh-CN" sz="1200" dirty="0">
                 <a:solidFill>
                   <a:srgbClr val="000000"/>
                 </a:solidFill>
@@ -23443,7 +23304,7 @@
               <a:tabLst/>
             </a:pPr>
             <a:r>
-              <a:rPr lang="en-US" altLang="zh-CN" sz="1200" dirty="0" smtClean="0">
+              <a:rPr lang="en-US" altLang="zh-CN" sz="1200" dirty="0">
                 <a:solidFill>
                   <a:srgbClr val="000000"/>
                 </a:solidFill>
@@ -23471,7 +23332,7 @@
           <a:graphicData uri="http://schemas.openxmlformats.org/presentationml/2006/ole">
             <mc:AlternateContent xmlns:mc="http://schemas.openxmlformats.org/markup-compatibility/2006">
               <mc:Choice xmlns:v="urn:schemas-microsoft-com:vml" Requires="v">
-                <p:oleObj spid="_x0000_s5136" name="Equation" r:id="rId3" imgW="1143000" imgH="228600" progId="Equation.DSMT4">
+                <p:oleObj spid="_x0000_s5164" name="Equation" r:id="rId3" imgW="1143000" imgH="228600" progId="Equation.DSMT4">
                   <p:embed/>
                 </p:oleObj>
               </mc:Choice>
@@ -23564,7 +23425,7 @@
           <a:graphicData uri="http://schemas.openxmlformats.org/presentationml/2006/ole">
             <mc:AlternateContent xmlns:mc="http://schemas.openxmlformats.org/markup-compatibility/2006">
               <mc:Choice xmlns:v="urn:schemas-microsoft-com:vml" Requires="v">
-                <p:oleObj spid="_x0000_s5137" name="Equation" r:id="rId5" imgW="469800" imgH="152280" progId="Equation.DSMT4">
+                <p:oleObj spid="_x0000_s5165" name="Equation" r:id="rId5" imgW="469800" imgH="152280" progId="Equation.DSMT4">
                   <p:embed/>
                 </p:oleObj>
               </mc:Choice>
@@ -23657,7 +23518,7 @@
           <a:graphicData uri="http://schemas.openxmlformats.org/presentationml/2006/ole">
             <mc:AlternateContent xmlns:mc="http://schemas.openxmlformats.org/markup-compatibility/2006">
               <mc:Choice xmlns:v="urn:schemas-microsoft-com:vml" Requires="v">
-                <p:oleObj spid="_x0000_s5138" name="Equation" r:id="rId7" imgW="406080" imgH="177480" progId="Equation.DSMT4">
+                <p:oleObj spid="_x0000_s5166" name="Equation" r:id="rId7" imgW="406080" imgH="177480" progId="Equation.DSMT4">
                   <p:embed/>
                 </p:oleObj>
               </mc:Choice>
@@ -23750,7 +23611,7 @@
           <a:graphicData uri="http://schemas.openxmlformats.org/presentationml/2006/ole">
             <mc:AlternateContent xmlns:mc="http://schemas.openxmlformats.org/markup-compatibility/2006">
               <mc:Choice xmlns:v="urn:schemas-microsoft-com:vml" Requires="v">
-                <p:oleObj spid="_x0000_s5139" name="Equation" r:id="rId9" imgW="939600" imgH="228600" progId="Equation.DSMT4">
+                <p:oleObj spid="_x0000_s5167" name="Equation" r:id="rId9" imgW="939600" imgH="228600" progId="Equation.DSMT4">
                   <p:embed/>
                 </p:oleObj>
               </mc:Choice>
@@ -23843,7 +23704,7 @@
           <a:graphicData uri="http://schemas.openxmlformats.org/presentationml/2006/ole">
             <mc:AlternateContent xmlns:mc="http://schemas.openxmlformats.org/markup-compatibility/2006">
               <mc:Choice xmlns:v="urn:schemas-microsoft-com:vml" Requires="v">
-                <p:oleObj spid="_x0000_s5140" name="Equation" r:id="rId11" imgW="736560" imgH="241200" progId="Equation.DSMT4">
+                <p:oleObj spid="_x0000_s5168" name="Equation" r:id="rId11" imgW="736560" imgH="241200" progId="Equation.DSMT4">
                   <p:embed/>
                 </p:oleObj>
               </mc:Choice>
@@ -23936,7 +23797,7 @@
           <a:graphicData uri="http://schemas.openxmlformats.org/presentationml/2006/ole">
             <mc:AlternateContent xmlns:mc="http://schemas.openxmlformats.org/markup-compatibility/2006">
               <mc:Choice xmlns:v="urn:schemas-microsoft-com:vml" Requires="v">
-                <p:oleObj spid="_x0000_s5141" name="Equation" r:id="rId13" imgW="723600" imgH="203040" progId="Equation.DSMT4">
+                <p:oleObj spid="_x0000_s5169" name="Equation" r:id="rId13" imgW="723600" imgH="203040" progId="Equation.DSMT4">
                   <p:embed/>
                 </p:oleObj>
               </mc:Choice>
@@ -24041,51 +23902,51 @@
           <a:lstStyle/>
           <a:p>
             <a:r>
-              <a:rPr lang="zh-CN" altLang="en-US" dirty="0" smtClean="0"/>
+              <a:rPr lang="zh-CN" altLang="en-US" dirty="0"/>
               <a:t>说明</a:t>
             </a:r>
             <a:r>
-              <a:rPr lang="en-US" altLang="zh-CN" dirty="0" err="1" smtClean="0"/>
+              <a:rPr lang="en-US" altLang="zh-CN" dirty="0" err="1"/>
               <a:t>F</a:t>
             </a:r>
             <a:r>
-              <a:rPr lang="en-US" altLang="zh-CN" sz="1400" dirty="0" err="1" smtClean="0"/>
+              <a:rPr lang="en-US" altLang="zh-CN" sz="1400" dirty="0" err="1"/>
               <a:t>i</a:t>
             </a:r>
             <a:r>
-              <a:rPr lang="zh-CN" altLang="en-US" dirty="0" smtClean="0"/>
+              <a:rPr lang="zh-CN" altLang="en-US" dirty="0"/>
               <a:t>中不存在能够</a:t>
             </a:r>
             <a:r>
-              <a:rPr lang="en-US" altLang="zh-CN" dirty="0" smtClean="0"/>
+              <a:rPr lang="en-US" altLang="zh-CN" dirty="0"/>
               <a:t>1</a:t>
             </a:r>
             <a:r>
-              <a:rPr lang="zh-CN" altLang="en-US" dirty="0" smtClean="0"/>
+              <a:rPr lang="zh-CN" altLang="en-US" dirty="0"/>
               <a:t>步到达</a:t>
             </a:r>
             <a:r>
-              <a:rPr lang="en-US" altLang="zh-CN" dirty="0" smtClean="0"/>
+              <a:rPr lang="en-US" altLang="zh-CN" dirty="0"/>
               <a:t>s</a:t>
             </a:r>
             <a:r>
-              <a:rPr lang="zh-CN" altLang="en-US" dirty="0" smtClean="0"/>
+              <a:rPr lang="zh-CN" altLang="en-US" dirty="0"/>
               <a:t>的状态，即</a:t>
             </a:r>
             <a:r>
-              <a:rPr lang="en-US" altLang="zh-CN" dirty="0" smtClean="0"/>
+              <a:rPr lang="en-US" altLang="zh-CN" dirty="0"/>
               <a:t>F</a:t>
             </a:r>
             <a:r>
-              <a:rPr lang="en-US" altLang="zh-CN" sz="1400" dirty="0" smtClean="0"/>
+              <a:rPr lang="en-US" altLang="zh-CN" sz="1400" dirty="0"/>
               <a:t>i+1</a:t>
             </a:r>
             <a:r>
-              <a:rPr lang="zh-CN" altLang="en-US" dirty="0" smtClean="0"/>
+              <a:rPr lang="zh-CN" altLang="en-US" dirty="0"/>
               <a:t>可以不包含</a:t>
             </a:r>
             <a:r>
-              <a:rPr lang="en-US" altLang="zh-CN" dirty="0" smtClean="0"/>
+              <a:rPr lang="en-US" altLang="zh-CN" dirty="0"/>
               <a:t>s</a:t>
             </a:r>
             <a:endParaRPr lang="zh-CN" altLang="en-US" dirty="0"/>
@@ -24115,26 +23976,25 @@
           <a:lstStyle/>
           <a:p>
             <a:r>
-              <a:rPr lang="zh-CN" altLang="en-US" dirty="0" smtClean="0"/>
+              <a:rPr lang="zh-CN" altLang="en-US" dirty="0"/>
               <a:t>更新其他</a:t>
             </a:r>
             <a:r>
-              <a:rPr lang="en-US" altLang="zh-CN" dirty="0" smtClean="0"/>
+              <a:rPr lang="en-US" altLang="zh-CN" dirty="0"/>
               <a:t>F</a:t>
             </a:r>
             <a:r>
-              <a:rPr lang="zh-CN" altLang="en-US" dirty="0" smtClean="0"/>
+              <a:rPr lang="zh-CN" altLang="en-US" dirty="0"/>
               <a:t>是为了满足条件</a:t>
             </a:r>
             <a:r>
-              <a:rPr lang="en-US" altLang="zh-CN" dirty="0" smtClean="0"/>
+              <a:rPr lang="en-US" altLang="zh-CN" dirty="0"/>
               <a:t>2</a:t>
             </a:r>
             <a:r>
-              <a:rPr lang="zh-CN" altLang="en-US" dirty="0" smtClean="0"/>
+              <a:rPr lang="zh-CN" altLang="en-US" dirty="0"/>
               <a:t>：</a:t>
             </a:r>
-            <a:endParaRPr lang="zh-CN" altLang="en-US" dirty="0"/>
           </a:p>
         </p:txBody>
       </p:sp>
@@ -24154,7 +24014,7 @@
           <a:graphicData uri="http://schemas.openxmlformats.org/presentationml/2006/ole">
             <mc:AlternateContent xmlns:mc="http://schemas.openxmlformats.org/markup-compatibility/2006">
               <mc:Choice xmlns:v="urn:schemas-microsoft-com:vml" Requires="v">
-                <p:oleObj spid="_x0000_s5142" name="Equation" r:id="rId15" imgW="1676160" imgH="228600" progId="Equation.DSMT4">
+                <p:oleObj spid="_x0000_s5170" name="Equation" r:id="rId15" imgW="1676160" imgH="228600" progId="Equation.DSMT4">
                   <p:embed/>
                 </p:oleObj>
               </mc:Choice>

--- a/Hardware_Verification/IC3(PDR)相关paper/IC3.pptx
+++ b/Hardware_Verification/IC3(PDR)相关paper/IC3.pptx
@@ -224,7 +224,7 @@
           <a:p>
             <a:fld id="{EC0160E0-72B8-4324-B990-45751E7D47C9}" type="datetimeFigureOut">
               <a:rPr lang="zh-CN" altLang="en-US" smtClean="0"/>
-              <a:t>2020/12/9 Wednesday</a:t>
+              <a:t>2021/1/18 Monday</a:t>
             </a:fld>
             <a:endParaRPr lang="zh-CN" altLang="en-US"/>
           </a:p>
@@ -754,7 +754,7 @@
             <a:fld id="{1D8BD707-D9CF-40AE-B4C6-C98DA3205C09}" type="datetimeFigureOut">
               <a:rPr lang="en-US" smtClean="0"/>
               <a:pPr/>
-              <a:t>12/9/2020</a:t>
+              <a:t>1/18/2021</a:t>
             </a:fld>
             <a:endParaRPr lang="en-US"/>
           </a:p>
@@ -919,7 +919,7 @@
             <a:fld id="{1D8BD707-D9CF-40AE-B4C6-C98DA3205C09}" type="datetimeFigureOut">
               <a:rPr lang="en-US" smtClean="0"/>
               <a:pPr/>
-              <a:t>12/9/2020</a:t>
+              <a:t>1/18/2021</a:t>
             </a:fld>
             <a:endParaRPr lang="en-US"/>
           </a:p>
@@ -1094,7 +1094,7 @@
             <a:fld id="{1D8BD707-D9CF-40AE-B4C6-C98DA3205C09}" type="datetimeFigureOut">
               <a:rPr lang="en-US" smtClean="0"/>
               <a:pPr/>
-              <a:t>12/9/2020</a:t>
+              <a:t>1/18/2021</a:t>
             </a:fld>
             <a:endParaRPr lang="en-US"/>
           </a:p>
@@ -1259,7 +1259,7 @@
             <a:fld id="{1D8BD707-D9CF-40AE-B4C6-C98DA3205C09}" type="datetimeFigureOut">
               <a:rPr lang="en-US" smtClean="0"/>
               <a:pPr/>
-              <a:t>12/9/2020</a:t>
+              <a:t>1/18/2021</a:t>
             </a:fld>
             <a:endParaRPr lang="en-US"/>
           </a:p>
@@ -1501,7 +1501,7 @@
             <a:fld id="{1D8BD707-D9CF-40AE-B4C6-C98DA3205C09}" type="datetimeFigureOut">
               <a:rPr lang="en-US" smtClean="0"/>
               <a:pPr/>
-              <a:t>12/9/2020</a:t>
+              <a:t>1/18/2021</a:t>
             </a:fld>
             <a:endParaRPr lang="en-US"/>
           </a:p>
@@ -1783,7 +1783,7 @@
             <a:fld id="{1D8BD707-D9CF-40AE-B4C6-C98DA3205C09}" type="datetimeFigureOut">
               <a:rPr lang="en-US" smtClean="0"/>
               <a:pPr/>
-              <a:t>12/9/2020</a:t>
+              <a:t>1/18/2021</a:t>
             </a:fld>
             <a:endParaRPr lang="en-US"/>
           </a:p>
@@ -2199,7 +2199,7 @@
             <a:fld id="{1D8BD707-D9CF-40AE-B4C6-C98DA3205C09}" type="datetimeFigureOut">
               <a:rPr lang="en-US" smtClean="0"/>
               <a:pPr/>
-              <a:t>12/9/2020</a:t>
+              <a:t>1/18/2021</a:t>
             </a:fld>
             <a:endParaRPr lang="en-US"/>
           </a:p>
@@ -2313,7 +2313,7 @@
             <a:fld id="{1D8BD707-D9CF-40AE-B4C6-C98DA3205C09}" type="datetimeFigureOut">
               <a:rPr lang="en-US" smtClean="0"/>
               <a:pPr/>
-              <a:t>12/9/2020</a:t>
+              <a:t>1/18/2021</a:t>
             </a:fld>
             <a:endParaRPr lang="en-US"/>
           </a:p>
@@ -2405,7 +2405,7 @@
             <a:fld id="{1D8BD707-D9CF-40AE-B4C6-C98DA3205C09}" type="datetimeFigureOut">
               <a:rPr lang="en-US" smtClean="0"/>
               <a:pPr/>
-              <a:t>12/9/2020</a:t>
+              <a:t>1/18/2021</a:t>
             </a:fld>
             <a:endParaRPr lang="en-US"/>
           </a:p>
@@ -2677,7 +2677,7 @@
             <a:fld id="{1D8BD707-D9CF-40AE-B4C6-C98DA3205C09}" type="datetimeFigureOut">
               <a:rPr lang="en-US" smtClean="0"/>
               <a:pPr/>
-              <a:t>12/9/2020</a:t>
+              <a:t>1/18/2021</a:t>
             </a:fld>
             <a:endParaRPr lang="en-US"/>
           </a:p>
@@ -2926,7 +2926,7 @@
             <a:fld id="{1D8BD707-D9CF-40AE-B4C6-C98DA3205C09}" type="datetimeFigureOut">
               <a:rPr lang="en-US" smtClean="0"/>
               <a:pPr/>
-              <a:t>12/9/2020</a:t>
+              <a:t>1/18/2021</a:t>
             </a:fld>
             <a:endParaRPr lang="en-US"/>
           </a:p>
@@ -3134,7 +3134,7 @@
             <a:fld id="{1D8BD707-D9CF-40AE-B4C6-C98DA3205C09}" type="datetimeFigureOut">
               <a:rPr lang="en-US" smtClean="0"/>
               <a:pPr/>
-              <a:t>12/9/2020</a:t>
+              <a:t>1/18/2021</a:t>
             </a:fld>
             <a:endParaRPr lang="en-US"/>
           </a:p>
@@ -5127,12 +5127,12 @@
           <a:graphicData uri="http://schemas.openxmlformats.org/presentationml/2006/ole">
             <mc:AlternateContent xmlns:mc="http://schemas.openxmlformats.org/markup-compatibility/2006">
               <mc:Choice xmlns:v="urn:schemas-microsoft-com:vml" Requires="v">
-                <p:oleObj spid="_x0000_s6158" name="Equation" r:id="rId3" imgW="787320" imgH="228600" progId="Equation.DSMT4">
+                <p:oleObj name="Equation" r:id="rId2" imgW="787320" imgH="228600" progId="Equation.DSMT4">
                   <p:embed/>
                 </p:oleObj>
               </mc:Choice>
               <mc:Fallback>
-                <p:oleObj name="Equation" r:id="rId3" imgW="787320" imgH="228600" progId="Equation.DSMT4">
+                <p:oleObj name="Equation" r:id="rId2" imgW="787320" imgH="228600" progId="Equation.DSMT4">
                   <p:embed/>
                   <p:pic>
                     <p:nvPicPr>
@@ -5143,7 +5143,7 @@
                       <p:nvPr/>
                     </p:nvPicPr>
                     <p:blipFill>
-                      <a:blip r:embed="rId4">
+                      <a:blip r:embed="rId3">
                         <a:extLst>
                           <a:ext uri="{28A0092B-C50C-407E-A947-70E740481C1C}">
                             <a14:useLocalDpi xmlns:a14="http://schemas.microsoft.com/office/drawing/2010/main" val="0"/>
@@ -5220,12 +5220,12 @@
           <a:graphicData uri="http://schemas.openxmlformats.org/presentationml/2006/ole">
             <mc:AlternateContent xmlns:mc="http://schemas.openxmlformats.org/markup-compatibility/2006">
               <mc:Choice xmlns:v="urn:schemas-microsoft-com:vml" Requires="v">
-                <p:oleObj spid="_x0000_s6159" name="Equation" r:id="rId5" imgW="1143000" imgH="241200" progId="Equation.DSMT4">
+                <p:oleObj name="Equation" r:id="rId4" imgW="1143000" imgH="241200" progId="Equation.DSMT4">
                   <p:embed/>
                 </p:oleObj>
               </mc:Choice>
               <mc:Fallback>
-                <p:oleObj name="Equation" r:id="rId5" imgW="1143000" imgH="241200" progId="Equation.DSMT4">
+                <p:oleObj name="Equation" r:id="rId4" imgW="1143000" imgH="241200" progId="Equation.DSMT4">
                   <p:embed/>
                   <p:pic>
                     <p:nvPicPr>
@@ -5236,7 +5236,7 @@
                       <p:nvPr/>
                     </p:nvPicPr>
                     <p:blipFill>
-                      <a:blip r:embed="rId6">
+                      <a:blip r:embed="rId5">
                         <a:extLst>
                           <a:ext uri="{28A0092B-C50C-407E-A947-70E740481C1C}">
                             <a14:useLocalDpi xmlns:a14="http://schemas.microsoft.com/office/drawing/2010/main" val="0"/>
@@ -7088,12 +7088,12 @@
           <a:graphicData uri="http://schemas.openxmlformats.org/presentationml/2006/ole">
             <mc:AlternateContent xmlns:mc="http://schemas.openxmlformats.org/markup-compatibility/2006">
               <mc:Choice xmlns:v="urn:schemas-microsoft-com:vml" Requires="v">
-                <p:oleObj spid="_x0000_s28686" name="Equation" r:id="rId3" imgW="520560" imgH="228600" progId="Equation.DSMT4">
+                <p:oleObj name="Equation" r:id="rId2" imgW="520560" imgH="228600" progId="Equation.DSMT4">
                   <p:embed/>
                 </p:oleObj>
               </mc:Choice>
               <mc:Fallback>
-                <p:oleObj name="Equation" r:id="rId3" imgW="520560" imgH="228600" progId="Equation.DSMT4">
+                <p:oleObj name="Equation" r:id="rId2" imgW="520560" imgH="228600" progId="Equation.DSMT4">
                   <p:embed/>
                   <p:pic>
                     <p:nvPicPr>
@@ -7104,7 +7104,7 @@
                       <p:nvPr/>
                     </p:nvPicPr>
                     <p:blipFill>
-                      <a:blip r:embed="rId4">
+                      <a:blip r:embed="rId3">
                         <a:extLst>
                           <a:ext uri="{28A0092B-C50C-407E-A947-70E740481C1C}">
                             <a14:useLocalDpi xmlns:a14="http://schemas.microsoft.com/office/drawing/2010/main" val="0"/>
@@ -7181,12 +7181,12 @@
           <a:graphicData uri="http://schemas.openxmlformats.org/presentationml/2006/ole">
             <mc:AlternateContent xmlns:mc="http://schemas.openxmlformats.org/markup-compatibility/2006">
               <mc:Choice xmlns:v="urn:schemas-microsoft-com:vml" Requires="v">
-                <p:oleObj spid="_x0000_s28687" name="Equation" r:id="rId5" imgW="1739880" imgH="228600" progId="Equation.DSMT4">
+                <p:oleObj name="Equation" r:id="rId4" imgW="1739880" imgH="228600" progId="Equation.DSMT4">
                   <p:embed/>
                 </p:oleObj>
               </mc:Choice>
               <mc:Fallback>
-                <p:oleObj name="Equation" r:id="rId5" imgW="1739880" imgH="228600" progId="Equation.DSMT4">
+                <p:oleObj name="Equation" r:id="rId4" imgW="1739880" imgH="228600" progId="Equation.DSMT4">
                   <p:embed/>
                   <p:pic>
                     <p:nvPicPr>
@@ -7197,7 +7197,7 @@
                       <p:nvPr/>
                     </p:nvPicPr>
                     <p:blipFill>
-                      <a:blip r:embed="rId6">
+                      <a:blip r:embed="rId5">
                         <a:extLst>
                           <a:ext uri="{28A0092B-C50C-407E-A947-70E740481C1C}">
                             <a14:useLocalDpi xmlns:a14="http://schemas.microsoft.com/office/drawing/2010/main" val="0"/>
@@ -7610,7 +7610,7 @@
         </p:nvSpPr>
         <p:spPr>
           <a:xfrm>
-            <a:off x="88900" y="3442092"/>
+            <a:off x="-25400" y="5135560"/>
             <a:ext cx="8826500" cy="854080"/>
           </a:xfrm>
           <a:prstGeom prst="rect">
@@ -7749,7 +7749,7 @@
           <p:nvPr/>
         </p:nvPicPr>
         <p:blipFill>
-          <a:blip r:embed="rId3" cstate="print"/>
+          <a:blip r:embed="rId2" cstate="print"/>
           <a:srcRect/>
           <a:stretch>
             <a:fillRect/>
@@ -7790,12 +7790,12 @@
           <a:graphicData uri="http://schemas.openxmlformats.org/presentationml/2006/ole">
             <mc:AlternateContent xmlns:mc="http://schemas.openxmlformats.org/markup-compatibility/2006">
               <mc:Choice xmlns:v="urn:schemas-microsoft-com:vml" Requires="v">
-                <p:oleObj spid="_x0000_s25623" name="Equation" r:id="rId4" imgW="850680" imgH="228600" progId="Equation.DSMT4">
+                <p:oleObj name="Equation" r:id="rId3" imgW="850680" imgH="228600" progId="Equation.DSMT4">
                   <p:embed/>
                 </p:oleObj>
               </mc:Choice>
               <mc:Fallback>
-                <p:oleObj name="Equation" r:id="rId4" imgW="850680" imgH="228600" progId="Equation.DSMT4">
+                <p:oleObj name="Equation" r:id="rId3" imgW="850680" imgH="228600" progId="Equation.DSMT4">
                   <p:embed/>
                   <p:pic>
                     <p:nvPicPr>
@@ -7806,7 +7806,7 @@
                       <p:nvPr/>
                     </p:nvPicPr>
                     <p:blipFill>
-                      <a:blip r:embed="rId5">
+                      <a:blip r:embed="rId4">
                         <a:extLst>
                           <a:ext uri="{28A0092B-C50C-407E-A947-70E740481C1C}">
                             <a14:useLocalDpi xmlns:a14="http://schemas.microsoft.com/office/drawing/2010/main" val="0"/>
@@ -7883,12 +7883,12 @@
           <a:graphicData uri="http://schemas.openxmlformats.org/presentationml/2006/ole">
             <mc:AlternateContent xmlns:mc="http://schemas.openxmlformats.org/markup-compatibility/2006">
               <mc:Choice xmlns:v="urn:schemas-microsoft-com:vml" Requires="v">
-                <p:oleObj spid="_x0000_s25624" name="Equation" r:id="rId6" imgW="4660560" imgH="279360" progId="Equation.DSMT4">
+                <p:oleObj name="Equation" r:id="rId5" imgW="4660560" imgH="279360" progId="Equation.DSMT4">
                   <p:embed/>
                 </p:oleObj>
               </mc:Choice>
               <mc:Fallback>
-                <p:oleObj name="Equation" r:id="rId6" imgW="4660560" imgH="279360" progId="Equation.DSMT4">
+                <p:oleObj name="Equation" r:id="rId5" imgW="4660560" imgH="279360" progId="Equation.DSMT4">
                   <p:embed/>
                   <p:pic>
                     <p:nvPicPr>
@@ -7899,7 +7899,7 @@
                       <p:nvPr/>
                     </p:nvPicPr>
                     <p:blipFill>
-                      <a:blip r:embed="rId7">
+                      <a:blip r:embed="rId6">
                         <a:extLst>
                           <a:ext uri="{28A0092B-C50C-407E-A947-70E740481C1C}">
                             <a14:useLocalDpi xmlns:a14="http://schemas.microsoft.com/office/drawing/2010/main" val="0"/>
@@ -7976,12 +7976,12 @@
           <a:graphicData uri="http://schemas.openxmlformats.org/presentationml/2006/ole">
             <mc:AlternateContent xmlns:mc="http://schemas.openxmlformats.org/markup-compatibility/2006">
               <mc:Choice xmlns:v="urn:schemas-microsoft-com:vml" Requires="v">
-                <p:oleObj spid="_x0000_s25625" name="Equation" r:id="rId8" imgW="787320" imgH="228600" progId="Equation.DSMT4">
+                <p:oleObj name="Equation" r:id="rId7" imgW="787320" imgH="228600" progId="Equation.DSMT4">
                   <p:embed/>
                 </p:oleObj>
               </mc:Choice>
               <mc:Fallback>
-                <p:oleObj name="Equation" r:id="rId8" imgW="787320" imgH="228600" progId="Equation.DSMT4">
+                <p:oleObj name="Equation" r:id="rId7" imgW="787320" imgH="228600" progId="Equation.DSMT4">
                   <p:embed/>
                   <p:pic>
                     <p:nvPicPr>
@@ -7992,7 +7992,7 @@
                       <p:nvPr/>
                     </p:nvPicPr>
                     <p:blipFill>
-                      <a:blip r:embed="rId9">
+                      <a:blip r:embed="rId8">
                         <a:extLst>
                           <a:ext uri="{28A0092B-C50C-407E-A947-70E740481C1C}">
                             <a14:useLocalDpi xmlns:a14="http://schemas.microsoft.com/office/drawing/2010/main" val="0"/>
@@ -8544,7 +8544,7 @@
           <p:nvPr/>
         </p:nvPicPr>
         <p:blipFill>
-          <a:blip r:embed="rId3" cstate="print"/>
+          <a:blip r:embed="rId2" cstate="print"/>
           <a:srcRect/>
           <a:stretch>
             <a:fillRect/>
@@ -8682,12 +8682,12 @@
           <a:graphicData uri="http://schemas.openxmlformats.org/presentationml/2006/ole">
             <mc:AlternateContent xmlns:mc="http://schemas.openxmlformats.org/markup-compatibility/2006">
               <mc:Choice xmlns:v="urn:schemas-microsoft-com:vml" Requires="v">
-                <p:oleObj spid="_x0000_s26665" name="Equation" r:id="rId4" imgW="1155600" imgH="228600" progId="Equation.DSMT4">
+                <p:oleObj name="Equation" r:id="rId3" imgW="1155600" imgH="228600" progId="Equation.DSMT4">
                   <p:embed/>
                 </p:oleObj>
               </mc:Choice>
               <mc:Fallback>
-                <p:oleObj name="Equation" r:id="rId4" imgW="1155600" imgH="228600" progId="Equation.DSMT4">
+                <p:oleObj name="Equation" r:id="rId3" imgW="1155600" imgH="228600" progId="Equation.DSMT4">
                   <p:embed/>
                   <p:pic>
                     <p:nvPicPr>
@@ -8698,7 +8698,7 @@
                       <p:nvPr/>
                     </p:nvPicPr>
                     <p:blipFill>
-                      <a:blip r:embed="rId5">
+                      <a:blip r:embed="rId4">
                         <a:extLst>
                           <a:ext uri="{28A0092B-C50C-407E-A947-70E740481C1C}">
                             <a14:useLocalDpi xmlns:a14="http://schemas.microsoft.com/office/drawing/2010/main" val="0"/>
@@ -8775,12 +8775,12 @@
           <a:graphicData uri="http://schemas.openxmlformats.org/presentationml/2006/ole">
             <mc:AlternateContent xmlns:mc="http://schemas.openxmlformats.org/markup-compatibility/2006">
               <mc:Choice xmlns:v="urn:schemas-microsoft-com:vml" Requires="v">
-                <p:oleObj spid="_x0000_s26666" name="Equation" r:id="rId6" imgW="1066680" imgH="228600" progId="Equation.DSMT4">
+                <p:oleObj name="Equation" r:id="rId5" imgW="1066680" imgH="228600" progId="Equation.DSMT4">
                   <p:embed/>
                 </p:oleObj>
               </mc:Choice>
               <mc:Fallback>
-                <p:oleObj name="Equation" r:id="rId6" imgW="1066680" imgH="228600" progId="Equation.DSMT4">
+                <p:oleObj name="Equation" r:id="rId5" imgW="1066680" imgH="228600" progId="Equation.DSMT4">
                   <p:embed/>
                   <p:pic>
                     <p:nvPicPr>
@@ -8791,7 +8791,7 @@
                       <p:nvPr/>
                     </p:nvPicPr>
                     <p:blipFill>
-                      <a:blip r:embed="rId7">
+                      <a:blip r:embed="rId6">
                         <a:extLst>
                           <a:ext uri="{28A0092B-C50C-407E-A947-70E740481C1C}">
                             <a14:useLocalDpi xmlns:a14="http://schemas.microsoft.com/office/drawing/2010/main" val="0"/>
@@ -8868,12 +8868,12 @@
           <a:graphicData uri="http://schemas.openxmlformats.org/presentationml/2006/ole">
             <mc:AlternateContent xmlns:mc="http://schemas.openxmlformats.org/markup-compatibility/2006">
               <mc:Choice xmlns:v="urn:schemas-microsoft-com:vml" Requires="v">
-                <p:oleObj spid="_x0000_s26667" name="Equation" r:id="rId8" imgW="647640" imgH="228600" progId="Equation.DSMT4">
+                <p:oleObj name="Equation" r:id="rId7" imgW="647640" imgH="228600" progId="Equation.DSMT4">
                   <p:embed/>
                 </p:oleObj>
               </mc:Choice>
               <mc:Fallback>
-                <p:oleObj name="Equation" r:id="rId8" imgW="647640" imgH="228600" progId="Equation.DSMT4">
+                <p:oleObj name="Equation" r:id="rId7" imgW="647640" imgH="228600" progId="Equation.DSMT4">
                   <p:embed/>
                   <p:pic>
                     <p:nvPicPr>
@@ -8884,7 +8884,7 @@
                       <p:nvPr/>
                     </p:nvPicPr>
                     <p:blipFill>
-                      <a:blip r:embed="rId9">
+                      <a:blip r:embed="rId8">
                         <a:extLst>
                           <a:ext uri="{28A0092B-C50C-407E-A947-70E740481C1C}">
                             <a14:useLocalDpi xmlns:a14="http://schemas.microsoft.com/office/drawing/2010/main" val="0"/>
@@ -8961,12 +8961,12 @@
           <a:graphicData uri="http://schemas.openxmlformats.org/presentationml/2006/ole">
             <mc:AlternateContent xmlns:mc="http://schemas.openxmlformats.org/markup-compatibility/2006">
               <mc:Choice xmlns:v="urn:schemas-microsoft-com:vml" Requires="v">
-                <p:oleObj spid="_x0000_s26668" name="Equation" r:id="rId10" imgW="761760" imgH="228600" progId="Equation.DSMT4">
+                <p:oleObj name="Equation" r:id="rId9" imgW="761760" imgH="228600" progId="Equation.DSMT4">
                   <p:embed/>
                 </p:oleObj>
               </mc:Choice>
               <mc:Fallback>
-                <p:oleObj name="Equation" r:id="rId10" imgW="761760" imgH="228600" progId="Equation.DSMT4">
+                <p:oleObj name="Equation" r:id="rId9" imgW="761760" imgH="228600" progId="Equation.DSMT4">
                   <p:embed/>
                   <p:pic>
                     <p:nvPicPr>
@@ -8977,7 +8977,7 @@
                       <p:nvPr/>
                     </p:nvPicPr>
                     <p:blipFill>
-                      <a:blip r:embed="rId11">
+                      <a:blip r:embed="rId10">
                         <a:extLst>
                           <a:ext uri="{28A0092B-C50C-407E-A947-70E740481C1C}">
                             <a14:useLocalDpi xmlns:a14="http://schemas.microsoft.com/office/drawing/2010/main" val="0"/>
@@ -9054,12 +9054,12 @@
           <a:graphicData uri="http://schemas.openxmlformats.org/presentationml/2006/ole">
             <mc:AlternateContent xmlns:mc="http://schemas.openxmlformats.org/markup-compatibility/2006">
               <mc:Choice xmlns:v="urn:schemas-microsoft-com:vml" Requires="v">
-                <p:oleObj spid="_x0000_s26669" name="Equation" r:id="rId12" imgW="1143000" imgH="228600" progId="Equation.DSMT4">
+                <p:oleObj name="Equation" r:id="rId11" imgW="1143000" imgH="228600" progId="Equation.DSMT4">
                   <p:embed/>
                 </p:oleObj>
               </mc:Choice>
               <mc:Fallback>
-                <p:oleObj name="Equation" r:id="rId12" imgW="1143000" imgH="228600" progId="Equation.DSMT4">
+                <p:oleObj name="Equation" r:id="rId11" imgW="1143000" imgH="228600" progId="Equation.DSMT4">
                   <p:embed/>
                   <p:pic>
                     <p:nvPicPr>
@@ -9070,7 +9070,7 @@
                       <p:nvPr/>
                     </p:nvPicPr>
                     <p:blipFill>
-                      <a:blip r:embed="rId13">
+                      <a:blip r:embed="rId12">
                         <a:extLst>
                           <a:ext uri="{28A0092B-C50C-407E-A947-70E740481C1C}">
                             <a14:useLocalDpi xmlns:a14="http://schemas.microsoft.com/office/drawing/2010/main" val="0"/>
@@ -9147,12 +9147,12 @@
           <a:graphicData uri="http://schemas.openxmlformats.org/presentationml/2006/ole">
             <mc:AlternateContent xmlns:mc="http://schemas.openxmlformats.org/markup-compatibility/2006">
               <mc:Choice xmlns:v="urn:schemas-microsoft-com:vml" Requires="v">
-                <p:oleObj spid="_x0000_s26670" name="Equation" r:id="rId14" imgW="1295280" imgH="228600" progId="Equation.DSMT4">
+                <p:oleObj name="Equation" r:id="rId13" imgW="1295280" imgH="228600" progId="Equation.DSMT4">
                   <p:embed/>
                 </p:oleObj>
               </mc:Choice>
               <mc:Fallback>
-                <p:oleObj name="Equation" r:id="rId14" imgW="1295280" imgH="228600" progId="Equation.DSMT4">
+                <p:oleObj name="Equation" r:id="rId13" imgW="1295280" imgH="228600" progId="Equation.DSMT4">
                   <p:embed/>
                   <p:pic>
                     <p:nvPicPr>
@@ -9163,7 +9163,7 @@
                       <p:nvPr/>
                     </p:nvPicPr>
                     <p:blipFill>
-                      <a:blip r:embed="rId15">
+                      <a:blip r:embed="rId14">
                         <a:extLst>
                           <a:ext uri="{28A0092B-C50C-407E-A947-70E740481C1C}">
                             <a14:useLocalDpi xmlns:a14="http://schemas.microsoft.com/office/drawing/2010/main" val="0"/>
@@ -9715,7 +9715,7 @@
           <p:nvPr/>
         </p:nvPicPr>
         <p:blipFill>
-          <a:blip r:embed="rId4" cstate="print"/>
+          <a:blip r:embed="rId3" cstate="print"/>
           <a:srcRect/>
           <a:stretch>
             <a:fillRect/>
@@ -9850,12 +9850,12 @@
           <a:graphicData uri="http://schemas.openxmlformats.org/presentationml/2006/ole">
             <mc:AlternateContent xmlns:mc="http://schemas.openxmlformats.org/markup-compatibility/2006">
               <mc:Choice xmlns:v="urn:schemas-microsoft-com:vml" Requires="v">
-                <p:oleObj spid="_x0000_s27680" name="Equation" r:id="rId5" imgW="825480" imgH="228600" progId="Equation.DSMT4">
+                <p:oleObj name="Equation" r:id="rId4" imgW="825480" imgH="228600" progId="Equation.DSMT4">
                   <p:embed/>
                 </p:oleObj>
               </mc:Choice>
               <mc:Fallback>
-                <p:oleObj name="Equation" r:id="rId5" imgW="825480" imgH="228600" progId="Equation.DSMT4">
+                <p:oleObj name="Equation" r:id="rId4" imgW="825480" imgH="228600" progId="Equation.DSMT4">
                   <p:embed/>
                   <p:pic>
                     <p:nvPicPr>
@@ -9866,7 +9866,7 @@
                       <p:nvPr/>
                     </p:nvPicPr>
                     <p:blipFill>
-                      <a:blip r:embed="rId6">
+                      <a:blip r:embed="rId5">
                         <a:extLst>
                           <a:ext uri="{28A0092B-C50C-407E-A947-70E740481C1C}">
                             <a14:useLocalDpi xmlns:a14="http://schemas.microsoft.com/office/drawing/2010/main" val="0"/>
@@ -9943,12 +9943,12 @@
           <a:graphicData uri="http://schemas.openxmlformats.org/presentationml/2006/ole">
             <mc:AlternateContent xmlns:mc="http://schemas.openxmlformats.org/markup-compatibility/2006">
               <mc:Choice xmlns:v="urn:schemas-microsoft-com:vml" Requires="v">
-                <p:oleObj spid="_x0000_s27681" name="Equation" r:id="rId7" imgW="876240" imgH="279360" progId="Equation.DSMT4">
+                <p:oleObj name="Equation" r:id="rId6" imgW="876240" imgH="279360" progId="Equation.DSMT4">
                   <p:embed/>
                 </p:oleObj>
               </mc:Choice>
               <mc:Fallback>
-                <p:oleObj name="Equation" r:id="rId7" imgW="876240" imgH="279360" progId="Equation.DSMT4">
+                <p:oleObj name="Equation" r:id="rId6" imgW="876240" imgH="279360" progId="Equation.DSMT4">
                   <p:embed/>
                   <p:pic>
                     <p:nvPicPr>
@@ -9959,7 +9959,7 @@
                       <p:nvPr/>
                     </p:nvPicPr>
                     <p:blipFill>
-                      <a:blip r:embed="rId8">
+                      <a:blip r:embed="rId7">
                         <a:extLst>
                           <a:ext uri="{28A0092B-C50C-407E-A947-70E740481C1C}">
                             <a14:useLocalDpi xmlns:a14="http://schemas.microsoft.com/office/drawing/2010/main" val="0"/>
@@ -10036,12 +10036,12 @@
           <a:graphicData uri="http://schemas.openxmlformats.org/presentationml/2006/ole">
             <mc:AlternateContent xmlns:mc="http://schemas.openxmlformats.org/markup-compatibility/2006">
               <mc:Choice xmlns:v="urn:schemas-microsoft-com:vml" Requires="v">
-                <p:oleObj spid="_x0000_s27682" name="Equation" r:id="rId9" imgW="266400" imgH="228600" progId="Equation.DSMT4">
+                <p:oleObj name="Equation" r:id="rId8" imgW="266400" imgH="228600" progId="Equation.DSMT4">
                   <p:embed/>
                 </p:oleObj>
               </mc:Choice>
               <mc:Fallback>
-                <p:oleObj name="Equation" r:id="rId9" imgW="266400" imgH="228600" progId="Equation.DSMT4">
+                <p:oleObj name="Equation" r:id="rId8" imgW="266400" imgH="228600" progId="Equation.DSMT4">
                   <p:embed/>
                   <p:pic>
                     <p:nvPicPr>
@@ -10052,7 +10052,7 @@
                       <p:nvPr/>
                     </p:nvPicPr>
                     <p:blipFill>
-                      <a:blip r:embed="rId10">
+                      <a:blip r:embed="rId9">
                         <a:extLst>
                           <a:ext uri="{28A0092B-C50C-407E-A947-70E740481C1C}">
                             <a14:useLocalDpi xmlns:a14="http://schemas.microsoft.com/office/drawing/2010/main" val="0"/>
@@ -10129,12 +10129,12 @@
           <a:graphicData uri="http://schemas.openxmlformats.org/presentationml/2006/ole">
             <mc:AlternateContent xmlns:mc="http://schemas.openxmlformats.org/markup-compatibility/2006">
               <mc:Choice xmlns:v="urn:schemas-microsoft-com:vml" Requires="v">
-                <p:oleObj spid="_x0000_s27683" name="Equation" r:id="rId11" imgW="1346040" imgH="279360" progId="Equation.DSMT4">
+                <p:oleObj name="Equation" r:id="rId10" imgW="1346040" imgH="279360" progId="Equation.DSMT4">
                   <p:embed/>
                 </p:oleObj>
               </mc:Choice>
               <mc:Fallback>
-                <p:oleObj name="Equation" r:id="rId11" imgW="1346040" imgH="279360" progId="Equation.DSMT4">
+                <p:oleObj name="Equation" r:id="rId10" imgW="1346040" imgH="279360" progId="Equation.DSMT4">
                   <p:embed/>
                   <p:pic>
                     <p:nvPicPr>
@@ -10145,7 +10145,7 @@
                       <p:nvPr/>
                     </p:nvPicPr>
                     <p:blipFill>
-                      <a:blip r:embed="rId12">
+                      <a:blip r:embed="rId11">
                         <a:extLst>
                           <a:ext uri="{28A0092B-C50C-407E-A947-70E740481C1C}">
                             <a14:useLocalDpi xmlns:a14="http://schemas.microsoft.com/office/drawing/2010/main" val="0"/>
@@ -10946,12 +10946,12 @@
           <a:graphicData uri="http://schemas.openxmlformats.org/presentationml/2006/ole">
             <mc:AlternateContent xmlns:mc="http://schemas.openxmlformats.org/markup-compatibility/2006">
               <mc:Choice xmlns:v="urn:schemas-microsoft-com:vml" Requires="v">
-                <p:oleObj spid="_x0000_s24602" name="Equation" r:id="rId3" imgW="215640" imgH="139680" progId="Equation.DSMT4">
+                <p:oleObj name="Equation" r:id="rId2" imgW="215640" imgH="139680" progId="Equation.DSMT4">
                   <p:embed/>
                 </p:oleObj>
               </mc:Choice>
               <mc:Fallback>
-                <p:oleObj name="Equation" r:id="rId3" imgW="215640" imgH="139680" progId="Equation.DSMT4">
+                <p:oleObj name="Equation" r:id="rId2" imgW="215640" imgH="139680" progId="Equation.DSMT4">
                   <p:embed/>
                   <p:pic>
                     <p:nvPicPr>
@@ -10962,7 +10962,7 @@
                       <p:nvPr/>
                     </p:nvPicPr>
                     <p:blipFill>
-                      <a:blip r:embed="rId4">
+                      <a:blip r:embed="rId3">
                         <a:extLst>
                           <a:ext uri="{28A0092B-C50C-407E-A947-70E740481C1C}">
                             <a14:useLocalDpi xmlns:a14="http://schemas.microsoft.com/office/drawing/2010/main" val="0"/>
@@ -11039,12 +11039,12 @@
           <a:graphicData uri="http://schemas.openxmlformats.org/presentationml/2006/ole">
             <mc:AlternateContent xmlns:mc="http://schemas.openxmlformats.org/markup-compatibility/2006">
               <mc:Choice xmlns:v="urn:schemas-microsoft-com:vml" Requires="v">
-                <p:oleObj spid="_x0000_s24603" name="Equation" r:id="rId5" imgW="406080" imgH="177480" progId="Equation.DSMT4">
+                <p:oleObj name="Equation" r:id="rId4" imgW="406080" imgH="177480" progId="Equation.DSMT4">
                   <p:embed/>
                 </p:oleObj>
               </mc:Choice>
               <mc:Fallback>
-                <p:oleObj name="Equation" r:id="rId5" imgW="406080" imgH="177480" progId="Equation.DSMT4">
+                <p:oleObj name="Equation" r:id="rId4" imgW="406080" imgH="177480" progId="Equation.DSMT4">
                   <p:embed/>
                   <p:pic>
                     <p:nvPicPr>
@@ -11055,7 +11055,7 @@
                       <p:nvPr/>
                     </p:nvPicPr>
                     <p:blipFill>
-                      <a:blip r:embed="rId6">
+                      <a:blip r:embed="rId5">
                         <a:extLst>
                           <a:ext uri="{28A0092B-C50C-407E-A947-70E740481C1C}">
                             <a14:useLocalDpi xmlns:a14="http://schemas.microsoft.com/office/drawing/2010/main" val="0"/>
@@ -11132,12 +11132,12 @@
           <a:graphicData uri="http://schemas.openxmlformats.org/presentationml/2006/ole">
             <mc:AlternateContent xmlns:mc="http://schemas.openxmlformats.org/markup-compatibility/2006">
               <mc:Choice xmlns:v="urn:schemas-microsoft-com:vml" Requires="v">
-                <p:oleObj spid="_x0000_s24604" name="Equation" r:id="rId7" imgW="939600" imgH="228600" progId="Equation.DSMT4">
+                <p:oleObj name="Equation" r:id="rId6" imgW="939600" imgH="228600" progId="Equation.DSMT4">
                   <p:embed/>
                 </p:oleObj>
               </mc:Choice>
               <mc:Fallback>
-                <p:oleObj name="Equation" r:id="rId7" imgW="939600" imgH="228600" progId="Equation.DSMT4">
+                <p:oleObj name="Equation" r:id="rId6" imgW="939600" imgH="228600" progId="Equation.DSMT4">
                   <p:embed/>
                   <p:pic>
                     <p:nvPicPr>
@@ -11148,7 +11148,7 @@
                       <p:nvPr/>
                     </p:nvPicPr>
                     <p:blipFill>
-                      <a:blip r:embed="rId8">
+                      <a:blip r:embed="rId7">
                         <a:extLst>
                           <a:ext uri="{28A0092B-C50C-407E-A947-70E740481C1C}">
                             <a14:useLocalDpi xmlns:a14="http://schemas.microsoft.com/office/drawing/2010/main" val="0"/>
@@ -11225,12 +11225,12 @@
           <a:graphicData uri="http://schemas.openxmlformats.org/presentationml/2006/ole">
             <mc:AlternateContent xmlns:mc="http://schemas.openxmlformats.org/markup-compatibility/2006">
               <mc:Choice xmlns:v="urn:schemas-microsoft-com:vml" Requires="v">
-                <p:oleObj spid="_x0000_s24605" name="Equation" r:id="rId9" imgW="469800" imgH="152280" progId="Equation.DSMT4">
+                <p:oleObj name="Equation" r:id="rId8" imgW="469800" imgH="152280" progId="Equation.DSMT4">
                   <p:embed/>
                 </p:oleObj>
               </mc:Choice>
               <mc:Fallback>
-                <p:oleObj name="Equation" r:id="rId9" imgW="469800" imgH="152280" progId="Equation.DSMT4">
+                <p:oleObj name="Equation" r:id="rId8" imgW="469800" imgH="152280" progId="Equation.DSMT4">
                   <p:embed/>
                   <p:pic>
                     <p:nvPicPr>
@@ -11241,7 +11241,7 @@
                       <p:nvPr/>
                     </p:nvPicPr>
                     <p:blipFill>
-                      <a:blip r:embed="rId10">
+                      <a:blip r:embed="rId9">
                         <a:extLst>
                           <a:ext uri="{28A0092B-C50C-407E-A947-70E740481C1C}">
                             <a14:useLocalDpi xmlns:a14="http://schemas.microsoft.com/office/drawing/2010/main" val="0"/>
@@ -12234,12 +12234,12 @@
           <a:graphicData uri="http://schemas.openxmlformats.org/presentationml/2006/ole">
             <mc:AlternateContent xmlns:mc="http://schemas.openxmlformats.org/markup-compatibility/2006">
               <mc:Choice xmlns:v="urn:schemas-microsoft-com:vml" Requires="v">
-                <p:oleObj spid="_x0000_s29714" name="Equation" r:id="rId3" imgW="952200" imgH="177480" progId="Equation.DSMT4">
+                <p:oleObj name="Equation" r:id="rId2" imgW="952200" imgH="177480" progId="Equation.DSMT4">
                   <p:embed/>
                 </p:oleObj>
               </mc:Choice>
               <mc:Fallback>
-                <p:oleObj name="Equation" r:id="rId3" imgW="952200" imgH="177480" progId="Equation.DSMT4">
+                <p:oleObj name="Equation" r:id="rId2" imgW="952200" imgH="177480" progId="Equation.DSMT4">
                   <p:embed/>
                   <p:pic>
                     <p:nvPicPr>
@@ -12250,7 +12250,7 @@
                       <p:nvPr/>
                     </p:nvPicPr>
                     <p:blipFill>
-                      <a:blip r:embed="rId4">
+                      <a:blip r:embed="rId3">
                         <a:extLst>
                           <a:ext uri="{28A0092B-C50C-407E-A947-70E740481C1C}">
                             <a14:useLocalDpi xmlns:a14="http://schemas.microsoft.com/office/drawing/2010/main" val="0"/>
@@ -12327,12 +12327,12 @@
           <a:graphicData uri="http://schemas.openxmlformats.org/presentationml/2006/ole">
             <mc:AlternateContent xmlns:mc="http://schemas.openxmlformats.org/markup-compatibility/2006">
               <mc:Choice xmlns:v="urn:schemas-microsoft-com:vml" Requires="v">
-                <p:oleObj spid="_x0000_s29715" name="Equation" r:id="rId5" imgW="952200" imgH="177480" progId="Equation.DSMT4">
+                <p:oleObj name="Equation" r:id="rId4" imgW="952200" imgH="177480" progId="Equation.DSMT4">
                   <p:embed/>
                 </p:oleObj>
               </mc:Choice>
               <mc:Fallback>
-                <p:oleObj name="Equation" r:id="rId5" imgW="952200" imgH="177480" progId="Equation.DSMT4">
+                <p:oleObj name="Equation" r:id="rId4" imgW="952200" imgH="177480" progId="Equation.DSMT4">
                   <p:embed/>
                   <p:pic>
                     <p:nvPicPr>
@@ -12343,7 +12343,7 @@
                       <p:nvPr/>
                     </p:nvPicPr>
                     <p:blipFill>
-                      <a:blip r:embed="rId6">
+                      <a:blip r:embed="rId5">
                         <a:extLst>
                           <a:ext uri="{28A0092B-C50C-407E-A947-70E740481C1C}">
                             <a14:useLocalDpi xmlns:a14="http://schemas.microsoft.com/office/drawing/2010/main" val="0"/>
@@ -12413,6 +12413,1165 @@
 </file>
 
 <file path=ppt/slides/slide2.xml><?xml version="1.0" encoding="utf-8"?>
+<p:sld xmlns:a="http://schemas.openxmlformats.org/drawingml/2006/main" xmlns:r="http://schemas.openxmlformats.org/officeDocument/2006/relationships" xmlns:p="http://schemas.openxmlformats.org/presentationml/2006/main">
+  <p:cSld>
+    <p:spTree>
+      <p:nvGrpSpPr>
+        <p:cNvPr id="1" name=""/>
+        <p:cNvGrpSpPr/>
+        <p:nvPr/>
+      </p:nvGrpSpPr>
+      <p:grpSpPr>
+        <a:xfrm>
+          <a:off x="0" y="0"/>
+          <a:ext cx="0" cy="0"/>
+          <a:chOff x="0" y="0"/>
+          <a:chExt cx="0" cy="0"/>
+        </a:xfrm>
+      </p:grpSpPr>
+      <p:sp>
+        <p:nvSpPr>
+          <p:cNvPr id="3" name="Freeform 3"/>
+          <p:cNvSpPr/>
+          <p:nvPr/>
+        </p:nvSpPr>
+        <p:spPr>
+          <a:xfrm>
+            <a:off x="609600" y="6158484"/>
+            <a:ext cx="8534400" cy="28194"/>
+          </a:xfrm>
+          <a:custGeom>
+            <a:avLst/>
+            <a:gdLst>
+              <a:gd name="connsiteX0" fmla="*/ 0 w 8534400"/>
+              <a:gd name="connsiteY0" fmla="*/ 14097 h 28194"/>
+              <a:gd name="connsiteX1" fmla="*/ 8534400 w 8534400"/>
+              <a:gd name="connsiteY1" fmla="*/ 14097 h 28194"/>
+            </a:gdLst>
+            <a:ahLst/>
+            <a:cxnLst>
+              <a:cxn ang="0">
+                <a:pos x="connsiteX0" y="connsiteY0"/>
+              </a:cxn>
+              <a:cxn ang="1">
+                <a:pos x="connsiteX1" y="connsiteY1"/>
+              </a:cxn>
+            </a:cxnLst>
+            <a:rect l="l" t="t" r="r" b="b"/>
+            <a:pathLst>
+              <a:path w="8534400" h="28194">
+                <a:moveTo>
+                  <a:pt x="0" y="14097"/>
+                </a:moveTo>
+                <a:lnTo>
+                  <a:pt x="8534400" y="14097"/>
+                </a:lnTo>
+              </a:path>
+            </a:pathLst>
+          </a:custGeom>
+          <a:ln w="38100">
+            <a:solidFill>
+              <a:srgbClr val="CC0000">
+                <a:alpha val="100000"/>
+              </a:srgbClr>
+            </a:solidFill>
+            <a:prstDash val="solid"/>
+          </a:ln>
+        </p:spPr>
+        <p:style>
+          <a:lnRef idx="1">
+            <a:schemeClr val="accent1"/>
+          </a:lnRef>
+          <a:fillRef idx="0">
+            <a:schemeClr val="accent1"/>
+          </a:fillRef>
+          <a:effectRef idx="0">
+            <a:schemeClr val="accent1"/>
+          </a:effectRef>
+          <a:fontRef idx="minor">
+            <a:schemeClr val="tx1"/>
+          </a:fontRef>
+        </p:style>
+        <p:txBody>
+          <a:bodyPr rtlCol="0" anchor="ctr"/>
+          <a:lstStyle/>
+          <a:p>
+            <a:pPr algn="ctr"/>
+            <a:endParaRPr lang="zh-CN" altLang="en-US"/>
+          </a:p>
+        </p:txBody>
+      </p:sp>
+      <p:sp>
+        <p:nvSpPr>
+          <p:cNvPr id="5" name="Freeform 3"/>
+          <p:cNvSpPr/>
+          <p:nvPr/>
+        </p:nvSpPr>
+        <p:spPr>
+          <a:xfrm>
+            <a:off x="381" y="533400"/>
+            <a:ext cx="9143618" cy="533400"/>
+          </a:xfrm>
+          <a:custGeom>
+            <a:avLst/>
+            <a:gdLst>
+              <a:gd name="connsiteX0" fmla="*/ 0 w 9143618"/>
+              <a:gd name="connsiteY0" fmla="*/ 0 h 533400"/>
+              <a:gd name="connsiteX1" fmla="*/ 0 w 9143618"/>
+              <a:gd name="connsiteY1" fmla="*/ 533400 h 533400"/>
+              <a:gd name="connsiteX2" fmla="*/ 9143618 w 9143618"/>
+              <a:gd name="connsiteY2" fmla="*/ 533400 h 533400"/>
+              <a:gd name="connsiteX3" fmla="*/ 9143618 w 9143618"/>
+              <a:gd name="connsiteY3" fmla="*/ 0 h 533400"/>
+              <a:gd name="connsiteX4" fmla="*/ 0 w 9143618"/>
+              <a:gd name="connsiteY4" fmla="*/ 0 h 533400"/>
+            </a:gdLst>
+            <a:ahLst/>
+            <a:cxnLst>
+              <a:cxn ang="0">
+                <a:pos x="connsiteX0" y="connsiteY0"/>
+              </a:cxn>
+              <a:cxn ang="1">
+                <a:pos x="connsiteX1" y="connsiteY1"/>
+              </a:cxn>
+              <a:cxn ang="2">
+                <a:pos x="connsiteX2" y="connsiteY2"/>
+              </a:cxn>
+              <a:cxn ang="3">
+                <a:pos x="connsiteX3" y="connsiteY3"/>
+              </a:cxn>
+              <a:cxn ang="4">
+                <a:pos x="connsiteX4" y="connsiteY4"/>
+              </a:cxn>
+            </a:cxnLst>
+            <a:rect l="l" t="t" r="r" b="b"/>
+            <a:pathLst>
+              <a:path w="9143618" h="533400">
+                <a:moveTo>
+                  <a:pt x="0" y="0"/>
+                </a:moveTo>
+                <a:lnTo>
+                  <a:pt x="0" y="533400"/>
+                </a:lnTo>
+                <a:lnTo>
+                  <a:pt x="9143618" y="533400"/>
+                </a:lnTo>
+                <a:lnTo>
+                  <a:pt x="9143618" y="0"/>
+                </a:lnTo>
+                <a:lnTo>
+                  <a:pt x="0" y="0"/>
+                </a:lnTo>
+              </a:path>
+            </a:pathLst>
+          </a:custGeom>
+          <a:solidFill>
+            <a:srgbClr val="336699">
+              <a:alpha val="100000"/>
+            </a:srgbClr>
+          </a:solidFill>
+          <a:ln w="12700">
+            <a:solidFill>
+              <a:srgbClr val="000000">
+                <a:alpha val="0"/>
+              </a:srgbClr>
+            </a:solidFill>
+            <a:prstDash val="solid"/>
+          </a:ln>
+        </p:spPr>
+        <p:style>
+          <a:lnRef idx="2">
+            <a:schemeClr val="accent1">
+              <a:shade val="50000"/>
+            </a:schemeClr>
+          </a:lnRef>
+          <a:fillRef idx="1">
+            <a:schemeClr val="accent1"/>
+          </a:fillRef>
+          <a:effectRef idx="0">
+            <a:schemeClr val="accent1"/>
+          </a:effectRef>
+          <a:fontRef idx="minor">
+            <a:schemeClr val="lt1"/>
+          </a:fontRef>
+        </p:style>
+        <p:txBody>
+          <a:bodyPr rtlCol="0" anchor="ctr"/>
+          <a:lstStyle/>
+          <a:p>
+            <a:pPr algn="ctr"/>
+            <a:endParaRPr lang="zh-CN" altLang="en-US"/>
+          </a:p>
+        </p:txBody>
+      </p:sp>
+      <p:sp>
+        <p:nvSpPr>
+          <p:cNvPr id="17" name="TextBox 1"/>
+          <p:cNvSpPr txBox="1"/>
+          <p:nvPr/>
+        </p:nvSpPr>
+        <p:spPr>
+          <a:xfrm>
+            <a:off x="914400" y="596900"/>
+            <a:ext cx="2154436" cy="445443"/>
+          </a:xfrm>
+          <a:prstGeom prst="rect">
+            <a:avLst/>
+          </a:prstGeom>
+          <a:noFill/>
+        </p:spPr>
+        <p:txBody>
+          <a:bodyPr wrap="none" lIns="0" tIns="0" rIns="0" rtlCol="0">
+            <a:spAutoFit/>
+          </a:bodyPr>
+          <a:lstStyle/>
+          <a:p>
+            <a:pPr>
+              <a:lnSpc>
+                <a:spcPts val="3400"/>
+              </a:lnSpc>
+              <a:tabLst/>
+            </a:pPr>
+            <a:r>
+              <a:rPr lang="zh-CN" altLang="en-US" sz="2802" dirty="0">
+                <a:solidFill>
+                  <a:srgbClr val="FFFFFF"/>
+                </a:solidFill>
+                <a:latin typeface="Impact" pitchFamily="18" charset="0"/>
+                <a:cs typeface="Impact" pitchFamily="18" charset="0"/>
+              </a:rPr>
+              <a:t>安全属性验证</a:t>
+            </a:r>
+            <a:endParaRPr lang="en-US" altLang="zh-CN" sz="2802" dirty="0">
+              <a:solidFill>
+                <a:srgbClr val="FFFFFF"/>
+              </a:solidFill>
+              <a:latin typeface="Impact" pitchFamily="18" charset="0"/>
+              <a:cs typeface="Impact" pitchFamily="18" charset="0"/>
+            </a:endParaRPr>
+          </a:p>
+        </p:txBody>
+      </p:sp>
+      <p:sp>
+        <p:nvSpPr>
+          <p:cNvPr id="18" name="TextBox 1"/>
+          <p:cNvSpPr txBox="1"/>
+          <p:nvPr/>
+        </p:nvSpPr>
+        <p:spPr>
+          <a:xfrm>
+            <a:off x="88900" y="1752600"/>
+            <a:ext cx="8826500" cy="2316019"/>
+          </a:xfrm>
+          <a:prstGeom prst="rect">
+            <a:avLst/>
+          </a:prstGeom>
+          <a:noFill/>
+        </p:spPr>
+        <p:txBody>
+          <a:bodyPr wrap="square" lIns="0" tIns="0" rIns="0" rtlCol="0">
+            <a:spAutoFit/>
+          </a:bodyPr>
+          <a:lstStyle/>
+          <a:p>
+            <a:pPr>
+              <a:lnSpc>
+                <a:spcPts val="1000"/>
+              </a:lnSpc>
+            </a:pPr>
+            <a:endParaRPr lang="en-US" altLang="zh-CN" dirty="0"/>
+          </a:p>
+          <a:p>
+            <a:pPr>
+              <a:lnSpc>
+                <a:spcPts val="3600"/>
+              </a:lnSpc>
+              <a:tabLst>
+                <a:tab pos="469900" algn="l"/>
+              </a:tabLst>
+            </a:pPr>
+            <a:r>
+              <a:rPr lang="en-US" altLang="zh-CN" sz="2400" dirty="0">
+                <a:solidFill>
+                  <a:srgbClr val="FF9A00"/>
+                </a:solidFill>
+                <a:latin typeface="Wingdings" pitchFamily="18" charset="0"/>
+                <a:cs typeface="Wingdings" pitchFamily="18" charset="0"/>
+              </a:rPr>
+              <a:t></a:t>
+            </a:r>
+            <a:r>
+              <a:rPr lang="zh-CN" altLang="en-US" sz="2400" dirty="0">
+                <a:solidFill>
+                  <a:srgbClr val="FF9A00"/>
+                </a:solidFill>
+                <a:latin typeface="Wingdings" pitchFamily="18" charset="0"/>
+                <a:cs typeface="Wingdings" pitchFamily="18" charset="0"/>
+              </a:rPr>
+              <a:t> </a:t>
+            </a:r>
+            <a:r>
+              <a:rPr lang="zh-CN" altLang="en-US" sz="2400" dirty="0">
+                <a:latin typeface="Wingdings" pitchFamily="18" charset="0"/>
+                <a:cs typeface="Wingdings" pitchFamily="18" charset="0"/>
+              </a:rPr>
+              <a:t>系统模型</a:t>
+            </a:r>
+            <a:r>
+              <a:rPr lang="en-US" altLang="zh-CN" sz="2400" dirty="0">
+                <a:latin typeface="Times New Roman" pitchFamily="18" charset="0"/>
+                <a:cs typeface="Times New Roman" pitchFamily="18" charset="0"/>
+              </a:rPr>
+              <a:t> </a:t>
+            </a:r>
+            <a:r>
+              <a:rPr lang="zh-CN" altLang="en-US" sz="2400" dirty="0">
+                <a:latin typeface="Times New Roman" pitchFamily="18" charset="0"/>
+                <a:cs typeface="Times New Roman" pitchFamily="18" charset="0"/>
+              </a:rPr>
+              <a:t>：</a:t>
+            </a:r>
+            <a:r>
+              <a:rPr lang="en-US" altLang="zh-CN" sz="2400" dirty="0">
+                <a:latin typeface="Times New Roman" pitchFamily="18" charset="0"/>
+                <a:cs typeface="Times New Roman" pitchFamily="18" charset="0"/>
+              </a:rPr>
+              <a:t>S</a:t>
+            </a:r>
+            <a:r>
+              <a:rPr lang="zh-CN" altLang="en-US" sz="2400" dirty="0">
+                <a:latin typeface="Times New Roman" pitchFamily="18" charset="0"/>
+                <a:cs typeface="Times New Roman" pitchFamily="18" charset="0"/>
+              </a:rPr>
+              <a:t>（</a:t>
+            </a:r>
+            <a:r>
+              <a:rPr lang="en-US" altLang="zh-CN" sz="2400" dirty="0">
+                <a:latin typeface="Times New Roman" pitchFamily="18" charset="0"/>
+                <a:cs typeface="Times New Roman" pitchFamily="18" charset="0"/>
+              </a:rPr>
+              <a:t>I</a:t>
+            </a:r>
+            <a:r>
+              <a:rPr lang="zh-CN" altLang="en-US" sz="2400" dirty="0">
+                <a:latin typeface="Times New Roman" pitchFamily="18" charset="0"/>
+                <a:cs typeface="Times New Roman" pitchFamily="18" charset="0"/>
+              </a:rPr>
+              <a:t>，</a:t>
+            </a:r>
+            <a:r>
+              <a:rPr lang="en-US" altLang="zh-CN" sz="2400" dirty="0">
+                <a:latin typeface="Times New Roman" pitchFamily="18" charset="0"/>
+                <a:cs typeface="Times New Roman" pitchFamily="18" charset="0"/>
+              </a:rPr>
+              <a:t>T</a:t>
+            </a:r>
+            <a:r>
+              <a:rPr lang="zh-CN" altLang="en-US" sz="2400" dirty="0">
+                <a:latin typeface="Times New Roman" pitchFamily="18" charset="0"/>
+                <a:cs typeface="Times New Roman" pitchFamily="18" charset="0"/>
+              </a:rPr>
+              <a:t>）</a:t>
+            </a:r>
+            <a:endParaRPr lang="en-US" altLang="zh-CN" sz="2400" dirty="0">
+              <a:solidFill>
+                <a:srgbClr val="FF9A00"/>
+              </a:solidFill>
+              <a:latin typeface="Wingdings" pitchFamily="18" charset="0"/>
+              <a:cs typeface="Wingdings" pitchFamily="18" charset="0"/>
+            </a:endParaRPr>
+          </a:p>
+          <a:p>
+            <a:pPr>
+              <a:lnSpc>
+                <a:spcPts val="3400"/>
+              </a:lnSpc>
+              <a:buFont typeface="Wingdings"/>
+              <a:buChar char="o"/>
+              <a:tabLst>
+                <a:tab pos="469900" algn="l"/>
+              </a:tabLst>
+            </a:pPr>
+            <a:r>
+              <a:rPr lang="zh-CN" altLang="en-US" sz="2400" dirty="0">
+                <a:solidFill>
+                  <a:schemeClr val="accent6"/>
+                </a:solidFill>
+                <a:latin typeface="Wingdings" pitchFamily="18" charset="0"/>
+                <a:cs typeface="Wingdings" pitchFamily="18" charset="0"/>
+              </a:rPr>
+              <a:t> </a:t>
+            </a:r>
+            <a:r>
+              <a:rPr lang="zh-CN" altLang="en-US" sz="2400" dirty="0">
+                <a:latin typeface="Wingdings" pitchFamily="18" charset="0"/>
+                <a:cs typeface="Wingdings" pitchFamily="18" charset="0"/>
+              </a:rPr>
+              <a:t>安全属性：</a:t>
+            </a:r>
+            <a:r>
+              <a:rPr lang="en-US" altLang="zh-CN" sz="2400" dirty="0">
+                <a:latin typeface="Times New Roman" pitchFamily="18" charset="0"/>
+                <a:cs typeface="Times New Roman" pitchFamily="18" charset="0"/>
+              </a:rPr>
+              <a:t>P</a:t>
+            </a:r>
+          </a:p>
+          <a:p>
+            <a:pPr>
+              <a:lnSpc>
+                <a:spcPts val="3400"/>
+              </a:lnSpc>
+              <a:tabLst>
+                <a:tab pos="469900" algn="l"/>
+              </a:tabLst>
+            </a:pPr>
+            <a:r>
+              <a:rPr lang="en-US" altLang="zh-CN" sz="2400" dirty="0">
+                <a:solidFill>
+                  <a:srgbClr val="FF9A00"/>
+                </a:solidFill>
+                <a:latin typeface="Wingdings" pitchFamily="18" charset="0"/>
+                <a:cs typeface="Wingdings" pitchFamily="18" charset="0"/>
+              </a:rPr>
+              <a:t> </a:t>
+            </a:r>
+            <a:r>
+              <a:rPr lang="zh-CN" altLang="en-US" sz="2400" dirty="0">
+                <a:latin typeface="Wingdings" pitchFamily="18" charset="0"/>
+                <a:cs typeface="Wingdings" pitchFamily="18" charset="0"/>
+              </a:rPr>
+              <a:t>可达状态</a:t>
+            </a:r>
+            <a:r>
+              <a:rPr lang="zh-CN" altLang="en-US" sz="2400" dirty="0">
+                <a:latin typeface="Times New Roman" pitchFamily="18" charset="0"/>
+                <a:cs typeface="Times New Roman" pitchFamily="18" charset="0"/>
+              </a:rPr>
+              <a:t>集：</a:t>
+            </a:r>
+            <a:r>
+              <a:rPr lang="en-US" altLang="zh-CN" sz="2400" dirty="0">
+                <a:latin typeface="Times New Roman" pitchFamily="18" charset="0"/>
+                <a:cs typeface="Times New Roman" pitchFamily="18" charset="0"/>
+              </a:rPr>
+              <a:t>R</a:t>
+            </a:r>
+          </a:p>
+          <a:p>
+            <a:pPr>
+              <a:lnSpc>
+                <a:spcPts val="1000"/>
+              </a:lnSpc>
+            </a:pPr>
+            <a:endParaRPr lang="en-US" altLang="zh-CN" dirty="0"/>
+          </a:p>
+          <a:p>
+            <a:pPr>
+              <a:lnSpc>
+                <a:spcPts val="1000"/>
+              </a:lnSpc>
+            </a:pPr>
+            <a:endParaRPr lang="en-US" altLang="zh-CN" dirty="0"/>
+          </a:p>
+          <a:p>
+            <a:pPr>
+              <a:lnSpc>
+                <a:spcPts val="4300"/>
+              </a:lnSpc>
+              <a:tabLst>
+                <a:tab pos="469900" algn="l"/>
+              </a:tabLst>
+            </a:pPr>
+            <a:r>
+              <a:rPr lang="en-US" altLang="zh-CN" sz="2400" dirty="0">
+                <a:latin typeface="Times New Roman" pitchFamily="18" charset="0"/>
+                <a:cs typeface="Times New Roman" pitchFamily="18" charset="0"/>
+              </a:rPr>
+              <a:t>                    </a:t>
+            </a:r>
+            <a:r>
+              <a:rPr lang="en-US" altLang="zh-CN" sz="2400" dirty="0">
+                <a:cs typeface="Wingdings" pitchFamily="18" charset="0"/>
+              </a:rPr>
+              <a:t> </a:t>
+            </a:r>
+            <a:endParaRPr lang="en-US" altLang="zh-CN" sz="2400" dirty="0">
+              <a:solidFill>
+                <a:srgbClr val="000000"/>
+              </a:solidFill>
+              <a:latin typeface="Times New Roman" pitchFamily="18" charset="0"/>
+              <a:cs typeface="Times New Roman" pitchFamily="18" charset="0"/>
+            </a:endParaRPr>
+          </a:p>
+        </p:txBody>
+      </p:sp>
+      <p:sp>
+        <p:nvSpPr>
+          <p:cNvPr id="19" name="TextBox 1"/>
+          <p:cNvSpPr txBox="1"/>
+          <p:nvPr/>
+        </p:nvSpPr>
+        <p:spPr>
+          <a:xfrm>
+            <a:off x="698500" y="6286500"/>
+            <a:ext cx="504946" cy="225703"/>
+          </a:xfrm>
+          <a:prstGeom prst="rect">
+            <a:avLst/>
+          </a:prstGeom>
+          <a:noFill/>
+        </p:spPr>
+        <p:txBody>
+          <a:bodyPr wrap="none" lIns="0" tIns="0" rIns="0" rtlCol="0">
+            <a:spAutoFit/>
+          </a:bodyPr>
+          <a:lstStyle/>
+          <a:p>
+            <a:pPr>
+              <a:lnSpc>
+                <a:spcPts val="1400"/>
+              </a:lnSpc>
+              <a:tabLst/>
+            </a:pPr>
+            <a:r>
+              <a:rPr lang="en-US" altLang="zh-CN" sz="1200" dirty="0">
+                <a:solidFill>
+                  <a:srgbClr val="000000"/>
+                </a:solidFill>
+                <a:latin typeface="Times New Roman" pitchFamily="18" charset="0"/>
+                <a:cs typeface="Times New Roman" pitchFamily="18" charset="0"/>
+              </a:rPr>
+              <a:t>2012/10</a:t>
+            </a:r>
+          </a:p>
+        </p:txBody>
+      </p:sp>
+      <p:sp>
+        <p:nvSpPr>
+          <p:cNvPr id="21" name="TextBox 1"/>
+          <p:cNvSpPr txBox="1"/>
+          <p:nvPr/>
+        </p:nvSpPr>
+        <p:spPr>
+          <a:xfrm>
+            <a:off x="8343900" y="6286500"/>
+            <a:ext cx="76944" cy="225703"/>
+          </a:xfrm>
+          <a:prstGeom prst="rect">
+            <a:avLst/>
+          </a:prstGeom>
+          <a:noFill/>
+        </p:spPr>
+        <p:txBody>
+          <a:bodyPr wrap="none" lIns="0" tIns="0" rIns="0" rtlCol="0">
+            <a:spAutoFit/>
+          </a:bodyPr>
+          <a:lstStyle/>
+          <a:p>
+            <a:pPr>
+              <a:lnSpc>
+                <a:spcPts val="1400"/>
+              </a:lnSpc>
+              <a:tabLst/>
+            </a:pPr>
+            <a:r>
+              <a:rPr lang="en-US" altLang="zh-CN" sz="1200" dirty="0">
+                <a:solidFill>
+                  <a:srgbClr val="000000"/>
+                </a:solidFill>
+                <a:latin typeface="Times New Roman" pitchFamily="18" charset="0"/>
+                <a:cs typeface="Times New Roman" pitchFamily="18" charset="0"/>
+              </a:rPr>
+              <a:t>1</a:t>
+            </a:r>
+          </a:p>
+        </p:txBody>
+      </p:sp>
+      <p:sp>
+        <p:nvSpPr>
+          <p:cNvPr id="22" name="椭圆 21"/>
+          <p:cNvSpPr/>
+          <p:nvPr/>
+        </p:nvSpPr>
+        <p:spPr>
+          <a:xfrm>
+            <a:off x="4724400" y="3581400"/>
+            <a:ext cx="2438400" cy="1524000"/>
+          </a:xfrm>
+          <a:prstGeom prst="ellipse">
+            <a:avLst/>
+          </a:prstGeom>
+          <a:solidFill>
+            <a:schemeClr val="accent3">
+              <a:lumMod val="40000"/>
+              <a:lumOff val="60000"/>
+            </a:schemeClr>
+          </a:solidFill>
+        </p:spPr>
+        <p:style>
+          <a:lnRef idx="2">
+            <a:schemeClr val="accent1">
+              <a:shade val="50000"/>
+            </a:schemeClr>
+          </a:lnRef>
+          <a:fillRef idx="1">
+            <a:schemeClr val="accent1"/>
+          </a:fillRef>
+          <a:effectRef idx="0">
+            <a:schemeClr val="accent1"/>
+          </a:effectRef>
+          <a:fontRef idx="minor">
+            <a:schemeClr val="lt1"/>
+          </a:fontRef>
+        </p:style>
+        <p:txBody>
+          <a:bodyPr rtlCol="0" anchor="ctr"/>
+          <a:lstStyle/>
+          <a:p>
+            <a:pPr algn="ctr"/>
+            <a:endParaRPr lang="zh-CN" altLang="en-US"/>
+          </a:p>
+        </p:txBody>
+      </p:sp>
+      <p:sp>
+        <p:nvSpPr>
+          <p:cNvPr id="20" name="椭圆 19"/>
+          <p:cNvSpPr/>
+          <p:nvPr/>
+        </p:nvSpPr>
+        <p:spPr>
+          <a:xfrm>
+            <a:off x="6019800" y="4114800"/>
+            <a:ext cx="838200" cy="457200"/>
+          </a:xfrm>
+          <a:prstGeom prst="ellipse">
+            <a:avLst/>
+          </a:prstGeom>
+          <a:solidFill>
+            <a:schemeClr val="tx2">
+              <a:lumMod val="20000"/>
+              <a:lumOff val="80000"/>
+            </a:schemeClr>
+          </a:solidFill>
+        </p:spPr>
+        <p:style>
+          <a:lnRef idx="2">
+            <a:schemeClr val="accent1">
+              <a:shade val="50000"/>
+            </a:schemeClr>
+          </a:lnRef>
+          <a:fillRef idx="1">
+            <a:schemeClr val="accent1"/>
+          </a:fillRef>
+          <a:effectRef idx="0">
+            <a:schemeClr val="accent1"/>
+          </a:effectRef>
+          <a:fontRef idx="minor">
+            <a:schemeClr val="lt1"/>
+          </a:fontRef>
+        </p:style>
+        <p:txBody>
+          <a:bodyPr rtlCol="0" anchor="ctr"/>
+          <a:lstStyle/>
+          <a:p>
+            <a:pPr algn="ctr"/>
+            <a:r>
+              <a:rPr lang="en-US" altLang="zh-CN" b="1" dirty="0">
+                <a:solidFill>
+                  <a:schemeClr val="tx1"/>
+                </a:solidFill>
+              </a:rPr>
+              <a:t>I</a:t>
+            </a:r>
+            <a:endParaRPr lang="zh-CN" altLang="en-US" b="1" dirty="0">
+              <a:solidFill>
+                <a:schemeClr val="tx1"/>
+              </a:solidFill>
+            </a:endParaRPr>
+          </a:p>
+        </p:txBody>
+      </p:sp>
+      <p:sp>
+        <p:nvSpPr>
+          <p:cNvPr id="24" name="TextBox 23"/>
+          <p:cNvSpPr txBox="1"/>
+          <p:nvPr/>
+        </p:nvSpPr>
+        <p:spPr>
+          <a:xfrm>
+            <a:off x="7467600" y="3886200"/>
+            <a:ext cx="381000" cy="381000"/>
+          </a:xfrm>
+          <a:prstGeom prst="rect">
+            <a:avLst/>
+          </a:prstGeom>
+          <a:noFill/>
+        </p:spPr>
+        <p:txBody>
+          <a:bodyPr wrap="square" rtlCol="0">
+            <a:spAutoFit/>
+          </a:bodyPr>
+          <a:lstStyle/>
+          <a:p>
+            <a:r>
+              <a:rPr lang="en-US" altLang="zh-CN" b="1" dirty="0"/>
+              <a:t>P</a:t>
+            </a:r>
+            <a:endParaRPr lang="zh-CN" altLang="en-US" b="1" dirty="0"/>
+          </a:p>
+        </p:txBody>
+      </p:sp>
+      <p:sp>
+        <p:nvSpPr>
+          <p:cNvPr id="25" name="TextBox 24"/>
+          <p:cNvSpPr txBox="1"/>
+          <p:nvPr/>
+        </p:nvSpPr>
+        <p:spPr>
+          <a:xfrm>
+            <a:off x="5029200" y="3886200"/>
+            <a:ext cx="381000" cy="369332"/>
+          </a:xfrm>
+          <a:prstGeom prst="rect">
+            <a:avLst/>
+          </a:prstGeom>
+          <a:noFill/>
+        </p:spPr>
+        <p:txBody>
+          <a:bodyPr wrap="square" rtlCol="0">
+            <a:spAutoFit/>
+          </a:bodyPr>
+          <a:lstStyle/>
+          <a:p>
+            <a:r>
+              <a:rPr lang="en-US" altLang="zh-CN" b="1" dirty="0"/>
+              <a:t>R</a:t>
+            </a:r>
+            <a:endParaRPr lang="zh-CN" altLang="en-US" b="1" dirty="0"/>
+          </a:p>
+        </p:txBody>
+      </p:sp>
+      <p:sp>
+        <p:nvSpPr>
+          <p:cNvPr id="34" name="椭圆 33"/>
+          <p:cNvSpPr/>
+          <p:nvPr/>
+        </p:nvSpPr>
+        <p:spPr>
+          <a:xfrm>
+            <a:off x="5257800" y="3581400"/>
+            <a:ext cx="2590800" cy="1600200"/>
+          </a:xfrm>
+          <a:prstGeom prst="ellipse">
+            <a:avLst/>
+          </a:prstGeom>
+          <a:noFill/>
+        </p:spPr>
+        <p:style>
+          <a:lnRef idx="2">
+            <a:schemeClr val="accent1">
+              <a:shade val="50000"/>
+            </a:schemeClr>
+          </a:lnRef>
+          <a:fillRef idx="1">
+            <a:schemeClr val="accent1"/>
+          </a:fillRef>
+          <a:effectRef idx="0">
+            <a:schemeClr val="accent1"/>
+          </a:effectRef>
+          <a:fontRef idx="minor">
+            <a:schemeClr val="lt1"/>
+          </a:fontRef>
+        </p:style>
+        <p:txBody>
+          <a:bodyPr rtlCol="0" anchor="ctr"/>
+          <a:lstStyle/>
+          <a:p>
+            <a:pPr algn="ctr"/>
+            <a:endParaRPr lang="zh-CN" altLang="en-US"/>
+          </a:p>
+        </p:txBody>
+      </p:sp>
+      <p:grpSp>
+        <p:nvGrpSpPr>
+          <p:cNvPr id="2" name="组合 1">
+            <a:extLst>
+              <a:ext uri="{FF2B5EF4-FFF2-40B4-BE49-F238E27FC236}">
+                <a16:creationId xmlns:a16="http://schemas.microsoft.com/office/drawing/2014/main" id="{7002FC3A-E418-4C10-819C-B0F1F705BD35}"/>
+              </a:ext>
+            </a:extLst>
+          </p:cNvPr>
+          <p:cNvGrpSpPr/>
+          <p:nvPr/>
+        </p:nvGrpSpPr>
+        <p:grpSpPr>
+          <a:xfrm>
+            <a:off x="533400" y="3505200"/>
+            <a:ext cx="3276600" cy="2274332"/>
+            <a:chOff x="533400" y="3505200"/>
+            <a:chExt cx="3276600" cy="2274332"/>
+          </a:xfrm>
+        </p:grpSpPr>
+        <p:grpSp>
+          <p:nvGrpSpPr>
+            <p:cNvPr id="35" name="组合 34"/>
+            <p:cNvGrpSpPr/>
+            <p:nvPr/>
+          </p:nvGrpSpPr>
+          <p:grpSpPr>
+            <a:xfrm>
+              <a:off x="533400" y="3505200"/>
+              <a:ext cx="3276600" cy="1752600"/>
+              <a:chOff x="609600" y="3276600"/>
+              <a:chExt cx="3276600" cy="1752600"/>
+            </a:xfrm>
+          </p:grpSpPr>
+          <p:sp>
+            <p:nvSpPr>
+              <p:cNvPr id="28" name="椭圆 27"/>
+              <p:cNvSpPr/>
+              <p:nvPr/>
+            </p:nvSpPr>
+            <p:spPr>
+              <a:xfrm>
+                <a:off x="685800" y="3581400"/>
+                <a:ext cx="2438400" cy="1295400"/>
+              </a:xfrm>
+              <a:prstGeom prst="ellipse">
+                <a:avLst/>
+              </a:prstGeom>
+              <a:solidFill>
+                <a:schemeClr val="accent3">
+                  <a:lumMod val="40000"/>
+                  <a:lumOff val="60000"/>
+                </a:schemeClr>
+              </a:solidFill>
+            </p:spPr>
+            <p:style>
+              <a:lnRef idx="2">
+                <a:schemeClr val="accent1">
+                  <a:shade val="50000"/>
+                </a:schemeClr>
+              </a:lnRef>
+              <a:fillRef idx="1">
+                <a:schemeClr val="accent1"/>
+              </a:fillRef>
+              <a:effectRef idx="0">
+                <a:schemeClr val="accent1"/>
+              </a:effectRef>
+              <a:fontRef idx="minor">
+                <a:schemeClr val="lt1"/>
+              </a:fontRef>
+            </p:style>
+            <p:txBody>
+              <a:bodyPr rtlCol="0" anchor="ctr"/>
+              <a:lstStyle/>
+              <a:p>
+                <a:pPr algn="ctr"/>
+                <a:endParaRPr lang="zh-CN" altLang="en-US"/>
+              </a:p>
+            </p:txBody>
+          </p:sp>
+          <p:sp>
+            <p:nvSpPr>
+              <p:cNvPr id="29" name="椭圆 28"/>
+              <p:cNvSpPr/>
+              <p:nvPr/>
+            </p:nvSpPr>
+            <p:spPr>
+              <a:xfrm>
+                <a:off x="838200" y="4038600"/>
+                <a:ext cx="838200" cy="457200"/>
+              </a:xfrm>
+              <a:prstGeom prst="ellipse">
+                <a:avLst/>
+              </a:prstGeom>
+              <a:solidFill>
+                <a:schemeClr val="tx2">
+                  <a:lumMod val="20000"/>
+                  <a:lumOff val="80000"/>
+                </a:schemeClr>
+              </a:solidFill>
+            </p:spPr>
+            <p:style>
+              <a:lnRef idx="2">
+                <a:schemeClr val="accent1">
+                  <a:shade val="50000"/>
+                </a:schemeClr>
+              </a:lnRef>
+              <a:fillRef idx="1">
+                <a:schemeClr val="accent1"/>
+              </a:fillRef>
+              <a:effectRef idx="0">
+                <a:schemeClr val="accent1"/>
+              </a:effectRef>
+              <a:fontRef idx="minor">
+                <a:schemeClr val="lt1"/>
+              </a:fontRef>
+            </p:style>
+            <p:txBody>
+              <a:bodyPr rtlCol="0" anchor="ctr"/>
+              <a:lstStyle/>
+              <a:p>
+                <a:pPr algn="ctr"/>
+                <a:r>
+                  <a:rPr lang="en-US" altLang="zh-CN" b="1" dirty="0">
+                    <a:solidFill>
+                      <a:schemeClr val="tx1"/>
+                    </a:solidFill>
+                  </a:rPr>
+                  <a:t>I</a:t>
+                </a:r>
+                <a:endParaRPr lang="zh-CN" altLang="en-US" b="1" dirty="0">
+                  <a:solidFill>
+                    <a:schemeClr val="tx1"/>
+                  </a:solidFill>
+                </a:endParaRPr>
+              </a:p>
+            </p:txBody>
+          </p:sp>
+          <p:sp>
+            <p:nvSpPr>
+              <p:cNvPr id="31" name="TextBox 30"/>
+              <p:cNvSpPr txBox="1"/>
+              <p:nvPr/>
+            </p:nvSpPr>
+            <p:spPr>
+              <a:xfrm>
+                <a:off x="3505200" y="3810000"/>
+                <a:ext cx="381000" cy="381000"/>
+              </a:xfrm>
+              <a:prstGeom prst="rect">
+                <a:avLst/>
+              </a:prstGeom>
+              <a:noFill/>
+            </p:spPr>
+            <p:txBody>
+              <a:bodyPr wrap="square" rtlCol="0">
+                <a:spAutoFit/>
+              </a:bodyPr>
+              <a:lstStyle/>
+              <a:p>
+                <a:r>
+                  <a:rPr lang="en-US" altLang="zh-CN" b="1" dirty="0"/>
+                  <a:t>P</a:t>
+                </a:r>
+                <a:endParaRPr lang="zh-CN" altLang="en-US" b="1" dirty="0"/>
+              </a:p>
+            </p:txBody>
+          </p:sp>
+          <p:sp>
+            <p:nvSpPr>
+              <p:cNvPr id="32" name="TextBox 31"/>
+              <p:cNvSpPr txBox="1"/>
+              <p:nvPr/>
+            </p:nvSpPr>
+            <p:spPr>
+              <a:xfrm>
+                <a:off x="2286000" y="3733800"/>
+                <a:ext cx="381000" cy="369332"/>
+              </a:xfrm>
+              <a:prstGeom prst="rect">
+                <a:avLst/>
+              </a:prstGeom>
+              <a:noFill/>
+            </p:spPr>
+            <p:txBody>
+              <a:bodyPr wrap="square" rtlCol="0">
+                <a:spAutoFit/>
+              </a:bodyPr>
+              <a:lstStyle/>
+              <a:p>
+                <a:r>
+                  <a:rPr lang="en-US" altLang="zh-CN" b="1" dirty="0"/>
+                  <a:t>R</a:t>
+                </a:r>
+                <a:endParaRPr lang="zh-CN" altLang="en-US" b="1" dirty="0"/>
+              </a:p>
+            </p:txBody>
+          </p:sp>
+          <p:sp>
+            <p:nvSpPr>
+              <p:cNvPr id="33" name="椭圆 32"/>
+              <p:cNvSpPr/>
+              <p:nvPr/>
+            </p:nvSpPr>
+            <p:spPr>
+              <a:xfrm>
+                <a:off x="609600" y="3276600"/>
+                <a:ext cx="3276600" cy="1752600"/>
+              </a:xfrm>
+              <a:prstGeom prst="ellipse">
+                <a:avLst/>
+              </a:prstGeom>
+              <a:noFill/>
+            </p:spPr>
+            <p:style>
+              <a:lnRef idx="2">
+                <a:schemeClr val="accent1">
+                  <a:shade val="50000"/>
+                </a:schemeClr>
+              </a:lnRef>
+              <a:fillRef idx="1">
+                <a:schemeClr val="accent1"/>
+              </a:fillRef>
+              <a:effectRef idx="0">
+                <a:schemeClr val="accent1"/>
+              </a:effectRef>
+              <a:fontRef idx="minor">
+                <a:schemeClr val="lt1"/>
+              </a:fontRef>
+            </p:style>
+            <p:txBody>
+              <a:bodyPr rtlCol="0" anchor="ctr"/>
+              <a:lstStyle/>
+              <a:p>
+                <a:pPr algn="ctr"/>
+                <a:endParaRPr lang="zh-CN" altLang="en-US"/>
+              </a:p>
+            </p:txBody>
+          </p:sp>
+        </p:grpSp>
+        <p:sp>
+          <p:nvSpPr>
+            <p:cNvPr id="36" name="TextBox 35"/>
+            <p:cNvSpPr txBox="1"/>
+            <p:nvPr/>
+          </p:nvSpPr>
+          <p:spPr>
+            <a:xfrm>
+              <a:off x="1600200" y="5410200"/>
+              <a:ext cx="1752600" cy="369332"/>
+            </a:xfrm>
+            <a:prstGeom prst="rect">
+              <a:avLst/>
+            </a:prstGeom>
+            <a:noFill/>
+          </p:spPr>
+          <p:txBody>
+            <a:bodyPr wrap="square" rtlCol="0">
+              <a:spAutoFit/>
+            </a:bodyPr>
+            <a:lstStyle/>
+            <a:p>
+              <a:r>
+                <a:rPr lang="zh-CN" altLang="en-US" dirty="0"/>
+                <a:t>属性成立</a:t>
+              </a:r>
+            </a:p>
+          </p:txBody>
+        </p:sp>
+      </p:grpSp>
+      <p:sp>
+        <p:nvSpPr>
+          <p:cNvPr id="37" name="TextBox 36"/>
+          <p:cNvSpPr txBox="1"/>
+          <p:nvPr/>
+        </p:nvSpPr>
+        <p:spPr>
+          <a:xfrm>
+            <a:off x="5638800" y="5410200"/>
+            <a:ext cx="1676400" cy="369332"/>
+          </a:xfrm>
+          <a:prstGeom prst="rect">
+            <a:avLst/>
+          </a:prstGeom>
+          <a:noFill/>
+        </p:spPr>
+        <p:txBody>
+          <a:bodyPr wrap="square" rtlCol="0">
+            <a:spAutoFit/>
+          </a:bodyPr>
+          <a:lstStyle/>
+          <a:p>
+            <a:r>
+              <a:rPr lang="zh-CN" altLang="en-US" dirty="0"/>
+              <a:t>属性不成立</a:t>
+            </a:r>
+          </a:p>
+        </p:txBody>
+      </p:sp>
+      <p:sp>
+        <p:nvSpPr>
+          <p:cNvPr id="38" name="TextBox 37"/>
+          <p:cNvSpPr txBox="1"/>
+          <p:nvPr/>
+        </p:nvSpPr>
+        <p:spPr>
+          <a:xfrm>
+            <a:off x="5029200" y="2514600"/>
+            <a:ext cx="990600" cy="369332"/>
+          </a:xfrm>
+          <a:prstGeom prst="rect">
+            <a:avLst/>
+          </a:prstGeom>
+          <a:noFill/>
+          <a:ln>
+            <a:solidFill>
+              <a:srgbClr val="C00000"/>
+            </a:solidFill>
+          </a:ln>
+        </p:spPr>
+        <p:txBody>
+          <a:bodyPr wrap="square" rtlCol="0">
+            <a:spAutoFit/>
+          </a:bodyPr>
+          <a:lstStyle/>
+          <a:p>
+            <a:r>
+              <a:rPr lang="en-US" altLang="zh-CN" dirty="0"/>
+              <a:t>Error</a:t>
+            </a:r>
+            <a:endParaRPr lang="zh-CN" altLang="en-US" dirty="0"/>
+          </a:p>
+        </p:txBody>
+      </p:sp>
+      <p:cxnSp>
+        <p:nvCxnSpPr>
+          <p:cNvPr id="40" name="直接箭头连接符 39"/>
+          <p:cNvCxnSpPr/>
+          <p:nvPr/>
+        </p:nvCxnSpPr>
+        <p:spPr>
+          <a:xfrm>
+            <a:off x="5257800" y="2895600"/>
+            <a:ext cx="152400" cy="990600"/>
+          </a:xfrm>
+          <a:prstGeom prst="straightConnector1">
+            <a:avLst/>
+          </a:prstGeom>
+          <a:ln>
+            <a:solidFill>
+              <a:srgbClr val="C00000"/>
+            </a:solidFill>
+            <a:tailEnd type="arrow"/>
+          </a:ln>
+        </p:spPr>
+        <p:style>
+          <a:lnRef idx="1">
+            <a:schemeClr val="accent1"/>
+          </a:lnRef>
+          <a:fillRef idx="0">
+            <a:schemeClr val="accent1"/>
+          </a:fillRef>
+          <a:effectRef idx="0">
+            <a:schemeClr val="accent1"/>
+          </a:effectRef>
+          <a:fontRef idx="minor">
+            <a:schemeClr val="tx1"/>
+          </a:fontRef>
+        </p:style>
+      </p:cxnSp>
+    </p:spTree>
+  </p:cSld>
+  <p:clrMapOvr>
+    <a:masterClrMapping/>
+  </p:clrMapOvr>
+</p:sld>
+</file>
+
+<file path=ppt/slides/slide3.xml><?xml version="1.0" encoding="utf-8"?>
 <p:sld xmlns:a="http://schemas.openxmlformats.org/drawingml/2006/main" xmlns:r="http://schemas.openxmlformats.org/officeDocument/2006/relationships" xmlns:p="http://schemas.openxmlformats.org/presentationml/2006/main">
   <p:cSld>
     <p:spTree>
@@ -12716,7 +13875,7 @@
         <p:spPr>
           <a:xfrm>
             <a:off x="914400" y="596900"/>
-            <a:ext cx="2154436" cy="445443"/>
+            <a:ext cx="2789225" cy="447751"/>
           </a:xfrm>
           <a:prstGeom prst="rect">
             <a:avLst/>
@@ -12736,22 +13895,15 @@
               <a:tabLst/>
             </a:pPr>
             <a:r>
-              <a:rPr lang="zh-CN" altLang="en-US" sz="2802" dirty="0">
+              <a:rPr lang="en-US" altLang="zh-CN" sz="2802" dirty="0">
                 <a:solidFill>
                   <a:srgbClr val="FFFFFF"/>
                 </a:solidFill>
                 <a:latin typeface="Impact" pitchFamily="18" charset="0"/>
                 <a:cs typeface="Impact" pitchFamily="18" charset="0"/>
               </a:rPr>
-              <a:t>安全属性验证</a:t>
-            </a:r>
-            <a:endParaRPr lang="en-US" altLang="zh-CN" sz="2802" dirty="0">
-              <a:solidFill>
-                <a:srgbClr val="FFFFFF"/>
-              </a:solidFill>
-              <a:latin typeface="Impact" pitchFamily="18" charset="0"/>
-              <a:cs typeface="Impact" pitchFamily="18" charset="0"/>
-            </a:endParaRPr>
+              <a:t>Inductive Invariant</a:t>
+            </a:r>
           </a:p>
         </p:txBody>
       </p:sp>
@@ -12764,7 +13916,7 @@
         <p:spPr>
           <a:xfrm>
             <a:off x="88900" y="1752600"/>
-            <a:ext cx="8826500" cy="2316019"/>
+            <a:ext cx="5092700" cy="6727483"/>
           </a:xfrm>
           <a:prstGeom prst="rect">
             <a:avLst/>
@@ -12779,10 +13931,318 @@
           <a:p>
             <a:pPr>
               <a:lnSpc>
+                <a:spcPts val="3100"/>
+              </a:lnSpc>
+              <a:tabLst>
+                <a:tab pos="469900" algn="l"/>
+              </a:tabLst>
+            </a:pPr>
+            <a:r>
+              <a:rPr lang="en-US" altLang="zh-CN" sz="2597" dirty="0">
+                <a:cs typeface="Wingdings" pitchFamily="18" charset="0"/>
+              </a:rPr>
+              <a:t>F is an inductive invariant:</a:t>
+            </a:r>
+          </a:p>
+          <a:p>
+            <a:pPr>
+              <a:lnSpc>
+                <a:spcPts val="3100"/>
+              </a:lnSpc>
+              <a:tabLst>
+                <a:tab pos="469900" algn="l"/>
+              </a:tabLst>
+            </a:pPr>
+            <a:r>
+              <a:rPr lang="en-US" altLang="zh-CN" sz="2597" dirty="0">
+                <a:solidFill>
+                  <a:srgbClr val="FF9A00"/>
+                </a:solidFill>
+                <a:latin typeface="Wingdings" pitchFamily="18" charset="0"/>
+                <a:cs typeface="Wingdings" pitchFamily="18" charset="0"/>
+              </a:rPr>
+              <a:t> </a:t>
+            </a:r>
+            <a:r>
+              <a:rPr lang="en-US" altLang="zh-CN" sz="2800" i="1" dirty="0"/>
+              <a:t>initiation</a:t>
+            </a:r>
+            <a:endParaRPr lang="en-US" altLang="zh-CN" sz="2597" dirty="0">
+              <a:solidFill>
+                <a:srgbClr val="FF9A00"/>
+              </a:solidFill>
+              <a:latin typeface="Wingdings" pitchFamily="18" charset="0"/>
+              <a:cs typeface="Wingdings" pitchFamily="18" charset="0"/>
+            </a:endParaRPr>
+          </a:p>
+          <a:p>
+            <a:pPr>
+              <a:lnSpc>
+                <a:spcPts val="3100"/>
+              </a:lnSpc>
+              <a:tabLst>
+                <a:tab pos="469900" algn="l"/>
+              </a:tabLst>
+            </a:pPr>
+            <a:r>
+              <a:rPr lang="en-US" altLang="zh-CN" sz="2597" dirty="0">
+                <a:solidFill>
+                  <a:srgbClr val="FF9A00"/>
+                </a:solidFill>
+                <a:latin typeface="Wingdings" pitchFamily="18" charset="0"/>
+                <a:cs typeface="Wingdings" pitchFamily="18" charset="0"/>
+              </a:rPr>
+              <a:t> </a:t>
+            </a:r>
+            <a:endParaRPr lang="en-US" altLang="zh-CN" sz="2400" dirty="0">
+              <a:solidFill>
+                <a:srgbClr val="000000"/>
+              </a:solidFill>
+              <a:latin typeface="Times New Roman" pitchFamily="18" charset="0"/>
+              <a:cs typeface="Times New Roman" pitchFamily="18" charset="0"/>
+            </a:endParaRPr>
+          </a:p>
+          <a:p>
+            <a:pPr>
+              <a:lnSpc>
                 <a:spcPts val="1000"/>
               </a:lnSpc>
             </a:pPr>
             <a:endParaRPr lang="en-US" altLang="zh-CN" dirty="0"/>
+          </a:p>
+          <a:p>
+            <a:pPr>
+              <a:lnSpc>
+                <a:spcPts val="1000"/>
+              </a:lnSpc>
+            </a:pPr>
+            <a:endParaRPr lang="en-US" altLang="zh-CN" dirty="0"/>
+          </a:p>
+          <a:p>
+            <a:pPr>
+              <a:lnSpc>
+                <a:spcPts val="1000"/>
+              </a:lnSpc>
+            </a:pPr>
+            <a:endParaRPr lang="en-US" altLang="zh-CN" dirty="0"/>
+          </a:p>
+          <a:p>
+            <a:pPr>
+              <a:lnSpc>
+                <a:spcPts val="1000"/>
+              </a:lnSpc>
+            </a:pPr>
+            <a:endParaRPr lang="en-US" altLang="zh-CN" dirty="0"/>
+          </a:p>
+          <a:p>
+            <a:pPr>
+              <a:lnSpc>
+                <a:spcPts val="3600"/>
+              </a:lnSpc>
+              <a:buFont typeface="Wingdings"/>
+              <a:buChar char="o"/>
+              <a:tabLst>
+                <a:tab pos="469900" algn="l"/>
+              </a:tabLst>
+            </a:pPr>
+            <a:r>
+              <a:rPr lang="en-US" altLang="zh-CN" sz="2400" i="1" dirty="0">
+                <a:solidFill>
+                  <a:schemeClr val="accent6"/>
+                </a:solidFill>
+              </a:rPr>
+              <a:t>    </a:t>
+            </a:r>
+            <a:r>
+              <a:rPr lang="en-US" altLang="zh-CN" sz="2400" i="1" dirty="0"/>
+              <a:t>consecution</a:t>
+            </a:r>
+          </a:p>
+          <a:p>
+            <a:pPr>
+              <a:lnSpc>
+                <a:spcPts val="3600"/>
+              </a:lnSpc>
+              <a:buFont typeface="Wingdings"/>
+              <a:buChar char="o"/>
+              <a:tabLst>
+                <a:tab pos="469900" algn="l"/>
+              </a:tabLst>
+            </a:pPr>
+            <a:endParaRPr lang="en-US" altLang="zh-CN" sz="2400" i="1" dirty="0">
+              <a:solidFill>
+                <a:srgbClr val="FF9A00"/>
+              </a:solidFill>
+              <a:latin typeface="Wingdings" pitchFamily="18" charset="0"/>
+              <a:cs typeface="Wingdings" pitchFamily="18" charset="0"/>
+            </a:endParaRPr>
+          </a:p>
+          <a:p>
+            <a:pPr>
+              <a:lnSpc>
+                <a:spcPts val="3600"/>
+              </a:lnSpc>
+              <a:buFont typeface="Wingdings"/>
+              <a:buChar char="o"/>
+              <a:tabLst>
+                <a:tab pos="469900" algn="l"/>
+              </a:tabLst>
+            </a:pPr>
+            <a:endParaRPr lang="en-US" altLang="zh-CN" sz="2400" i="1" dirty="0">
+              <a:solidFill>
+                <a:srgbClr val="FF9A00"/>
+              </a:solidFill>
+              <a:latin typeface="Wingdings" pitchFamily="18" charset="0"/>
+              <a:cs typeface="Wingdings" pitchFamily="18" charset="0"/>
+            </a:endParaRPr>
+          </a:p>
+          <a:p>
+            <a:pPr>
+              <a:lnSpc>
+                <a:spcPts val="3600"/>
+              </a:lnSpc>
+              <a:buFont typeface="Wingdings"/>
+              <a:buChar char="o"/>
+              <a:tabLst>
+                <a:tab pos="469900" algn="l"/>
+              </a:tabLst>
+            </a:pPr>
+            <a:r>
+              <a:rPr lang="en-US" altLang="zh-CN" sz="2400" i="1" dirty="0">
+                <a:solidFill>
+                  <a:srgbClr val="FF9A00"/>
+                </a:solidFill>
+                <a:latin typeface="Wingdings" pitchFamily="18" charset="0"/>
+                <a:cs typeface="Wingdings" pitchFamily="18" charset="0"/>
+              </a:rPr>
+              <a:t> </a:t>
+            </a:r>
+            <a:r>
+              <a:rPr lang="en-US" altLang="zh-CN" sz="2400" dirty="0">
+                <a:cs typeface="Wingdings" pitchFamily="18" charset="0"/>
+              </a:rPr>
+              <a:t>F</a:t>
+            </a:r>
+            <a:r>
+              <a:rPr lang="zh-CN" altLang="en-US" sz="2400" dirty="0">
+                <a:cs typeface="Wingdings" pitchFamily="18" charset="0"/>
+              </a:rPr>
+              <a:t>是对可达状态集的抽象。</a:t>
+            </a:r>
+            <a:r>
+              <a:rPr lang="en-US" altLang="zh-CN" sz="2400" dirty="0">
+                <a:cs typeface="Wingdings" pitchFamily="18" charset="0"/>
+              </a:rPr>
+              <a:t>Why</a:t>
+            </a:r>
+            <a:r>
+              <a:rPr lang="zh-CN" altLang="en-US" sz="2400" dirty="0">
+                <a:cs typeface="Wingdings" pitchFamily="18" charset="0"/>
+              </a:rPr>
+              <a:t>？</a:t>
+            </a:r>
+            <a:endParaRPr lang="en-US" altLang="zh-CN" sz="2400" dirty="0">
+              <a:cs typeface="Wingdings" pitchFamily="18" charset="0"/>
+            </a:endParaRPr>
+          </a:p>
+          <a:p>
+            <a:pPr>
+              <a:lnSpc>
+                <a:spcPts val="3600"/>
+              </a:lnSpc>
+              <a:buFont typeface="Wingdings"/>
+              <a:buChar char="o"/>
+              <a:tabLst>
+                <a:tab pos="469900" algn="l"/>
+              </a:tabLst>
+            </a:pPr>
+            <a:r>
+              <a:rPr lang="en-US" altLang="zh-CN" sz="2400" dirty="0">
+                <a:solidFill>
+                  <a:schemeClr val="accent6"/>
+                </a:solidFill>
+                <a:cs typeface="Wingdings" pitchFamily="18" charset="0"/>
+              </a:rPr>
+              <a:t>    </a:t>
+            </a:r>
+            <a:r>
+              <a:rPr lang="zh-CN" altLang="en-US" sz="2400" dirty="0">
+                <a:cs typeface="Wingdings" pitchFamily="18" charset="0"/>
+              </a:rPr>
+              <a:t>寻找</a:t>
+            </a:r>
+            <a:r>
+              <a:rPr lang="en-US" altLang="zh-CN" sz="2400" dirty="0">
+                <a:cs typeface="Wingdings" pitchFamily="18" charset="0"/>
+              </a:rPr>
+              <a:t>F</a:t>
+            </a:r>
+            <a:r>
+              <a:rPr lang="zh-CN" altLang="en-US" sz="2400" dirty="0">
+                <a:cs typeface="Wingdings" pitchFamily="18" charset="0"/>
+              </a:rPr>
+              <a:t>，满足条件</a:t>
+            </a:r>
+            <a:endParaRPr lang="en-US" altLang="zh-CN" sz="2400" dirty="0">
+              <a:cs typeface="Wingdings" pitchFamily="18" charset="0"/>
+            </a:endParaRPr>
+          </a:p>
+          <a:p>
+            <a:pPr>
+              <a:lnSpc>
+                <a:spcPts val="3600"/>
+              </a:lnSpc>
+              <a:buFont typeface="Wingdings"/>
+              <a:buChar char="o"/>
+              <a:tabLst>
+                <a:tab pos="469900" algn="l"/>
+              </a:tabLst>
+            </a:pPr>
+            <a:endParaRPr lang="en-US" altLang="zh-CN" sz="2400" i="1" dirty="0">
+              <a:solidFill>
+                <a:srgbClr val="FF9A00"/>
+              </a:solidFill>
+              <a:latin typeface="Wingdings" pitchFamily="18" charset="0"/>
+              <a:cs typeface="Wingdings" pitchFamily="18" charset="0"/>
+            </a:endParaRPr>
+          </a:p>
+          <a:p>
+            <a:pPr>
+              <a:lnSpc>
+                <a:spcPts val="3600"/>
+              </a:lnSpc>
+              <a:buFont typeface="Wingdings"/>
+              <a:buChar char="o"/>
+              <a:tabLst>
+                <a:tab pos="469900" algn="l"/>
+              </a:tabLst>
+            </a:pPr>
+            <a:endParaRPr lang="en-US" altLang="zh-CN" sz="2400" i="1" dirty="0">
+              <a:solidFill>
+                <a:srgbClr val="FF9A00"/>
+              </a:solidFill>
+              <a:latin typeface="Wingdings" pitchFamily="18" charset="0"/>
+              <a:cs typeface="Wingdings" pitchFamily="18" charset="0"/>
+            </a:endParaRPr>
+          </a:p>
+          <a:p>
+            <a:pPr>
+              <a:lnSpc>
+                <a:spcPts val="3600"/>
+              </a:lnSpc>
+              <a:buFont typeface="Wingdings"/>
+              <a:buChar char="o"/>
+              <a:tabLst>
+                <a:tab pos="469900" algn="l"/>
+              </a:tabLst>
+            </a:pPr>
+            <a:endParaRPr lang="en-US" altLang="zh-CN" sz="2400" dirty="0">
+              <a:solidFill>
+                <a:srgbClr val="FF9A00"/>
+              </a:solidFill>
+              <a:latin typeface="Wingdings" pitchFamily="18" charset="0"/>
+              <a:cs typeface="Wingdings" pitchFamily="18" charset="0"/>
+            </a:endParaRPr>
           </a:p>
           <a:p>
             <a:pPr>
@@ -12793,132 +14253,13 @@
                 <a:tab pos="469900" algn="l"/>
               </a:tabLst>
             </a:pPr>
-            <a:r>
-              <a:rPr lang="en-US" altLang="zh-CN" sz="2400" dirty="0">
-                <a:solidFill>
-                  <a:srgbClr val="FF9A00"/>
-                </a:solidFill>
-                <a:latin typeface="Wingdings" pitchFamily="18" charset="0"/>
-                <a:cs typeface="Wingdings" pitchFamily="18" charset="0"/>
-              </a:rPr>
-              <a:t></a:t>
-            </a:r>
-            <a:r>
-              <a:rPr lang="zh-CN" altLang="en-US" sz="2400" dirty="0">
-                <a:solidFill>
-                  <a:srgbClr val="FF9A00"/>
-                </a:solidFill>
-                <a:latin typeface="Wingdings" pitchFamily="18" charset="0"/>
-                <a:cs typeface="Wingdings" pitchFamily="18" charset="0"/>
-              </a:rPr>
-              <a:t> </a:t>
-            </a:r>
-            <a:r>
-              <a:rPr lang="zh-CN" altLang="en-US" sz="2400" dirty="0">
-                <a:latin typeface="Wingdings" pitchFamily="18" charset="0"/>
-                <a:cs typeface="Wingdings" pitchFamily="18" charset="0"/>
-              </a:rPr>
-              <a:t>系统模型</a:t>
-            </a:r>
-            <a:r>
-              <a:rPr lang="en-US" altLang="zh-CN" sz="2400" dirty="0">
-                <a:latin typeface="Times New Roman" pitchFamily="18" charset="0"/>
-                <a:cs typeface="Times New Roman" pitchFamily="18" charset="0"/>
-              </a:rPr>
-              <a:t> </a:t>
-            </a:r>
-            <a:r>
-              <a:rPr lang="zh-CN" altLang="en-US" sz="2400" dirty="0">
-                <a:latin typeface="Times New Roman" pitchFamily="18" charset="0"/>
-                <a:cs typeface="Times New Roman" pitchFamily="18" charset="0"/>
-              </a:rPr>
-              <a:t>：</a:t>
-            </a:r>
-            <a:r>
-              <a:rPr lang="en-US" altLang="zh-CN" sz="2400" dirty="0">
-                <a:latin typeface="Times New Roman" pitchFamily="18" charset="0"/>
-                <a:cs typeface="Times New Roman" pitchFamily="18" charset="0"/>
-              </a:rPr>
-              <a:t>S</a:t>
-            </a:r>
-            <a:r>
-              <a:rPr lang="zh-CN" altLang="en-US" sz="2400" dirty="0">
-                <a:latin typeface="Times New Roman" pitchFamily="18" charset="0"/>
-                <a:cs typeface="Times New Roman" pitchFamily="18" charset="0"/>
-              </a:rPr>
-              <a:t>（</a:t>
-            </a:r>
-            <a:r>
-              <a:rPr lang="en-US" altLang="zh-CN" sz="2400" dirty="0">
-                <a:latin typeface="Times New Roman" pitchFamily="18" charset="0"/>
-                <a:cs typeface="Times New Roman" pitchFamily="18" charset="0"/>
-              </a:rPr>
-              <a:t>I</a:t>
-            </a:r>
-            <a:r>
-              <a:rPr lang="zh-CN" altLang="en-US" sz="2400" dirty="0">
-                <a:latin typeface="Times New Roman" pitchFamily="18" charset="0"/>
-                <a:cs typeface="Times New Roman" pitchFamily="18" charset="0"/>
-              </a:rPr>
-              <a:t>，</a:t>
-            </a:r>
-            <a:r>
-              <a:rPr lang="en-US" altLang="zh-CN" sz="2400" dirty="0">
-                <a:latin typeface="Times New Roman" pitchFamily="18" charset="0"/>
-                <a:cs typeface="Times New Roman" pitchFamily="18" charset="0"/>
-              </a:rPr>
-              <a:t>T</a:t>
-            </a:r>
-            <a:r>
-              <a:rPr lang="zh-CN" altLang="en-US" sz="2400" dirty="0">
-                <a:latin typeface="Times New Roman" pitchFamily="18" charset="0"/>
-                <a:cs typeface="Times New Roman" pitchFamily="18" charset="0"/>
-              </a:rPr>
-              <a:t>）</a:t>
-            </a:r>
             <a:endParaRPr lang="en-US" altLang="zh-CN" sz="2400" dirty="0">
               <a:solidFill>
-                <a:srgbClr val="FF9A00"/>
+                <a:srgbClr val="000000"/>
               </a:solidFill>
-              <a:latin typeface="Wingdings" pitchFamily="18" charset="0"/>
-              <a:cs typeface="Wingdings" pitchFamily="18" charset="0"/>
+              <a:latin typeface="Times New Roman" pitchFamily="18" charset="0"/>
+              <a:cs typeface="Times New Roman" pitchFamily="18" charset="0"/>
             </a:endParaRPr>
-          </a:p>
-          <a:p>
-            <a:pPr>
-              <a:lnSpc>
-                <a:spcPts val="3400"/>
-              </a:lnSpc>
-              <a:buFont typeface="Wingdings"/>
-              <a:buChar char="o"/>
-              <a:tabLst>
-                <a:tab pos="469900" algn="l"/>
-              </a:tabLst>
-            </a:pPr>
-            <a:r>
-              <a:rPr lang="zh-CN" altLang="en-US" sz="2400" dirty="0">
-                <a:solidFill>
-                  <a:schemeClr val="accent6"/>
-                </a:solidFill>
-                <a:latin typeface="Wingdings" pitchFamily="18" charset="0"/>
-                <a:cs typeface="Wingdings" pitchFamily="18" charset="0"/>
-              </a:rPr>
-              <a:t> </a:t>
-            </a:r>
-            <a:r>
-              <a:rPr lang="zh-CN" altLang="en-US" sz="2400" dirty="0">
-                <a:latin typeface="Wingdings" pitchFamily="18" charset="0"/>
-                <a:cs typeface="Wingdings" pitchFamily="18" charset="0"/>
-              </a:rPr>
-              <a:t>安全属性：</a:t>
-            </a:r>
-            <a:r>
-              <a:rPr lang="en-US" altLang="zh-CN" sz="2400" dirty="0">
-                <a:latin typeface="Times New Roman" pitchFamily="18" charset="0"/>
-                <a:cs typeface="Times New Roman" pitchFamily="18" charset="0"/>
-              </a:rPr>
-              <a:t>P</a:t>
-            </a:r>
           </a:p>
           <a:p>
             <a:pPr>
@@ -12929,37 +14270,10 @@
                 <a:tab pos="469900" algn="l"/>
               </a:tabLst>
             </a:pPr>
-            <a:r>
-              <a:rPr lang="en-US" altLang="zh-CN" sz="2400" dirty="0">
-                <a:solidFill>
-                  <a:srgbClr val="FF9A00"/>
-                </a:solidFill>
-                <a:latin typeface="Wingdings" pitchFamily="18" charset="0"/>
-                <a:cs typeface="Wingdings" pitchFamily="18" charset="0"/>
-              </a:rPr>
-              <a:t> </a:t>
-            </a:r>
-            <a:r>
-              <a:rPr lang="zh-CN" altLang="en-US" sz="2400" dirty="0">
-                <a:latin typeface="Wingdings" pitchFamily="18" charset="0"/>
-                <a:cs typeface="Wingdings" pitchFamily="18" charset="0"/>
-              </a:rPr>
-              <a:t>可达状态</a:t>
-            </a:r>
-            <a:r>
-              <a:rPr lang="zh-CN" altLang="en-US" sz="2400" dirty="0">
-                <a:latin typeface="Times New Roman" pitchFamily="18" charset="0"/>
-                <a:cs typeface="Times New Roman" pitchFamily="18" charset="0"/>
-              </a:rPr>
-              <a:t>集：</a:t>
-            </a:r>
-            <a:r>
-              <a:rPr lang="en-US" altLang="zh-CN" sz="2400" dirty="0">
-                <a:latin typeface="Times New Roman" pitchFamily="18" charset="0"/>
-                <a:cs typeface="Times New Roman" pitchFamily="18" charset="0"/>
-              </a:rPr>
-              <a:t>R</a:t>
-            </a:r>
+            <a:endParaRPr lang="en-US" altLang="zh-CN" sz="2400" dirty="0">
+              <a:latin typeface="Times New Roman" pitchFamily="18" charset="0"/>
+              <a:cs typeface="Times New Roman" pitchFamily="18" charset="0"/>
+            </a:endParaRPr>
           </a:p>
           <a:p>
             <a:pPr>
@@ -12980,32 +14294,10 @@
           <a:p>
             <a:pPr>
               <a:lnSpc>
-                <a:spcPts val="4300"/>
+                <a:spcPts val="1000"/>
               </a:lnSpc>
-              <a:tabLst>
-                <a:tab pos="469900" algn="l"/>
-              </a:tabLst>
             </a:pPr>
-            <a:r>
-              <a:rPr lang="en-US" altLang="zh-CN" sz="2400" dirty="0">
-                <a:latin typeface="Times New Roman" pitchFamily="18" charset="0"/>
-                <a:cs typeface="Times New Roman" pitchFamily="18" charset="0"/>
-              </a:rPr>
-              <a:t>                    </a:t>
-            </a:r>
-            <a:r>
-              <a:rPr lang="en-US" altLang="zh-CN" sz="2400" dirty="0">
-                <a:cs typeface="Wingdings" pitchFamily="18" charset="0"/>
-              </a:rPr>
-              <a:t> </a:t>
-            </a:r>
-            <a:endParaRPr lang="en-US" altLang="zh-CN" sz="2400" dirty="0">
-              <a:solidFill>
-                <a:srgbClr val="000000"/>
-              </a:solidFill>
-              <a:latin typeface="Times New Roman" pitchFamily="18" charset="0"/>
-              <a:cs typeface="Times New Roman" pitchFamily="18" charset="0"/>
-            </a:endParaRPr>
+            <a:endParaRPr lang="en-US" altLang="zh-CN" dirty="0"/>
           </a:p>
         </p:txBody>
       </p:sp>
@@ -13086,21 +14378,207 @@
                 <a:latin typeface="Times New Roman" pitchFamily="18" charset="0"/>
                 <a:cs typeface="Times New Roman" pitchFamily="18" charset="0"/>
               </a:rPr>
-              <a:t>1</a:t>
-            </a:r>
-          </a:p>
-        </p:txBody>
-      </p:sp>
-      <p:sp>
-        <p:nvSpPr>
-          <p:cNvPr id="22" name="椭圆 21"/>
+              <a:t>2</a:t>
+            </a:r>
+          </a:p>
+        </p:txBody>
+      </p:sp>
+      <p:graphicFrame>
+        <p:nvGraphicFramePr>
+          <p:cNvPr id="3074" name="Object 2"/>
+          <p:cNvGraphicFramePr>
+            <a:graphicFrameLocks noChangeAspect="1"/>
+          </p:cNvGraphicFramePr>
+          <p:nvPr/>
+        </p:nvGraphicFramePr>
+        <p:xfrm>
+          <a:off x="1590675" y="2738437"/>
+          <a:ext cx="1152525" cy="461963"/>
+        </p:xfrm>
+        <a:graphic>
+          <a:graphicData uri="http://schemas.openxmlformats.org/presentationml/2006/ole">
+            <mc:AlternateContent xmlns:mc="http://schemas.openxmlformats.org/markup-compatibility/2006">
+              <mc:Choice xmlns:v="urn:schemas-microsoft-com:vml" Requires="v">
+                <p:oleObj name="Equation" r:id="rId2" imgW="444240" imgH="177480" progId="Equation.DSMT4">
+                  <p:embed/>
+                </p:oleObj>
+              </mc:Choice>
+              <mc:Fallback>
+                <p:oleObj name="Equation" r:id="rId2" imgW="444240" imgH="177480" progId="Equation.DSMT4">
+                  <p:embed/>
+                  <p:pic>
+                    <p:nvPicPr>
+                      <p:cNvPr id="0" name="Picture 2"/>
+                      <p:cNvPicPr>
+                        <a:picLocks noChangeAspect="1" noChangeArrowheads="1"/>
+                      </p:cNvPicPr>
+                      <p:nvPr/>
+                    </p:nvPicPr>
+                    <p:blipFill>
+                      <a:blip r:embed="rId3">
+                        <a:extLst>
+                          <a:ext uri="{28A0092B-C50C-407E-A947-70E740481C1C}">
+                            <a14:useLocalDpi xmlns:a14="http://schemas.microsoft.com/office/drawing/2010/main" val="0"/>
+                          </a:ext>
+                        </a:extLst>
+                      </a:blip>
+                      <a:srcRect/>
+                      <a:stretch>
+                        <a:fillRect/>
+                      </a:stretch>
+                    </p:blipFill>
+                    <p:spPr bwMode="auto">
+                      <a:xfrm>
+                        <a:off x="1590675" y="2738437"/>
+                        <a:ext cx="1152525" cy="461963"/>
+                      </a:xfrm>
+                      <a:prstGeom prst="rect">
+                        <a:avLst/>
+                      </a:prstGeom>
+                      <a:noFill/>
+                      <a:ln>
+                        <a:noFill/>
+                      </a:ln>
+                      <a:effectLst/>
+                      <a:extLst>
+                        <a:ext uri="{909E8E84-426E-40DD-AFC4-6F175D3DCCD1}">
+                          <a14:hiddenFill xmlns:a14="http://schemas.microsoft.com/office/drawing/2010/main">
+                            <a:solidFill>
+                              <a:schemeClr val="accent1"/>
+                            </a:solidFill>
+                          </a14:hiddenFill>
+                        </a:ext>
+                        <a:ext uri="{91240B29-F687-4F45-9708-019B960494DF}">
+                          <a14:hiddenLine xmlns:a14="http://schemas.microsoft.com/office/drawing/2010/main" w="9525">
+                            <a:solidFill>
+                              <a:schemeClr val="tx1"/>
+                            </a:solidFill>
+                            <a:miter lim="800000"/>
+                            <a:headEnd/>
+                            <a:tailEnd/>
+                          </a14:hiddenLine>
+                        </a:ext>
+                        <a:ext uri="{AF507438-7753-43E0-B8FC-AC1667EBCBE1}">
+                          <a14:hiddenEffects xmlns:a14="http://schemas.microsoft.com/office/drawing/2010/main">
+                            <a:effectLst>
+                              <a:outerShdw dist="35921" dir="2700000" algn="ctr" rotWithShape="0">
+                                <a:schemeClr val="bg2"/>
+                              </a:outerShdw>
+                            </a:effectLst>
+                          </a14:hiddenEffects>
+                        </a:ext>
+                      </a:extLst>
+                    </p:spPr>
+                  </p:pic>
+                </p:oleObj>
+              </mc:Fallback>
+            </mc:AlternateContent>
+          </a:graphicData>
+        </a:graphic>
+      </p:graphicFrame>
+      <p:graphicFrame>
+        <p:nvGraphicFramePr>
+          <p:cNvPr id="3075" name="Object 3"/>
+          <p:cNvGraphicFramePr>
+            <a:graphicFrameLocks noChangeAspect="1"/>
+          </p:cNvGraphicFramePr>
+          <p:nvPr/>
+        </p:nvGraphicFramePr>
+        <p:xfrm>
+          <a:off x="1616075" y="4073525"/>
+          <a:ext cx="1812925" cy="422275"/>
+        </p:xfrm>
+        <a:graphic>
+          <a:graphicData uri="http://schemas.openxmlformats.org/presentationml/2006/ole">
+            <mc:AlternateContent xmlns:mc="http://schemas.openxmlformats.org/markup-compatibility/2006">
+              <mc:Choice xmlns:v="urn:schemas-microsoft-com:vml" Requires="v">
+                <p:oleObj name="Equation" r:id="rId4" imgW="761760" imgH="177480" progId="Equation.DSMT4">
+                  <p:embed/>
+                </p:oleObj>
+              </mc:Choice>
+              <mc:Fallback>
+                <p:oleObj name="Equation" r:id="rId4" imgW="761760" imgH="177480" progId="Equation.DSMT4">
+                  <p:embed/>
+                  <p:pic>
+                    <p:nvPicPr>
+                      <p:cNvPr id="0" name="Picture 3"/>
+                      <p:cNvPicPr>
+                        <a:picLocks noChangeAspect="1" noChangeArrowheads="1"/>
+                      </p:cNvPicPr>
+                      <p:nvPr/>
+                    </p:nvPicPr>
+                    <p:blipFill>
+                      <a:blip r:embed="rId5">
+                        <a:extLst>
+                          <a:ext uri="{28A0092B-C50C-407E-A947-70E740481C1C}">
+                            <a14:useLocalDpi xmlns:a14="http://schemas.microsoft.com/office/drawing/2010/main" val="0"/>
+                          </a:ext>
+                        </a:extLst>
+                      </a:blip>
+                      <a:srcRect/>
+                      <a:stretch>
+                        <a:fillRect/>
+                      </a:stretch>
+                    </p:blipFill>
+                    <p:spPr bwMode="auto">
+                      <a:xfrm>
+                        <a:off x="1616075" y="4073525"/>
+                        <a:ext cx="1812925" cy="422275"/>
+                      </a:xfrm>
+                      <a:prstGeom prst="rect">
+                        <a:avLst/>
+                      </a:prstGeom>
+                      <a:noFill/>
+                      <a:ln>
+                        <a:noFill/>
+                      </a:ln>
+                      <a:effectLst/>
+                      <a:extLst>
+                        <a:ext uri="{909E8E84-426E-40DD-AFC4-6F175D3DCCD1}">
+                          <a14:hiddenFill xmlns:a14="http://schemas.microsoft.com/office/drawing/2010/main">
+                            <a:solidFill>
+                              <a:schemeClr val="accent1"/>
+                            </a:solidFill>
+                          </a14:hiddenFill>
+                        </a:ext>
+                        <a:ext uri="{91240B29-F687-4F45-9708-019B960494DF}">
+                          <a14:hiddenLine xmlns:a14="http://schemas.microsoft.com/office/drawing/2010/main" w="9525">
+                            <a:solidFill>
+                              <a:schemeClr val="tx1"/>
+                            </a:solidFill>
+                            <a:miter lim="800000"/>
+                            <a:headEnd/>
+                            <a:tailEnd/>
+                          </a14:hiddenLine>
+                        </a:ext>
+                        <a:ext uri="{AF507438-7753-43E0-B8FC-AC1667EBCBE1}">
+                          <a14:hiddenEffects xmlns:a14="http://schemas.microsoft.com/office/drawing/2010/main">
+                            <a:effectLst>
+                              <a:outerShdw dist="35921" dir="2700000" algn="ctr" rotWithShape="0">
+                                <a:schemeClr val="bg2"/>
+                              </a:outerShdw>
+                            </a:effectLst>
+                          </a14:hiddenEffects>
+                        </a:ext>
+                      </a:extLst>
+                    </p:spPr>
+                  </p:pic>
+                </p:oleObj>
+              </mc:Fallback>
+            </mc:AlternateContent>
+          </a:graphicData>
+        </a:graphic>
+      </p:graphicFrame>
+      <p:sp>
+        <p:nvSpPr>
+          <p:cNvPr id="13" name="椭圆 12"/>
           <p:cNvSpPr/>
           <p:nvPr/>
         </p:nvSpPr>
         <p:spPr>
           <a:xfrm>
-            <a:off x="4724400" y="3581400"/>
-            <a:ext cx="2438400" cy="1524000"/>
+            <a:off x="4648200" y="2743200"/>
+            <a:ext cx="2438400" cy="1295400"/>
           </a:xfrm>
           <a:prstGeom prst="ellipse">
             <a:avLst/>
@@ -13139,13 +14617,13 @@
       </p:sp>
       <p:sp>
         <p:nvSpPr>
-          <p:cNvPr id="20" name="椭圆 19"/>
+          <p:cNvPr id="14" name="椭圆 13"/>
           <p:cNvSpPr/>
           <p:nvPr/>
         </p:nvSpPr>
         <p:spPr>
           <a:xfrm>
-            <a:off x="6019800" y="4114800"/>
+            <a:off x="4800600" y="3200400"/>
             <a:ext cx="838200" cy="457200"/>
           </a:xfrm>
           <a:prstGeom prst="ellipse">
@@ -13197,13 +14675,13 @@
       </p:sp>
       <p:sp>
         <p:nvSpPr>
-          <p:cNvPr id="24" name="TextBox 23"/>
+          <p:cNvPr id="15" name="TextBox 14"/>
           <p:cNvSpPr txBox="1"/>
           <p:nvPr/>
         </p:nvSpPr>
         <p:spPr>
           <a:xfrm>
-            <a:off x="7467600" y="3886200"/>
+            <a:off x="7315200" y="3048000"/>
             <a:ext cx="381000" cy="381000"/>
           </a:xfrm>
           <a:prstGeom prst="rect">
@@ -13219,7 +14697,7 @@
           <a:p>
             <a:r>
               <a:rPr lang="en-US" altLang="zh-CN" b="1" dirty="0"/>
-              <a:t>P</a:t>
+              <a:t>F</a:t>
             </a:r>
             <a:endParaRPr lang="zh-CN" altLang="en-US" b="1" dirty="0"/>
           </a:p>
@@ -13227,13 +14705,13 @@
       </p:sp>
       <p:sp>
         <p:nvSpPr>
-          <p:cNvPr id="25" name="TextBox 24"/>
+          <p:cNvPr id="16" name="TextBox 15"/>
           <p:cNvSpPr txBox="1"/>
           <p:nvPr/>
         </p:nvSpPr>
         <p:spPr>
           <a:xfrm>
-            <a:off x="5029200" y="3886200"/>
+            <a:off x="6248400" y="2895600"/>
             <a:ext cx="381000" cy="369332"/>
           </a:xfrm>
           <a:prstGeom prst="rect">
@@ -13255,241 +14733,24 @@
           </a:p>
         </p:txBody>
       </p:sp>
-      <p:grpSp>
-        <p:nvGrpSpPr>
-          <p:cNvPr id="35" name="组合 34"/>
-          <p:cNvGrpSpPr/>
-          <p:nvPr/>
-        </p:nvGrpSpPr>
-        <p:grpSpPr>
-          <a:xfrm>
-            <a:off x="533400" y="3505200"/>
-            <a:ext cx="3276600" cy="1752600"/>
-            <a:chOff x="609600" y="3276600"/>
-            <a:chExt cx="3276600" cy="1752600"/>
-          </a:xfrm>
-        </p:grpSpPr>
-        <p:sp>
-          <p:nvSpPr>
-            <p:cNvPr id="28" name="椭圆 27"/>
-            <p:cNvSpPr/>
-            <p:nvPr/>
-          </p:nvSpPr>
-          <p:spPr>
-            <a:xfrm>
-              <a:off x="685800" y="3581400"/>
-              <a:ext cx="2438400" cy="1295400"/>
-            </a:xfrm>
-            <a:prstGeom prst="ellipse">
-              <a:avLst/>
-            </a:prstGeom>
-            <a:solidFill>
-              <a:schemeClr val="accent3">
-                <a:lumMod val="40000"/>
-                <a:lumOff val="60000"/>
-              </a:schemeClr>
-            </a:solidFill>
-          </p:spPr>
-          <p:style>
-            <a:lnRef idx="2">
-              <a:schemeClr val="accent1">
-                <a:shade val="50000"/>
-              </a:schemeClr>
-            </a:lnRef>
-            <a:fillRef idx="1">
-              <a:schemeClr val="accent1"/>
-            </a:fillRef>
-            <a:effectRef idx="0">
-              <a:schemeClr val="accent1"/>
-            </a:effectRef>
-            <a:fontRef idx="minor">
-              <a:schemeClr val="lt1"/>
-            </a:fontRef>
-          </p:style>
-          <p:txBody>
-            <a:bodyPr rtlCol="0" anchor="ctr"/>
-            <a:lstStyle/>
-            <a:p>
-              <a:pPr algn="ctr"/>
-              <a:endParaRPr lang="zh-CN" altLang="en-US"/>
-            </a:p>
-          </p:txBody>
-        </p:sp>
-        <p:sp>
-          <p:nvSpPr>
-            <p:cNvPr id="29" name="椭圆 28"/>
-            <p:cNvSpPr/>
-            <p:nvPr/>
-          </p:nvSpPr>
-          <p:spPr>
-            <a:xfrm>
-              <a:off x="838200" y="4038600"/>
-              <a:ext cx="838200" cy="457200"/>
-            </a:xfrm>
-            <a:prstGeom prst="ellipse">
-              <a:avLst/>
-            </a:prstGeom>
-            <a:solidFill>
-              <a:schemeClr val="tx2">
-                <a:lumMod val="20000"/>
-                <a:lumOff val="80000"/>
-              </a:schemeClr>
-            </a:solidFill>
-          </p:spPr>
-          <p:style>
-            <a:lnRef idx="2">
-              <a:schemeClr val="accent1">
-                <a:shade val="50000"/>
-              </a:schemeClr>
-            </a:lnRef>
-            <a:fillRef idx="1">
-              <a:schemeClr val="accent1"/>
-            </a:fillRef>
-            <a:effectRef idx="0">
-              <a:schemeClr val="accent1"/>
-            </a:effectRef>
-            <a:fontRef idx="minor">
-              <a:schemeClr val="lt1"/>
-            </a:fontRef>
-          </p:style>
-          <p:txBody>
-            <a:bodyPr rtlCol="0" anchor="ctr"/>
-            <a:lstStyle/>
-            <a:p>
-              <a:pPr algn="ctr"/>
-              <a:r>
-                <a:rPr lang="en-US" altLang="zh-CN" b="1" dirty="0">
-                  <a:solidFill>
-                    <a:schemeClr val="tx1"/>
-                  </a:solidFill>
-                </a:rPr>
-                <a:t>I</a:t>
-              </a:r>
-              <a:endParaRPr lang="zh-CN" altLang="en-US" b="1" dirty="0">
-                <a:solidFill>
-                  <a:schemeClr val="tx1"/>
-                </a:solidFill>
-              </a:endParaRPr>
-            </a:p>
-          </p:txBody>
-        </p:sp>
-        <p:sp>
-          <p:nvSpPr>
-            <p:cNvPr id="31" name="TextBox 30"/>
-            <p:cNvSpPr txBox="1"/>
-            <p:nvPr/>
-          </p:nvSpPr>
-          <p:spPr>
-            <a:xfrm>
-              <a:off x="3505200" y="3810000"/>
-              <a:ext cx="381000" cy="381000"/>
-            </a:xfrm>
-            <a:prstGeom prst="rect">
-              <a:avLst/>
-            </a:prstGeom>
-            <a:noFill/>
-          </p:spPr>
-          <p:txBody>
-            <a:bodyPr wrap="square" rtlCol="0">
-              <a:spAutoFit/>
-            </a:bodyPr>
-            <a:lstStyle/>
-            <a:p>
-              <a:r>
-                <a:rPr lang="en-US" altLang="zh-CN" b="1" dirty="0"/>
-                <a:t>P</a:t>
-              </a:r>
-              <a:endParaRPr lang="zh-CN" altLang="en-US" b="1" dirty="0"/>
-            </a:p>
-          </p:txBody>
-        </p:sp>
-        <p:sp>
-          <p:nvSpPr>
-            <p:cNvPr id="32" name="TextBox 31"/>
-            <p:cNvSpPr txBox="1"/>
-            <p:nvPr/>
-          </p:nvSpPr>
-          <p:spPr>
-            <a:xfrm>
-              <a:off x="2286000" y="3733800"/>
-              <a:ext cx="381000" cy="369332"/>
-            </a:xfrm>
-            <a:prstGeom prst="rect">
-              <a:avLst/>
-            </a:prstGeom>
-            <a:noFill/>
-          </p:spPr>
-          <p:txBody>
-            <a:bodyPr wrap="square" rtlCol="0">
-              <a:spAutoFit/>
-            </a:bodyPr>
-            <a:lstStyle/>
-            <a:p>
-              <a:r>
-                <a:rPr lang="en-US" altLang="zh-CN" b="1" dirty="0"/>
-                <a:t>R</a:t>
-              </a:r>
-              <a:endParaRPr lang="zh-CN" altLang="en-US" b="1" dirty="0"/>
-            </a:p>
-          </p:txBody>
-        </p:sp>
-        <p:sp>
-          <p:nvSpPr>
-            <p:cNvPr id="33" name="椭圆 32"/>
-            <p:cNvSpPr/>
-            <p:nvPr/>
-          </p:nvSpPr>
-          <p:spPr>
-            <a:xfrm>
-              <a:off x="609600" y="3276600"/>
-              <a:ext cx="3276600" cy="1752600"/>
-            </a:xfrm>
-            <a:prstGeom prst="ellipse">
-              <a:avLst/>
-            </a:prstGeom>
-            <a:noFill/>
-          </p:spPr>
-          <p:style>
-            <a:lnRef idx="2">
-              <a:schemeClr val="accent1">
-                <a:shade val="50000"/>
-              </a:schemeClr>
-            </a:lnRef>
-            <a:fillRef idx="1">
-              <a:schemeClr val="accent1"/>
-            </a:fillRef>
-            <a:effectRef idx="0">
-              <a:schemeClr val="accent1"/>
-            </a:effectRef>
-            <a:fontRef idx="minor">
-              <a:schemeClr val="lt1"/>
-            </a:fontRef>
-          </p:style>
-          <p:txBody>
-            <a:bodyPr rtlCol="0" anchor="ctr"/>
-            <a:lstStyle/>
-            <a:p>
-              <a:pPr algn="ctr"/>
-              <a:endParaRPr lang="zh-CN" altLang="en-US"/>
-            </a:p>
-          </p:txBody>
-        </p:sp>
-      </p:grpSp>
-      <p:sp>
-        <p:nvSpPr>
-          <p:cNvPr id="34" name="椭圆 33"/>
+      <p:sp>
+        <p:nvSpPr>
+          <p:cNvPr id="22" name="椭圆 21"/>
           <p:cNvSpPr/>
           <p:nvPr/>
         </p:nvSpPr>
         <p:spPr>
           <a:xfrm>
-            <a:off x="5257800" y="3581400"/>
-            <a:ext cx="2590800" cy="1600200"/>
+            <a:off x="4572000" y="2514600"/>
+            <a:ext cx="3200400" cy="1752600"/>
           </a:xfrm>
           <a:prstGeom prst="ellipse">
             <a:avLst/>
           </a:prstGeom>
           <a:noFill/>
+          <a:ln>
+            <a:prstDash val="sysDash"/>
+          </a:ln>
         </p:spPr>
         <p:style>
           <a:lnRef idx="2">
@@ -13516,135 +14777,99 @@
           </a:p>
         </p:txBody>
       </p:sp>
-      <p:sp>
-        <p:nvSpPr>
-          <p:cNvPr id="36" name="TextBox 35"/>
-          <p:cNvSpPr txBox="1"/>
+      <p:graphicFrame>
+        <p:nvGraphicFramePr>
+          <p:cNvPr id="22533" name="Object 5"/>
+          <p:cNvGraphicFramePr>
+            <a:graphicFrameLocks noChangeAspect="1"/>
+          </p:cNvGraphicFramePr>
           <p:nvPr/>
-        </p:nvSpPr>
-        <p:spPr>
-          <a:xfrm>
-            <a:off x="1600200" y="5410200"/>
-            <a:ext cx="1752600" cy="369332"/>
-          </a:xfrm>
-          <a:prstGeom prst="rect">
-            <a:avLst/>
-          </a:prstGeom>
-          <a:noFill/>
-        </p:spPr>
-        <p:txBody>
-          <a:bodyPr wrap="square" rtlCol="0">
-            <a:spAutoFit/>
-          </a:bodyPr>
-          <a:lstStyle/>
-          <a:p>
-            <a:r>
-              <a:rPr lang="zh-CN" altLang="en-US" dirty="0"/>
-              <a:t>属性成立</a:t>
-            </a:r>
-          </a:p>
-        </p:txBody>
-      </p:sp>
-      <p:sp>
-        <p:nvSpPr>
-          <p:cNvPr id="37" name="TextBox 36"/>
-          <p:cNvSpPr txBox="1"/>
-          <p:nvPr/>
-        </p:nvSpPr>
-        <p:spPr>
-          <a:xfrm>
-            <a:off x="5638800" y="5410200"/>
-            <a:ext cx="1676400" cy="369332"/>
-          </a:xfrm>
-          <a:prstGeom prst="rect">
-            <a:avLst/>
-          </a:prstGeom>
-          <a:noFill/>
-        </p:spPr>
-        <p:txBody>
-          <a:bodyPr wrap="square" rtlCol="0">
-            <a:spAutoFit/>
-          </a:bodyPr>
-          <a:lstStyle/>
-          <a:p>
-            <a:r>
-              <a:rPr lang="zh-CN" altLang="en-US" dirty="0"/>
-              <a:t>属性不成立</a:t>
-            </a:r>
-          </a:p>
-        </p:txBody>
-      </p:sp>
-      <p:sp>
-        <p:nvSpPr>
-          <p:cNvPr id="38" name="TextBox 37"/>
-          <p:cNvSpPr txBox="1"/>
-          <p:nvPr/>
-        </p:nvSpPr>
-        <p:spPr>
-          <a:xfrm>
-            <a:off x="5029200" y="2514600"/>
-            <a:ext cx="990600" cy="369332"/>
-          </a:xfrm>
-          <a:prstGeom prst="rect">
-            <a:avLst/>
-          </a:prstGeom>
-          <a:noFill/>
-          <a:ln>
-            <a:solidFill>
-              <a:srgbClr val="C00000"/>
-            </a:solidFill>
-          </a:ln>
-        </p:spPr>
-        <p:txBody>
-          <a:bodyPr wrap="square" rtlCol="0">
-            <a:spAutoFit/>
-          </a:bodyPr>
-          <a:lstStyle/>
-          <a:p>
-            <a:r>
-              <a:rPr lang="en-US" altLang="zh-CN" dirty="0"/>
-              <a:t>Error</a:t>
-            </a:r>
-            <a:endParaRPr lang="zh-CN" altLang="en-US" dirty="0"/>
-          </a:p>
-        </p:txBody>
-      </p:sp>
-      <p:cxnSp>
-        <p:nvCxnSpPr>
-          <p:cNvPr id="40" name="直接箭头连接符 39"/>
-          <p:cNvCxnSpPr/>
-          <p:nvPr/>
-        </p:nvCxnSpPr>
-        <p:spPr>
-          <a:xfrm>
-            <a:off x="5257800" y="2895600"/>
-            <a:ext cx="152400" cy="990600"/>
-          </a:xfrm>
-          <a:prstGeom prst="straightConnector1">
-            <a:avLst/>
-          </a:prstGeom>
-          <a:ln>
-            <a:solidFill>
-              <a:srgbClr val="C00000"/>
-            </a:solidFill>
-            <a:tailEnd type="arrow"/>
-          </a:ln>
-        </p:spPr>
-        <p:style>
-          <a:lnRef idx="1">
-            <a:schemeClr val="accent1"/>
-          </a:lnRef>
-          <a:fillRef idx="0">
-            <a:schemeClr val="accent1"/>
-          </a:fillRef>
-          <a:effectRef idx="0">
-            <a:schemeClr val="accent1"/>
-          </a:effectRef>
-          <a:fontRef idx="minor">
-            <a:schemeClr val="tx1"/>
-          </a:fontRef>
-        </p:style>
-      </p:cxnSp>
+        </p:nvGraphicFramePr>
+        <p:xfrm>
+          <a:off x="3048000" y="5334000"/>
+          <a:ext cx="1034143" cy="381000"/>
+        </p:xfrm>
+        <a:graphic>
+          <a:graphicData uri="http://schemas.openxmlformats.org/presentationml/2006/ole">
+            <mc:AlternateContent xmlns:mc="http://schemas.openxmlformats.org/markup-compatibility/2006">
+              <mc:Choice xmlns:v="urn:schemas-microsoft-com:vml" Requires="v">
+                <p:oleObj name="Equation" r:id="rId6" imgW="482400" imgH="177480" progId="Equation.DSMT4">
+                  <p:embed/>
+                </p:oleObj>
+              </mc:Choice>
+              <mc:Fallback>
+                <p:oleObj name="Equation" r:id="rId6" imgW="482400" imgH="177480" progId="Equation.DSMT4">
+                  <p:embed/>
+                  <p:pic>
+                    <p:nvPicPr>
+                      <p:cNvPr id="0" name="Picture 5"/>
+                      <p:cNvPicPr>
+                        <a:picLocks noChangeAspect="1" noChangeArrowheads="1"/>
+                      </p:cNvPicPr>
+                      <p:nvPr/>
+                    </p:nvPicPr>
+                    <p:blipFill>
+                      <a:blip r:embed="rId7">
+                        <a:extLst>
+                          <a:ext uri="{28A0092B-C50C-407E-A947-70E740481C1C}">
+                            <a14:useLocalDpi xmlns:a14="http://schemas.microsoft.com/office/drawing/2010/main" val="0"/>
+                          </a:ext>
+                        </a:extLst>
+                      </a:blip>
+                      <a:srcRect/>
+                      <a:stretch>
+                        <a:fillRect/>
+                      </a:stretch>
+                    </p:blipFill>
+                    <p:spPr bwMode="auto">
+                      <a:xfrm>
+                        <a:off x="3048000" y="5334000"/>
+                        <a:ext cx="1034143" cy="381000"/>
+                      </a:xfrm>
+                      <a:prstGeom prst="rect">
+                        <a:avLst/>
+                      </a:prstGeom>
+                      <a:noFill/>
+                      <a:ln>
+                        <a:noFill/>
+                      </a:ln>
+                      <a:effectLst/>
+                      <a:extLst>
+                        <a:ext uri="{909E8E84-426E-40DD-AFC4-6F175D3DCCD1}">
+                          <a14:hiddenFill xmlns:a14="http://schemas.microsoft.com/office/drawing/2010/main">
+                            <a:solidFill>
+                              <a:schemeClr val="accent1"/>
+                            </a:solidFill>
+                          </a14:hiddenFill>
+                        </a:ext>
+                        <a:ext uri="{91240B29-F687-4F45-9708-019B960494DF}">
+                          <a14:hiddenLine xmlns:a14="http://schemas.microsoft.com/office/drawing/2010/main" w="9525">
+                            <a:solidFill>
+                              <a:schemeClr val="tx1"/>
+                            </a:solidFill>
+                            <a:miter lim="800000"/>
+                            <a:headEnd/>
+                            <a:tailEnd/>
+                          </a14:hiddenLine>
+                        </a:ext>
+                        <a:ext uri="{AF507438-7753-43E0-B8FC-AC1667EBCBE1}">
+                          <a14:hiddenEffects xmlns:a14="http://schemas.microsoft.com/office/drawing/2010/main">
+                            <a:effectLst>
+                              <a:outerShdw dist="35921" dir="2700000" algn="ctr" rotWithShape="0">
+                                <a:schemeClr val="bg2"/>
+                              </a:outerShdw>
+                            </a:effectLst>
+                          </a14:hiddenEffects>
+                        </a:ext>
+                      </a:extLst>
+                    </p:spPr>
+                  </p:pic>
+                </p:oleObj>
+              </mc:Fallback>
+            </mc:AlternateContent>
+          </a:graphicData>
+        </a:graphic>
+      </p:graphicFrame>
     </p:spTree>
   </p:cSld>
   <p:clrMapOvr>
@@ -13653,7 +14878,7 @@
 </p:sld>
 </file>
 
-<file path=ppt/slides/slide3.xml><?xml version="1.0" encoding="utf-8"?>
+<file path=ppt/slides/slide4.xml><?xml version="1.0" encoding="utf-8"?>
 <p:sld xmlns:a="http://schemas.openxmlformats.org/drawingml/2006/main" xmlns:r="http://schemas.openxmlformats.org/officeDocument/2006/relationships" xmlns:p="http://schemas.openxmlformats.org/presentationml/2006/main">
   <p:cSld>
     <p:spTree>
@@ -13957,1313 +15182,6 @@
         <p:spPr>
           <a:xfrm>
             <a:off x="914400" y="596900"/>
-            <a:ext cx="2789225" cy="447751"/>
-          </a:xfrm>
-          <a:prstGeom prst="rect">
-            <a:avLst/>
-          </a:prstGeom>
-          <a:noFill/>
-        </p:spPr>
-        <p:txBody>
-          <a:bodyPr wrap="none" lIns="0" tIns="0" rIns="0" rtlCol="0">
-            <a:spAutoFit/>
-          </a:bodyPr>
-          <a:lstStyle/>
-          <a:p>
-            <a:pPr>
-              <a:lnSpc>
-                <a:spcPts val="3400"/>
-              </a:lnSpc>
-              <a:tabLst/>
-            </a:pPr>
-            <a:r>
-              <a:rPr lang="en-US" altLang="zh-CN" sz="2802" dirty="0">
-                <a:solidFill>
-                  <a:srgbClr val="FFFFFF"/>
-                </a:solidFill>
-                <a:latin typeface="Impact" pitchFamily="18" charset="0"/>
-                <a:cs typeface="Impact" pitchFamily="18" charset="0"/>
-              </a:rPr>
-              <a:t>Inductive Invariant</a:t>
-            </a:r>
-          </a:p>
-        </p:txBody>
-      </p:sp>
-      <p:sp>
-        <p:nvSpPr>
-          <p:cNvPr id="18" name="TextBox 1"/>
-          <p:cNvSpPr txBox="1"/>
-          <p:nvPr/>
-        </p:nvSpPr>
-        <p:spPr>
-          <a:xfrm>
-            <a:off x="88900" y="1752600"/>
-            <a:ext cx="5092700" cy="6727483"/>
-          </a:xfrm>
-          <a:prstGeom prst="rect">
-            <a:avLst/>
-          </a:prstGeom>
-          <a:noFill/>
-        </p:spPr>
-        <p:txBody>
-          <a:bodyPr wrap="square" lIns="0" tIns="0" rIns="0" rtlCol="0">
-            <a:spAutoFit/>
-          </a:bodyPr>
-          <a:lstStyle/>
-          <a:p>
-            <a:pPr>
-              <a:lnSpc>
-                <a:spcPts val="3100"/>
-              </a:lnSpc>
-              <a:tabLst>
-                <a:tab pos="469900" algn="l"/>
-              </a:tabLst>
-            </a:pPr>
-            <a:r>
-              <a:rPr lang="en-US" altLang="zh-CN" sz="2597" dirty="0">
-                <a:cs typeface="Wingdings" pitchFamily="18" charset="0"/>
-              </a:rPr>
-              <a:t>F is an inductive invariant:</a:t>
-            </a:r>
-          </a:p>
-          <a:p>
-            <a:pPr>
-              <a:lnSpc>
-                <a:spcPts val="3100"/>
-              </a:lnSpc>
-              <a:tabLst>
-                <a:tab pos="469900" algn="l"/>
-              </a:tabLst>
-            </a:pPr>
-            <a:r>
-              <a:rPr lang="en-US" altLang="zh-CN" sz="2597" dirty="0">
-                <a:solidFill>
-                  <a:srgbClr val="FF9A00"/>
-                </a:solidFill>
-                <a:latin typeface="Wingdings" pitchFamily="18" charset="0"/>
-                <a:cs typeface="Wingdings" pitchFamily="18" charset="0"/>
-              </a:rPr>
-              <a:t> </a:t>
-            </a:r>
-            <a:r>
-              <a:rPr lang="en-US" altLang="zh-CN" sz="2800" i="1" dirty="0"/>
-              <a:t>initiation</a:t>
-            </a:r>
-            <a:endParaRPr lang="en-US" altLang="zh-CN" sz="2597" dirty="0">
-              <a:solidFill>
-                <a:srgbClr val="FF9A00"/>
-              </a:solidFill>
-              <a:latin typeface="Wingdings" pitchFamily="18" charset="0"/>
-              <a:cs typeface="Wingdings" pitchFamily="18" charset="0"/>
-            </a:endParaRPr>
-          </a:p>
-          <a:p>
-            <a:pPr>
-              <a:lnSpc>
-                <a:spcPts val="3100"/>
-              </a:lnSpc>
-              <a:tabLst>
-                <a:tab pos="469900" algn="l"/>
-              </a:tabLst>
-            </a:pPr>
-            <a:r>
-              <a:rPr lang="en-US" altLang="zh-CN" sz="2597" dirty="0">
-                <a:solidFill>
-                  <a:srgbClr val="FF9A00"/>
-                </a:solidFill>
-                <a:latin typeface="Wingdings" pitchFamily="18" charset="0"/>
-                <a:cs typeface="Wingdings" pitchFamily="18" charset="0"/>
-              </a:rPr>
-              <a:t> </a:t>
-            </a:r>
-            <a:endParaRPr lang="en-US" altLang="zh-CN" sz="2400" dirty="0">
-              <a:solidFill>
-                <a:srgbClr val="000000"/>
-              </a:solidFill>
-              <a:latin typeface="Times New Roman" pitchFamily="18" charset="0"/>
-              <a:cs typeface="Times New Roman" pitchFamily="18" charset="0"/>
-            </a:endParaRPr>
-          </a:p>
-          <a:p>
-            <a:pPr>
-              <a:lnSpc>
-                <a:spcPts val="1000"/>
-              </a:lnSpc>
-            </a:pPr>
-            <a:endParaRPr lang="en-US" altLang="zh-CN" dirty="0"/>
-          </a:p>
-          <a:p>
-            <a:pPr>
-              <a:lnSpc>
-                <a:spcPts val="1000"/>
-              </a:lnSpc>
-            </a:pPr>
-            <a:endParaRPr lang="en-US" altLang="zh-CN" dirty="0"/>
-          </a:p>
-          <a:p>
-            <a:pPr>
-              <a:lnSpc>
-                <a:spcPts val="1000"/>
-              </a:lnSpc>
-            </a:pPr>
-            <a:endParaRPr lang="en-US" altLang="zh-CN" dirty="0"/>
-          </a:p>
-          <a:p>
-            <a:pPr>
-              <a:lnSpc>
-                <a:spcPts val="1000"/>
-              </a:lnSpc>
-            </a:pPr>
-            <a:endParaRPr lang="en-US" altLang="zh-CN" dirty="0"/>
-          </a:p>
-          <a:p>
-            <a:pPr>
-              <a:lnSpc>
-                <a:spcPts val="3600"/>
-              </a:lnSpc>
-              <a:buFont typeface="Wingdings"/>
-              <a:buChar char="o"/>
-              <a:tabLst>
-                <a:tab pos="469900" algn="l"/>
-              </a:tabLst>
-            </a:pPr>
-            <a:r>
-              <a:rPr lang="en-US" altLang="zh-CN" sz="2400" i="1" dirty="0">
-                <a:solidFill>
-                  <a:schemeClr val="accent6"/>
-                </a:solidFill>
-              </a:rPr>
-              <a:t>    </a:t>
-            </a:r>
-            <a:r>
-              <a:rPr lang="en-US" altLang="zh-CN" sz="2400" i="1" dirty="0"/>
-              <a:t>consecution</a:t>
-            </a:r>
-          </a:p>
-          <a:p>
-            <a:pPr>
-              <a:lnSpc>
-                <a:spcPts val="3600"/>
-              </a:lnSpc>
-              <a:buFont typeface="Wingdings"/>
-              <a:buChar char="o"/>
-              <a:tabLst>
-                <a:tab pos="469900" algn="l"/>
-              </a:tabLst>
-            </a:pPr>
-            <a:endParaRPr lang="en-US" altLang="zh-CN" sz="2400" i="1" dirty="0">
-              <a:solidFill>
-                <a:srgbClr val="FF9A00"/>
-              </a:solidFill>
-              <a:latin typeface="Wingdings" pitchFamily="18" charset="0"/>
-              <a:cs typeface="Wingdings" pitchFamily="18" charset="0"/>
-            </a:endParaRPr>
-          </a:p>
-          <a:p>
-            <a:pPr>
-              <a:lnSpc>
-                <a:spcPts val="3600"/>
-              </a:lnSpc>
-              <a:buFont typeface="Wingdings"/>
-              <a:buChar char="o"/>
-              <a:tabLst>
-                <a:tab pos="469900" algn="l"/>
-              </a:tabLst>
-            </a:pPr>
-            <a:endParaRPr lang="en-US" altLang="zh-CN" sz="2400" i="1" dirty="0">
-              <a:solidFill>
-                <a:srgbClr val="FF9A00"/>
-              </a:solidFill>
-              <a:latin typeface="Wingdings" pitchFamily="18" charset="0"/>
-              <a:cs typeface="Wingdings" pitchFamily="18" charset="0"/>
-            </a:endParaRPr>
-          </a:p>
-          <a:p>
-            <a:pPr>
-              <a:lnSpc>
-                <a:spcPts val="3600"/>
-              </a:lnSpc>
-              <a:buFont typeface="Wingdings"/>
-              <a:buChar char="o"/>
-              <a:tabLst>
-                <a:tab pos="469900" algn="l"/>
-              </a:tabLst>
-            </a:pPr>
-            <a:r>
-              <a:rPr lang="en-US" altLang="zh-CN" sz="2400" i="1" dirty="0">
-                <a:solidFill>
-                  <a:srgbClr val="FF9A00"/>
-                </a:solidFill>
-                <a:latin typeface="Wingdings" pitchFamily="18" charset="0"/>
-                <a:cs typeface="Wingdings" pitchFamily="18" charset="0"/>
-              </a:rPr>
-              <a:t> </a:t>
-            </a:r>
-            <a:r>
-              <a:rPr lang="en-US" altLang="zh-CN" sz="2400" dirty="0">
-                <a:cs typeface="Wingdings" pitchFamily="18" charset="0"/>
-              </a:rPr>
-              <a:t>F</a:t>
-            </a:r>
-            <a:r>
-              <a:rPr lang="zh-CN" altLang="en-US" sz="2400" dirty="0">
-                <a:cs typeface="Wingdings" pitchFamily="18" charset="0"/>
-              </a:rPr>
-              <a:t>是对可达状态集的抽象。</a:t>
-            </a:r>
-            <a:r>
-              <a:rPr lang="en-US" altLang="zh-CN" sz="2400" dirty="0">
-                <a:cs typeface="Wingdings" pitchFamily="18" charset="0"/>
-              </a:rPr>
-              <a:t>Why</a:t>
-            </a:r>
-            <a:r>
-              <a:rPr lang="zh-CN" altLang="en-US" sz="2400" dirty="0">
-                <a:cs typeface="Wingdings" pitchFamily="18" charset="0"/>
-              </a:rPr>
-              <a:t>？</a:t>
-            </a:r>
-            <a:endParaRPr lang="en-US" altLang="zh-CN" sz="2400" dirty="0">
-              <a:cs typeface="Wingdings" pitchFamily="18" charset="0"/>
-            </a:endParaRPr>
-          </a:p>
-          <a:p>
-            <a:pPr>
-              <a:lnSpc>
-                <a:spcPts val="3600"/>
-              </a:lnSpc>
-              <a:buFont typeface="Wingdings"/>
-              <a:buChar char="o"/>
-              <a:tabLst>
-                <a:tab pos="469900" algn="l"/>
-              </a:tabLst>
-            </a:pPr>
-            <a:r>
-              <a:rPr lang="en-US" altLang="zh-CN" sz="2400" dirty="0">
-                <a:solidFill>
-                  <a:schemeClr val="accent6"/>
-                </a:solidFill>
-                <a:cs typeface="Wingdings" pitchFamily="18" charset="0"/>
-              </a:rPr>
-              <a:t>    </a:t>
-            </a:r>
-            <a:r>
-              <a:rPr lang="zh-CN" altLang="en-US" sz="2400" dirty="0">
-                <a:cs typeface="Wingdings" pitchFamily="18" charset="0"/>
-              </a:rPr>
-              <a:t>寻找</a:t>
-            </a:r>
-            <a:r>
-              <a:rPr lang="en-US" altLang="zh-CN" sz="2400" dirty="0">
-                <a:cs typeface="Wingdings" pitchFamily="18" charset="0"/>
-              </a:rPr>
-              <a:t>F</a:t>
-            </a:r>
-            <a:r>
-              <a:rPr lang="zh-CN" altLang="en-US" sz="2400" dirty="0">
-                <a:cs typeface="Wingdings" pitchFamily="18" charset="0"/>
-              </a:rPr>
-              <a:t>，满足条件</a:t>
-            </a:r>
-            <a:endParaRPr lang="en-US" altLang="zh-CN" sz="2400" dirty="0">
-              <a:cs typeface="Wingdings" pitchFamily="18" charset="0"/>
-            </a:endParaRPr>
-          </a:p>
-          <a:p>
-            <a:pPr>
-              <a:lnSpc>
-                <a:spcPts val="3600"/>
-              </a:lnSpc>
-              <a:buFont typeface="Wingdings"/>
-              <a:buChar char="o"/>
-              <a:tabLst>
-                <a:tab pos="469900" algn="l"/>
-              </a:tabLst>
-            </a:pPr>
-            <a:endParaRPr lang="en-US" altLang="zh-CN" sz="2400" i="1" dirty="0">
-              <a:solidFill>
-                <a:srgbClr val="FF9A00"/>
-              </a:solidFill>
-              <a:latin typeface="Wingdings" pitchFamily="18" charset="0"/>
-              <a:cs typeface="Wingdings" pitchFamily="18" charset="0"/>
-            </a:endParaRPr>
-          </a:p>
-          <a:p>
-            <a:pPr>
-              <a:lnSpc>
-                <a:spcPts val="3600"/>
-              </a:lnSpc>
-              <a:buFont typeface="Wingdings"/>
-              <a:buChar char="o"/>
-              <a:tabLst>
-                <a:tab pos="469900" algn="l"/>
-              </a:tabLst>
-            </a:pPr>
-            <a:endParaRPr lang="en-US" altLang="zh-CN" sz="2400" i="1" dirty="0">
-              <a:solidFill>
-                <a:srgbClr val="FF9A00"/>
-              </a:solidFill>
-              <a:latin typeface="Wingdings" pitchFamily="18" charset="0"/>
-              <a:cs typeface="Wingdings" pitchFamily="18" charset="0"/>
-            </a:endParaRPr>
-          </a:p>
-          <a:p>
-            <a:pPr>
-              <a:lnSpc>
-                <a:spcPts val="3600"/>
-              </a:lnSpc>
-              <a:buFont typeface="Wingdings"/>
-              <a:buChar char="o"/>
-              <a:tabLst>
-                <a:tab pos="469900" algn="l"/>
-              </a:tabLst>
-            </a:pPr>
-            <a:endParaRPr lang="en-US" altLang="zh-CN" sz="2400" dirty="0">
-              <a:solidFill>
-                <a:srgbClr val="FF9A00"/>
-              </a:solidFill>
-              <a:latin typeface="Wingdings" pitchFamily="18" charset="0"/>
-              <a:cs typeface="Wingdings" pitchFamily="18" charset="0"/>
-            </a:endParaRPr>
-          </a:p>
-          <a:p>
-            <a:pPr>
-              <a:lnSpc>
-                <a:spcPts val="3600"/>
-              </a:lnSpc>
-              <a:tabLst>
-                <a:tab pos="469900" algn="l"/>
-              </a:tabLst>
-            </a:pPr>
-            <a:endParaRPr lang="en-US" altLang="zh-CN" sz="2400" dirty="0">
-              <a:solidFill>
-                <a:srgbClr val="000000"/>
-              </a:solidFill>
-              <a:latin typeface="Times New Roman" pitchFamily="18" charset="0"/>
-              <a:cs typeface="Times New Roman" pitchFamily="18" charset="0"/>
-            </a:endParaRPr>
-          </a:p>
-          <a:p>
-            <a:pPr>
-              <a:lnSpc>
-                <a:spcPts val="3400"/>
-              </a:lnSpc>
-              <a:tabLst>
-                <a:tab pos="469900" algn="l"/>
-              </a:tabLst>
-            </a:pPr>
-            <a:endParaRPr lang="en-US" altLang="zh-CN" sz="2400" dirty="0">
-              <a:latin typeface="Times New Roman" pitchFamily="18" charset="0"/>
-              <a:cs typeface="Times New Roman" pitchFamily="18" charset="0"/>
-            </a:endParaRPr>
-          </a:p>
-          <a:p>
-            <a:pPr>
-              <a:lnSpc>
-                <a:spcPts val="1000"/>
-              </a:lnSpc>
-            </a:pPr>
-            <a:endParaRPr lang="en-US" altLang="zh-CN" dirty="0"/>
-          </a:p>
-          <a:p>
-            <a:pPr>
-              <a:lnSpc>
-                <a:spcPts val="1000"/>
-              </a:lnSpc>
-            </a:pPr>
-            <a:endParaRPr lang="en-US" altLang="zh-CN" dirty="0"/>
-          </a:p>
-          <a:p>
-            <a:pPr>
-              <a:lnSpc>
-                <a:spcPts val="1000"/>
-              </a:lnSpc>
-            </a:pPr>
-            <a:endParaRPr lang="en-US" altLang="zh-CN" dirty="0"/>
-          </a:p>
-        </p:txBody>
-      </p:sp>
-      <p:sp>
-        <p:nvSpPr>
-          <p:cNvPr id="19" name="TextBox 1"/>
-          <p:cNvSpPr txBox="1"/>
-          <p:nvPr/>
-        </p:nvSpPr>
-        <p:spPr>
-          <a:xfrm>
-            <a:off x="698500" y="6286500"/>
-            <a:ext cx="504946" cy="225703"/>
-          </a:xfrm>
-          <a:prstGeom prst="rect">
-            <a:avLst/>
-          </a:prstGeom>
-          <a:noFill/>
-        </p:spPr>
-        <p:txBody>
-          <a:bodyPr wrap="none" lIns="0" tIns="0" rIns="0" rtlCol="0">
-            <a:spAutoFit/>
-          </a:bodyPr>
-          <a:lstStyle/>
-          <a:p>
-            <a:pPr>
-              <a:lnSpc>
-                <a:spcPts val="1400"/>
-              </a:lnSpc>
-              <a:tabLst/>
-            </a:pPr>
-            <a:r>
-              <a:rPr lang="en-US" altLang="zh-CN" sz="1200" dirty="0">
-                <a:solidFill>
-                  <a:srgbClr val="000000"/>
-                </a:solidFill>
-                <a:latin typeface="Times New Roman" pitchFamily="18" charset="0"/>
-                <a:cs typeface="Times New Roman" pitchFamily="18" charset="0"/>
-              </a:rPr>
-              <a:t>2012/10</a:t>
-            </a:r>
-          </a:p>
-        </p:txBody>
-      </p:sp>
-      <p:sp>
-        <p:nvSpPr>
-          <p:cNvPr id="21" name="TextBox 1"/>
-          <p:cNvSpPr txBox="1"/>
-          <p:nvPr/>
-        </p:nvSpPr>
-        <p:spPr>
-          <a:xfrm>
-            <a:off x="8343900" y="6286500"/>
-            <a:ext cx="76944" cy="225703"/>
-          </a:xfrm>
-          <a:prstGeom prst="rect">
-            <a:avLst/>
-          </a:prstGeom>
-          <a:noFill/>
-        </p:spPr>
-        <p:txBody>
-          <a:bodyPr wrap="none" lIns="0" tIns="0" rIns="0" rtlCol="0">
-            <a:spAutoFit/>
-          </a:bodyPr>
-          <a:lstStyle/>
-          <a:p>
-            <a:pPr>
-              <a:lnSpc>
-                <a:spcPts val="1400"/>
-              </a:lnSpc>
-              <a:tabLst/>
-            </a:pPr>
-            <a:r>
-              <a:rPr lang="en-US" altLang="zh-CN" sz="1200" dirty="0">
-                <a:solidFill>
-                  <a:srgbClr val="000000"/>
-                </a:solidFill>
-                <a:latin typeface="Times New Roman" pitchFamily="18" charset="0"/>
-                <a:cs typeface="Times New Roman" pitchFamily="18" charset="0"/>
-              </a:rPr>
-              <a:t>2</a:t>
-            </a:r>
-          </a:p>
-        </p:txBody>
-      </p:sp>
-      <p:graphicFrame>
-        <p:nvGraphicFramePr>
-          <p:cNvPr id="3074" name="Object 2"/>
-          <p:cNvGraphicFramePr>
-            <a:graphicFrameLocks noChangeAspect="1"/>
-          </p:cNvGraphicFramePr>
-          <p:nvPr/>
-        </p:nvGraphicFramePr>
-        <p:xfrm>
-          <a:off x="1590675" y="2738437"/>
-          <a:ext cx="1152525" cy="461963"/>
-        </p:xfrm>
-        <a:graphic>
-          <a:graphicData uri="http://schemas.openxmlformats.org/presentationml/2006/ole">
-            <mc:AlternateContent xmlns:mc="http://schemas.openxmlformats.org/markup-compatibility/2006">
-              <mc:Choice xmlns:v="urn:schemas-microsoft-com:vml" Requires="v">
-                <p:oleObj spid="_x0000_s22549" name="Equation" r:id="rId3" imgW="444240" imgH="177480" progId="Equation.DSMT4">
-                  <p:embed/>
-                </p:oleObj>
-              </mc:Choice>
-              <mc:Fallback>
-                <p:oleObj name="Equation" r:id="rId3" imgW="444240" imgH="177480" progId="Equation.DSMT4">
-                  <p:embed/>
-                  <p:pic>
-                    <p:nvPicPr>
-                      <p:cNvPr id="0" name="Picture 2"/>
-                      <p:cNvPicPr>
-                        <a:picLocks noChangeAspect="1" noChangeArrowheads="1"/>
-                      </p:cNvPicPr>
-                      <p:nvPr/>
-                    </p:nvPicPr>
-                    <p:blipFill>
-                      <a:blip r:embed="rId4">
-                        <a:extLst>
-                          <a:ext uri="{28A0092B-C50C-407E-A947-70E740481C1C}">
-                            <a14:useLocalDpi xmlns:a14="http://schemas.microsoft.com/office/drawing/2010/main" val="0"/>
-                          </a:ext>
-                        </a:extLst>
-                      </a:blip>
-                      <a:srcRect/>
-                      <a:stretch>
-                        <a:fillRect/>
-                      </a:stretch>
-                    </p:blipFill>
-                    <p:spPr bwMode="auto">
-                      <a:xfrm>
-                        <a:off x="1590675" y="2738437"/>
-                        <a:ext cx="1152525" cy="461963"/>
-                      </a:xfrm>
-                      <a:prstGeom prst="rect">
-                        <a:avLst/>
-                      </a:prstGeom>
-                      <a:noFill/>
-                      <a:ln>
-                        <a:noFill/>
-                      </a:ln>
-                      <a:effectLst/>
-                      <a:extLst>
-                        <a:ext uri="{909E8E84-426E-40DD-AFC4-6F175D3DCCD1}">
-                          <a14:hiddenFill xmlns:a14="http://schemas.microsoft.com/office/drawing/2010/main">
-                            <a:solidFill>
-                              <a:schemeClr val="accent1"/>
-                            </a:solidFill>
-                          </a14:hiddenFill>
-                        </a:ext>
-                        <a:ext uri="{91240B29-F687-4F45-9708-019B960494DF}">
-                          <a14:hiddenLine xmlns:a14="http://schemas.microsoft.com/office/drawing/2010/main" w="9525">
-                            <a:solidFill>
-                              <a:schemeClr val="tx1"/>
-                            </a:solidFill>
-                            <a:miter lim="800000"/>
-                            <a:headEnd/>
-                            <a:tailEnd/>
-                          </a14:hiddenLine>
-                        </a:ext>
-                        <a:ext uri="{AF507438-7753-43E0-B8FC-AC1667EBCBE1}">
-                          <a14:hiddenEffects xmlns:a14="http://schemas.microsoft.com/office/drawing/2010/main">
-                            <a:effectLst>
-                              <a:outerShdw dist="35921" dir="2700000" algn="ctr" rotWithShape="0">
-                                <a:schemeClr val="bg2"/>
-                              </a:outerShdw>
-                            </a:effectLst>
-                          </a14:hiddenEffects>
-                        </a:ext>
-                      </a:extLst>
-                    </p:spPr>
-                  </p:pic>
-                </p:oleObj>
-              </mc:Fallback>
-            </mc:AlternateContent>
-          </a:graphicData>
-        </a:graphic>
-      </p:graphicFrame>
-      <p:graphicFrame>
-        <p:nvGraphicFramePr>
-          <p:cNvPr id="3075" name="Object 3"/>
-          <p:cNvGraphicFramePr>
-            <a:graphicFrameLocks noChangeAspect="1"/>
-          </p:cNvGraphicFramePr>
-          <p:nvPr/>
-        </p:nvGraphicFramePr>
-        <p:xfrm>
-          <a:off x="1616075" y="4073525"/>
-          <a:ext cx="1812925" cy="422275"/>
-        </p:xfrm>
-        <a:graphic>
-          <a:graphicData uri="http://schemas.openxmlformats.org/presentationml/2006/ole">
-            <mc:AlternateContent xmlns:mc="http://schemas.openxmlformats.org/markup-compatibility/2006">
-              <mc:Choice xmlns:v="urn:schemas-microsoft-com:vml" Requires="v">
-                <p:oleObj spid="_x0000_s22550" name="Equation" r:id="rId5" imgW="761760" imgH="177480" progId="Equation.DSMT4">
-                  <p:embed/>
-                </p:oleObj>
-              </mc:Choice>
-              <mc:Fallback>
-                <p:oleObj name="Equation" r:id="rId5" imgW="761760" imgH="177480" progId="Equation.DSMT4">
-                  <p:embed/>
-                  <p:pic>
-                    <p:nvPicPr>
-                      <p:cNvPr id="0" name="Picture 3"/>
-                      <p:cNvPicPr>
-                        <a:picLocks noChangeAspect="1" noChangeArrowheads="1"/>
-                      </p:cNvPicPr>
-                      <p:nvPr/>
-                    </p:nvPicPr>
-                    <p:blipFill>
-                      <a:blip r:embed="rId6">
-                        <a:extLst>
-                          <a:ext uri="{28A0092B-C50C-407E-A947-70E740481C1C}">
-                            <a14:useLocalDpi xmlns:a14="http://schemas.microsoft.com/office/drawing/2010/main" val="0"/>
-                          </a:ext>
-                        </a:extLst>
-                      </a:blip>
-                      <a:srcRect/>
-                      <a:stretch>
-                        <a:fillRect/>
-                      </a:stretch>
-                    </p:blipFill>
-                    <p:spPr bwMode="auto">
-                      <a:xfrm>
-                        <a:off x="1616075" y="4073525"/>
-                        <a:ext cx="1812925" cy="422275"/>
-                      </a:xfrm>
-                      <a:prstGeom prst="rect">
-                        <a:avLst/>
-                      </a:prstGeom>
-                      <a:noFill/>
-                      <a:ln>
-                        <a:noFill/>
-                      </a:ln>
-                      <a:effectLst/>
-                      <a:extLst>
-                        <a:ext uri="{909E8E84-426E-40DD-AFC4-6F175D3DCCD1}">
-                          <a14:hiddenFill xmlns:a14="http://schemas.microsoft.com/office/drawing/2010/main">
-                            <a:solidFill>
-                              <a:schemeClr val="accent1"/>
-                            </a:solidFill>
-                          </a14:hiddenFill>
-                        </a:ext>
-                        <a:ext uri="{91240B29-F687-4F45-9708-019B960494DF}">
-                          <a14:hiddenLine xmlns:a14="http://schemas.microsoft.com/office/drawing/2010/main" w="9525">
-                            <a:solidFill>
-                              <a:schemeClr val="tx1"/>
-                            </a:solidFill>
-                            <a:miter lim="800000"/>
-                            <a:headEnd/>
-                            <a:tailEnd/>
-                          </a14:hiddenLine>
-                        </a:ext>
-                        <a:ext uri="{AF507438-7753-43E0-B8FC-AC1667EBCBE1}">
-                          <a14:hiddenEffects xmlns:a14="http://schemas.microsoft.com/office/drawing/2010/main">
-                            <a:effectLst>
-                              <a:outerShdw dist="35921" dir="2700000" algn="ctr" rotWithShape="0">
-                                <a:schemeClr val="bg2"/>
-                              </a:outerShdw>
-                            </a:effectLst>
-                          </a14:hiddenEffects>
-                        </a:ext>
-                      </a:extLst>
-                    </p:spPr>
-                  </p:pic>
-                </p:oleObj>
-              </mc:Fallback>
-            </mc:AlternateContent>
-          </a:graphicData>
-        </a:graphic>
-      </p:graphicFrame>
-      <p:sp>
-        <p:nvSpPr>
-          <p:cNvPr id="13" name="椭圆 12"/>
-          <p:cNvSpPr/>
-          <p:nvPr/>
-        </p:nvSpPr>
-        <p:spPr>
-          <a:xfrm>
-            <a:off x="4648200" y="2743200"/>
-            <a:ext cx="2438400" cy="1295400"/>
-          </a:xfrm>
-          <a:prstGeom prst="ellipse">
-            <a:avLst/>
-          </a:prstGeom>
-          <a:solidFill>
-            <a:schemeClr val="accent3">
-              <a:lumMod val="40000"/>
-              <a:lumOff val="60000"/>
-            </a:schemeClr>
-          </a:solidFill>
-        </p:spPr>
-        <p:style>
-          <a:lnRef idx="2">
-            <a:schemeClr val="accent1">
-              <a:shade val="50000"/>
-            </a:schemeClr>
-          </a:lnRef>
-          <a:fillRef idx="1">
-            <a:schemeClr val="accent1"/>
-          </a:fillRef>
-          <a:effectRef idx="0">
-            <a:schemeClr val="accent1"/>
-          </a:effectRef>
-          <a:fontRef idx="minor">
-            <a:schemeClr val="lt1"/>
-          </a:fontRef>
-        </p:style>
-        <p:txBody>
-          <a:bodyPr rtlCol="0" anchor="ctr"/>
-          <a:lstStyle/>
-          <a:p>
-            <a:pPr algn="ctr"/>
-            <a:endParaRPr lang="zh-CN" altLang="en-US"/>
-          </a:p>
-        </p:txBody>
-      </p:sp>
-      <p:sp>
-        <p:nvSpPr>
-          <p:cNvPr id="14" name="椭圆 13"/>
-          <p:cNvSpPr/>
-          <p:nvPr/>
-        </p:nvSpPr>
-        <p:spPr>
-          <a:xfrm>
-            <a:off x="4800600" y="3200400"/>
-            <a:ext cx="838200" cy="457200"/>
-          </a:xfrm>
-          <a:prstGeom prst="ellipse">
-            <a:avLst/>
-          </a:prstGeom>
-          <a:solidFill>
-            <a:schemeClr val="tx2">
-              <a:lumMod val="20000"/>
-              <a:lumOff val="80000"/>
-            </a:schemeClr>
-          </a:solidFill>
-        </p:spPr>
-        <p:style>
-          <a:lnRef idx="2">
-            <a:schemeClr val="accent1">
-              <a:shade val="50000"/>
-            </a:schemeClr>
-          </a:lnRef>
-          <a:fillRef idx="1">
-            <a:schemeClr val="accent1"/>
-          </a:fillRef>
-          <a:effectRef idx="0">
-            <a:schemeClr val="accent1"/>
-          </a:effectRef>
-          <a:fontRef idx="minor">
-            <a:schemeClr val="lt1"/>
-          </a:fontRef>
-        </p:style>
-        <p:txBody>
-          <a:bodyPr rtlCol="0" anchor="ctr"/>
-          <a:lstStyle/>
-          <a:p>
-            <a:pPr algn="ctr"/>
-            <a:r>
-              <a:rPr lang="en-US" altLang="zh-CN" b="1" dirty="0">
-                <a:solidFill>
-                  <a:schemeClr val="tx1"/>
-                </a:solidFill>
-              </a:rPr>
-              <a:t>I</a:t>
-            </a:r>
-            <a:endParaRPr lang="zh-CN" altLang="en-US" b="1" dirty="0">
-              <a:solidFill>
-                <a:schemeClr val="tx1"/>
-              </a:solidFill>
-            </a:endParaRPr>
-          </a:p>
-        </p:txBody>
-      </p:sp>
-      <p:sp>
-        <p:nvSpPr>
-          <p:cNvPr id="15" name="TextBox 14"/>
-          <p:cNvSpPr txBox="1"/>
-          <p:nvPr/>
-        </p:nvSpPr>
-        <p:spPr>
-          <a:xfrm>
-            <a:off x="7315200" y="3048000"/>
-            <a:ext cx="381000" cy="381000"/>
-          </a:xfrm>
-          <a:prstGeom prst="rect">
-            <a:avLst/>
-          </a:prstGeom>
-          <a:noFill/>
-        </p:spPr>
-        <p:txBody>
-          <a:bodyPr wrap="square" rtlCol="0">
-            <a:spAutoFit/>
-          </a:bodyPr>
-          <a:lstStyle/>
-          <a:p>
-            <a:r>
-              <a:rPr lang="en-US" altLang="zh-CN" b="1" dirty="0"/>
-              <a:t>F</a:t>
-            </a:r>
-            <a:endParaRPr lang="zh-CN" altLang="en-US" b="1" dirty="0"/>
-          </a:p>
-        </p:txBody>
-      </p:sp>
-      <p:sp>
-        <p:nvSpPr>
-          <p:cNvPr id="16" name="TextBox 15"/>
-          <p:cNvSpPr txBox="1"/>
-          <p:nvPr/>
-        </p:nvSpPr>
-        <p:spPr>
-          <a:xfrm>
-            <a:off x="6248400" y="2895600"/>
-            <a:ext cx="381000" cy="369332"/>
-          </a:xfrm>
-          <a:prstGeom prst="rect">
-            <a:avLst/>
-          </a:prstGeom>
-          <a:noFill/>
-        </p:spPr>
-        <p:txBody>
-          <a:bodyPr wrap="square" rtlCol="0">
-            <a:spAutoFit/>
-          </a:bodyPr>
-          <a:lstStyle/>
-          <a:p>
-            <a:r>
-              <a:rPr lang="en-US" altLang="zh-CN" b="1" dirty="0"/>
-              <a:t>R</a:t>
-            </a:r>
-            <a:endParaRPr lang="zh-CN" altLang="en-US" b="1" dirty="0"/>
-          </a:p>
-        </p:txBody>
-      </p:sp>
-      <p:sp>
-        <p:nvSpPr>
-          <p:cNvPr id="22" name="椭圆 21"/>
-          <p:cNvSpPr/>
-          <p:nvPr/>
-        </p:nvSpPr>
-        <p:spPr>
-          <a:xfrm>
-            <a:off x="4572000" y="2514600"/>
-            <a:ext cx="3200400" cy="1752600"/>
-          </a:xfrm>
-          <a:prstGeom prst="ellipse">
-            <a:avLst/>
-          </a:prstGeom>
-          <a:noFill/>
-          <a:ln>
-            <a:prstDash val="sysDash"/>
-          </a:ln>
-        </p:spPr>
-        <p:style>
-          <a:lnRef idx="2">
-            <a:schemeClr val="accent1">
-              <a:shade val="50000"/>
-            </a:schemeClr>
-          </a:lnRef>
-          <a:fillRef idx="1">
-            <a:schemeClr val="accent1"/>
-          </a:fillRef>
-          <a:effectRef idx="0">
-            <a:schemeClr val="accent1"/>
-          </a:effectRef>
-          <a:fontRef idx="minor">
-            <a:schemeClr val="lt1"/>
-          </a:fontRef>
-        </p:style>
-        <p:txBody>
-          <a:bodyPr rtlCol="0" anchor="ctr"/>
-          <a:lstStyle/>
-          <a:p>
-            <a:pPr algn="ctr"/>
-            <a:endParaRPr lang="zh-CN" altLang="en-US"/>
-          </a:p>
-        </p:txBody>
-      </p:sp>
-      <p:graphicFrame>
-        <p:nvGraphicFramePr>
-          <p:cNvPr id="22533" name="Object 5"/>
-          <p:cNvGraphicFramePr>
-            <a:graphicFrameLocks noChangeAspect="1"/>
-          </p:cNvGraphicFramePr>
-          <p:nvPr/>
-        </p:nvGraphicFramePr>
-        <p:xfrm>
-          <a:off x="3048000" y="5334000"/>
-          <a:ext cx="1034143" cy="381000"/>
-        </p:xfrm>
-        <a:graphic>
-          <a:graphicData uri="http://schemas.openxmlformats.org/presentationml/2006/ole">
-            <mc:AlternateContent xmlns:mc="http://schemas.openxmlformats.org/markup-compatibility/2006">
-              <mc:Choice xmlns:v="urn:schemas-microsoft-com:vml" Requires="v">
-                <p:oleObj spid="_x0000_s22551" name="Equation" r:id="rId7" imgW="482400" imgH="177480" progId="Equation.DSMT4">
-                  <p:embed/>
-                </p:oleObj>
-              </mc:Choice>
-              <mc:Fallback>
-                <p:oleObj name="Equation" r:id="rId7" imgW="482400" imgH="177480" progId="Equation.DSMT4">
-                  <p:embed/>
-                  <p:pic>
-                    <p:nvPicPr>
-                      <p:cNvPr id="0" name="Picture 5"/>
-                      <p:cNvPicPr>
-                        <a:picLocks noChangeAspect="1" noChangeArrowheads="1"/>
-                      </p:cNvPicPr>
-                      <p:nvPr/>
-                    </p:nvPicPr>
-                    <p:blipFill>
-                      <a:blip r:embed="rId8">
-                        <a:extLst>
-                          <a:ext uri="{28A0092B-C50C-407E-A947-70E740481C1C}">
-                            <a14:useLocalDpi xmlns:a14="http://schemas.microsoft.com/office/drawing/2010/main" val="0"/>
-                          </a:ext>
-                        </a:extLst>
-                      </a:blip>
-                      <a:srcRect/>
-                      <a:stretch>
-                        <a:fillRect/>
-                      </a:stretch>
-                    </p:blipFill>
-                    <p:spPr bwMode="auto">
-                      <a:xfrm>
-                        <a:off x="3048000" y="5334000"/>
-                        <a:ext cx="1034143" cy="381000"/>
-                      </a:xfrm>
-                      <a:prstGeom prst="rect">
-                        <a:avLst/>
-                      </a:prstGeom>
-                      <a:noFill/>
-                      <a:ln>
-                        <a:noFill/>
-                      </a:ln>
-                      <a:effectLst/>
-                      <a:extLst>
-                        <a:ext uri="{909E8E84-426E-40DD-AFC4-6F175D3DCCD1}">
-                          <a14:hiddenFill xmlns:a14="http://schemas.microsoft.com/office/drawing/2010/main">
-                            <a:solidFill>
-                              <a:schemeClr val="accent1"/>
-                            </a:solidFill>
-                          </a14:hiddenFill>
-                        </a:ext>
-                        <a:ext uri="{91240B29-F687-4F45-9708-019B960494DF}">
-                          <a14:hiddenLine xmlns:a14="http://schemas.microsoft.com/office/drawing/2010/main" w="9525">
-                            <a:solidFill>
-                              <a:schemeClr val="tx1"/>
-                            </a:solidFill>
-                            <a:miter lim="800000"/>
-                            <a:headEnd/>
-                            <a:tailEnd/>
-                          </a14:hiddenLine>
-                        </a:ext>
-                        <a:ext uri="{AF507438-7753-43E0-B8FC-AC1667EBCBE1}">
-                          <a14:hiddenEffects xmlns:a14="http://schemas.microsoft.com/office/drawing/2010/main">
-                            <a:effectLst>
-                              <a:outerShdw dist="35921" dir="2700000" algn="ctr" rotWithShape="0">
-                                <a:schemeClr val="bg2"/>
-                              </a:outerShdw>
-                            </a:effectLst>
-                          </a14:hiddenEffects>
-                        </a:ext>
-                      </a:extLst>
-                    </p:spPr>
-                  </p:pic>
-                </p:oleObj>
-              </mc:Fallback>
-            </mc:AlternateContent>
-          </a:graphicData>
-        </a:graphic>
-      </p:graphicFrame>
-    </p:spTree>
-  </p:cSld>
-  <p:clrMapOvr>
-    <a:masterClrMapping/>
-  </p:clrMapOvr>
-</p:sld>
-</file>
-
-<file path=ppt/slides/slide4.xml><?xml version="1.0" encoding="utf-8"?>
-<p:sld xmlns:a="http://schemas.openxmlformats.org/drawingml/2006/main" xmlns:r="http://schemas.openxmlformats.org/officeDocument/2006/relationships" xmlns:p="http://schemas.openxmlformats.org/presentationml/2006/main">
-  <p:cSld>
-    <p:spTree>
-      <p:nvGrpSpPr>
-        <p:cNvPr id="1" name=""/>
-        <p:cNvGrpSpPr/>
-        <p:nvPr/>
-      </p:nvGrpSpPr>
-      <p:grpSpPr>
-        <a:xfrm>
-          <a:off x="0" y="0"/>
-          <a:ext cx="0" cy="0"/>
-          <a:chOff x="0" y="0"/>
-          <a:chExt cx="0" cy="0"/>
-        </a:xfrm>
-      </p:grpSpPr>
-      <p:sp>
-        <p:nvSpPr>
-          <p:cNvPr id="4" name="Freeform 3"/>
-          <p:cNvSpPr/>
-          <p:nvPr/>
-        </p:nvSpPr>
-        <p:spPr>
-          <a:xfrm>
-            <a:off x="381" y="0"/>
-            <a:ext cx="9143618" cy="6858000"/>
-          </a:xfrm>
-          <a:custGeom>
-            <a:avLst/>
-            <a:gdLst>
-              <a:gd name="connsiteX0" fmla="*/ 0 w 9143618"/>
-              <a:gd name="connsiteY0" fmla="*/ 0 h 6858000"/>
-              <a:gd name="connsiteX1" fmla="*/ 0 w 9143618"/>
-              <a:gd name="connsiteY1" fmla="*/ 6858000 h 6858000"/>
-              <a:gd name="connsiteX2" fmla="*/ 9143618 w 9143618"/>
-              <a:gd name="connsiteY2" fmla="*/ 6858000 h 6858000"/>
-              <a:gd name="connsiteX3" fmla="*/ 9143618 w 9143618"/>
-              <a:gd name="connsiteY3" fmla="*/ 0 h 6858000"/>
-              <a:gd name="connsiteX4" fmla="*/ 0 w 9143618"/>
-              <a:gd name="connsiteY4" fmla="*/ 0 h 6858000"/>
-            </a:gdLst>
-            <a:ahLst/>
-            <a:cxnLst>
-              <a:cxn ang="0">
-                <a:pos x="connsiteX0" y="connsiteY0"/>
-              </a:cxn>
-              <a:cxn ang="1">
-                <a:pos x="connsiteX1" y="connsiteY1"/>
-              </a:cxn>
-              <a:cxn ang="2">
-                <a:pos x="connsiteX2" y="connsiteY2"/>
-              </a:cxn>
-              <a:cxn ang="3">
-                <a:pos x="connsiteX3" y="connsiteY3"/>
-              </a:cxn>
-              <a:cxn ang="4">
-                <a:pos x="connsiteX4" y="connsiteY4"/>
-              </a:cxn>
-            </a:cxnLst>
-            <a:rect l="l" t="t" r="r" b="b"/>
-            <a:pathLst>
-              <a:path w="9143618" h="6858000">
-                <a:moveTo>
-                  <a:pt x="0" y="0"/>
-                </a:moveTo>
-                <a:lnTo>
-                  <a:pt x="0" y="6858000"/>
-                </a:lnTo>
-                <a:lnTo>
-                  <a:pt x="9143618" y="6858000"/>
-                </a:lnTo>
-                <a:lnTo>
-                  <a:pt x="9143618" y="0"/>
-                </a:lnTo>
-                <a:lnTo>
-                  <a:pt x="0" y="0"/>
-                </a:lnTo>
-              </a:path>
-            </a:pathLst>
-          </a:custGeom>
-          <a:solidFill>
-            <a:srgbClr val="FFFFFF">
-              <a:alpha val="100000"/>
-            </a:srgbClr>
-          </a:solidFill>
-          <a:ln w="12700">
-            <a:solidFill>
-              <a:srgbClr val="000000">
-                <a:alpha val="0"/>
-              </a:srgbClr>
-            </a:solidFill>
-            <a:prstDash val="solid"/>
-          </a:ln>
-        </p:spPr>
-        <p:style>
-          <a:lnRef idx="2">
-            <a:schemeClr val="accent1">
-              <a:shade val="50000"/>
-            </a:schemeClr>
-          </a:lnRef>
-          <a:fillRef idx="1">
-            <a:schemeClr val="accent1"/>
-          </a:fillRef>
-          <a:effectRef idx="0">
-            <a:schemeClr val="accent1"/>
-          </a:effectRef>
-          <a:fontRef idx="minor">
-            <a:schemeClr val="lt1"/>
-          </a:fontRef>
-        </p:style>
-        <p:txBody>
-          <a:bodyPr rtlCol="0" anchor="ctr"/>
-          <a:lstStyle/>
-          <a:p>
-            <a:pPr algn="ctr"/>
-            <a:endParaRPr lang="zh-CN" altLang="en-US"/>
-          </a:p>
-        </p:txBody>
-      </p:sp>
-      <p:sp>
-        <p:nvSpPr>
-          <p:cNvPr id="3" name="Freeform 3"/>
-          <p:cNvSpPr/>
-          <p:nvPr/>
-        </p:nvSpPr>
-        <p:spPr>
-          <a:xfrm>
-            <a:off x="609600" y="6158484"/>
-            <a:ext cx="8534400" cy="28194"/>
-          </a:xfrm>
-          <a:custGeom>
-            <a:avLst/>
-            <a:gdLst>
-              <a:gd name="connsiteX0" fmla="*/ 0 w 8534400"/>
-              <a:gd name="connsiteY0" fmla="*/ 14097 h 28194"/>
-              <a:gd name="connsiteX1" fmla="*/ 8534400 w 8534400"/>
-              <a:gd name="connsiteY1" fmla="*/ 14097 h 28194"/>
-            </a:gdLst>
-            <a:ahLst/>
-            <a:cxnLst>
-              <a:cxn ang="0">
-                <a:pos x="connsiteX0" y="connsiteY0"/>
-              </a:cxn>
-              <a:cxn ang="1">
-                <a:pos x="connsiteX1" y="connsiteY1"/>
-              </a:cxn>
-            </a:cxnLst>
-            <a:rect l="l" t="t" r="r" b="b"/>
-            <a:pathLst>
-              <a:path w="8534400" h="28194">
-                <a:moveTo>
-                  <a:pt x="0" y="14097"/>
-                </a:moveTo>
-                <a:lnTo>
-                  <a:pt x="8534400" y="14097"/>
-                </a:lnTo>
-              </a:path>
-            </a:pathLst>
-          </a:custGeom>
-          <a:ln w="38100">
-            <a:solidFill>
-              <a:srgbClr val="CC0000">
-                <a:alpha val="100000"/>
-              </a:srgbClr>
-            </a:solidFill>
-            <a:prstDash val="solid"/>
-          </a:ln>
-        </p:spPr>
-        <p:style>
-          <a:lnRef idx="1">
-            <a:schemeClr val="accent1"/>
-          </a:lnRef>
-          <a:fillRef idx="0">
-            <a:schemeClr val="accent1"/>
-          </a:fillRef>
-          <a:effectRef idx="0">
-            <a:schemeClr val="accent1"/>
-          </a:effectRef>
-          <a:fontRef idx="minor">
-            <a:schemeClr val="tx1"/>
-          </a:fontRef>
-        </p:style>
-        <p:txBody>
-          <a:bodyPr rtlCol="0" anchor="ctr"/>
-          <a:lstStyle/>
-          <a:p>
-            <a:pPr algn="ctr"/>
-            <a:endParaRPr lang="zh-CN" altLang="en-US"/>
-          </a:p>
-        </p:txBody>
-      </p:sp>
-      <p:sp>
-        <p:nvSpPr>
-          <p:cNvPr id="5" name="Freeform 3"/>
-          <p:cNvSpPr/>
-          <p:nvPr/>
-        </p:nvSpPr>
-        <p:spPr>
-          <a:xfrm>
-            <a:off x="381" y="533400"/>
-            <a:ext cx="9143618" cy="533400"/>
-          </a:xfrm>
-          <a:custGeom>
-            <a:avLst/>
-            <a:gdLst>
-              <a:gd name="connsiteX0" fmla="*/ 0 w 9143618"/>
-              <a:gd name="connsiteY0" fmla="*/ 0 h 533400"/>
-              <a:gd name="connsiteX1" fmla="*/ 0 w 9143618"/>
-              <a:gd name="connsiteY1" fmla="*/ 533400 h 533400"/>
-              <a:gd name="connsiteX2" fmla="*/ 9143618 w 9143618"/>
-              <a:gd name="connsiteY2" fmla="*/ 533400 h 533400"/>
-              <a:gd name="connsiteX3" fmla="*/ 9143618 w 9143618"/>
-              <a:gd name="connsiteY3" fmla="*/ 0 h 533400"/>
-              <a:gd name="connsiteX4" fmla="*/ 0 w 9143618"/>
-              <a:gd name="connsiteY4" fmla="*/ 0 h 533400"/>
-            </a:gdLst>
-            <a:ahLst/>
-            <a:cxnLst>
-              <a:cxn ang="0">
-                <a:pos x="connsiteX0" y="connsiteY0"/>
-              </a:cxn>
-              <a:cxn ang="1">
-                <a:pos x="connsiteX1" y="connsiteY1"/>
-              </a:cxn>
-              <a:cxn ang="2">
-                <a:pos x="connsiteX2" y="connsiteY2"/>
-              </a:cxn>
-              <a:cxn ang="3">
-                <a:pos x="connsiteX3" y="connsiteY3"/>
-              </a:cxn>
-              <a:cxn ang="4">
-                <a:pos x="connsiteX4" y="connsiteY4"/>
-              </a:cxn>
-            </a:cxnLst>
-            <a:rect l="l" t="t" r="r" b="b"/>
-            <a:pathLst>
-              <a:path w="9143618" h="533400">
-                <a:moveTo>
-                  <a:pt x="0" y="0"/>
-                </a:moveTo>
-                <a:lnTo>
-                  <a:pt x="0" y="533400"/>
-                </a:lnTo>
-                <a:lnTo>
-                  <a:pt x="9143618" y="533400"/>
-                </a:lnTo>
-                <a:lnTo>
-                  <a:pt x="9143618" y="0"/>
-                </a:lnTo>
-                <a:lnTo>
-                  <a:pt x="0" y="0"/>
-                </a:lnTo>
-              </a:path>
-            </a:pathLst>
-          </a:custGeom>
-          <a:solidFill>
-            <a:srgbClr val="336699">
-              <a:alpha val="100000"/>
-            </a:srgbClr>
-          </a:solidFill>
-          <a:ln w="12700">
-            <a:solidFill>
-              <a:srgbClr val="000000">
-                <a:alpha val="0"/>
-              </a:srgbClr>
-            </a:solidFill>
-            <a:prstDash val="solid"/>
-          </a:ln>
-        </p:spPr>
-        <p:style>
-          <a:lnRef idx="2">
-            <a:schemeClr val="accent1">
-              <a:shade val="50000"/>
-            </a:schemeClr>
-          </a:lnRef>
-          <a:fillRef idx="1">
-            <a:schemeClr val="accent1"/>
-          </a:fillRef>
-          <a:effectRef idx="0">
-            <a:schemeClr val="accent1"/>
-          </a:effectRef>
-          <a:fontRef idx="minor">
-            <a:schemeClr val="lt1"/>
-          </a:fontRef>
-        </p:style>
-        <p:txBody>
-          <a:bodyPr rtlCol="0" anchor="ctr"/>
-          <a:lstStyle/>
-          <a:p>
-            <a:pPr algn="ctr"/>
-            <a:endParaRPr lang="zh-CN" altLang="en-US"/>
-          </a:p>
-        </p:txBody>
-      </p:sp>
-      <p:sp>
-        <p:nvSpPr>
-          <p:cNvPr id="17" name="TextBox 1"/>
-          <p:cNvSpPr txBox="1"/>
-          <p:nvPr/>
-        </p:nvSpPr>
-        <p:spPr>
-          <a:xfrm>
-            <a:off x="914400" y="596900"/>
             <a:ext cx="1994136" cy="445443"/>
           </a:xfrm>
           <a:prstGeom prst="rect">
@@ -15690,12 +15608,12 @@
           <a:graphicData uri="http://schemas.openxmlformats.org/presentationml/2006/ole">
             <mc:AlternateContent xmlns:mc="http://schemas.openxmlformats.org/markup-compatibility/2006">
               <mc:Choice xmlns:v="urn:schemas-microsoft-com:vml" Requires="v">
-                <p:oleObj spid="_x0000_s21554" name="Equation" r:id="rId3" imgW="444240" imgH="228600" progId="Equation.DSMT4">
+                <p:oleObj name="Equation" r:id="rId2" imgW="444240" imgH="228600" progId="Equation.DSMT4">
                   <p:embed/>
                 </p:oleObj>
               </mc:Choice>
               <mc:Fallback>
-                <p:oleObj name="Equation" r:id="rId3" imgW="444240" imgH="228600" progId="Equation.DSMT4">
+                <p:oleObj name="Equation" r:id="rId2" imgW="444240" imgH="228600" progId="Equation.DSMT4">
                   <p:embed/>
                   <p:pic>
                     <p:nvPicPr>
@@ -15706,7 +15624,7 @@
                       <p:nvPr/>
                     </p:nvPicPr>
                     <p:blipFill>
-                      <a:blip r:embed="rId4">
+                      <a:blip r:embed="rId3">
                         <a:extLst>
                           <a:ext uri="{28A0092B-C50C-407E-A947-70E740481C1C}">
                             <a14:useLocalDpi xmlns:a14="http://schemas.microsoft.com/office/drawing/2010/main" val="0"/>
@@ -15783,12 +15701,12 @@
           <a:graphicData uri="http://schemas.openxmlformats.org/presentationml/2006/ole">
             <mc:AlternateContent xmlns:mc="http://schemas.openxmlformats.org/markup-compatibility/2006">
               <mc:Choice xmlns:v="urn:schemas-microsoft-com:vml" Requires="v">
-                <p:oleObj spid="_x0000_s21555" name="Equation" r:id="rId5" imgW="838080" imgH="228600" progId="Equation.DSMT4">
+                <p:oleObj name="Equation" r:id="rId4" imgW="838080" imgH="228600" progId="Equation.DSMT4">
                   <p:embed/>
                 </p:oleObj>
               </mc:Choice>
               <mc:Fallback>
-                <p:oleObj name="Equation" r:id="rId5" imgW="838080" imgH="228600" progId="Equation.DSMT4">
+                <p:oleObj name="Equation" r:id="rId4" imgW="838080" imgH="228600" progId="Equation.DSMT4">
                   <p:embed/>
                   <p:pic>
                     <p:nvPicPr>
@@ -15799,7 +15717,7 @@
                       <p:nvPr/>
                     </p:nvPicPr>
                     <p:blipFill>
-                      <a:blip r:embed="rId6">
+                      <a:blip r:embed="rId5">
                         <a:extLst>
                           <a:ext uri="{28A0092B-C50C-407E-A947-70E740481C1C}">
                             <a14:useLocalDpi xmlns:a14="http://schemas.microsoft.com/office/drawing/2010/main" val="0"/>
@@ -15876,12 +15794,12 @@
           <a:graphicData uri="http://schemas.openxmlformats.org/presentationml/2006/ole">
             <mc:AlternateContent xmlns:mc="http://schemas.openxmlformats.org/markup-compatibility/2006">
               <mc:Choice xmlns:v="urn:schemas-microsoft-com:vml" Requires="v">
-                <p:oleObj spid="_x0000_s21556" name="Equation" r:id="rId7" imgW="583920" imgH="228600" progId="Equation.DSMT4">
+                <p:oleObj name="Equation" r:id="rId6" imgW="583920" imgH="228600" progId="Equation.DSMT4">
                   <p:embed/>
                 </p:oleObj>
               </mc:Choice>
               <mc:Fallback>
-                <p:oleObj name="Equation" r:id="rId7" imgW="583920" imgH="228600" progId="Equation.DSMT4">
+                <p:oleObj name="Equation" r:id="rId6" imgW="583920" imgH="228600" progId="Equation.DSMT4">
                   <p:embed/>
                   <p:pic>
                     <p:nvPicPr>
@@ -15892,7 +15810,7 @@
                       <p:nvPr/>
                     </p:nvPicPr>
                     <p:blipFill>
-                      <a:blip r:embed="rId8">
+                      <a:blip r:embed="rId7">
                         <a:extLst>
                           <a:ext uri="{28A0092B-C50C-407E-A947-70E740481C1C}">
                             <a14:useLocalDpi xmlns:a14="http://schemas.microsoft.com/office/drawing/2010/main" val="0"/>
@@ -15969,12 +15887,12 @@
           <a:graphicData uri="http://schemas.openxmlformats.org/presentationml/2006/ole">
             <mc:AlternateContent xmlns:mc="http://schemas.openxmlformats.org/markup-compatibility/2006">
               <mc:Choice xmlns:v="urn:schemas-microsoft-com:vml" Requires="v">
-                <p:oleObj spid="_x0000_s21557" name="Equation" r:id="rId9" imgW="545760" imgH="177480" progId="Equation.DSMT4">
+                <p:oleObj name="Equation" r:id="rId8" imgW="545760" imgH="177480" progId="Equation.DSMT4">
                   <p:embed/>
                 </p:oleObj>
               </mc:Choice>
               <mc:Fallback>
-                <p:oleObj name="Equation" r:id="rId9" imgW="545760" imgH="177480" progId="Equation.DSMT4">
+                <p:oleObj name="Equation" r:id="rId8" imgW="545760" imgH="177480" progId="Equation.DSMT4">
                   <p:embed/>
                   <p:pic>
                     <p:nvPicPr>
@@ -15985,7 +15903,7 @@
                       <p:nvPr/>
                     </p:nvPicPr>
                     <p:blipFill>
-                      <a:blip r:embed="rId10">
+                      <a:blip r:embed="rId9">
                         <a:extLst>
                           <a:ext uri="{28A0092B-C50C-407E-A947-70E740481C1C}">
                             <a14:useLocalDpi xmlns:a14="http://schemas.microsoft.com/office/drawing/2010/main" val="0"/>
@@ -16062,12 +15980,12 @@
           <a:graphicData uri="http://schemas.openxmlformats.org/presentationml/2006/ole">
             <mc:AlternateContent xmlns:mc="http://schemas.openxmlformats.org/markup-compatibility/2006">
               <mc:Choice xmlns:v="urn:schemas-microsoft-com:vml" Requires="v">
-                <p:oleObj spid="_x0000_s21558" name="Equation" r:id="rId11" imgW="1676160" imgH="228600" progId="Equation.DSMT4">
+                <p:oleObj name="Equation" r:id="rId10" imgW="1676160" imgH="228600" progId="Equation.DSMT4">
                   <p:embed/>
                 </p:oleObj>
               </mc:Choice>
               <mc:Fallback>
-                <p:oleObj name="Equation" r:id="rId11" imgW="1676160" imgH="228600" progId="Equation.DSMT4">
+                <p:oleObj name="Equation" r:id="rId10" imgW="1676160" imgH="228600" progId="Equation.DSMT4">
                   <p:embed/>
                   <p:pic>
                     <p:nvPicPr>
@@ -16078,7 +15996,7 @@
                       <p:nvPr/>
                     </p:nvPicPr>
                     <p:blipFill>
-                      <a:blip r:embed="rId12">
+                      <a:blip r:embed="rId11">
                         <a:extLst>
                           <a:ext uri="{28A0092B-C50C-407E-A947-70E740481C1C}">
                             <a14:useLocalDpi xmlns:a14="http://schemas.microsoft.com/office/drawing/2010/main" val="0"/>
@@ -16150,12 +16068,12 @@
           <a:graphicData uri="http://schemas.openxmlformats.org/presentationml/2006/ole">
             <mc:AlternateContent xmlns:mc="http://schemas.openxmlformats.org/markup-compatibility/2006">
               <mc:Choice xmlns:v="urn:schemas-microsoft-com:vml" Requires="v">
-                <p:oleObj spid="_x0000_s21559" name="Equation" r:id="rId13" imgW="545760" imgH="177480" progId="Equation.DSMT4">
+                <p:oleObj name="Equation" r:id="rId12" imgW="545760" imgH="177480" progId="Equation.DSMT4">
                   <p:embed/>
                 </p:oleObj>
               </mc:Choice>
               <mc:Fallback>
-                <p:oleObj name="Equation" r:id="rId13" imgW="545760" imgH="177480" progId="Equation.DSMT4">
+                <p:oleObj name="Equation" r:id="rId12" imgW="545760" imgH="177480" progId="Equation.DSMT4">
                   <p:embed/>
                   <p:pic>
                     <p:nvPicPr>
@@ -16166,7 +16084,7 @@
                       <p:nvPr/>
                     </p:nvPicPr>
                     <p:blipFill>
-                      <a:blip r:embed="rId14">
+                      <a:blip r:embed="rId13">
                         <a:extLst>
                           <a:ext uri="{28A0092B-C50C-407E-A947-70E740481C1C}">
                             <a14:useLocalDpi xmlns:a14="http://schemas.microsoft.com/office/drawing/2010/main" val="0"/>
@@ -16243,12 +16161,12 @@
           <a:graphicData uri="http://schemas.openxmlformats.org/presentationml/2006/ole">
             <mc:AlternateContent xmlns:mc="http://schemas.openxmlformats.org/markup-compatibility/2006">
               <mc:Choice xmlns:v="urn:schemas-microsoft-com:vml" Requires="v">
-                <p:oleObj spid="_x0000_s21560" name="Equation" r:id="rId15" imgW="545760" imgH="177480" progId="Equation.DSMT4">
+                <p:oleObj name="Equation" r:id="rId14" imgW="545760" imgH="177480" progId="Equation.DSMT4">
                   <p:embed/>
                 </p:oleObj>
               </mc:Choice>
               <mc:Fallback>
-                <p:oleObj name="Equation" r:id="rId15" imgW="545760" imgH="177480" progId="Equation.DSMT4">
+                <p:oleObj name="Equation" r:id="rId14" imgW="545760" imgH="177480" progId="Equation.DSMT4">
                   <p:embed/>
                   <p:pic>
                     <p:nvPicPr>
@@ -16259,7 +16177,7 @@
                       <p:nvPr/>
                     </p:nvPicPr>
                     <p:blipFill>
-                      <a:blip r:embed="rId10">
+                      <a:blip r:embed="rId9">
                         <a:extLst>
                           <a:ext uri="{28A0092B-C50C-407E-A947-70E740481C1C}">
                             <a14:useLocalDpi xmlns:a14="http://schemas.microsoft.com/office/drawing/2010/main" val="0"/>
@@ -16336,12 +16254,12 @@
           <a:graphicData uri="http://schemas.openxmlformats.org/presentationml/2006/ole">
             <mc:AlternateContent xmlns:mc="http://schemas.openxmlformats.org/markup-compatibility/2006">
               <mc:Choice xmlns:v="urn:schemas-microsoft-com:vml" Requires="v">
-                <p:oleObj spid="_x0000_s21561" name="Equation" r:id="rId16" imgW="495000" imgH="228600" progId="Equation.DSMT4">
+                <p:oleObj name="Equation" r:id="rId15" imgW="495000" imgH="228600" progId="Equation.DSMT4">
                   <p:embed/>
                 </p:oleObj>
               </mc:Choice>
               <mc:Fallback>
-                <p:oleObj name="Equation" r:id="rId16" imgW="495000" imgH="228600" progId="Equation.DSMT4">
+                <p:oleObj name="Equation" r:id="rId15" imgW="495000" imgH="228600" progId="Equation.DSMT4">
                   <p:embed/>
                   <p:pic>
                     <p:nvPicPr>
@@ -16352,7 +16270,7 @@
                       <p:nvPr/>
                     </p:nvPicPr>
                     <p:blipFill>
-                      <a:blip r:embed="rId17">
+                      <a:blip r:embed="rId16">
                         <a:extLst>
                           <a:ext uri="{28A0092B-C50C-407E-A947-70E740481C1C}">
                             <a14:useLocalDpi xmlns:a14="http://schemas.microsoft.com/office/drawing/2010/main" val="0"/>
@@ -16985,47 +16903,6 @@
             <a:ext cx="5715000" cy="3200400"/>
           </a:xfrm>
           <a:prstGeom prst="flowChartConnector">
-            <a:avLst/>
-          </a:prstGeom>
-          <a:noFill/>
-        </p:spPr>
-        <p:style>
-          <a:lnRef idx="2">
-            <a:schemeClr val="accent1">
-              <a:shade val="50000"/>
-            </a:schemeClr>
-          </a:lnRef>
-          <a:fillRef idx="1">
-            <a:schemeClr val="accent1"/>
-          </a:fillRef>
-          <a:effectRef idx="0">
-            <a:schemeClr val="accent1"/>
-          </a:effectRef>
-          <a:fontRef idx="minor">
-            <a:schemeClr val="lt1"/>
-          </a:fontRef>
-        </p:style>
-        <p:txBody>
-          <a:bodyPr rtlCol="0" anchor="ctr"/>
-          <a:lstStyle/>
-          <a:p>
-            <a:pPr algn="ctr"/>
-            <a:endParaRPr lang="zh-CN" altLang="en-US"/>
-          </a:p>
-        </p:txBody>
-      </p:sp>
-      <p:sp>
-        <p:nvSpPr>
-          <p:cNvPr id="14" name="流程图: 过程 13"/>
-          <p:cNvSpPr/>
-          <p:nvPr/>
-        </p:nvSpPr>
-        <p:spPr>
-          <a:xfrm>
-            <a:off x="609600" y="1524000"/>
-            <a:ext cx="6019800" cy="3810000"/>
-          </a:xfrm>
-          <a:prstGeom prst="flowChartProcess">
             <a:avLst/>
           </a:prstGeom>
           <a:noFill/>
@@ -17524,50 +17401,6 @@
       </p:sp>
       <p:sp>
         <p:nvSpPr>
-          <p:cNvPr id="39" name="椭圆 38"/>
-          <p:cNvSpPr/>
-          <p:nvPr/>
-        </p:nvSpPr>
-        <p:spPr>
-          <a:xfrm>
-            <a:off x="685800" y="1600200"/>
-            <a:ext cx="6477000" cy="3886200"/>
-          </a:xfrm>
-          <a:prstGeom prst="ellipse">
-            <a:avLst/>
-          </a:prstGeom>
-          <a:noFill/>
-          <a:ln>
-            <a:prstDash val="dashDot"/>
-          </a:ln>
-        </p:spPr>
-        <p:style>
-          <a:lnRef idx="2">
-            <a:schemeClr val="accent1">
-              <a:shade val="50000"/>
-            </a:schemeClr>
-          </a:lnRef>
-          <a:fillRef idx="1">
-            <a:schemeClr val="accent1"/>
-          </a:fillRef>
-          <a:effectRef idx="0">
-            <a:schemeClr val="accent1"/>
-          </a:effectRef>
-          <a:fontRef idx="minor">
-            <a:schemeClr val="lt1"/>
-          </a:fontRef>
-        </p:style>
-        <p:txBody>
-          <a:bodyPr rtlCol="0" anchor="ctr"/>
-          <a:lstStyle/>
-          <a:p>
-            <a:pPr algn="ctr"/>
-            <a:endParaRPr lang="zh-CN" altLang="en-US"/>
-          </a:p>
-        </p:txBody>
-      </p:sp>
-      <p:sp>
-        <p:nvSpPr>
           <p:cNvPr id="40" name="椭圆 39"/>
           <p:cNvSpPr/>
           <p:nvPr/>
@@ -17693,6 +17526,135 @@
       </p:cxnSp>
       <p:sp>
         <p:nvSpPr>
+          <p:cNvPr id="26" name="椭圆 25"/>
+          <p:cNvSpPr/>
+          <p:nvPr/>
+        </p:nvSpPr>
+        <p:spPr>
+          <a:xfrm>
+            <a:off x="1447800" y="2895600"/>
+            <a:ext cx="1524000" cy="762000"/>
+          </a:xfrm>
+          <a:prstGeom prst="ellipse">
+            <a:avLst/>
+          </a:prstGeom>
+          <a:noFill/>
+          <a:ln>
+            <a:prstDash val="dashDot"/>
+          </a:ln>
+        </p:spPr>
+        <p:style>
+          <a:lnRef idx="2">
+            <a:schemeClr val="accent1">
+              <a:shade val="50000"/>
+            </a:schemeClr>
+          </a:lnRef>
+          <a:fillRef idx="1">
+            <a:schemeClr val="accent1"/>
+          </a:fillRef>
+          <a:effectRef idx="0">
+            <a:schemeClr val="accent1"/>
+          </a:effectRef>
+          <a:fontRef idx="minor">
+            <a:schemeClr val="lt1"/>
+          </a:fontRef>
+        </p:style>
+        <p:txBody>
+          <a:bodyPr rtlCol="0" anchor="ctr"/>
+          <a:lstStyle/>
+          <a:p>
+            <a:pPr algn="ctr"/>
+            <a:endParaRPr lang="zh-CN" altLang="en-US"/>
+          </a:p>
+        </p:txBody>
+      </p:sp>
+      <p:sp>
+        <p:nvSpPr>
+          <p:cNvPr id="14" name="流程图: 过程 13"/>
+          <p:cNvSpPr/>
+          <p:nvPr/>
+        </p:nvSpPr>
+        <p:spPr>
+          <a:xfrm>
+            <a:off x="609600" y="1524000"/>
+            <a:ext cx="6019800" cy="3810000"/>
+          </a:xfrm>
+          <a:prstGeom prst="flowChartProcess">
+            <a:avLst/>
+          </a:prstGeom>
+          <a:noFill/>
+        </p:spPr>
+        <p:style>
+          <a:lnRef idx="2">
+            <a:schemeClr val="accent1">
+              <a:shade val="50000"/>
+            </a:schemeClr>
+          </a:lnRef>
+          <a:fillRef idx="1">
+            <a:schemeClr val="accent1"/>
+          </a:fillRef>
+          <a:effectRef idx="0">
+            <a:schemeClr val="accent1"/>
+          </a:effectRef>
+          <a:fontRef idx="minor">
+            <a:schemeClr val="lt1"/>
+          </a:fontRef>
+        </p:style>
+        <p:txBody>
+          <a:bodyPr rtlCol="0" anchor="ctr"/>
+          <a:lstStyle/>
+          <a:p>
+            <a:pPr algn="ctr"/>
+            <a:endParaRPr lang="zh-CN" altLang="en-US"/>
+          </a:p>
+        </p:txBody>
+      </p:sp>
+      <p:sp>
+        <p:nvSpPr>
+          <p:cNvPr id="39" name="椭圆 38"/>
+          <p:cNvSpPr/>
+          <p:nvPr/>
+        </p:nvSpPr>
+        <p:spPr>
+          <a:xfrm>
+            <a:off x="685800" y="1600200"/>
+            <a:ext cx="6477000" cy="3886200"/>
+          </a:xfrm>
+          <a:prstGeom prst="ellipse">
+            <a:avLst/>
+          </a:prstGeom>
+          <a:noFill/>
+          <a:ln>
+            <a:prstDash val="dashDot"/>
+          </a:ln>
+        </p:spPr>
+        <p:style>
+          <a:lnRef idx="2">
+            <a:schemeClr val="accent1">
+              <a:shade val="50000"/>
+            </a:schemeClr>
+          </a:lnRef>
+          <a:fillRef idx="1">
+            <a:schemeClr val="accent1"/>
+          </a:fillRef>
+          <a:effectRef idx="0">
+            <a:schemeClr val="accent1"/>
+          </a:effectRef>
+          <a:fontRef idx="minor">
+            <a:schemeClr val="lt1"/>
+          </a:fontRef>
+        </p:style>
+        <p:txBody>
+          <a:bodyPr rtlCol="0" anchor="ctr"/>
+          <a:lstStyle/>
+          <a:p>
+            <a:pPr algn="ctr"/>
+            <a:endParaRPr lang="zh-CN" altLang="en-US"/>
+          </a:p>
+        </p:txBody>
+      </p:sp>
+      <p:sp>
+        <p:nvSpPr>
           <p:cNvPr id="46" name="TextBox 45"/>
           <p:cNvSpPr txBox="1"/>
           <p:nvPr/>
@@ -17774,8 +17736,8 @@
           </a:p>
         </p:txBody>
       </p:sp>
-      <mc:AlternateContent xmlns:mc="http://schemas.openxmlformats.org/markup-compatibility/2006" xmlns:a14="http://schemas.microsoft.com/office/drawing/2010/main">
-        <mc:Choice Requires="a14">
+      <mc:AlternateContent xmlns:mc="http://schemas.openxmlformats.org/markup-compatibility/2006">
+        <mc:Choice xmlns:a14="http://schemas.microsoft.com/office/drawing/2010/main" Requires="a14">
           <p:sp>
             <p:nvSpPr>
               <p:cNvPr id="25" name="TextBox 24"/>
@@ -17853,7 +17815,7 @@
             </p:txBody>
           </p:sp>
         </mc:Choice>
-        <mc:Fallback xmlns="">
+        <mc:Fallback>
           <p:sp>
             <p:nvSpPr>
               <p:cNvPr id="25" name="TextBox 24"/>
@@ -17870,7 +17832,7 @@
               <a:prstGeom prst="rect">
                 <a:avLst/>
               </a:prstGeom>
-              <a:blipFill rotWithShape="1">
+              <a:blipFill>
                 <a:blip r:embed="rId7"/>
                 <a:stretch>
                   <a:fillRect t="-12121" b="-27273"/>
@@ -17892,52 +17854,8 @@
           </p:sp>
         </mc:Fallback>
       </mc:AlternateContent>
-      <p:sp>
-        <p:nvSpPr>
-          <p:cNvPr id="26" name="椭圆 25"/>
-          <p:cNvSpPr/>
-          <p:nvPr/>
-        </p:nvSpPr>
-        <p:spPr>
-          <a:xfrm>
-            <a:off x="1447800" y="2895600"/>
-            <a:ext cx="1524000" cy="762000"/>
-          </a:xfrm>
-          <a:prstGeom prst="ellipse">
-            <a:avLst/>
-          </a:prstGeom>
-          <a:noFill/>
-          <a:ln>
-            <a:prstDash val="dashDot"/>
-          </a:ln>
-        </p:spPr>
-        <p:style>
-          <a:lnRef idx="2">
-            <a:schemeClr val="accent1">
-              <a:shade val="50000"/>
-            </a:schemeClr>
-          </a:lnRef>
-          <a:fillRef idx="1">
-            <a:schemeClr val="accent1"/>
-          </a:fillRef>
-          <a:effectRef idx="0">
-            <a:schemeClr val="accent1"/>
-          </a:effectRef>
-          <a:fontRef idx="minor">
-            <a:schemeClr val="lt1"/>
-          </a:fontRef>
-        </p:style>
-        <p:txBody>
-          <a:bodyPr rtlCol="0" anchor="ctr"/>
-          <a:lstStyle/>
-          <a:p>
-            <a:pPr algn="ctr"/>
-            <a:endParaRPr lang="zh-CN" altLang="en-US"/>
-          </a:p>
-        </p:txBody>
-      </p:sp>
-      <mc:AlternateContent xmlns:mc="http://schemas.openxmlformats.org/markup-compatibility/2006" xmlns:a14="http://schemas.microsoft.com/office/drawing/2010/main">
-        <mc:Choice Requires="a14">
+      <mc:AlternateContent xmlns:mc="http://schemas.openxmlformats.org/markup-compatibility/2006">
+        <mc:Choice xmlns:a14="http://schemas.microsoft.com/office/drawing/2010/main" Requires="a14">
           <p:sp>
             <p:nvSpPr>
               <p:cNvPr id="2" name="TextBox 1"/>
@@ -18037,7 +17955,7 @@
             </p:txBody>
           </p:sp>
         </mc:Choice>
-        <mc:Fallback xmlns="">
+        <mc:Fallback>
           <p:sp>
             <p:nvSpPr>
               <p:cNvPr id="2" name="TextBox 1"/>
@@ -18054,7 +17972,7 @@
               <a:prstGeom prst="rect">
                 <a:avLst/>
               </a:prstGeom>
-              <a:blipFill rotWithShape="1">
+              <a:blipFill>
                 <a:blip r:embed="rId8"/>
                 <a:stretch>
                   <a:fillRect b="-1538"/>
@@ -18781,12 +18699,12 @@
           <a:graphicData uri="http://schemas.openxmlformats.org/presentationml/2006/ole">
             <mc:AlternateContent xmlns:mc="http://schemas.openxmlformats.org/markup-compatibility/2006">
               <mc:Choice xmlns:v="urn:schemas-microsoft-com:vml" Requires="v">
-                <p:oleObj spid="_x0000_s3092" name="Equation" r:id="rId3" imgW="469800" imgH="164880" progId="Equation.DSMT4">
+                <p:oleObj name="Equation" r:id="rId2" imgW="469800" imgH="164880" progId="Equation.DSMT4">
                   <p:embed/>
                 </p:oleObj>
               </mc:Choice>
               <mc:Fallback>
-                <p:oleObj name="Equation" r:id="rId3" imgW="469800" imgH="164880" progId="Equation.DSMT4">
+                <p:oleObj name="Equation" r:id="rId2" imgW="469800" imgH="164880" progId="Equation.DSMT4">
                   <p:embed/>
                   <p:pic>
                     <p:nvPicPr>
@@ -18797,7 +18715,7 @@
                       <p:nvPr/>
                     </p:nvPicPr>
                     <p:blipFill>
-                      <a:blip r:embed="rId4">
+                      <a:blip r:embed="rId3">
                         <a:extLst>
                           <a:ext uri="{28A0092B-C50C-407E-A947-70E740481C1C}">
                             <a14:useLocalDpi xmlns:a14="http://schemas.microsoft.com/office/drawing/2010/main" val="0"/>
@@ -18874,12 +18792,12 @@
           <a:graphicData uri="http://schemas.openxmlformats.org/presentationml/2006/ole">
             <mc:AlternateContent xmlns:mc="http://schemas.openxmlformats.org/markup-compatibility/2006">
               <mc:Choice xmlns:v="urn:schemas-microsoft-com:vml" Requires="v">
-                <p:oleObj spid="_x0000_s3093" name="Equation" r:id="rId5" imgW="736560" imgH="164880" progId="Equation.DSMT4">
+                <p:oleObj name="Equation" r:id="rId4" imgW="736560" imgH="164880" progId="Equation.DSMT4">
                   <p:embed/>
                 </p:oleObj>
               </mc:Choice>
               <mc:Fallback>
-                <p:oleObj name="Equation" r:id="rId5" imgW="736560" imgH="164880" progId="Equation.DSMT4">
+                <p:oleObj name="Equation" r:id="rId4" imgW="736560" imgH="164880" progId="Equation.DSMT4">
                   <p:embed/>
                   <p:pic>
                     <p:nvPicPr>
@@ -18890,7 +18808,7 @@
                       <p:nvPr/>
                     </p:nvPicPr>
                     <p:blipFill>
-                      <a:blip r:embed="rId6">
+                      <a:blip r:embed="rId5">
                         <a:extLst>
                           <a:ext uri="{28A0092B-C50C-407E-A947-70E740481C1C}">
                             <a14:useLocalDpi xmlns:a14="http://schemas.microsoft.com/office/drawing/2010/main" val="0"/>
@@ -18967,12 +18885,12 @@
           <a:graphicData uri="http://schemas.openxmlformats.org/presentationml/2006/ole">
             <mc:AlternateContent xmlns:mc="http://schemas.openxmlformats.org/markup-compatibility/2006">
               <mc:Choice xmlns:v="urn:schemas-microsoft-com:vml" Requires="v">
-                <p:oleObj spid="_x0000_s3094" name="Equation" r:id="rId7" imgW="431640" imgH="228600" progId="Equation.DSMT4">
+                <p:oleObj name="Equation" r:id="rId6" imgW="431640" imgH="228600" progId="Equation.DSMT4">
                   <p:embed/>
                 </p:oleObj>
               </mc:Choice>
               <mc:Fallback>
-                <p:oleObj name="Equation" r:id="rId7" imgW="431640" imgH="228600" progId="Equation.DSMT4">
+                <p:oleObj name="Equation" r:id="rId6" imgW="431640" imgH="228600" progId="Equation.DSMT4">
                   <p:embed/>
                   <p:pic>
                     <p:nvPicPr>
@@ -18983,7 +18901,7 @@
                       <p:nvPr/>
                     </p:nvPicPr>
                     <p:blipFill>
-                      <a:blip r:embed="rId8">
+                      <a:blip r:embed="rId7">
                         <a:extLst>
                           <a:ext uri="{28A0092B-C50C-407E-A947-70E740481C1C}">
                             <a14:useLocalDpi xmlns:a14="http://schemas.microsoft.com/office/drawing/2010/main" val="0"/>
@@ -19896,12 +19814,12 @@
           <a:graphicData uri="http://schemas.openxmlformats.org/presentationml/2006/ole">
             <mc:AlternateContent xmlns:mc="http://schemas.openxmlformats.org/markup-compatibility/2006">
               <mc:Choice xmlns:v="urn:schemas-microsoft-com:vml" Requires="v">
-                <p:oleObj spid="_x0000_s4141" name="Equation" r:id="rId3" imgW="787320" imgH="228600" progId="Equation.DSMT4">
+                <p:oleObj name="Equation" r:id="rId2" imgW="787320" imgH="228600" progId="Equation.DSMT4">
                   <p:embed/>
                 </p:oleObj>
               </mc:Choice>
               <mc:Fallback>
-                <p:oleObj name="Equation" r:id="rId3" imgW="787320" imgH="228600" progId="Equation.DSMT4">
+                <p:oleObj name="Equation" r:id="rId2" imgW="787320" imgH="228600" progId="Equation.DSMT4">
                   <p:embed/>
                   <p:pic>
                     <p:nvPicPr>
@@ -19912,7 +19830,7 @@
                       <p:nvPr/>
                     </p:nvPicPr>
                     <p:blipFill>
-                      <a:blip r:embed="rId4">
+                      <a:blip r:embed="rId3">
                         <a:extLst>
                           <a:ext uri="{28A0092B-C50C-407E-A947-70E740481C1C}">
                             <a14:useLocalDpi xmlns:a14="http://schemas.microsoft.com/office/drawing/2010/main" val="0"/>
@@ -20250,12 +20168,12 @@
           <a:graphicData uri="http://schemas.openxmlformats.org/presentationml/2006/ole">
             <mc:AlternateContent xmlns:mc="http://schemas.openxmlformats.org/markup-compatibility/2006">
               <mc:Choice xmlns:v="urn:schemas-microsoft-com:vml" Requires="v">
-                <p:oleObj spid="_x0000_s4142" name="Equation" r:id="rId5" imgW="533160" imgH="228600" progId="Equation.DSMT4">
+                <p:oleObj name="Equation" r:id="rId4" imgW="533160" imgH="228600" progId="Equation.DSMT4">
                   <p:embed/>
                 </p:oleObj>
               </mc:Choice>
               <mc:Fallback>
-                <p:oleObj name="Equation" r:id="rId5" imgW="533160" imgH="228600" progId="Equation.DSMT4">
+                <p:oleObj name="Equation" r:id="rId4" imgW="533160" imgH="228600" progId="Equation.DSMT4">
                   <p:embed/>
                   <p:pic>
                     <p:nvPicPr>
@@ -20266,7 +20184,7 @@
                       <p:nvPr/>
                     </p:nvPicPr>
                     <p:blipFill>
-                      <a:blip r:embed="rId6">
+                      <a:blip r:embed="rId5">
                         <a:extLst>
                           <a:ext uri="{28A0092B-C50C-407E-A947-70E740481C1C}">
                             <a14:useLocalDpi xmlns:a14="http://schemas.microsoft.com/office/drawing/2010/main" val="0"/>
@@ -20343,12 +20261,12 @@
           <a:graphicData uri="http://schemas.openxmlformats.org/presentationml/2006/ole">
             <mc:AlternateContent xmlns:mc="http://schemas.openxmlformats.org/markup-compatibility/2006">
               <mc:Choice xmlns:v="urn:schemas-microsoft-com:vml" Requires="v">
-                <p:oleObj spid="_x0000_s4143" name="Equation" r:id="rId7" imgW="444240" imgH="228600" progId="Equation.DSMT4">
+                <p:oleObj name="Equation" r:id="rId6" imgW="444240" imgH="228600" progId="Equation.DSMT4">
                   <p:embed/>
                 </p:oleObj>
               </mc:Choice>
               <mc:Fallback>
-                <p:oleObj name="Equation" r:id="rId7" imgW="444240" imgH="228600" progId="Equation.DSMT4">
+                <p:oleObj name="Equation" r:id="rId6" imgW="444240" imgH="228600" progId="Equation.DSMT4">
                   <p:embed/>
                   <p:pic>
                     <p:nvPicPr>
@@ -20359,7 +20277,7 @@
                       <p:nvPr/>
                     </p:nvPicPr>
                     <p:blipFill>
-                      <a:blip r:embed="rId8">
+                      <a:blip r:embed="rId7">
                         <a:extLst>
                           <a:ext uri="{28A0092B-C50C-407E-A947-70E740481C1C}">
                             <a14:useLocalDpi xmlns:a14="http://schemas.microsoft.com/office/drawing/2010/main" val="0"/>
@@ -20436,12 +20354,12 @@
           <a:graphicData uri="http://schemas.openxmlformats.org/presentationml/2006/ole">
             <mc:AlternateContent xmlns:mc="http://schemas.openxmlformats.org/markup-compatibility/2006">
               <mc:Choice xmlns:v="urn:schemas-microsoft-com:vml" Requires="v">
-                <p:oleObj spid="_x0000_s4144" name="Equation" r:id="rId9" imgW="761760" imgH="228600" progId="Equation.DSMT4">
+                <p:oleObj name="Equation" r:id="rId8" imgW="761760" imgH="228600" progId="Equation.DSMT4">
                   <p:embed/>
                 </p:oleObj>
               </mc:Choice>
               <mc:Fallback>
-                <p:oleObj name="Equation" r:id="rId9" imgW="761760" imgH="228600" progId="Equation.DSMT4">
+                <p:oleObj name="Equation" r:id="rId8" imgW="761760" imgH="228600" progId="Equation.DSMT4">
                   <p:embed/>
                   <p:pic>
                     <p:nvPicPr>
@@ -20452,7 +20370,7 @@
                       <p:nvPr/>
                     </p:nvPicPr>
                     <p:blipFill>
-                      <a:blip r:embed="rId10">
+                      <a:blip r:embed="rId9">
                         <a:extLst>
                           <a:ext uri="{28A0092B-C50C-407E-A947-70E740481C1C}">
                             <a14:useLocalDpi xmlns:a14="http://schemas.microsoft.com/office/drawing/2010/main" val="0"/>
@@ -20529,12 +20447,12 @@
           <a:graphicData uri="http://schemas.openxmlformats.org/presentationml/2006/ole">
             <mc:AlternateContent xmlns:mc="http://schemas.openxmlformats.org/markup-compatibility/2006">
               <mc:Choice xmlns:v="urn:schemas-microsoft-com:vml" Requires="v">
-                <p:oleObj spid="_x0000_s4145" name="Equation" r:id="rId11" imgW="1066680" imgH="228600" progId="Equation.DSMT4">
+                <p:oleObj name="Equation" r:id="rId10" imgW="1066680" imgH="228600" progId="Equation.DSMT4">
                   <p:embed/>
                 </p:oleObj>
               </mc:Choice>
               <mc:Fallback>
-                <p:oleObj name="Equation" r:id="rId11" imgW="1066680" imgH="228600" progId="Equation.DSMT4">
+                <p:oleObj name="Equation" r:id="rId10" imgW="1066680" imgH="228600" progId="Equation.DSMT4">
                   <p:embed/>
                   <p:pic>
                     <p:nvPicPr>
@@ -20545,7 +20463,7 @@
                       <p:nvPr/>
                     </p:nvPicPr>
                     <p:blipFill>
-                      <a:blip r:embed="rId12">
+                      <a:blip r:embed="rId11">
                         <a:extLst>
                           <a:ext uri="{28A0092B-C50C-407E-A947-70E740481C1C}">
                             <a14:useLocalDpi xmlns:a14="http://schemas.microsoft.com/office/drawing/2010/main" val="0"/>
@@ -20622,12 +20540,12 @@
           <a:graphicData uri="http://schemas.openxmlformats.org/presentationml/2006/ole">
             <mc:AlternateContent xmlns:mc="http://schemas.openxmlformats.org/markup-compatibility/2006">
               <mc:Choice xmlns:v="urn:schemas-microsoft-com:vml" Requires="v">
-                <p:oleObj spid="_x0000_s4146" name="Equation" r:id="rId13" imgW="901440" imgH="228600" progId="Equation.DSMT4">
+                <p:oleObj name="Equation" r:id="rId12" imgW="901440" imgH="228600" progId="Equation.DSMT4">
                   <p:embed/>
                 </p:oleObj>
               </mc:Choice>
               <mc:Fallback>
-                <p:oleObj name="Equation" r:id="rId13" imgW="901440" imgH="228600" progId="Equation.DSMT4">
+                <p:oleObj name="Equation" r:id="rId12" imgW="901440" imgH="228600" progId="Equation.DSMT4">
                   <p:embed/>
                   <p:pic>
                     <p:nvPicPr>
@@ -20638,7 +20556,7 @@
                       <p:nvPr/>
                     </p:nvPicPr>
                     <p:blipFill>
-                      <a:blip r:embed="rId14">
+                      <a:blip r:embed="rId13">
                         <a:extLst>
                           <a:ext uri="{28A0092B-C50C-407E-A947-70E740481C1C}">
                             <a14:useLocalDpi xmlns:a14="http://schemas.microsoft.com/office/drawing/2010/main" val="0"/>
@@ -20715,12 +20633,12 @@
           <a:graphicData uri="http://schemas.openxmlformats.org/presentationml/2006/ole">
             <mc:AlternateContent xmlns:mc="http://schemas.openxmlformats.org/markup-compatibility/2006">
               <mc:Choice xmlns:v="urn:schemas-microsoft-com:vml" Requires="v">
-                <p:oleObj spid="_x0000_s4147" name="Equation" r:id="rId15" imgW="520560" imgH="228600" progId="Equation.DSMT4">
+                <p:oleObj name="Equation" r:id="rId14" imgW="520560" imgH="228600" progId="Equation.DSMT4">
                   <p:embed/>
                 </p:oleObj>
               </mc:Choice>
               <mc:Fallback>
-                <p:oleObj name="Equation" r:id="rId15" imgW="520560" imgH="228600" progId="Equation.DSMT4">
+                <p:oleObj name="Equation" r:id="rId14" imgW="520560" imgH="228600" progId="Equation.DSMT4">
                   <p:embed/>
                   <p:pic>
                     <p:nvPicPr>
@@ -20731,7 +20649,7 @@
                       <p:nvPr/>
                     </p:nvPicPr>
                     <p:blipFill>
-                      <a:blip r:embed="rId16">
+                      <a:blip r:embed="rId15">
                         <a:extLst>
                           <a:ext uri="{28A0092B-C50C-407E-A947-70E740481C1C}">
                             <a14:useLocalDpi xmlns:a14="http://schemas.microsoft.com/office/drawing/2010/main" val="0"/>
@@ -22503,12 +22421,12 @@
           <a:graphicData uri="http://schemas.openxmlformats.org/presentationml/2006/ole">
             <mc:AlternateContent xmlns:mc="http://schemas.openxmlformats.org/markup-compatibility/2006">
               <mc:Choice xmlns:v="urn:schemas-microsoft-com:vml" Requires="v">
-                <p:oleObj spid="_x0000_s18439" name="Equation" r:id="rId3" imgW="838080" imgH="228600" progId="Equation.DSMT4">
+                <p:oleObj name="Equation" r:id="rId2" imgW="838080" imgH="228600" progId="Equation.DSMT4">
                   <p:embed/>
                 </p:oleObj>
               </mc:Choice>
               <mc:Fallback>
-                <p:oleObj name="Equation" r:id="rId3" imgW="838080" imgH="228600" progId="Equation.DSMT4">
+                <p:oleObj name="Equation" r:id="rId2" imgW="838080" imgH="228600" progId="Equation.DSMT4">
                   <p:embed/>
                   <p:pic>
                     <p:nvPicPr>
@@ -22519,7 +22437,7 @@
                       <p:nvPr/>
                     </p:nvPicPr>
                     <p:blipFill>
-                      <a:blip r:embed="rId4">
+                      <a:blip r:embed="rId3">
                         <a:extLst>
                           <a:ext uri="{28A0092B-C50C-407E-A947-70E740481C1C}">
                             <a14:useLocalDpi xmlns:a14="http://schemas.microsoft.com/office/drawing/2010/main" val="0"/>
@@ -23332,12 +23250,12 @@
           <a:graphicData uri="http://schemas.openxmlformats.org/presentationml/2006/ole">
             <mc:AlternateContent xmlns:mc="http://schemas.openxmlformats.org/markup-compatibility/2006">
               <mc:Choice xmlns:v="urn:schemas-microsoft-com:vml" Requires="v">
-                <p:oleObj spid="_x0000_s5164" name="Equation" r:id="rId3" imgW="1143000" imgH="228600" progId="Equation.DSMT4">
+                <p:oleObj name="Equation" r:id="rId2" imgW="1143000" imgH="228600" progId="Equation.DSMT4">
                   <p:embed/>
                 </p:oleObj>
               </mc:Choice>
               <mc:Fallback>
-                <p:oleObj name="Equation" r:id="rId3" imgW="1143000" imgH="228600" progId="Equation.DSMT4">
+                <p:oleObj name="Equation" r:id="rId2" imgW="1143000" imgH="228600" progId="Equation.DSMT4">
                   <p:embed/>
                   <p:pic>
                     <p:nvPicPr>
@@ -23348,7 +23266,7 @@
                       <p:nvPr/>
                     </p:nvPicPr>
                     <p:blipFill>
-                      <a:blip r:embed="rId4">
+                      <a:blip r:embed="rId3">
                         <a:extLst>
                           <a:ext uri="{28A0092B-C50C-407E-A947-70E740481C1C}">
                             <a14:useLocalDpi xmlns:a14="http://schemas.microsoft.com/office/drawing/2010/main" val="0"/>
@@ -23425,12 +23343,12 @@
           <a:graphicData uri="http://schemas.openxmlformats.org/presentationml/2006/ole">
             <mc:AlternateContent xmlns:mc="http://schemas.openxmlformats.org/markup-compatibility/2006">
               <mc:Choice xmlns:v="urn:schemas-microsoft-com:vml" Requires="v">
-                <p:oleObj spid="_x0000_s5165" name="Equation" r:id="rId5" imgW="469800" imgH="152280" progId="Equation.DSMT4">
+                <p:oleObj name="Equation" r:id="rId4" imgW="469800" imgH="152280" progId="Equation.DSMT4">
                   <p:embed/>
                 </p:oleObj>
               </mc:Choice>
               <mc:Fallback>
-                <p:oleObj name="Equation" r:id="rId5" imgW="469800" imgH="152280" progId="Equation.DSMT4">
+                <p:oleObj name="Equation" r:id="rId4" imgW="469800" imgH="152280" progId="Equation.DSMT4">
                   <p:embed/>
                   <p:pic>
                     <p:nvPicPr>
@@ -23441,7 +23359,7 @@
                       <p:nvPr/>
                     </p:nvPicPr>
                     <p:blipFill>
-                      <a:blip r:embed="rId6">
+                      <a:blip r:embed="rId5">
                         <a:extLst>
                           <a:ext uri="{28A0092B-C50C-407E-A947-70E740481C1C}">
                             <a14:useLocalDpi xmlns:a14="http://schemas.microsoft.com/office/drawing/2010/main" val="0"/>
@@ -23518,12 +23436,12 @@
           <a:graphicData uri="http://schemas.openxmlformats.org/presentationml/2006/ole">
             <mc:AlternateContent xmlns:mc="http://schemas.openxmlformats.org/markup-compatibility/2006">
               <mc:Choice xmlns:v="urn:schemas-microsoft-com:vml" Requires="v">
-                <p:oleObj spid="_x0000_s5166" name="Equation" r:id="rId7" imgW="406080" imgH="177480" progId="Equation.DSMT4">
+                <p:oleObj name="Equation" r:id="rId6" imgW="406080" imgH="177480" progId="Equation.DSMT4">
                   <p:embed/>
                 </p:oleObj>
               </mc:Choice>
               <mc:Fallback>
-                <p:oleObj name="Equation" r:id="rId7" imgW="406080" imgH="177480" progId="Equation.DSMT4">
+                <p:oleObj name="Equation" r:id="rId6" imgW="406080" imgH="177480" progId="Equation.DSMT4">
                   <p:embed/>
                   <p:pic>
                     <p:nvPicPr>
@@ -23534,7 +23452,7 @@
                       <p:nvPr/>
                     </p:nvPicPr>
                     <p:blipFill>
-                      <a:blip r:embed="rId8">
+                      <a:blip r:embed="rId7">
                         <a:extLst>
                           <a:ext uri="{28A0092B-C50C-407E-A947-70E740481C1C}">
                             <a14:useLocalDpi xmlns:a14="http://schemas.microsoft.com/office/drawing/2010/main" val="0"/>
@@ -23611,12 +23529,12 @@
           <a:graphicData uri="http://schemas.openxmlformats.org/presentationml/2006/ole">
             <mc:AlternateContent xmlns:mc="http://schemas.openxmlformats.org/markup-compatibility/2006">
               <mc:Choice xmlns:v="urn:schemas-microsoft-com:vml" Requires="v">
-                <p:oleObj spid="_x0000_s5167" name="Equation" r:id="rId9" imgW="939600" imgH="228600" progId="Equation.DSMT4">
+                <p:oleObj name="Equation" r:id="rId8" imgW="939600" imgH="228600" progId="Equation.DSMT4">
                   <p:embed/>
                 </p:oleObj>
               </mc:Choice>
               <mc:Fallback>
-                <p:oleObj name="Equation" r:id="rId9" imgW="939600" imgH="228600" progId="Equation.DSMT4">
+                <p:oleObj name="Equation" r:id="rId8" imgW="939600" imgH="228600" progId="Equation.DSMT4">
                   <p:embed/>
                   <p:pic>
                     <p:nvPicPr>
@@ -23627,7 +23545,7 @@
                       <p:nvPr/>
                     </p:nvPicPr>
                     <p:blipFill>
-                      <a:blip r:embed="rId10">
+                      <a:blip r:embed="rId9">
                         <a:extLst>
                           <a:ext uri="{28A0092B-C50C-407E-A947-70E740481C1C}">
                             <a14:useLocalDpi xmlns:a14="http://schemas.microsoft.com/office/drawing/2010/main" val="0"/>
@@ -23704,12 +23622,12 @@
           <a:graphicData uri="http://schemas.openxmlformats.org/presentationml/2006/ole">
             <mc:AlternateContent xmlns:mc="http://schemas.openxmlformats.org/markup-compatibility/2006">
               <mc:Choice xmlns:v="urn:schemas-microsoft-com:vml" Requires="v">
-                <p:oleObj spid="_x0000_s5168" name="Equation" r:id="rId11" imgW="736560" imgH="241200" progId="Equation.DSMT4">
+                <p:oleObj name="Equation" r:id="rId10" imgW="736560" imgH="241200" progId="Equation.DSMT4">
                   <p:embed/>
                 </p:oleObj>
               </mc:Choice>
               <mc:Fallback>
-                <p:oleObj name="Equation" r:id="rId11" imgW="736560" imgH="241200" progId="Equation.DSMT4">
+                <p:oleObj name="Equation" r:id="rId10" imgW="736560" imgH="241200" progId="Equation.DSMT4">
                   <p:embed/>
                   <p:pic>
                     <p:nvPicPr>
@@ -23720,7 +23638,7 @@
                       <p:nvPr/>
                     </p:nvPicPr>
                     <p:blipFill>
-                      <a:blip r:embed="rId12">
+                      <a:blip r:embed="rId11">
                         <a:extLst>
                           <a:ext uri="{28A0092B-C50C-407E-A947-70E740481C1C}">
                             <a14:useLocalDpi xmlns:a14="http://schemas.microsoft.com/office/drawing/2010/main" val="0"/>
@@ -23797,12 +23715,12 @@
           <a:graphicData uri="http://schemas.openxmlformats.org/presentationml/2006/ole">
             <mc:AlternateContent xmlns:mc="http://schemas.openxmlformats.org/markup-compatibility/2006">
               <mc:Choice xmlns:v="urn:schemas-microsoft-com:vml" Requires="v">
-                <p:oleObj spid="_x0000_s5169" name="Equation" r:id="rId13" imgW="723600" imgH="203040" progId="Equation.DSMT4">
+                <p:oleObj name="Equation" r:id="rId12" imgW="723600" imgH="203040" progId="Equation.DSMT4">
                   <p:embed/>
                 </p:oleObj>
               </mc:Choice>
               <mc:Fallback>
-                <p:oleObj name="Equation" r:id="rId13" imgW="723600" imgH="203040" progId="Equation.DSMT4">
+                <p:oleObj name="Equation" r:id="rId12" imgW="723600" imgH="203040" progId="Equation.DSMT4">
                   <p:embed/>
                   <p:pic>
                     <p:nvPicPr>
@@ -23813,7 +23731,7 @@
                       <p:nvPr/>
                     </p:nvPicPr>
                     <p:blipFill>
-                      <a:blip r:embed="rId14">
+                      <a:blip r:embed="rId13">
                         <a:extLst>
                           <a:ext uri="{28A0092B-C50C-407E-A947-70E740481C1C}">
                             <a14:useLocalDpi xmlns:a14="http://schemas.microsoft.com/office/drawing/2010/main" val="0"/>
@@ -24014,12 +23932,12 @@
           <a:graphicData uri="http://schemas.openxmlformats.org/presentationml/2006/ole">
             <mc:AlternateContent xmlns:mc="http://schemas.openxmlformats.org/markup-compatibility/2006">
               <mc:Choice xmlns:v="urn:schemas-microsoft-com:vml" Requires="v">
-                <p:oleObj spid="_x0000_s5170" name="Equation" r:id="rId15" imgW="1676160" imgH="228600" progId="Equation.DSMT4">
+                <p:oleObj name="Equation" r:id="rId14" imgW="1676160" imgH="228600" progId="Equation.DSMT4">
                   <p:embed/>
                 </p:oleObj>
               </mc:Choice>
               <mc:Fallback>
-                <p:oleObj name="Equation" r:id="rId15" imgW="1676160" imgH="228600" progId="Equation.DSMT4">
+                <p:oleObj name="Equation" r:id="rId14" imgW="1676160" imgH="228600" progId="Equation.DSMT4">
                   <p:embed/>
                   <p:pic>
                     <p:nvPicPr>
@@ -24030,7 +23948,7 @@
                       <p:nvPr/>
                     </p:nvPicPr>
                     <p:blipFill>
-                      <a:blip r:embed="rId16">
+                      <a:blip r:embed="rId15">
                         <a:extLst>
                           <a:ext uri="{28A0092B-C50C-407E-A947-70E740481C1C}">
                             <a14:useLocalDpi xmlns:a14="http://schemas.microsoft.com/office/drawing/2010/main" val="0"/>

--- a/Hardware_Verification/IC3(PDR)相关paper/IC3.pptx
+++ b/Hardware_Verification/IC3(PDR)相关paper/IC3.pptx
@@ -224,7 +224,7 @@
           <a:p>
             <a:fld id="{EC0160E0-72B8-4324-B990-45751E7D47C9}" type="datetimeFigureOut">
               <a:rPr lang="zh-CN" altLang="en-US" smtClean="0"/>
-              <a:t>2021/1/18 Monday</a:t>
+              <a:t>2021/9/14 Tuesday</a:t>
             </a:fld>
             <a:endParaRPr lang="zh-CN" altLang="en-US"/>
           </a:p>
@@ -754,7 +754,7 @@
             <a:fld id="{1D8BD707-D9CF-40AE-B4C6-C98DA3205C09}" type="datetimeFigureOut">
               <a:rPr lang="en-US" smtClean="0"/>
               <a:pPr/>
-              <a:t>1/18/2021</a:t>
+              <a:t>9/14/2021</a:t>
             </a:fld>
             <a:endParaRPr lang="en-US"/>
           </a:p>
@@ -919,7 +919,7 @@
             <a:fld id="{1D8BD707-D9CF-40AE-B4C6-C98DA3205C09}" type="datetimeFigureOut">
               <a:rPr lang="en-US" smtClean="0"/>
               <a:pPr/>
-              <a:t>1/18/2021</a:t>
+              <a:t>9/14/2021</a:t>
             </a:fld>
             <a:endParaRPr lang="en-US"/>
           </a:p>
@@ -1094,7 +1094,7 @@
             <a:fld id="{1D8BD707-D9CF-40AE-B4C6-C98DA3205C09}" type="datetimeFigureOut">
               <a:rPr lang="en-US" smtClean="0"/>
               <a:pPr/>
-              <a:t>1/18/2021</a:t>
+              <a:t>9/14/2021</a:t>
             </a:fld>
             <a:endParaRPr lang="en-US"/>
           </a:p>
@@ -1259,7 +1259,7 @@
             <a:fld id="{1D8BD707-D9CF-40AE-B4C6-C98DA3205C09}" type="datetimeFigureOut">
               <a:rPr lang="en-US" smtClean="0"/>
               <a:pPr/>
-              <a:t>1/18/2021</a:t>
+              <a:t>9/14/2021</a:t>
             </a:fld>
             <a:endParaRPr lang="en-US"/>
           </a:p>
@@ -1501,7 +1501,7 @@
             <a:fld id="{1D8BD707-D9CF-40AE-B4C6-C98DA3205C09}" type="datetimeFigureOut">
               <a:rPr lang="en-US" smtClean="0"/>
               <a:pPr/>
-              <a:t>1/18/2021</a:t>
+              <a:t>9/14/2021</a:t>
             </a:fld>
             <a:endParaRPr lang="en-US"/>
           </a:p>
@@ -1783,7 +1783,7 @@
             <a:fld id="{1D8BD707-D9CF-40AE-B4C6-C98DA3205C09}" type="datetimeFigureOut">
               <a:rPr lang="en-US" smtClean="0"/>
               <a:pPr/>
-              <a:t>1/18/2021</a:t>
+              <a:t>9/14/2021</a:t>
             </a:fld>
             <a:endParaRPr lang="en-US"/>
           </a:p>
@@ -2199,7 +2199,7 @@
             <a:fld id="{1D8BD707-D9CF-40AE-B4C6-C98DA3205C09}" type="datetimeFigureOut">
               <a:rPr lang="en-US" smtClean="0"/>
               <a:pPr/>
-              <a:t>1/18/2021</a:t>
+              <a:t>9/14/2021</a:t>
             </a:fld>
             <a:endParaRPr lang="en-US"/>
           </a:p>
@@ -2313,7 +2313,7 @@
             <a:fld id="{1D8BD707-D9CF-40AE-B4C6-C98DA3205C09}" type="datetimeFigureOut">
               <a:rPr lang="en-US" smtClean="0"/>
               <a:pPr/>
-              <a:t>1/18/2021</a:t>
+              <a:t>9/14/2021</a:t>
             </a:fld>
             <a:endParaRPr lang="en-US"/>
           </a:p>
@@ -2405,7 +2405,7 @@
             <a:fld id="{1D8BD707-D9CF-40AE-B4C6-C98DA3205C09}" type="datetimeFigureOut">
               <a:rPr lang="en-US" smtClean="0"/>
               <a:pPr/>
-              <a:t>1/18/2021</a:t>
+              <a:t>9/14/2021</a:t>
             </a:fld>
             <a:endParaRPr lang="en-US"/>
           </a:p>
@@ -2677,7 +2677,7 @@
             <a:fld id="{1D8BD707-D9CF-40AE-B4C6-C98DA3205C09}" type="datetimeFigureOut">
               <a:rPr lang="en-US" smtClean="0"/>
               <a:pPr/>
-              <a:t>1/18/2021</a:t>
+              <a:t>9/14/2021</a:t>
             </a:fld>
             <a:endParaRPr lang="en-US"/>
           </a:p>
@@ -2926,7 +2926,7 @@
             <a:fld id="{1D8BD707-D9CF-40AE-B4C6-C98DA3205C09}" type="datetimeFigureOut">
               <a:rPr lang="en-US" smtClean="0"/>
               <a:pPr/>
-              <a:t>1/18/2021</a:t>
+              <a:t>9/14/2021</a:t>
             </a:fld>
             <a:endParaRPr lang="en-US"/>
           </a:p>
@@ -3134,7 +3134,7 @@
             <a:fld id="{1D8BD707-D9CF-40AE-B4C6-C98DA3205C09}" type="datetimeFigureOut">
               <a:rPr lang="en-US" smtClean="0"/>
               <a:pPr/>
-              <a:t>1/18/2021</a:t>
+              <a:t>9/14/2021</a:t>
             </a:fld>
             <a:endParaRPr lang="en-US"/>
           </a:p>
@@ -17736,8 +17736,8 @@
           </a:p>
         </p:txBody>
       </p:sp>
-      <mc:AlternateContent xmlns:mc="http://schemas.openxmlformats.org/markup-compatibility/2006">
-        <mc:Choice xmlns:a14="http://schemas.microsoft.com/office/drawing/2010/main" Requires="a14">
+      <mc:AlternateContent xmlns:mc="http://schemas.openxmlformats.org/markup-compatibility/2006" xmlns:a14="http://schemas.microsoft.com/office/drawing/2010/main">
+        <mc:Choice Requires="a14">
           <p:sp>
             <p:nvSpPr>
               <p:cNvPr id="25" name="TextBox 24"/>
@@ -17815,7 +17815,7 @@
             </p:txBody>
           </p:sp>
         </mc:Choice>
-        <mc:Fallback>
+        <mc:Fallback xmlns="">
           <p:sp>
             <p:nvSpPr>
               <p:cNvPr id="25" name="TextBox 24"/>
@@ -17854,8 +17854,8 @@
           </p:sp>
         </mc:Fallback>
       </mc:AlternateContent>
-      <mc:AlternateContent xmlns:mc="http://schemas.openxmlformats.org/markup-compatibility/2006">
-        <mc:Choice xmlns:a14="http://schemas.microsoft.com/office/drawing/2010/main" Requires="a14">
+      <mc:AlternateContent xmlns:mc="http://schemas.openxmlformats.org/markup-compatibility/2006" xmlns:a14="http://schemas.microsoft.com/office/drawing/2010/main">
+        <mc:Choice Requires="a14">
           <p:sp>
             <p:nvSpPr>
               <p:cNvPr id="2" name="TextBox 1"/>
@@ -17955,7 +17955,7 @@
             </p:txBody>
           </p:sp>
         </mc:Choice>
-        <mc:Fallback>
+        <mc:Fallback xmlns="">
           <p:sp>
             <p:nvSpPr>
               <p:cNvPr id="2" name="TextBox 1"/>

--- a/Hardware_Verification/IC3(PDR)相关paper/IC3.pptx
+++ b/Hardware_Verification/IC3(PDR)相关paper/IC3.pptx
@@ -224,7 +224,7 @@
           <a:p>
             <a:fld id="{EC0160E0-72B8-4324-B990-45751E7D47C9}" type="datetimeFigureOut">
               <a:rPr lang="zh-CN" altLang="en-US" smtClean="0"/>
-              <a:t>2021/9/14 Tuesday</a:t>
+              <a:t>2022/1/19 Wednesday</a:t>
             </a:fld>
             <a:endParaRPr lang="zh-CN" altLang="en-US"/>
           </a:p>
@@ -754,7 +754,7 @@
             <a:fld id="{1D8BD707-D9CF-40AE-B4C6-C98DA3205C09}" type="datetimeFigureOut">
               <a:rPr lang="en-US" smtClean="0"/>
               <a:pPr/>
-              <a:t>9/14/2021</a:t>
+              <a:t>1/19/2022</a:t>
             </a:fld>
             <a:endParaRPr lang="en-US"/>
           </a:p>
@@ -919,7 +919,7 @@
             <a:fld id="{1D8BD707-D9CF-40AE-B4C6-C98DA3205C09}" type="datetimeFigureOut">
               <a:rPr lang="en-US" smtClean="0"/>
               <a:pPr/>
-              <a:t>9/14/2021</a:t>
+              <a:t>1/19/2022</a:t>
             </a:fld>
             <a:endParaRPr lang="en-US"/>
           </a:p>
@@ -1094,7 +1094,7 @@
             <a:fld id="{1D8BD707-D9CF-40AE-B4C6-C98DA3205C09}" type="datetimeFigureOut">
               <a:rPr lang="en-US" smtClean="0"/>
               <a:pPr/>
-              <a:t>9/14/2021</a:t>
+              <a:t>1/19/2022</a:t>
             </a:fld>
             <a:endParaRPr lang="en-US"/>
           </a:p>
@@ -1259,7 +1259,7 @@
             <a:fld id="{1D8BD707-D9CF-40AE-B4C6-C98DA3205C09}" type="datetimeFigureOut">
               <a:rPr lang="en-US" smtClean="0"/>
               <a:pPr/>
-              <a:t>9/14/2021</a:t>
+              <a:t>1/19/2022</a:t>
             </a:fld>
             <a:endParaRPr lang="en-US"/>
           </a:p>
@@ -1501,7 +1501,7 @@
             <a:fld id="{1D8BD707-D9CF-40AE-B4C6-C98DA3205C09}" type="datetimeFigureOut">
               <a:rPr lang="en-US" smtClean="0"/>
               <a:pPr/>
-              <a:t>9/14/2021</a:t>
+              <a:t>1/19/2022</a:t>
             </a:fld>
             <a:endParaRPr lang="en-US"/>
           </a:p>
@@ -1783,7 +1783,7 @@
             <a:fld id="{1D8BD707-D9CF-40AE-B4C6-C98DA3205C09}" type="datetimeFigureOut">
               <a:rPr lang="en-US" smtClean="0"/>
               <a:pPr/>
-              <a:t>9/14/2021</a:t>
+              <a:t>1/19/2022</a:t>
             </a:fld>
             <a:endParaRPr lang="en-US"/>
           </a:p>
@@ -2199,7 +2199,7 @@
             <a:fld id="{1D8BD707-D9CF-40AE-B4C6-C98DA3205C09}" type="datetimeFigureOut">
               <a:rPr lang="en-US" smtClean="0"/>
               <a:pPr/>
-              <a:t>9/14/2021</a:t>
+              <a:t>1/19/2022</a:t>
             </a:fld>
             <a:endParaRPr lang="en-US"/>
           </a:p>
@@ -2313,7 +2313,7 @@
             <a:fld id="{1D8BD707-D9CF-40AE-B4C6-C98DA3205C09}" type="datetimeFigureOut">
               <a:rPr lang="en-US" smtClean="0"/>
               <a:pPr/>
-              <a:t>9/14/2021</a:t>
+              <a:t>1/19/2022</a:t>
             </a:fld>
             <a:endParaRPr lang="en-US"/>
           </a:p>
@@ -2405,7 +2405,7 @@
             <a:fld id="{1D8BD707-D9CF-40AE-B4C6-C98DA3205C09}" type="datetimeFigureOut">
               <a:rPr lang="en-US" smtClean="0"/>
               <a:pPr/>
-              <a:t>9/14/2021</a:t>
+              <a:t>1/19/2022</a:t>
             </a:fld>
             <a:endParaRPr lang="en-US"/>
           </a:p>
@@ -2677,7 +2677,7 @@
             <a:fld id="{1D8BD707-D9CF-40AE-B4C6-C98DA3205C09}" type="datetimeFigureOut">
               <a:rPr lang="en-US" smtClean="0"/>
               <a:pPr/>
-              <a:t>9/14/2021</a:t>
+              <a:t>1/19/2022</a:t>
             </a:fld>
             <a:endParaRPr lang="en-US"/>
           </a:p>
@@ -2926,7 +2926,7 @@
             <a:fld id="{1D8BD707-D9CF-40AE-B4C6-C98DA3205C09}" type="datetimeFigureOut">
               <a:rPr lang="en-US" smtClean="0"/>
               <a:pPr/>
-              <a:t>9/14/2021</a:t>
+              <a:t>1/19/2022</a:t>
             </a:fld>
             <a:endParaRPr lang="en-US"/>
           </a:p>
@@ -3134,7 +3134,7 @@
             <a:fld id="{1D8BD707-D9CF-40AE-B4C6-C98DA3205C09}" type="datetimeFigureOut">
               <a:rPr lang="en-US" smtClean="0"/>
               <a:pPr/>
-              <a:t>9/14/2021</a:t>
+              <a:t>1/19/2022</a:t>
             </a:fld>
             <a:endParaRPr lang="en-US"/>
           </a:p>
@@ -5127,12 +5127,12 @@
           <a:graphicData uri="http://schemas.openxmlformats.org/presentationml/2006/ole">
             <mc:AlternateContent xmlns:mc="http://schemas.openxmlformats.org/markup-compatibility/2006">
               <mc:Choice xmlns:v="urn:schemas-microsoft-com:vml" Requires="v">
-                <p:oleObj name="Equation" r:id="rId2" imgW="787320" imgH="228600" progId="Equation.DSMT4">
+                <p:oleObj spid="_x0000_s7170" name="Equation" r:id="rId3" imgW="787320" imgH="228600" progId="Equation.DSMT4">
                   <p:embed/>
                 </p:oleObj>
               </mc:Choice>
               <mc:Fallback>
-                <p:oleObj name="Equation" r:id="rId2" imgW="787320" imgH="228600" progId="Equation.DSMT4">
+                <p:oleObj name="Equation" r:id="rId3" imgW="787320" imgH="228600" progId="Equation.DSMT4">
                   <p:embed/>
                   <p:pic>
                     <p:nvPicPr>
@@ -5143,7 +5143,7 @@
                       <p:nvPr/>
                     </p:nvPicPr>
                     <p:blipFill>
-                      <a:blip r:embed="rId3">
+                      <a:blip r:embed="rId4">
                         <a:extLst>
                           <a:ext uri="{28A0092B-C50C-407E-A947-70E740481C1C}">
                             <a14:useLocalDpi xmlns:a14="http://schemas.microsoft.com/office/drawing/2010/main" val="0"/>
@@ -5220,12 +5220,12 @@
           <a:graphicData uri="http://schemas.openxmlformats.org/presentationml/2006/ole">
             <mc:AlternateContent xmlns:mc="http://schemas.openxmlformats.org/markup-compatibility/2006">
               <mc:Choice xmlns:v="urn:schemas-microsoft-com:vml" Requires="v">
-                <p:oleObj name="Equation" r:id="rId4" imgW="1143000" imgH="241200" progId="Equation.DSMT4">
+                <p:oleObj spid="_x0000_s7171" name="Equation" r:id="rId5" imgW="1143000" imgH="241200" progId="Equation.DSMT4">
                   <p:embed/>
                 </p:oleObj>
               </mc:Choice>
               <mc:Fallback>
-                <p:oleObj name="Equation" r:id="rId4" imgW="1143000" imgH="241200" progId="Equation.DSMT4">
+                <p:oleObj name="Equation" r:id="rId5" imgW="1143000" imgH="241200" progId="Equation.DSMT4">
                   <p:embed/>
                   <p:pic>
                     <p:nvPicPr>
@@ -5236,7 +5236,7 @@
                       <p:nvPr/>
                     </p:nvPicPr>
                     <p:blipFill>
-                      <a:blip r:embed="rId5">
+                      <a:blip r:embed="rId6">
                         <a:extLst>
                           <a:ext uri="{28A0092B-C50C-407E-A947-70E740481C1C}">
                             <a14:useLocalDpi xmlns:a14="http://schemas.microsoft.com/office/drawing/2010/main" val="0"/>
@@ -7088,12 +7088,12 @@
           <a:graphicData uri="http://schemas.openxmlformats.org/presentationml/2006/ole">
             <mc:AlternateContent xmlns:mc="http://schemas.openxmlformats.org/markup-compatibility/2006">
               <mc:Choice xmlns:v="urn:schemas-microsoft-com:vml" Requires="v">
-                <p:oleObj name="Equation" r:id="rId2" imgW="520560" imgH="228600" progId="Equation.DSMT4">
+                <p:oleObj spid="_x0000_s8194" name="Equation" r:id="rId3" imgW="520560" imgH="228600" progId="Equation.DSMT4">
                   <p:embed/>
                 </p:oleObj>
               </mc:Choice>
               <mc:Fallback>
-                <p:oleObj name="Equation" r:id="rId2" imgW="520560" imgH="228600" progId="Equation.DSMT4">
+                <p:oleObj name="Equation" r:id="rId3" imgW="520560" imgH="228600" progId="Equation.DSMT4">
                   <p:embed/>
                   <p:pic>
                     <p:nvPicPr>
@@ -7104,7 +7104,7 @@
                       <p:nvPr/>
                     </p:nvPicPr>
                     <p:blipFill>
-                      <a:blip r:embed="rId3">
+                      <a:blip r:embed="rId4">
                         <a:extLst>
                           <a:ext uri="{28A0092B-C50C-407E-A947-70E740481C1C}">
                             <a14:useLocalDpi xmlns:a14="http://schemas.microsoft.com/office/drawing/2010/main" val="0"/>
@@ -7181,12 +7181,12 @@
           <a:graphicData uri="http://schemas.openxmlformats.org/presentationml/2006/ole">
             <mc:AlternateContent xmlns:mc="http://schemas.openxmlformats.org/markup-compatibility/2006">
               <mc:Choice xmlns:v="urn:schemas-microsoft-com:vml" Requires="v">
-                <p:oleObj name="Equation" r:id="rId4" imgW="1739880" imgH="228600" progId="Equation.DSMT4">
+                <p:oleObj spid="_x0000_s8195" name="Equation" r:id="rId5" imgW="1739880" imgH="228600" progId="Equation.DSMT4">
                   <p:embed/>
                 </p:oleObj>
               </mc:Choice>
               <mc:Fallback>
-                <p:oleObj name="Equation" r:id="rId4" imgW="1739880" imgH="228600" progId="Equation.DSMT4">
+                <p:oleObj name="Equation" r:id="rId5" imgW="1739880" imgH="228600" progId="Equation.DSMT4">
                   <p:embed/>
                   <p:pic>
                     <p:nvPicPr>
@@ -7197,7 +7197,7 @@
                       <p:nvPr/>
                     </p:nvPicPr>
                     <p:blipFill>
-                      <a:blip r:embed="rId5">
+                      <a:blip r:embed="rId6">
                         <a:extLst>
                           <a:ext uri="{28A0092B-C50C-407E-A947-70E740481C1C}">
                             <a14:useLocalDpi xmlns:a14="http://schemas.microsoft.com/office/drawing/2010/main" val="0"/>
@@ -7749,7 +7749,7 @@
           <p:nvPr/>
         </p:nvPicPr>
         <p:blipFill>
-          <a:blip r:embed="rId2" cstate="print"/>
+          <a:blip r:embed="rId3" cstate="print"/>
           <a:srcRect/>
           <a:stretch>
             <a:fillRect/>
@@ -7790,12 +7790,12 @@
           <a:graphicData uri="http://schemas.openxmlformats.org/presentationml/2006/ole">
             <mc:AlternateContent xmlns:mc="http://schemas.openxmlformats.org/markup-compatibility/2006">
               <mc:Choice xmlns:v="urn:schemas-microsoft-com:vml" Requires="v">
-                <p:oleObj name="Equation" r:id="rId3" imgW="850680" imgH="228600" progId="Equation.DSMT4">
+                <p:oleObj spid="_x0000_s9218" name="Equation" r:id="rId4" imgW="850680" imgH="228600" progId="Equation.DSMT4">
                   <p:embed/>
                 </p:oleObj>
               </mc:Choice>
               <mc:Fallback>
-                <p:oleObj name="Equation" r:id="rId3" imgW="850680" imgH="228600" progId="Equation.DSMT4">
+                <p:oleObj name="Equation" r:id="rId4" imgW="850680" imgH="228600" progId="Equation.DSMT4">
                   <p:embed/>
                   <p:pic>
                     <p:nvPicPr>
@@ -7806,7 +7806,7 @@
                       <p:nvPr/>
                     </p:nvPicPr>
                     <p:blipFill>
-                      <a:blip r:embed="rId4">
+                      <a:blip r:embed="rId5">
                         <a:extLst>
                           <a:ext uri="{28A0092B-C50C-407E-A947-70E740481C1C}">
                             <a14:useLocalDpi xmlns:a14="http://schemas.microsoft.com/office/drawing/2010/main" val="0"/>
@@ -7883,12 +7883,12 @@
           <a:graphicData uri="http://schemas.openxmlformats.org/presentationml/2006/ole">
             <mc:AlternateContent xmlns:mc="http://schemas.openxmlformats.org/markup-compatibility/2006">
               <mc:Choice xmlns:v="urn:schemas-microsoft-com:vml" Requires="v">
-                <p:oleObj name="Equation" r:id="rId5" imgW="4660560" imgH="279360" progId="Equation.DSMT4">
+                <p:oleObj spid="_x0000_s9219" name="Equation" r:id="rId6" imgW="4660560" imgH="279360" progId="Equation.DSMT4">
                   <p:embed/>
                 </p:oleObj>
               </mc:Choice>
               <mc:Fallback>
-                <p:oleObj name="Equation" r:id="rId5" imgW="4660560" imgH="279360" progId="Equation.DSMT4">
+                <p:oleObj name="Equation" r:id="rId6" imgW="4660560" imgH="279360" progId="Equation.DSMT4">
                   <p:embed/>
                   <p:pic>
                     <p:nvPicPr>
@@ -7899,7 +7899,7 @@
                       <p:nvPr/>
                     </p:nvPicPr>
                     <p:blipFill>
-                      <a:blip r:embed="rId6">
+                      <a:blip r:embed="rId7">
                         <a:extLst>
                           <a:ext uri="{28A0092B-C50C-407E-A947-70E740481C1C}">
                             <a14:useLocalDpi xmlns:a14="http://schemas.microsoft.com/office/drawing/2010/main" val="0"/>
@@ -7976,12 +7976,12 @@
           <a:graphicData uri="http://schemas.openxmlformats.org/presentationml/2006/ole">
             <mc:AlternateContent xmlns:mc="http://schemas.openxmlformats.org/markup-compatibility/2006">
               <mc:Choice xmlns:v="urn:schemas-microsoft-com:vml" Requires="v">
-                <p:oleObj name="Equation" r:id="rId7" imgW="787320" imgH="228600" progId="Equation.DSMT4">
+                <p:oleObj spid="_x0000_s9220" name="Equation" r:id="rId8" imgW="787320" imgH="228600" progId="Equation.DSMT4">
                   <p:embed/>
                 </p:oleObj>
               </mc:Choice>
               <mc:Fallback>
-                <p:oleObj name="Equation" r:id="rId7" imgW="787320" imgH="228600" progId="Equation.DSMT4">
+                <p:oleObj name="Equation" r:id="rId8" imgW="787320" imgH="228600" progId="Equation.DSMT4">
                   <p:embed/>
                   <p:pic>
                     <p:nvPicPr>
@@ -7992,7 +7992,7 @@
                       <p:nvPr/>
                     </p:nvPicPr>
                     <p:blipFill>
-                      <a:blip r:embed="rId8">
+                      <a:blip r:embed="rId9">
                         <a:extLst>
                           <a:ext uri="{28A0092B-C50C-407E-A947-70E740481C1C}">
                             <a14:useLocalDpi xmlns:a14="http://schemas.microsoft.com/office/drawing/2010/main" val="0"/>
@@ -8544,7 +8544,7 @@
           <p:nvPr/>
         </p:nvPicPr>
         <p:blipFill>
-          <a:blip r:embed="rId2" cstate="print"/>
+          <a:blip r:embed="rId3" cstate="print"/>
           <a:srcRect/>
           <a:stretch>
             <a:fillRect/>
@@ -8682,12 +8682,12 @@
           <a:graphicData uri="http://schemas.openxmlformats.org/presentationml/2006/ole">
             <mc:AlternateContent xmlns:mc="http://schemas.openxmlformats.org/markup-compatibility/2006">
               <mc:Choice xmlns:v="urn:schemas-microsoft-com:vml" Requires="v">
-                <p:oleObj name="Equation" r:id="rId3" imgW="1155600" imgH="228600" progId="Equation.DSMT4">
+                <p:oleObj spid="_x0000_s10242" name="Equation" r:id="rId4" imgW="1155600" imgH="228600" progId="Equation.DSMT4">
                   <p:embed/>
                 </p:oleObj>
               </mc:Choice>
               <mc:Fallback>
-                <p:oleObj name="Equation" r:id="rId3" imgW="1155600" imgH="228600" progId="Equation.DSMT4">
+                <p:oleObj name="Equation" r:id="rId4" imgW="1155600" imgH="228600" progId="Equation.DSMT4">
                   <p:embed/>
                   <p:pic>
                     <p:nvPicPr>
@@ -8698,7 +8698,7 @@
                       <p:nvPr/>
                     </p:nvPicPr>
                     <p:blipFill>
-                      <a:blip r:embed="rId4">
+                      <a:blip r:embed="rId5">
                         <a:extLst>
                           <a:ext uri="{28A0092B-C50C-407E-A947-70E740481C1C}">
                             <a14:useLocalDpi xmlns:a14="http://schemas.microsoft.com/office/drawing/2010/main" val="0"/>
@@ -8775,12 +8775,12 @@
           <a:graphicData uri="http://schemas.openxmlformats.org/presentationml/2006/ole">
             <mc:AlternateContent xmlns:mc="http://schemas.openxmlformats.org/markup-compatibility/2006">
               <mc:Choice xmlns:v="urn:schemas-microsoft-com:vml" Requires="v">
-                <p:oleObj name="Equation" r:id="rId5" imgW="1066680" imgH="228600" progId="Equation.DSMT4">
+                <p:oleObj spid="_x0000_s10243" name="Equation" r:id="rId6" imgW="1066680" imgH="228600" progId="Equation.DSMT4">
                   <p:embed/>
                 </p:oleObj>
               </mc:Choice>
               <mc:Fallback>
-                <p:oleObj name="Equation" r:id="rId5" imgW="1066680" imgH="228600" progId="Equation.DSMT4">
+                <p:oleObj name="Equation" r:id="rId6" imgW="1066680" imgH="228600" progId="Equation.DSMT4">
                   <p:embed/>
                   <p:pic>
                     <p:nvPicPr>
@@ -8791,7 +8791,7 @@
                       <p:nvPr/>
                     </p:nvPicPr>
                     <p:blipFill>
-                      <a:blip r:embed="rId6">
+                      <a:blip r:embed="rId7">
                         <a:extLst>
                           <a:ext uri="{28A0092B-C50C-407E-A947-70E740481C1C}">
                             <a14:useLocalDpi xmlns:a14="http://schemas.microsoft.com/office/drawing/2010/main" val="0"/>
@@ -8868,12 +8868,12 @@
           <a:graphicData uri="http://schemas.openxmlformats.org/presentationml/2006/ole">
             <mc:AlternateContent xmlns:mc="http://schemas.openxmlformats.org/markup-compatibility/2006">
               <mc:Choice xmlns:v="urn:schemas-microsoft-com:vml" Requires="v">
-                <p:oleObj name="Equation" r:id="rId7" imgW="647640" imgH="228600" progId="Equation.DSMT4">
+                <p:oleObj spid="_x0000_s10244" name="Equation" r:id="rId8" imgW="647640" imgH="228600" progId="Equation.DSMT4">
                   <p:embed/>
                 </p:oleObj>
               </mc:Choice>
               <mc:Fallback>
-                <p:oleObj name="Equation" r:id="rId7" imgW="647640" imgH="228600" progId="Equation.DSMT4">
+                <p:oleObj name="Equation" r:id="rId8" imgW="647640" imgH="228600" progId="Equation.DSMT4">
                   <p:embed/>
                   <p:pic>
                     <p:nvPicPr>
@@ -8884,7 +8884,7 @@
                       <p:nvPr/>
                     </p:nvPicPr>
                     <p:blipFill>
-                      <a:blip r:embed="rId8">
+                      <a:blip r:embed="rId9">
                         <a:extLst>
                           <a:ext uri="{28A0092B-C50C-407E-A947-70E740481C1C}">
                             <a14:useLocalDpi xmlns:a14="http://schemas.microsoft.com/office/drawing/2010/main" val="0"/>
@@ -8961,12 +8961,12 @@
           <a:graphicData uri="http://schemas.openxmlformats.org/presentationml/2006/ole">
             <mc:AlternateContent xmlns:mc="http://schemas.openxmlformats.org/markup-compatibility/2006">
               <mc:Choice xmlns:v="urn:schemas-microsoft-com:vml" Requires="v">
-                <p:oleObj name="Equation" r:id="rId9" imgW="761760" imgH="228600" progId="Equation.DSMT4">
+                <p:oleObj spid="_x0000_s10245" name="Equation" r:id="rId10" imgW="761760" imgH="228600" progId="Equation.DSMT4">
                   <p:embed/>
                 </p:oleObj>
               </mc:Choice>
               <mc:Fallback>
-                <p:oleObj name="Equation" r:id="rId9" imgW="761760" imgH="228600" progId="Equation.DSMT4">
+                <p:oleObj name="Equation" r:id="rId10" imgW="761760" imgH="228600" progId="Equation.DSMT4">
                   <p:embed/>
                   <p:pic>
                     <p:nvPicPr>
@@ -8977,7 +8977,7 @@
                       <p:nvPr/>
                     </p:nvPicPr>
                     <p:blipFill>
-                      <a:blip r:embed="rId10">
+                      <a:blip r:embed="rId11">
                         <a:extLst>
                           <a:ext uri="{28A0092B-C50C-407E-A947-70E740481C1C}">
                             <a14:useLocalDpi xmlns:a14="http://schemas.microsoft.com/office/drawing/2010/main" val="0"/>
@@ -9054,12 +9054,12 @@
           <a:graphicData uri="http://schemas.openxmlformats.org/presentationml/2006/ole">
             <mc:AlternateContent xmlns:mc="http://schemas.openxmlformats.org/markup-compatibility/2006">
               <mc:Choice xmlns:v="urn:schemas-microsoft-com:vml" Requires="v">
-                <p:oleObj name="Equation" r:id="rId11" imgW="1143000" imgH="228600" progId="Equation.DSMT4">
+                <p:oleObj spid="_x0000_s10246" name="Equation" r:id="rId12" imgW="1143000" imgH="228600" progId="Equation.DSMT4">
                   <p:embed/>
                 </p:oleObj>
               </mc:Choice>
               <mc:Fallback>
-                <p:oleObj name="Equation" r:id="rId11" imgW="1143000" imgH="228600" progId="Equation.DSMT4">
+                <p:oleObj name="Equation" r:id="rId12" imgW="1143000" imgH="228600" progId="Equation.DSMT4">
                   <p:embed/>
                   <p:pic>
                     <p:nvPicPr>
@@ -9070,7 +9070,7 @@
                       <p:nvPr/>
                     </p:nvPicPr>
                     <p:blipFill>
-                      <a:blip r:embed="rId12">
+                      <a:blip r:embed="rId13">
                         <a:extLst>
                           <a:ext uri="{28A0092B-C50C-407E-A947-70E740481C1C}">
                             <a14:useLocalDpi xmlns:a14="http://schemas.microsoft.com/office/drawing/2010/main" val="0"/>
@@ -9147,12 +9147,12 @@
           <a:graphicData uri="http://schemas.openxmlformats.org/presentationml/2006/ole">
             <mc:AlternateContent xmlns:mc="http://schemas.openxmlformats.org/markup-compatibility/2006">
               <mc:Choice xmlns:v="urn:schemas-microsoft-com:vml" Requires="v">
-                <p:oleObj name="Equation" r:id="rId13" imgW="1295280" imgH="228600" progId="Equation.DSMT4">
+                <p:oleObj spid="_x0000_s10247" name="Equation" r:id="rId14" imgW="1295280" imgH="228600" progId="Equation.DSMT4">
                   <p:embed/>
                 </p:oleObj>
               </mc:Choice>
               <mc:Fallback>
-                <p:oleObj name="Equation" r:id="rId13" imgW="1295280" imgH="228600" progId="Equation.DSMT4">
+                <p:oleObj name="Equation" r:id="rId14" imgW="1295280" imgH="228600" progId="Equation.DSMT4">
                   <p:embed/>
                   <p:pic>
                     <p:nvPicPr>
@@ -9163,7 +9163,7 @@
                       <p:nvPr/>
                     </p:nvPicPr>
                     <p:blipFill>
-                      <a:blip r:embed="rId14">
+                      <a:blip r:embed="rId15">
                         <a:extLst>
                           <a:ext uri="{28A0092B-C50C-407E-A947-70E740481C1C}">
                             <a14:useLocalDpi xmlns:a14="http://schemas.microsoft.com/office/drawing/2010/main" val="0"/>
@@ -9715,7 +9715,7 @@
           <p:nvPr/>
         </p:nvPicPr>
         <p:blipFill>
-          <a:blip r:embed="rId3" cstate="print"/>
+          <a:blip r:embed="rId4" cstate="print"/>
           <a:srcRect/>
           <a:stretch>
             <a:fillRect/>
@@ -9850,12 +9850,12 @@
           <a:graphicData uri="http://schemas.openxmlformats.org/presentationml/2006/ole">
             <mc:AlternateContent xmlns:mc="http://schemas.openxmlformats.org/markup-compatibility/2006">
               <mc:Choice xmlns:v="urn:schemas-microsoft-com:vml" Requires="v">
-                <p:oleObj name="Equation" r:id="rId4" imgW="825480" imgH="228600" progId="Equation.DSMT4">
+                <p:oleObj spid="_x0000_s11266" name="Equation" r:id="rId5" imgW="825480" imgH="228600" progId="Equation.DSMT4">
                   <p:embed/>
                 </p:oleObj>
               </mc:Choice>
               <mc:Fallback>
-                <p:oleObj name="Equation" r:id="rId4" imgW="825480" imgH="228600" progId="Equation.DSMT4">
+                <p:oleObj name="Equation" r:id="rId5" imgW="825480" imgH="228600" progId="Equation.DSMT4">
                   <p:embed/>
                   <p:pic>
                     <p:nvPicPr>
@@ -9866,7 +9866,7 @@
                       <p:nvPr/>
                     </p:nvPicPr>
                     <p:blipFill>
-                      <a:blip r:embed="rId5">
+                      <a:blip r:embed="rId6">
                         <a:extLst>
                           <a:ext uri="{28A0092B-C50C-407E-A947-70E740481C1C}">
                             <a14:useLocalDpi xmlns:a14="http://schemas.microsoft.com/office/drawing/2010/main" val="0"/>
@@ -9943,12 +9943,12 @@
           <a:graphicData uri="http://schemas.openxmlformats.org/presentationml/2006/ole">
             <mc:AlternateContent xmlns:mc="http://schemas.openxmlformats.org/markup-compatibility/2006">
               <mc:Choice xmlns:v="urn:schemas-microsoft-com:vml" Requires="v">
-                <p:oleObj name="Equation" r:id="rId6" imgW="876240" imgH="279360" progId="Equation.DSMT4">
+                <p:oleObj spid="_x0000_s11267" name="Equation" r:id="rId7" imgW="876240" imgH="279360" progId="Equation.DSMT4">
                   <p:embed/>
                 </p:oleObj>
               </mc:Choice>
               <mc:Fallback>
-                <p:oleObj name="Equation" r:id="rId6" imgW="876240" imgH="279360" progId="Equation.DSMT4">
+                <p:oleObj name="Equation" r:id="rId7" imgW="876240" imgH="279360" progId="Equation.DSMT4">
                   <p:embed/>
                   <p:pic>
                     <p:nvPicPr>
@@ -9959,7 +9959,7 @@
                       <p:nvPr/>
                     </p:nvPicPr>
                     <p:blipFill>
-                      <a:blip r:embed="rId7">
+                      <a:blip r:embed="rId8">
                         <a:extLst>
                           <a:ext uri="{28A0092B-C50C-407E-A947-70E740481C1C}">
                             <a14:useLocalDpi xmlns:a14="http://schemas.microsoft.com/office/drawing/2010/main" val="0"/>
@@ -10036,12 +10036,12 @@
           <a:graphicData uri="http://schemas.openxmlformats.org/presentationml/2006/ole">
             <mc:AlternateContent xmlns:mc="http://schemas.openxmlformats.org/markup-compatibility/2006">
               <mc:Choice xmlns:v="urn:schemas-microsoft-com:vml" Requires="v">
-                <p:oleObj name="Equation" r:id="rId8" imgW="266400" imgH="228600" progId="Equation.DSMT4">
+                <p:oleObj spid="_x0000_s11268" name="Equation" r:id="rId9" imgW="266400" imgH="228600" progId="Equation.DSMT4">
                   <p:embed/>
                 </p:oleObj>
               </mc:Choice>
               <mc:Fallback>
-                <p:oleObj name="Equation" r:id="rId8" imgW="266400" imgH="228600" progId="Equation.DSMT4">
+                <p:oleObj name="Equation" r:id="rId9" imgW="266400" imgH="228600" progId="Equation.DSMT4">
                   <p:embed/>
                   <p:pic>
                     <p:nvPicPr>
@@ -10052,7 +10052,7 @@
                       <p:nvPr/>
                     </p:nvPicPr>
                     <p:blipFill>
-                      <a:blip r:embed="rId9">
+                      <a:blip r:embed="rId10">
                         <a:extLst>
                           <a:ext uri="{28A0092B-C50C-407E-A947-70E740481C1C}">
                             <a14:useLocalDpi xmlns:a14="http://schemas.microsoft.com/office/drawing/2010/main" val="0"/>
@@ -10129,12 +10129,12 @@
           <a:graphicData uri="http://schemas.openxmlformats.org/presentationml/2006/ole">
             <mc:AlternateContent xmlns:mc="http://schemas.openxmlformats.org/markup-compatibility/2006">
               <mc:Choice xmlns:v="urn:schemas-microsoft-com:vml" Requires="v">
-                <p:oleObj name="Equation" r:id="rId10" imgW="1346040" imgH="279360" progId="Equation.DSMT4">
+                <p:oleObj spid="_x0000_s11269" name="Equation" r:id="rId11" imgW="1346040" imgH="279360" progId="Equation.DSMT4">
                   <p:embed/>
                 </p:oleObj>
               </mc:Choice>
               <mc:Fallback>
-                <p:oleObj name="Equation" r:id="rId10" imgW="1346040" imgH="279360" progId="Equation.DSMT4">
+                <p:oleObj name="Equation" r:id="rId11" imgW="1346040" imgH="279360" progId="Equation.DSMT4">
                   <p:embed/>
                   <p:pic>
                     <p:nvPicPr>
@@ -10145,7 +10145,7 @@
                       <p:nvPr/>
                     </p:nvPicPr>
                     <p:blipFill>
-                      <a:blip r:embed="rId11">
+                      <a:blip r:embed="rId12">
                         <a:extLst>
                           <a:ext uri="{28A0092B-C50C-407E-A947-70E740481C1C}">
                             <a14:useLocalDpi xmlns:a14="http://schemas.microsoft.com/office/drawing/2010/main" val="0"/>
@@ -10946,12 +10946,12 @@
           <a:graphicData uri="http://schemas.openxmlformats.org/presentationml/2006/ole">
             <mc:AlternateContent xmlns:mc="http://schemas.openxmlformats.org/markup-compatibility/2006">
               <mc:Choice xmlns:v="urn:schemas-microsoft-com:vml" Requires="v">
-                <p:oleObj name="Equation" r:id="rId2" imgW="215640" imgH="139680" progId="Equation.DSMT4">
+                <p:oleObj spid="_x0000_s12290" name="Equation" r:id="rId3" imgW="215640" imgH="139680" progId="Equation.DSMT4">
                   <p:embed/>
                 </p:oleObj>
               </mc:Choice>
               <mc:Fallback>
-                <p:oleObj name="Equation" r:id="rId2" imgW="215640" imgH="139680" progId="Equation.DSMT4">
+                <p:oleObj name="Equation" r:id="rId3" imgW="215640" imgH="139680" progId="Equation.DSMT4">
                   <p:embed/>
                   <p:pic>
                     <p:nvPicPr>
@@ -10962,7 +10962,7 @@
                       <p:nvPr/>
                     </p:nvPicPr>
                     <p:blipFill>
-                      <a:blip r:embed="rId3">
+                      <a:blip r:embed="rId4">
                         <a:extLst>
                           <a:ext uri="{28A0092B-C50C-407E-A947-70E740481C1C}">
                             <a14:useLocalDpi xmlns:a14="http://schemas.microsoft.com/office/drawing/2010/main" val="0"/>
@@ -11039,12 +11039,12 @@
           <a:graphicData uri="http://schemas.openxmlformats.org/presentationml/2006/ole">
             <mc:AlternateContent xmlns:mc="http://schemas.openxmlformats.org/markup-compatibility/2006">
               <mc:Choice xmlns:v="urn:schemas-microsoft-com:vml" Requires="v">
-                <p:oleObj name="Equation" r:id="rId4" imgW="406080" imgH="177480" progId="Equation.DSMT4">
+                <p:oleObj spid="_x0000_s12291" name="Equation" r:id="rId5" imgW="406080" imgH="177480" progId="Equation.DSMT4">
                   <p:embed/>
                 </p:oleObj>
               </mc:Choice>
               <mc:Fallback>
-                <p:oleObj name="Equation" r:id="rId4" imgW="406080" imgH="177480" progId="Equation.DSMT4">
+                <p:oleObj name="Equation" r:id="rId5" imgW="406080" imgH="177480" progId="Equation.DSMT4">
                   <p:embed/>
                   <p:pic>
                     <p:nvPicPr>
@@ -11055,7 +11055,7 @@
                       <p:nvPr/>
                     </p:nvPicPr>
                     <p:blipFill>
-                      <a:blip r:embed="rId5">
+                      <a:blip r:embed="rId6">
                         <a:extLst>
                           <a:ext uri="{28A0092B-C50C-407E-A947-70E740481C1C}">
                             <a14:useLocalDpi xmlns:a14="http://schemas.microsoft.com/office/drawing/2010/main" val="0"/>
@@ -11132,12 +11132,12 @@
           <a:graphicData uri="http://schemas.openxmlformats.org/presentationml/2006/ole">
             <mc:AlternateContent xmlns:mc="http://schemas.openxmlformats.org/markup-compatibility/2006">
               <mc:Choice xmlns:v="urn:schemas-microsoft-com:vml" Requires="v">
-                <p:oleObj name="Equation" r:id="rId6" imgW="939600" imgH="228600" progId="Equation.DSMT4">
+                <p:oleObj spid="_x0000_s12292" name="Equation" r:id="rId7" imgW="939600" imgH="228600" progId="Equation.DSMT4">
                   <p:embed/>
                 </p:oleObj>
               </mc:Choice>
               <mc:Fallback>
-                <p:oleObj name="Equation" r:id="rId6" imgW="939600" imgH="228600" progId="Equation.DSMT4">
+                <p:oleObj name="Equation" r:id="rId7" imgW="939600" imgH="228600" progId="Equation.DSMT4">
                   <p:embed/>
                   <p:pic>
                     <p:nvPicPr>
@@ -11148,7 +11148,7 @@
                       <p:nvPr/>
                     </p:nvPicPr>
                     <p:blipFill>
-                      <a:blip r:embed="rId7">
+                      <a:blip r:embed="rId8">
                         <a:extLst>
                           <a:ext uri="{28A0092B-C50C-407E-A947-70E740481C1C}">
                             <a14:useLocalDpi xmlns:a14="http://schemas.microsoft.com/office/drawing/2010/main" val="0"/>
@@ -11225,12 +11225,12 @@
           <a:graphicData uri="http://schemas.openxmlformats.org/presentationml/2006/ole">
             <mc:AlternateContent xmlns:mc="http://schemas.openxmlformats.org/markup-compatibility/2006">
               <mc:Choice xmlns:v="urn:schemas-microsoft-com:vml" Requires="v">
-                <p:oleObj name="Equation" r:id="rId8" imgW="469800" imgH="152280" progId="Equation.DSMT4">
+                <p:oleObj spid="_x0000_s12293" name="Equation" r:id="rId9" imgW="469800" imgH="152280" progId="Equation.DSMT4">
                   <p:embed/>
                 </p:oleObj>
               </mc:Choice>
               <mc:Fallback>
-                <p:oleObj name="Equation" r:id="rId8" imgW="469800" imgH="152280" progId="Equation.DSMT4">
+                <p:oleObj name="Equation" r:id="rId9" imgW="469800" imgH="152280" progId="Equation.DSMT4">
                   <p:embed/>
                   <p:pic>
                     <p:nvPicPr>
@@ -11241,7 +11241,7 @@
                       <p:nvPr/>
                     </p:nvPicPr>
                     <p:blipFill>
-                      <a:blip r:embed="rId9">
+                      <a:blip r:embed="rId10">
                         <a:extLst>
                           <a:ext uri="{28A0092B-C50C-407E-A947-70E740481C1C}">
                             <a14:useLocalDpi xmlns:a14="http://schemas.microsoft.com/office/drawing/2010/main" val="0"/>
@@ -12234,12 +12234,12 @@
           <a:graphicData uri="http://schemas.openxmlformats.org/presentationml/2006/ole">
             <mc:AlternateContent xmlns:mc="http://schemas.openxmlformats.org/markup-compatibility/2006">
               <mc:Choice xmlns:v="urn:schemas-microsoft-com:vml" Requires="v">
-                <p:oleObj name="Equation" r:id="rId2" imgW="952200" imgH="177480" progId="Equation.DSMT4">
+                <p:oleObj spid="_x0000_s13314" name="Equation" r:id="rId3" imgW="952200" imgH="177480" progId="Equation.DSMT4">
                   <p:embed/>
                 </p:oleObj>
               </mc:Choice>
               <mc:Fallback>
-                <p:oleObj name="Equation" r:id="rId2" imgW="952200" imgH="177480" progId="Equation.DSMT4">
+                <p:oleObj name="Equation" r:id="rId3" imgW="952200" imgH="177480" progId="Equation.DSMT4">
                   <p:embed/>
                   <p:pic>
                     <p:nvPicPr>
@@ -12250,7 +12250,7 @@
                       <p:nvPr/>
                     </p:nvPicPr>
                     <p:blipFill>
-                      <a:blip r:embed="rId3">
+                      <a:blip r:embed="rId4">
                         <a:extLst>
                           <a:ext uri="{28A0092B-C50C-407E-A947-70E740481C1C}">
                             <a14:useLocalDpi xmlns:a14="http://schemas.microsoft.com/office/drawing/2010/main" val="0"/>
@@ -12327,12 +12327,12 @@
           <a:graphicData uri="http://schemas.openxmlformats.org/presentationml/2006/ole">
             <mc:AlternateContent xmlns:mc="http://schemas.openxmlformats.org/markup-compatibility/2006">
               <mc:Choice xmlns:v="urn:schemas-microsoft-com:vml" Requires="v">
-                <p:oleObj name="Equation" r:id="rId4" imgW="952200" imgH="177480" progId="Equation.DSMT4">
+                <p:oleObj spid="_x0000_s13315" name="Equation" r:id="rId5" imgW="952200" imgH="177480" progId="Equation.DSMT4">
                   <p:embed/>
                 </p:oleObj>
               </mc:Choice>
               <mc:Fallback>
-                <p:oleObj name="Equation" r:id="rId4" imgW="952200" imgH="177480" progId="Equation.DSMT4">
+                <p:oleObj name="Equation" r:id="rId5" imgW="952200" imgH="177480" progId="Equation.DSMT4">
                   <p:embed/>
                   <p:pic>
                     <p:nvPicPr>
@@ -12343,7 +12343,7 @@
                       <p:nvPr/>
                     </p:nvPicPr>
                     <p:blipFill>
-                      <a:blip r:embed="rId5">
+                      <a:blip r:embed="rId6">
                         <a:extLst>
                           <a:ext uri="{28A0092B-C50C-407E-A947-70E740481C1C}">
                             <a14:useLocalDpi xmlns:a14="http://schemas.microsoft.com/office/drawing/2010/main" val="0"/>
@@ -14399,12 +14399,12 @@
           <a:graphicData uri="http://schemas.openxmlformats.org/presentationml/2006/ole">
             <mc:AlternateContent xmlns:mc="http://schemas.openxmlformats.org/markup-compatibility/2006">
               <mc:Choice xmlns:v="urn:schemas-microsoft-com:vml" Requires="v">
-                <p:oleObj name="Equation" r:id="rId2" imgW="444240" imgH="177480" progId="Equation.DSMT4">
+                <p:oleObj spid="_x0000_s1026" name="Equation" r:id="rId3" imgW="444240" imgH="177480" progId="Equation.DSMT4">
                   <p:embed/>
                 </p:oleObj>
               </mc:Choice>
               <mc:Fallback>
-                <p:oleObj name="Equation" r:id="rId2" imgW="444240" imgH="177480" progId="Equation.DSMT4">
+                <p:oleObj name="Equation" r:id="rId3" imgW="444240" imgH="177480" progId="Equation.DSMT4">
                   <p:embed/>
                   <p:pic>
                     <p:nvPicPr>
@@ -14415,7 +14415,7 @@
                       <p:nvPr/>
                     </p:nvPicPr>
                     <p:blipFill>
-                      <a:blip r:embed="rId3">
+                      <a:blip r:embed="rId4">
                         <a:extLst>
                           <a:ext uri="{28A0092B-C50C-407E-A947-70E740481C1C}">
                             <a14:useLocalDpi xmlns:a14="http://schemas.microsoft.com/office/drawing/2010/main" val="0"/>
@@ -14492,12 +14492,12 @@
           <a:graphicData uri="http://schemas.openxmlformats.org/presentationml/2006/ole">
             <mc:AlternateContent xmlns:mc="http://schemas.openxmlformats.org/markup-compatibility/2006">
               <mc:Choice xmlns:v="urn:schemas-microsoft-com:vml" Requires="v">
-                <p:oleObj name="Equation" r:id="rId4" imgW="761760" imgH="177480" progId="Equation.DSMT4">
+                <p:oleObj spid="_x0000_s1027" name="Equation" r:id="rId5" imgW="761760" imgH="177480" progId="Equation.DSMT4">
                   <p:embed/>
                 </p:oleObj>
               </mc:Choice>
               <mc:Fallback>
-                <p:oleObj name="Equation" r:id="rId4" imgW="761760" imgH="177480" progId="Equation.DSMT4">
+                <p:oleObj name="Equation" r:id="rId5" imgW="761760" imgH="177480" progId="Equation.DSMT4">
                   <p:embed/>
                   <p:pic>
                     <p:nvPicPr>
@@ -14508,7 +14508,7 @@
                       <p:nvPr/>
                     </p:nvPicPr>
                     <p:blipFill>
-                      <a:blip r:embed="rId5">
+                      <a:blip r:embed="rId6">
                         <a:extLst>
                           <a:ext uri="{28A0092B-C50C-407E-A947-70E740481C1C}">
                             <a14:useLocalDpi xmlns:a14="http://schemas.microsoft.com/office/drawing/2010/main" val="0"/>
@@ -14793,12 +14793,12 @@
           <a:graphicData uri="http://schemas.openxmlformats.org/presentationml/2006/ole">
             <mc:AlternateContent xmlns:mc="http://schemas.openxmlformats.org/markup-compatibility/2006">
               <mc:Choice xmlns:v="urn:schemas-microsoft-com:vml" Requires="v">
-                <p:oleObj name="Equation" r:id="rId6" imgW="482400" imgH="177480" progId="Equation.DSMT4">
+                <p:oleObj spid="_x0000_s1028" name="Equation" r:id="rId7" imgW="482400" imgH="177480" progId="Equation.DSMT4">
                   <p:embed/>
                 </p:oleObj>
               </mc:Choice>
               <mc:Fallback>
-                <p:oleObj name="Equation" r:id="rId6" imgW="482400" imgH="177480" progId="Equation.DSMT4">
+                <p:oleObj name="Equation" r:id="rId7" imgW="482400" imgH="177480" progId="Equation.DSMT4">
                   <p:embed/>
                   <p:pic>
                     <p:nvPicPr>
@@ -14809,7 +14809,7 @@
                       <p:nvPr/>
                     </p:nvPicPr>
                     <p:blipFill>
-                      <a:blip r:embed="rId7">
+                      <a:blip r:embed="rId8">
                         <a:extLst>
                           <a:ext uri="{28A0092B-C50C-407E-A947-70E740481C1C}">
                             <a14:useLocalDpi xmlns:a14="http://schemas.microsoft.com/office/drawing/2010/main" val="0"/>
@@ -15608,12 +15608,12 @@
           <a:graphicData uri="http://schemas.openxmlformats.org/presentationml/2006/ole">
             <mc:AlternateContent xmlns:mc="http://schemas.openxmlformats.org/markup-compatibility/2006">
               <mc:Choice xmlns:v="urn:schemas-microsoft-com:vml" Requires="v">
-                <p:oleObj name="Equation" r:id="rId2" imgW="444240" imgH="228600" progId="Equation.DSMT4">
+                <p:oleObj spid="_x0000_s2050" name="Equation" r:id="rId3" imgW="444240" imgH="228600" progId="Equation.DSMT4">
                   <p:embed/>
                 </p:oleObj>
               </mc:Choice>
               <mc:Fallback>
-                <p:oleObj name="Equation" r:id="rId2" imgW="444240" imgH="228600" progId="Equation.DSMT4">
+                <p:oleObj name="Equation" r:id="rId3" imgW="444240" imgH="228600" progId="Equation.DSMT4">
                   <p:embed/>
                   <p:pic>
                     <p:nvPicPr>
@@ -15624,7 +15624,7 @@
                       <p:nvPr/>
                     </p:nvPicPr>
                     <p:blipFill>
-                      <a:blip r:embed="rId3">
+                      <a:blip r:embed="rId4">
                         <a:extLst>
                           <a:ext uri="{28A0092B-C50C-407E-A947-70E740481C1C}">
                             <a14:useLocalDpi xmlns:a14="http://schemas.microsoft.com/office/drawing/2010/main" val="0"/>
@@ -15701,12 +15701,12 @@
           <a:graphicData uri="http://schemas.openxmlformats.org/presentationml/2006/ole">
             <mc:AlternateContent xmlns:mc="http://schemas.openxmlformats.org/markup-compatibility/2006">
               <mc:Choice xmlns:v="urn:schemas-microsoft-com:vml" Requires="v">
-                <p:oleObj name="Equation" r:id="rId4" imgW="838080" imgH="228600" progId="Equation.DSMT4">
+                <p:oleObj spid="_x0000_s2051" name="Equation" r:id="rId5" imgW="838080" imgH="228600" progId="Equation.DSMT4">
                   <p:embed/>
                 </p:oleObj>
               </mc:Choice>
               <mc:Fallback>
-                <p:oleObj name="Equation" r:id="rId4" imgW="838080" imgH="228600" progId="Equation.DSMT4">
+                <p:oleObj name="Equation" r:id="rId5" imgW="838080" imgH="228600" progId="Equation.DSMT4">
                   <p:embed/>
                   <p:pic>
                     <p:nvPicPr>
@@ -15717,7 +15717,7 @@
                       <p:nvPr/>
                     </p:nvPicPr>
                     <p:blipFill>
-                      <a:blip r:embed="rId5">
+                      <a:blip r:embed="rId6">
                         <a:extLst>
                           <a:ext uri="{28A0092B-C50C-407E-A947-70E740481C1C}">
                             <a14:useLocalDpi xmlns:a14="http://schemas.microsoft.com/office/drawing/2010/main" val="0"/>
@@ -15794,12 +15794,12 @@
           <a:graphicData uri="http://schemas.openxmlformats.org/presentationml/2006/ole">
             <mc:AlternateContent xmlns:mc="http://schemas.openxmlformats.org/markup-compatibility/2006">
               <mc:Choice xmlns:v="urn:schemas-microsoft-com:vml" Requires="v">
-                <p:oleObj name="Equation" r:id="rId6" imgW="583920" imgH="228600" progId="Equation.DSMT4">
+                <p:oleObj spid="_x0000_s2052" name="Equation" r:id="rId7" imgW="583920" imgH="228600" progId="Equation.DSMT4">
                   <p:embed/>
                 </p:oleObj>
               </mc:Choice>
               <mc:Fallback>
-                <p:oleObj name="Equation" r:id="rId6" imgW="583920" imgH="228600" progId="Equation.DSMT4">
+                <p:oleObj name="Equation" r:id="rId7" imgW="583920" imgH="228600" progId="Equation.DSMT4">
                   <p:embed/>
                   <p:pic>
                     <p:nvPicPr>
@@ -15810,7 +15810,7 @@
                       <p:nvPr/>
                     </p:nvPicPr>
                     <p:blipFill>
-                      <a:blip r:embed="rId7">
+                      <a:blip r:embed="rId8">
                         <a:extLst>
                           <a:ext uri="{28A0092B-C50C-407E-A947-70E740481C1C}">
                             <a14:useLocalDpi xmlns:a14="http://schemas.microsoft.com/office/drawing/2010/main" val="0"/>
@@ -15887,12 +15887,12 @@
           <a:graphicData uri="http://schemas.openxmlformats.org/presentationml/2006/ole">
             <mc:AlternateContent xmlns:mc="http://schemas.openxmlformats.org/markup-compatibility/2006">
               <mc:Choice xmlns:v="urn:schemas-microsoft-com:vml" Requires="v">
-                <p:oleObj name="Equation" r:id="rId8" imgW="545760" imgH="177480" progId="Equation.DSMT4">
+                <p:oleObj spid="_x0000_s2053" name="Equation" r:id="rId9" imgW="545760" imgH="177480" progId="Equation.DSMT4">
                   <p:embed/>
                 </p:oleObj>
               </mc:Choice>
               <mc:Fallback>
-                <p:oleObj name="Equation" r:id="rId8" imgW="545760" imgH="177480" progId="Equation.DSMT4">
+                <p:oleObj name="Equation" r:id="rId9" imgW="545760" imgH="177480" progId="Equation.DSMT4">
                   <p:embed/>
                   <p:pic>
                     <p:nvPicPr>
@@ -15903,7 +15903,7 @@
                       <p:nvPr/>
                     </p:nvPicPr>
                     <p:blipFill>
-                      <a:blip r:embed="rId9">
+                      <a:blip r:embed="rId10">
                         <a:extLst>
                           <a:ext uri="{28A0092B-C50C-407E-A947-70E740481C1C}">
                             <a14:useLocalDpi xmlns:a14="http://schemas.microsoft.com/office/drawing/2010/main" val="0"/>
@@ -15980,12 +15980,12 @@
           <a:graphicData uri="http://schemas.openxmlformats.org/presentationml/2006/ole">
             <mc:AlternateContent xmlns:mc="http://schemas.openxmlformats.org/markup-compatibility/2006">
               <mc:Choice xmlns:v="urn:schemas-microsoft-com:vml" Requires="v">
-                <p:oleObj name="Equation" r:id="rId10" imgW="1676160" imgH="228600" progId="Equation.DSMT4">
+                <p:oleObj spid="_x0000_s2054" name="Equation" r:id="rId11" imgW="1676160" imgH="228600" progId="Equation.DSMT4">
                   <p:embed/>
                 </p:oleObj>
               </mc:Choice>
               <mc:Fallback>
-                <p:oleObj name="Equation" r:id="rId10" imgW="1676160" imgH="228600" progId="Equation.DSMT4">
+                <p:oleObj name="Equation" r:id="rId11" imgW="1676160" imgH="228600" progId="Equation.DSMT4">
                   <p:embed/>
                   <p:pic>
                     <p:nvPicPr>
@@ -15996,7 +15996,7 @@
                       <p:nvPr/>
                     </p:nvPicPr>
                     <p:blipFill>
-                      <a:blip r:embed="rId11">
+                      <a:blip r:embed="rId12">
                         <a:extLst>
                           <a:ext uri="{28A0092B-C50C-407E-A947-70E740481C1C}">
                             <a14:useLocalDpi xmlns:a14="http://schemas.microsoft.com/office/drawing/2010/main" val="0"/>
@@ -16068,12 +16068,12 @@
           <a:graphicData uri="http://schemas.openxmlformats.org/presentationml/2006/ole">
             <mc:AlternateContent xmlns:mc="http://schemas.openxmlformats.org/markup-compatibility/2006">
               <mc:Choice xmlns:v="urn:schemas-microsoft-com:vml" Requires="v">
-                <p:oleObj name="Equation" r:id="rId12" imgW="545760" imgH="177480" progId="Equation.DSMT4">
+                <p:oleObj spid="_x0000_s2055" name="Equation" r:id="rId13" imgW="545760" imgH="177480" progId="Equation.DSMT4">
                   <p:embed/>
                 </p:oleObj>
               </mc:Choice>
               <mc:Fallback>
-                <p:oleObj name="Equation" r:id="rId12" imgW="545760" imgH="177480" progId="Equation.DSMT4">
+                <p:oleObj name="Equation" r:id="rId13" imgW="545760" imgH="177480" progId="Equation.DSMT4">
                   <p:embed/>
                   <p:pic>
                     <p:nvPicPr>
@@ -16084,7 +16084,7 @@
                       <p:nvPr/>
                     </p:nvPicPr>
                     <p:blipFill>
-                      <a:blip r:embed="rId13">
+                      <a:blip r:embed="rId14">
                         <a:extLst>
                           <a:ext uri="{28A0092B-C50C-407E-A947-70E740481C1C}">
                             <a14:useLocalDpi xmlns:a14="http://schemas.microsoft.com/office/drawing/2010/main" val="0"/>
@@ -16161,12 +16161,12 @@
           <a:graphicData uri="http://schemas.openxmlformats.org/presentationml/2006/ole">
             <mc:AlternateContent xmlns:mc="http://schemas.openxmlformats.org/markup-compatibility/2006">
               <mc:Choice xmlns:v="urn:schemas-microsoft-com:vml" Requires="v">
-                <p:oleObj name="Equation" r:id="rId14" imgW="545760" imgH="177480" progId="Equation.DSMT4">
+                <p:oleObj spid="_x0000_s2056" name="Equation" r:id="rId15" imgW="545760" imgH="177480" progId="Equation.DSMT4">
                   <p:embed/>
                 </p:oleObj>
               </mc:Choice>
               <mc:Fallback>
-                <p:oleObj name="Equation" r:id="rId14" imgW="545760" imgH="177480" progId="Equation.DSMT4">
+                <p:oleObj name="Equation" r:id="rId15" imgW="545760" imgH="177480" progId="Equation.DSMT4">
                   <p:embed/>
                   <p:pic>
                     <p:nvPicPr>
@@ -16177,7 +16177,7 @@
                       <p:nvPr/>
                     </p:nvPicPr>
                     <p:blipFill>
-                      <a:blip r:embed="rId9">
+                      <a:blip r:embed="rId10">
                         <a:extLst>
                           <a:ext uri="{28A0092B-C50C-407E-A947-70E740481C1C}">
                             <a14:useLocalDpi xmlns:a14="http://schemas.microsoft.com/office/drawing/2010/main" val="0"/>
@@ -16254,12 +16254,12 @@
           <a:graphicData uri="http://schemas.openxmlformats.org/presentationml/2006/ole">
             <mc:AlternateContent xmlns:mc="http://schemas.openxmlformats.org/markup-compatibility/2006">
               <mc:Choice xmlns:v="urn:schemas-microsoft-com:vml" Requires="v">
-                <p:oleObj name="Equation" r:id="rId15" imgW="495000" imgH="228600" progId="Equation.DSMT4">
+                <p:oleObj spid="_x0000_s2057" name="Equation" r:id="rId16" imgW="495000" imgH="228600" progId="Equation.DSMT4">
                   <p:embed/>
                 </p:oleObj>
               </mc:Choice>
               <mc:Fallback>
-                <p:oleObj name="Equation" r:id="rId15" imgW="495000" imgH="228600" progId="Equation.DSMT4">
+                <p:oleObj name="Equation" r:id="rId16" imgW="495000" imgH="228600" progId="Equation.DSMT4">
                   <p:embed/>
                   <p:pic>
                     <p:nvPicPr>
@@ -16270,7 +16270,7 @@
                       <p:nvPr/>
                     </p:nvPicPr>
                     <p:blipFill>
-                      <a:blip r:embed="rId16">
+                      <a:blip r:embed="rId17">
                         <a:extLst>
                           <a:ext uri="{28A0092B-C50C-407E-A947-70E740481C1C}">
                             <a14:useLocalDpi xmlns:a14="http://schemas.microsoft.com/office/drawing/2010/main" val="0"/>
@@ -18699,12 +18699,12 @@
           <a:graphicData uri="http://schemas.openxmlformats.org/presentationml/2006/ole">
             <mc:AlternateContent xmlns:mc="http://schemas.openxmlformats.org/markup-compatibility/2006">
               <mc:Choice xmlns:v="urn:schemas-microsoft-com:vml" Requires="v">
-                <p:oleObj name="Equation" r:id="rId2" imgW="469800" imgH="164880" progId="Equation.DSMT4">
+                <p:oleObj spid="_x0000_s3074" name="Equation" r:id="rId3" imgW="469800" imgH="164880" progId="Equation.DSMT4">
                   <p:embed/>
                 </p:oleObj>
               </mc:Choice>
               <mc:Fallback>
-                <p:oleObj name="Equation" r:id="rId2" imgW="469800" imgH="164880" progId="Equation.DSMT4">
+                <p:oleObj name="Equation" r:id="rId3" imgW="469800" imgH="164880" progId="Equation.DSMT4">
                   <p:embed/>
                   <p:pic>
                     <p:nvPicPr>
@@ -18715,7 +18715,7 @@
                       <p:nvPr/>
                     </p:nvPicPr>
                     <p:blipFill>
-                      <a:blip r:embed="rId3">
+                      <a:blip r:embed="rId4">
                         <a:extLst>
                           <a:ext uri="{28A0092B-C50C-407E-A947-70E740481C1C}">
                             <a14:useLocalDpi xmlns:a14="http://schemas.microsoft.com/office/drawing/2010/main" val="0"/>
@@ -18792,12 +18792,12 @@
           <a:graphicData uri="http://schemas.openxmlformats.org/presentationml/2006/ole">
             <mc:AlternateContent xmlns:mc="http://schemas.openxmlformats.org/markup-compatibility/2006">
               <mc:Choice xmlns:v="urn:schemas-microsoft-com:vml" Requires="v">
-                <p:oleObj name="Equation" r:id="rId4" imgW="736560" imgH="164880" progId="Equation.DSMT4">
+                <p:oleObj spid="_x0000_s3075" name="Equation" r:id="rId5" imgW="736560" imgH="164880" progId="Equation.DSMT4">
                   <p:embed/>
                 </p:oleObj>
               </mc:Choice>
               <mc:Fallback>
-                <p:oleObj name="Equation" r:id="rId4" imgW="736560" imgH="164880" progId="Equation.DSMT4">
+                <p:oleObj name="Equation" r:id="rId5" imgW="736560" imgH="164880" progId="Equation.DSMT4">
                   <p:embed/>
                   <p:pic>
                     <p:nvPicPr>
@@ -18808,7 +18808,7 @@
                       <p:nvPr/>
                     </p:nvPicPr>
                     <p:blipFill>
-                      <a:blip r:embed="rId5">
+                      <a:blip r:embed="rId6">
                         <a:extLst>
                           <a:ext uri="{28A0092B-C50C-407E-A947-70E740481C1C}">
                             <a14:useLocalDpi xmlns:a14="http://schemas.microsoft.com/office/drawing/2010/main" val="0"/>
@@ -18885,12 +18885,12 @@
           <a:graphicData uri="http://schemas.openxmlformats.org/presentationml/2006/ole">
             <mc:AlternateContent xmlns:mc="http://schemas.openxmlformats.org/markup-compatibility/2006">
               <mc:Choice xmlns:v="urn:schemas-microsoft-com:vml" Requires="v">
-                <p:oleObj name="Equation" r:id="rId6" imgW="431640" imgH="228600" progId="Equation.DSMT4">
+                <p:oleObj spid="_x0000_s3076" name="Equation" r:id="rId7" imgW="431640" imgH="228600" progId="Equation.DSMT4">
                   <p:embed/>
                 </p:oleObj>
               </mc:Choice>
               <mc:Fallback>
-                <p:oleObj name="Equation" r:id="rId6" imgW="431640" imgH="228600" progId="Equation.DSMT4">
+                <p:oleObj name="Equation" r:id="rId7" imgW="431640" imgH="228600" progId="Equation.DSMT4">
                   <p:embed/>
                   <p:pic>
                     <p:nvPicPr>
@@ -18901,7 +18901,7 @@
                       <p:nvPr/>
                     </p:nvPicPr>
                     <p:blipFill>
-                      <a:blip r:embed="rId7">
+                      <a:blip r:embed="rId8">
                         <a:extLst>
                           <a:ext uri="{28A0092B-C50C-407E-A947-70E740481C1C}">
                             <a14:useLocalDpi xmlns:a14="http://schemas.microsoft.com/office/drawing/2010/main" val="0"/>
@@ -19814,12 +19814,12 @@
           <a:graphicData uri="http://schemas.openxmlformats.org/presentationml/2006/ole">
             <mc:AlternateContent xmlns:mc="http://schemas.openxmlformats.org/markup-compatibility/2006">
               <mc:Choice xmlns:v="urn:schemas-microsoft-com:vml" Requires="v">
-                <p:oleObj name="Equation" r:id="rId2" imgW="787320" imgH="228600" progId="Equation.DSMT4">
+                <p:oleObj spid="_x0000_s4098" name="Equation" r:id="rId3" imgW="787320" imgH="228600" progId="Equation.DSMT4">
                   <p:embed/>
                 </p:oleObj>
               </mc:Choice>
               <mc:Fallback>
-                <p:oleObj name="Equation" r:id="rId2" imgW="787320" imgH="228600" progId="Equation.DSMT4">
+                <p:oleObj name="Equation" r:id="rId3" imgW="787320" imgH="228600" progId="Equation.DSMT4">
                   <p:embed/>
                   <p:pic>
                     <p:nvPicPr>
@@ -19830,7 +19830,7 @@
                       <p:nvPr/>
                     </p:nvPicPr>
                     <p:blipFill>
-                      <a:blip r:embed="rId3">
+                      <a:blip r:embed="rId4">
                         <a:extLst>
                           <a:ext uri="{28A0092B-C50C-407E-A947-70E740481C1C}">
                             <a14:useLocalDpi xmlns:a14="http://schemas.microsoft.com/office/drawing/2010/main" val="0"/>
@@ -20168,12 +20168,12 @@
           <a:graphicData uri="http://schemas.openxmlformats.org/presentationml/2006/ole">
             <mc:AlternateContent xmlns:mc="http://schemas.openxmlformats.org/markup-compatibility/2006">
               <mc:Choice xmlns:v="urn:schemas-microsoft-com:vml" Requires="v">
-                <p:oleObj name="Equation" r:id="rId4" imgW="533160" imgH="228600" progId="Equation.DSMT4">
+                <p:oleObj spid="_x0000_s4099" name="Equation" r:id="rId5" imgW="533160" imgH="228600" progId="Equation.DSMT4">
                   <p:embed/>
                 </p:oleObj>
               </mc:Choice>
               <mc:Fallback>
-                <p:oleObj name="Equation" r:id="rId4" imgW="533160" imgH="228600" progId="Equation.DSMT4">
+                <p:oleObj name="Equation" r:id="rId5" imgW="533160" imgH="228600" progId="Equation.DSMT4">
                   <p:embed/>
                   <p:pic>
                     <p:nvPicPr>
@@ -20184,7 +20184,7 @@
                       <p:nvPr/>
                     </p:nvPicPr>
                     <p:blipFill>
-                      <a:blip r:embed="rId5">
+                      <a:blip r:embed="rId6">
                         <a:extLst>
                           <a:ext uri="{28A0092B-C50C-407E-A947-70E740481C1C}">
                             <a14:useLocalDpi xmlns:a14="http://schemas.microsoft.com/office/drawing/2010/main" val="0"/>
@@ -20261,12 +20261,12 @@
           <a:graphicData uri="http://schemas.openxmlformats.org/presentationml/2006/ole">
             <mc:AlternateContent xmlns:mc="http://schemas.openxmlformats.org/markup-compatibility/2006">
               <mc:Choice xmlns:v="urn:schemas-microsoft-com:vml" Requires="v">
-                <p:oleObj name="Equation" r:id="rId6" imgW="444240" imgH="228600" progId="Equation.DSMT4">
+                <p:oleObj spid="_x0000_s4100" name="Equation" r:id="rId7" imgW="444240" imgH="228600" progId="Equation.DSMT4">
                   <p:embed/>
                 </p:oleObj>
               </mc:Choice>
               <mc:Fallback>
-                <p:oleObj name="Equation" r:id="rId6" imgW="444240" imgH="228600" progId="Equation.DSMT4">
+                <p:oleObj name="Equation" r:id="rId7" imgW="444240" imgH="228600" progId="Equation.DSMT4">
                   <p:embed/>
                   <p:pic>
                     <p:nvPicPr>
@@ -20277,7 +20277,7 @@
                       <p:nvPr/>
                     </p:nvPicPr>
                     <p:blipFill>
-                      <a:blip r:embed="rId7">
+                      <a:blip r:embed="rId8">
                         <a:extLst>
                           <a:ext uri="{28A0092B-C50C-407E-A947-70E740481C1C}">
                             <a14:useLocalDpi xmlns:a14="http://schemas.microsoft.com/office/drawing/2010/main" val="0"/>
@@ -20354,12 +20354,12 @@
           <a:graphicData uri="http://schemas.openxmlformats.org/presentationml/2006/ole">
             <mc:AlternateContent xmlns:mc="http://schemas.openxmlformats.org/markup-compatibility/2006">
               <mc:Choice xmlns:v="urn:schemas-microsoft-com:vml" Requires="v">
-                <p:oleObj name="Equation" r:id="rId8" imgW="761760" imgH="228600" progId="Equation.DSMT4">
+                <p:oleObj spid="_x0000_s4101" name="Equation" r:id="rId9" imgW="761760" imgH="228600" progId="Equation.DSMT4">
                   <p:embed/>
                 </p:oleObj>
               </mc:Choice>
               <mc:Fallback>
-                <p:oleObj name="Equation" r:id="rId8" imgW="761760" imgH="228600" progId="Equation.DSMT4">
+                <p:oleObj name="Equation" r:id="rId9" imgW="761760" imgH="228600" progId="Equation.DSMT4">
                   <p:embed/>
                   <p:pic>
                     <p:nvPicPr>
@@ -20370,7 +20370,7 @@
                       <p:nvPr/>
                     </p:nvPicPr>
                     <p:blipFill>
-                      <a:blip r:embed="rId9">
+                      <a:blip r:embed="rId10">
                         <a:extLst>
                           <a:ext uri="{28A0092B-C50C-407E-A947-70E740481C1C}">
                             <a14:useLocalDpi xmlns:a14="http://schemas.microsoft.com/office/drawing/2010/main" val="0"/>
@@ -20447,12 +20447,12 @@
           <a:graphicData uri="http://schemas.openxmlformats.org/presentationml/2006/ole">
             <mc:AlternateContent xmlns:mc="http://schemas.openxmlformats.org/markup-compatibility/2006">
               <mc:Choice xmlns:v="urn:schemas-microsoft-com:vml" Requires="v">
-                <p:oleObj name="Equation" r:id="rId10" imgW="1066680" imgH="228600" progId="Equation.DSMT4">
+                <p:oleObj spid="_x0000_s4102" name="Equation" r:id="rId11" imgW="1066680" imgH="228600" progId="Equation.DSMT4">
                   <p:embed/>
                 </p:oleObj>
               </mc:Choice>
               <mc:Fallback>
-                <p:oleObj name="Equation" r:id="rId10" imgW="1066680" imgH="228600" progId="Equation.DSMT4">
+                <p:oleObj name="Equation" r:id="rId11" imgW="1066680" imgH="228600" progId="Equation.DSMT4">
                   <p:embed/>
                   <p:pic>
                     <p:nvPicPr>
@@ -20463,7 +20463,7 @@
                       <p:nvPr/>
                     </p:nvPicPr>
                     <p:blipFill>
-                      <a:blip r:embed="rId11">
+                      <a:blip r:embed="rId12">
                         <a:extLst>
                           <a:ext uri="{28A0092B-C50C-407E-A947-70E740481C1C}">
                             <a14:useLocalDpi xmlns:a14="http://schemas.microsoft.com/office/drawing/2010/main" val="0"/>
@@ -20540,12 +20540,12 @@
           <a:graphicData uri="http://schemas.openxmlformats.org/presentationml/2006/ole">
             <mc:AlternateContent xmlns:mc="http://schemas.openxmlformats.org/markup-compatibility/2006">
               <mc:Choice xmlns:v="urn:schemas-microsoft-com:vml" Requires="v">
-                <p:oleObj name="Equation" r:id="rId12" imgW="901440" imgH="228600" progId="Equation.DSMT4">
+                <p:oleObj spid="_x0000_s4103" name="Equation" r:id="rId13" imgW="901440" imgH="228600" progId="Equation.DSMT4">
                   <p:embed/>
                 </p:oleObj>
               </mc:Choice>
               <mc:Fallback>
-                <p:oleObj name="Equation" r:id="rId12" imgW="901440" imgH="228600" progId="Equation.DSMT4">
+                <p:oleObj name="Equation" r:id="rId13" imgW="901440" imgH="228600" progId="Equation.DSMT4">
                   <p:embed/>
                   <p:pic>
                     <p:nvPicPr>
@@ -20556,7 +20556,7 @@
                       <p:nvPr/>
                     </p:nvPicPr>
                     <p:blipFill>
-                      <a:blip r:embed="rId13">
+                      <a:blip r:embed="rId14">
                         <a:extLst>
                           <a:ext uri="{28A0092B-C50C-407E-A947-70E740481C1C}">
                             <a14:useLocalDpi xmlns:a14="http://schemas.microsoft.com/office/drawing/2010/main" val="0"/>
@@ -20633,12 +20633,12 @@
           <a:graphicData uri="http://schemas.openxmlformats.org/presentationml/2006/ole">
             <mc:AlternateContent xmlns:mc="http://schemas.openxmlformats.org/markup-compatibility/2006">
               <mc:Choice xmlns:v="urn:schemas-microsoft-com:vml" Requires="v">
-                <p:oleObj name="Equation" r:id="rId14" imgW="520560" imgH="228600" progId="Equation.DSMT4">
+                <p:oleObj spid="_x0000_s4104" name="Equation" r:id="rId15" imgW="520560" imgH="228600" progId="Equation.DSMT4">
                   <p:embed/>
                 </p:oleObj>
               </mc:Choice>
               <mc:Fallback>
-                <p:oleObj name="Equation" r:id="rId14" imgW="520560" imgH="228600" progId="Equation.DSMT4">
+                <p:oleObj name="Equation" r:id="rId15" imgW="520560" imgH="228600" progId="Equation.DSMT4">
                   <p:embed/>
                   <p:pic>
                     <p:nvPicPr>
@@ -20649,7 +20649,7 @@
                       <p:nvPr/>
                     </p:nvPicPr>
                     <p:blipFill>
-                      <a:blip r:embed="rId15">
+                      <a:blip r:embed="rId16">
                         <a:extLst>
                           <a:ext uri="{28A0092B-C50C-407E-A947-70E740481C1C}">
                             <a14:useLocalDpi xmlns:a14="http://schemas.microsoft.com/office/drawing/2010/main" val="0"/>
@@ -22421,12 +22421,12 @@
           <a:graphicData uri="http://schemas.openxmlformats.org/presentationml/2006/ole">
             <mc:AlternateContent xmlns:mc="http://schemas.openxmlformats.org/markup-compatibility/2006">
               <mc:Choice xmlns:v="urn:schemas-microsoft-com:vml" Requires="v">
-                <p:oleObj name="Equation" r:id="rId2" imgW="838080" imgH="228600" progId="Equation.DSMT4">
+                <p:oleObj spid="_x0000_s5122" name="Equation" r:id="rId3" imgW="838080" imgH="228600" progId="Equation.DSMT4">
                   <p:embed/>
                 </p:oleObj>
               </mc:Choice>
               <mc:Fallback>
-                <p:oleObj name="Equation" r:id="rId2" imgW="838080" imgH="228600" progId="Equation.DSMT4">
+                <p:oleObj name="Equation" r:id="rId3" imgW="838080" imgH="228600" progId="Equation.DSMT4">
                   <p:embed/>
                   <p:pic>
                     <p:nvPicPr>
@@ -22437,7 +22437,7 @@
                       <p:nvPr/>
                     </p:nvPicPr>
                     <p:blipFill>
-                      <a:blip r:embed="rId3">
+                      <a:blip r:embed="rId4">
                         <a:extLst>
                           <a:ext uri="{28A0092B-C50C-407E-A947-70E740481C1C}">
                             <a14:useLocalDpi xmlns:a14="http://schemas.microsoft.com/office/drawing/2010/main" val="0"/>
@@ -23250,12 +23250,12 @@
           <a:graphicData uri="http://schemas.openxmlformats.org/presentationml/2006/ole">
             <mc:AlternateContent xmlns:mc="http://schemas.openxmlformats.org/markup-compatibility/2006">
               <mc:Choice xmlns:v="urn:schemas-microsoft-com:vml" Requires="v">
-                <p:oleObj name="Equation" r:id="rId2" imgW="1143000" imgH="228600" progId="Equation.DSMT4">
+                <p:oleObj spid="_x0000_s6146" name="Equation" r:id="rId3" imgW="1143000" imgH="228600" progId="Equation.DSMT4">
                   <p:embed/>
                 </p:oleObj>
               </mc:Choice>
               <mc:Fallback>
-                <p:oleObj name="Equation" r:id="rId2" imgW="1143000" imgH="228600" progId="Equation.DSMT4">
+                <p:oleObj name="Equation" r:id="rId3" imgW="1143000" imgH="228600" progId="Equation.DSMT4">
                   <p:embed/>
                   <p:pic>
                     <p:nvPicPr>
@@ -23266,7 +23266,7 @@
                       <p:nvPr/>
                     </p:nvPicPr>
                     <p:blipFill>
-                      <a:blip r:embed="rId3">
+                      <a:blip r:embed="rId4">
                         <a:extLst>
                           <a:ext uri="{28A0092B-C50C-407E-A947-70E740481C1C}">
                             <a14:useLocalDpi xmlns:a14="http://schemas.microsoft.com/office/drawing/2010/main" val="0"/>
@@ -23343,12 +23343,12 @@
           <a:graphicData uri="http://schemas.openxmlformats.org/presentationml/2006/ole">
             <mc:AlternateContent xmlns:mc="http://schemas.openxmlformats.org/markup-compatibility/2006">
               <mc:Choice xmlns:v="urn:schemas-microsoft-com:vml" Requires="v">
-                <p:oleObj name="Equation" r:id="rId4" imgW="469800" imgH="152280" progId="Equation.DSMT4">
+                <p:oleObj spid="_x0000_s6147" name="Equation" r:id="rId5" imgW="469800" imgH="152280" progId="Equation.DSMT4">
                   <p:embed/>
                 </p:oleObj>
               </mc:Choice>
               <mc:Fallback>
-                <p:oleObj name="Equation" r:id="rId4" imgW="469800" imgH="152280" progId="Equation.DSMT4">
+                <p:oleObj name="Equation" r:id="rId5" imgW="469800" imgH="152280" progId="Equation.DSMT4">
                   <p:embed/>
                   <p:pic>
                     <p:nvPicPr>
@@ -23359,7 +23359,7 @@
                       <p:nvPr/>
                     </p:nvPicPr>
                     <p:blipFill>
-                      <a:blip r:embed="rId5">
+                      <a:blip r:embed="rId6">
                         <a:extLst>
                           <a:ext uri="{28A0092B-C50C-407E-A947-70E740481C1C}">
                             <a14:useLocalDpi xmlns:a14="http://schemas.microsoft.com/office/drawing/2010/main" val="0"/>
@@ -23436,12 +23436,12 @@
           <a:graphicData uri="http://schemas.openxmlformats.org/presentationml/2006/ole">
             <mc:AlternateContent xmlns:mc="http://schemas.openxmlformats.org/markup-compatibility/2006">
               <mc:Choice xmlns:v="urn:schemas-microsoft-com:vml" Requires="v">
-                <p:oleObj name="Equation" r:id="rId6" imgW="406080" imgH="177480" progId="Equation.DSMT4">
+                <p:oleObj spid="_x0000_s6148" name="Equation" r:id="rId7" imgW="406080" imgH="177480" progId="Equation.DSMT4">
                   <p:embed/>
                 </p:oleObj>
               </mc:Choice>
               <mc:Fallback>
-                <p:oleObj name="Equation" r:id="rId6" imgW="406080" imgH="177480" progId="Equation.DSMT4">
+                <p:oleObj name="Equation" r:id="rId7" imgW="406080" imgH="177480" progId="Equation.DSMT4">
                   <p:embed/>
                   <p:pic>
                     <p:nvPicPr>
@@ -23452,7 +23452,7 @@
                       <p:nvPr/>
                     </p:nvPicPr>
                     <p:blipFill>
-                      <a:blip r:embed="rId7">
+                      <a:blip r:embed="rId8">
                         <a:extLst>
                           <a:ext uri="{28A0092B-C50C-407E-A947-70E740481C1C}">
                             <a14:useLocalDpi xmlns:a14="http://schemas.microsoft.com/office/drawing/2010/main" val="0"/>
@@ -23529,12 +23529,12 @@
           <a:graphicData uri="http://schemas.openxmlformats.org/presentationml/2006/ole">
             <mc:AlternateContent xmlns:mc="http://schemas.openxmlformats.org/markup-compatibility/2006">
               <mc:Choice xmlns:v="urn:schemas-microsoft-com:vml" Requires="v">
-                <p:oleObj name="Equation" r:id="rId8" imgW="939600" imgH="228600" progId="Equation.DSMT4">
+                <p:oleObj spid="_x0000_s6149" name="Equation" r:id="rId9" imgW="939600" imgH="228600" progId="Equation.DSMT4">
                   <p:embed/>
                 </p:oleObj>
               </mc:Choice>
               <mc:Fallback>
-                <p:oleObj name="Equation" r:id="rId8" imgW="939600" imgH="228600" progId="Equation.DSMT4">
+                <p:oleObj name="Equation" r:id="rId9" imgW="939600" imgH="228600" progId="Equation.DSMT4">
                   <p:embed/>
                   <p:pic>
                     <p:nvPicPr>
@@ -23545,7 +23545,7 @@
                       <p:nvPr/>
                     </p:nvPicPr>
                     <p:blipFill>
-                      <a:blip r:embed="rId9">
+                      <a:blip r:embed="rId10">
                         <a:extLst>
                           <a:ext uri="{28A0092B-C50C-407E-A947-70E740481C1C}">
                             <a14:useLocalDpi xmlns:a14="http://schemas.microsoft.com/office/drawing/2010/main" val="0"/>
@@ -23622,12 +23622,12 @@
           <a:graphicData uri="http://schemas.openxmlformats.org/presentationml/2006/ole">
             <mc:AlternateContent xmlns:mc="http://schemas.openxmlformats.org/markup-compatibility/2006">
               <mc:Choice xmlns:v="urn:schemas-microsoft-com:vml" Requires="v">
-                <p:oleObj name="Equation" r:id="rId10" imgW="736560" imgH="241200" progId="Equation.DSMT4">
+                <p:oleObj spid="_x0000_s6150" name="Equation" r:id="rId11" imgW="736560" imgH="241200" progId="Equation.DSMT4">
                   <p:embed/>
                 </p:oleObj>
               </mc:Choice>
               <mc:Fallback>
-                <p:oleObj name="Equation" r:id="rId10" imgW="736560" imgH="241200" progId="Equation.DSMT4">
+                <p:oleObj name="Equation" r:id="rId11" imgW="736560" imgH="241200" progId="Equation.DSMT4">
                   <p:embed/>
                   <p:pic>
                     <p:nvPicPr>
@@ -23638,7 +23638,7 @@
                       <p:nvPr/>
                     </p:nvPicPr>
                     <p:blipFill>
-                      <a:blip r:embed="rId11">
+                      <a:blip r:embed="rId12">
                         <a:extLst>
                           <a:ext uri="{28A0092B-C50C-407E-A947-70E740481C1C}">
                             <a14:useLocalDpi xmlns:a14="http://schemas.microsoft.com/office/drawing/2010/main" val="0"/>
@@ -23715,12 +23715,12 @@
           <a:graphicData uri="http://schemas.openxmlformats.org/presentationml/2006/ole">
             <mc:AlternateContent xmlns:mc="http://schemas.openxmlformats.org/markup-compatibility/2006">
               <mc:Choice xmlns:v="urn:schemas-microsoft-com:vml" Requires="v">
-                <p:oleObj name="Equation" r:id="rId12" imgW="723600" imgH="203040" progId="Equation.DSMT4">
+                <p:oleObj spid="_x0000_s6151" name="Equation" r:id="rId13" imgW="723600" imgH="203040" progId="Equation.DSMT4">
                   <p:embed/>
                 </p:oleObj>
               </mc:Choice>
               <mc:Fallback>
-                <p:oleObj name="Equation" r:id="rId12" imgW="723600" imgH="203040" progId="Equation.DSMT4">
+                <p:oleObj name="Equation" r:id="rId13" imgW="723600" imgH="203040" progId="Equation.DSMT4">
                   <p:embed/>
                   <p:pic>
                     <p:nvPicPr>
@@ -23731,7 +23731,7 @@
                       <p:nvPr/>
                     </p:nvPicPr>
                     <p:blipFill>
-                      <a:blip r:embed="rId13">
+                      <a:blip r:embed="rId14">
                         <a:extLst>
                           <a:ext uri="{28A0092B-C50C-407E-A947-70E740481C1C}">
                             <a14:useLocalDpi xmlns:a14="http://schemas.microsoft.com/office/drawing/2010/main" val="0"/>
@@ -23932,12 +23932,12 @@
           <a:graphicData uri="http://schemas.openxmlformats.org/presentationml/2006/ole">
             <mc:AlternateContent xmlns:mc="http://schemas.openxmlformats.org/markup-compatibility/2006">
               <mc:Choice xmlns:v="urn:schemas-microsoft-com:vml" Requires="v">
-                <p:oleObj name="Equation" r:id="rId14" imgW="1676160" imgH="228600" progId="Equation.DSMT4">
+                <p:oleObj spid="_x0000_s6152" name="Equation" r:id="rId15" imgW="1676160" imgH="228600" progId="Equation.DSMT4">
                   <p:embed/>
                 </p:oleObj>
               </mc:Choice>
               <mc:Fallback>
-                <p:oleObj name="Equation" r:id="rId14" imgW="1676160" imgH="228600" progId="Equation.DSMT4">
+                <p:oleObj name="Equation" r:id="rId15" imgW="1676160" imgH="228600" progId="Equation.DSMT4">
                   <p:embed/>
                   <p:pic>
                     <p:nvPicPr>
@@ -23948,7 +23948,7 @@
                       <p:nvPr/>
                     </p:nvPicPr>
                     <p:blipFill>
-                      <a:blip r:embed="rId15">
+                      <a:blip r:embed="rId16">
                         <a:extLst>
                           <a:ext uri="{28A0092B-C50C-407E-A947-70E740481C1C}">
                             <a14:useLocalDpi xmlns:a14="http://schemas.microsoft.com/office/drawing/2010/main" val="0"/>
